--- a/puzzle9_resourceGuide.pptx
+++ b/puzzle9_resourceGuide.pptx
@@ -7,7 +7,11 @@
   <p:sldIdLst>
     <p:sldId id="256" r:id="rId2"/>
     <p:sldId id="258" r:id="rId3"/>
-    <p:sldId id="257" r:id="rId4"/>
+    <p:sldId id="259" r:id="rId4"/>
+    <p:sldId id="260" r:id="rId5"/>
+    <p:sldId id="261" r:id="rId6"/>
+    <p:sldId id="262" r:id="rId7"/>
+    <p:sldId id="263" r:id="rId8"/>
   </p:sldIdLst>
   <p:sldSz cx="9144000" cy="6858000" type="screen4x3"/>
   <p:notesSz cx="6858000" cy="9144000"/>
@@ -290,7 +294,7 @@
           <a:p>
             <a:fld id="{83C2B043-E5D7-564F-B47B-C0FE35424682}" type="datetimeFigureOut">
               <a:rPr lang="en-US" smtClean="0"/>
-              <a:t>10/17/15</a:t>
+              <a:t>10/24/15</a:t>
             </a:fld>
             <a:endParaRPr lang="en-US"/>
           </a:p>
@@ -460,7 +464,7 @@
           <a:p>
             <a:fld id="{83C2B043-E5D7-564F-B47B-C0FE35424682}" type="datetimeFigureOut">
               <a:rPr lang="en-US" smtClean="0"/>
-              <a:t>10/17/15</a:t>
+              <a:t>10/24/15</a:t>
             </a:fld>
             <a:endParaRPr lang="en-US"/>
           </a:p>
@@ -640,7 +644,7 @@
           <a:p>
             <a:fld id="{83C2B043-E5D7-564F-B47B-C0FE35424682}" type="datetimeFigureOut">
               <a:rPr lang="en-US" smtClean="0"/>
-              <a:t>10/17/15</a:t>
+              <a:t>10/24/15</a:t>
             </a:fld>
             <a:endParaRPr lang="en-US"/>
           </a:p>
@@ -810,7 +814,7 @@
           <a:p>
             <a:fld id="{83C2B043-E5D7-564F-B47B-C0FE35424682}" type="datetimeFigureOut">
               <a:rPr lang="en-US" smtClean="0"/>
-              <a:t>10/17/15</a:t>
+              <a:t>10/24/15</a:t>
             </a:fld>
             <a:endParaRPr lang="en-US"/>
           </a:p>
@@ -1056,7 +1060,7 @@
           <a:p>
             <a:fld id="{83C2B043-E5D7-564F-B47B-C0FE35424682}" type="datetimeFigureOut">
               <a:rPr lang="en-US" smtClean="0"/>
-              <a:t>10/17/15</a:t>
+              <a:t>10/24/15</a:t>
             </a:fld>
             <a:endParaRPr lang="en-US"/>
           </a:p>
@@ -1344,7 +1348,7 @@
           <a:p>
             <a:fld id="{83C2B043-E5D7-564F-B47B-C0FE35424682}" type="datetimeFigureOut">
               <a:rPr lang="en-US" smtClean="0"/>
-              <a:t>10/17/15</a:t>
+              <a:t>10/24/15</a:t>
             </a:fld>
             <a:endParaRPr lang="en-US"/>
           </a:p>
@@ -1766,7 +1770,7 @@
           <a:p>
             <a:fld id="{83C2B043-E5D7-564F-B47B-C0FE35424682}" type="datetimeFigureOut">
               <a:rPr lang="en-US" smtClean="0"/>
-              <a:t>10/17/15</a:t>
+              <a:t>10/24/15</a:t>
             </a:fld>
             <a:endParaRPr lang="en-US"/>
           </a:p>
@@ -1884,7 +1888,7 @@
           <a:p>
             <a:fld id="{83C2B043-E5D7-564F-B47B-C0FE35424682}" type="datetimeFigureOut">
               <a:rPr lang="en-US" smtClean="0"/>
-              <a:t>10/17/15</a:t>
+              <a:t>10/24/15</a:t>
             </a:fld>
             <a:endParaRPr lang="en-US"/>
           </a:p>
@@ -1979,7 +1983,7 @@
           <a:p>
             <a:fld id="{83C2B043-E5D7-564F-B47B-C0FE35424682}" type="datetimeFigureOut">
               <a:rPr lang="en-US" smtClean="0"/>
-              <a:t>10/17/15</a:t>
+              <a:t>10/24/15</a:t>
             </a:fld>
             <a:endParaRPr lang="en-US"/>
           </a:p>
@@ -2256,7 +2260,7 @@
           <a:p>
             <a:fld id="{83C2B043-E5D7-564F-B47B-C0FE35424682}" type="datetimeFigureOut">
               <a:rPr lang="en-US" smtClean="0"/>
-              <a:t>10/17/15</a:t>
+              <a:t>10/24/15</a:t>
             </a:fld>
             <a:endParaRPr lang="en-US"/>
           </a:p>
@@ -2509,7 +2513,7 @@
           <a:p>
             <a:fld id="{83C2B043-E5D7-564F-B47B-C0FE35424682}" type="datetimeFigureOut">
               <a:rPr lang="en-US" smtClean="0"/>
-              <a:t>10/17/15</a:t>
+              <a:t>10/24/15</a:t>
             </a:fld>
             <a:endParaRPr lang="en-US"/>
           </a:p>
@@ -2722,7 +2726,7 @@
           <a:p>
             <a:fld id="{83C2B043-E5D7-564F-B47B-C0FE35424682}" type="datetimeFigureOut">
               <a:rPr lang="en-US" smtClean="0"/>
-              <a:t>10/17/15</a:t>
+              <a:t>10/24/15</a:t>
             </a:fld>
             <a:endParaRPr lang="en-US"/>
           </a:p>
@@ -3308,11 +3312,7 @@
             </a:r>
             <a:r>
               <a:rPr lang="en-US" sz="1000" dirty="0" smtClean="0"/>
-              <a:t>rading </a:t>
-            </a:r>
-            <a:r>
-              <a:rPr lang="en-US" sz="1000" dirty="0" smtClean="0"/>
-              <a:t>post</a:t>
+              <a:t>rading post</a:t>
             </a:r>
             <a:endParaRPr lang="en-US" sz="1000" dirty="0"/>
           </a:p>
@@ -3476,7 +3476,7 @@
         </p:nvSpPr>
         <p:spPr>
           <a:xfrm>
-            <a:off x="6260125" y="5503880"/>
+            <a:off x="4892659" y="5568709"/>
             <a:ext cx="535198" cy="246221"/>
           </a:xfrm>
           <a:prstGeom prst="rect">
@@ -3616,8 +3616,124 @@
             </a:r>
             <a:r>
               <a:rPr lang="en-US" sz="1000" dirty="0" smtClean="0"/>
-              <a:t>ured </a:t>
-            </a:r>
+              <a:t>ured meat</a:t>
+            </a:r>
+            <a:endParaRPr lang="en-US" sz="1000" dirty="0"/>
+          </a:p>
+        </p:txBody>
+      </p:sp>
+      <p:sp>
+        <p:nvSpPr>
+          <p:cNvPr id="22" name="TextBox 21"/>
+          <p:cNvSpPr txBox="1"/>
+          <p:nvPr/>
+        </p:nvSpPr>
+        <p:spPr>
+          <a:xfrm>
+            <a:off x="2780790" y="2652056"/>
+            <a:ext cx="338554" cy="246221"/>
+          </a:xfrm>
+          <a:prstGeom prst="rect">
+            <a:avLst/>
+          </a:prstGeom>
+          <a:noFill/>
+        </p:spPr>
+        <p:txBody>
+          <a:bodyPr wrap="none" rtlCol="0">
+            <a:spAutoFit/>
+          </a:bodyPr>
+          <a:lstStyle/>
+          <a:p>
+            <a:r>
+              <a:rPr lang="en-US" sz="1000" dirty="0" smtClean="0"/>
+              <a:t>fur</a:t>
+            </a:r>
+            <a:endParaRPr lang="en-US" sz="1000" dirty="0"/>
+          </a:p>
+        </p:txBody>
+      </p:sp>
+      <p:sp>
+        <p:nvSpPr>
+          <p:cNvPr id="23" name="TextBox 22"/>
+          <p:cNvSpPr txBox="1"/>
+          <p:nvPr/>
+        </p:nvSpPr>
+        <p:spPr>
+          <a:xfrm>
+            <a:off x="7849587" y="2496319"/>
+            <a:ext cx="393808" cy="246221"/>
+          </a:xfrm>
+          <a:prstGeom prst="rect">
+            <a:avLst/>
+          </a:prstGeom>
+          <a:noFill/>
+        </p:spPr>
+        <p:txBody>
+          <a:bodyPr wrap="none" rtlCol="0">
+            <a:spAutoFit/>
+          </a:bodyPr>
+          <a:lstStyle/>
+          <a:p>
+            <a:r>
+              <a:rPr lang="en-US" sz="1000" dirty="0" smtClean="0"/>
+              <a:t>iron</a:t>
+            </a:r>
+            <a:endParaRPr lang="en-US" sz="1000" dirty="0"/>
+          </a:p>
+        </p:txBody>
+      </p:sp>
+      <p:sp>
+        <p:nvSpPr>
+          <p:cNvPr id="24" name="TextBox 23"/>
+          <p:cNvSpPr txBox="1"/>
+          <p:nvPr/>
+        </p:nvSpPr>
+        <p:spPr>
+          <a:xfrm>
+            <a:off x="4671185" y="2547282"/>
+            <a:ext cx="569387" cy="246221"/>
+          </a:xfrm>
+          <a:prstGeom prst="rect">
+            <a:avLst/>
+          </a:prstGeom>
+          <a:noFill/>
+        </p:spPr>
+        <p:txBody>
+          <a:bodyPr wrap="none" rtlCol="0">
+            <a:spAutoFit/>
+          </a:bodyPr>
+          <a:lstStyle/>
+          <a:p>
+            <a:r>
+              <a:rPr lang="en-US" sz="1000" dirty="0" smtClean="0"/>
+              <a:t>leather</a:t>
+            </a:r>
+            <a:endParaRPr lang="en-US" sz="1000" dirty="0"/>
+          </a:p>
+        </p:txBody>
+      </p:sp>
+      <p:sp>
+        <p:nvSpPr>
+          <p:cNvPr id="25" name="TextBox 24"/>
+          <p:cNvSpPr txBox="1"/>
+          <p:nvPr/>
+        </p:nvSpPr>
+        <p:spPr>
+          <a:xfrm>
+            <a:off x="2696355" y="2364737"/>
+            <a:ext cx="455298" cy="246221"/>
+          </a:xfrm>
+          <a:prstGeom prst="rect">
+            <a:avLst/>
+          </a:prstGeom>
+          <a:noFill/>
+        </p:spPr>
+        <p:txBody>
+          <a:bodyPr wrap="none" rtlCol="0">
+            <a:spAutoFit/>
+          </a:bodyPr>
+          <a:lstStyle/>
+          <a:p>
             <a:r>
               <a:rPr lang="en-US" sz="1000" dirty="0" smtClean="0"/>
               <a:t>meat</a:t>
@@ -3628,14 +3744,14 @@
       </p:sp>
       <p:sp>
         <p:nvSpPr>
-          <p:cNvPr id="22" name="TextBox 21"/>
+          <p:cNvPr id="26" name="TextBox 25"/>
           <p:cNvSpPr txBox="1"/>
           <p:nvPr/>
         </p:nvSpPr>
         <p:spPr>
           <a:xfrm>
-            <a:off x="2780790" y="2652056"/>
-            <a:ext cx="338554" cy="246221"/>
+            <a:off x="6681802" y="1161771"/>
+            <a:ext cx="662561" cy="246221"/>
           </a:xfrm>
           <a:prstGeom prst="rect">
             <a:avLst/>
@@ -3650,7 +3766,7 @@
           <a:p>
             <a:r>
               <a:rPr lang="en-US" sz="1000" dirty="0" smtClean="0"/>
-              <a:t>fur</a:t>
+              <a:t>medicine</a:t>
             </a:r>
             <a:endParaRPr lang="en-US" sz="1000" dirty="0"/>
           </a:p>
@@ -3658,14 +3774,14 @@
       </p:sp>
       <p:sp>
         <p:nvSpPr>
-          <p:cNvPr id="23" name="TextBox 22"/>
+          <p:cNvPr id="27" name="TextBox 26"/>
           <p:cNvSpPr txBox="1"/>
           <p:nvPr/>
         </p:nvSpPr>
         <p:spPr>
           <a:xfrm>
-            <a:off x="7849587" y="2496319"/>
-            <a:ext cx="393808" cy="246221"/>
+            <a:off x="2212366" y="1683443"/>
+            <a:ext cx="493870" cy="246221"/>
           </a:xfrm>
           <a:prstGeom prst="rect">
             <a:avLst/>
@@ -3680,7 +3796,7 @@
           <a:p>
             <a:r>
               <a:rPr lang="en-US" sz="1000" dirty="0" smtClean="0"/>
-              <a:t>iron</a:t>
+              <a:t>scales</a:t>
             </a:r>
             <a:endParaRPr lang="en-US" sz="1000" dirty="0"/>
           </a:p>
@@ -3688,14 +3804,14 @@
       </p:sp>
       <p:sp>
         <p:nvSpPr>
-          <p:cNvPr id="24" name="TextBox 23"/>
+          <p:cNvPr id="28" name="TextBox 27"/>
           <p:cNvSpPr txBox="1"/>
           <p:nvPr/>
         </p:nvSpPr>
         <p:spPr>
           <a:xfrm>
-            <a:off x="4671185" y="2547282"/>
-            <a:ext cx="569387" cy="246221"/>
+            <a:off x="6940468" y="2547282"/>
+            <a:ext cx="434822" cy="246221"/>
           </a:xfrm>
           <a:prstGeom prst="rect">
             <a:avLst/>
@@ -3710,7 +3826,7 @@
           <a:p>
             <a:r>
               <a:rPr lang="en-US" sz="1000" dirty="0" smtClean="0"/>
-              <a:t>leather</a:t>
+              <a:t>steel</a:t>
             </a:r>
             <a:endParaRPr lang="en-US" sz="1000" dirty="0"/>
           </a:p>
@@ -3718,14 +3834,14 @@
       </p:sp>
       <p:sp>
         <p:nvSpPr>
-          <p:cNvPr id="25" name="TextBox 24"/>
+          <p:cNvPr id="29" name="TextBox 28"/>
           <p:cNvSpPr txBox="1"/>
           <p:nvPr/>
         </p:nvSpPr>
         <p:spPr>
           <a:xfrm>
-            <a:off x="2696355" y="2364737"/>
-            <a:ext cx="455298" cy="246221"/>
+            <a:off x="1988931" y="1572179"/>
+            <a:ext cx="466794" cy="246221"/>
           </a:xfrm>
           <a:prstGeom prst="rect">
             <a:avLst/>
@@ -3740,7 +3856,7 @@
           <a:p>
             <a:r>
               <a:rPr lang="en-US" sz="1000" dirty="0" smtClean="0"/>
-              <a:t>meat</a:t>
+              <a:t>teeth</a:t>
             </a:r>
             <a:endParaRPr lang="en-US" sz="1000" dirty="0"/>
           </a:p>
@@ -3748,14 +3864,14 @@
       </p:sp>
       <p:sp>
         <p:nvSpPr>
-          <p:cNvPr id="26" name="TextBox 25"/>
+          <p:cNvPr id="30" name="TextBox 29"/>
           <p:cNvSpPr txBox="1"/>
           <p:nvPr/>
         </p:nvSpPr>
         <p:spPr>
           <a:xfrm>
-            <a:off x="6681802" y="1161771"/>
-            <a:ext cx="662561" cy="246221"/>
+            <a:off x="8272057" y="1185545"/>
+            <a:ext cx="461560" cy="246221"/>
           </a:xfrm>
           <a:prstGeom prst="rect">
             <a:avLst/>
@@ -3770,7 +3886,7 @@
           <a:p>
             <a:r>
               <a:rPr lang="en-US" sz="1000" dirty="0" smtClean="0"/>
-              <a:t>medicine</a:t>
+              <a:t>torch</a:t>
             </a:r>
             <a:endParaRPr lang="en-US" sz="1000" dirty="0"/>
           </a:p>
@@ -3778,14 +3894,14 @@
       </p:sp>
       <p:sp>
         <p:nvSpPr>
-          <p:cNvPr id="27" name="TextBox 26"/>
+          <p:cNvPr id="32" name="TextBox 31"/>
           <p:cNvSpPr txBox="1"/>
           <p:nvPr/>
         </p:nvSpPr>
         <p:spPr>
           <a:xfrm>
-            <a:off x="2212366" y="1683443"/>
-            <a:ext cx="493870" cy="246221"/>
+            <a:off x="0" y="3394925"/>
+            <a:ext cx="950476" cy="400110"/>
           </a:xfrm>
           <a:prstGeom prst="rect">
             <a:avLst/>
@@ -3800,7 +3916,13 @@
           <a:p>
             <a:r>
               <a:rPr lang="en-US" sz="1000" dirty="0" smtClean="0"/>
-              <a:t>scales</a:t>
+              <a:t>BUILDINGS/</a:t>
+            </a:r>
+          </a:p>
+          <a:p>
+            <a:r>
+              <a:rPr lang="en-US" sz="1000" dirty="0" smtClean="0"/>
+              <a:t>OCCUPATIONS</a:t>
             </a:r>
             <a:endParaRPr lang="en-US" sz="1000" dirty="0"/>
           </a:p>
@@ -3808,14 +3930,14 @@
       </p:sp>
       <p:sp>
         <p:nvSpPr>
-          <p:cNvPr id="28" name="TextBox 27"/>
+          <p:cNvPr id="33" name="TextBox 32"/>
           <p:cNvSpPr txBox="1"/>
           <p:nvPr/>
         </p:nvSpPr>
         <p:spPr>
           <a:xfrm>
-            <a:off x="6940468" y="2547282"/>
-            <a:ext cx="434822" cy="246221"/>
+            <a:off x="81477" y="1852807"/>
+            <a:ext cx="802573" cy="246221"/>
           </a:xfrm>
           <a:prstGeom prst="rect">
             <a:avLst/>
@@ -3830,7 +3952,7 @@
           <a:p>
             <a:r>
               <a:rPr lang="en-US" sz="1000" dirty="0" smtClean="0"/>
-              <a:t>steel</a:t>
+              <a:t>RESOURCES</a:t>
             </a:r>
             <a:endParaRPr lang="en-US" sz="1000" dirty="0"/>
           </a:p>
@@ -3838,14 +3960,14 @@
       </p:sp>
       <p:sp>
         <p:nvSpPr>
-          <p:cNvPr id="29" name="TextBox 28"/>
+          <p:cNvPr id="34" name="TextBox 33"/>
           <p:cNvSpPr txBox="1"/>
           <p:nvPr/>
         </p:nvSpPr>
         <p:spPr>
           <a:xfrm>
-            <a:off x="1988931" y="1572179"/>
-            <a:ext cx="466794" cy="246221"/>
+            <a:off x="116629" y="5076266"/>
+            <a:ext cx="728435" cy="246221"/>
           </a:xfrm>
           <a:prstGeom prst="rect">
             <a:avLst/>
@@ -3860,7 +3982,7 @@
           <a:p>
             <a:r>
               <a:rPr lang="en-US" sz="1000" dirty="0" smtClean="0"/>
-              <a:t>teeth</a:t>
+              <a:t>WEAPONS</a:t>
             </a:r>
             <a:endParaRPr lang="en-US" sz="1000" dirty="0"/>
           </a:p>
@@ -3868,14 +3990,14 @@
       </p:sp>
       <p:sp>
         <p:nvSpPr>
-          <p:cNvPr id="30" name="TextBox 29"/>
+          <p:cNvPr id="35" name="TextBox 34"/>
           <p:cNvSpPr txBox="1"/>
           <p:nvPr/>
         </p:nvSpPr>
         <p:spPr>
           <a:xfrm>
-            <a:off x="8272057" y="1185545"/>
-            <a:ext cx="461560" cy="246221"/>
+            <a:off x="2207658" y="5199376"/>
+            <a:ext cx="479618" cy="246221"/>
           </a:xfrm>
           <a:prstGeom prst="rect">
             <a:avLst/>
@@ -3890,7 +4012,7 @@
           <a:p>
             <a:r>
               <a:rPr lang="en-US" sz="1000" dirty="0" smtClean="0"/>
-              <a:t>torch</a:t>
+              <a:t>spear</a:t>
             </a:r>
             <a:endParaRPr lang="en-US" sz="1000" dirty="0"/>
           </a:p>
@@ -3898,14 +4020,14 @@
       </p:sp>
       <p:sp>
         <p:nvSpPr>
-          <p:cNvPr id="32" name="TextBox 31"/>
+          <p:cNvPr id="36" name="TextBox 35"/>
           <p:cNvSpPr txBox="1"/>
           <p:nvPr/>
         </p:nvSpPr>
         <p:spPr>
           <a:xfrm>
-            <a:off x="0" y="3394925"/>
-            <a:ext cx="950476" cy="400110"/>
+            <a:off x="2187475" y="5526580"/>
+            <a:ext cx="506206" cy="246221"/>
           </a:xfrm>
           <a:prstGeom prst="rect">
             <a:avLst/>
@@ -3920,13 +4042,7 @@
           <a:p>
             <a:r>
               <a:rPr lang="en-US" sz="1000" dirty="0" smtClean="0"/>
-              <a:t>BUILDINGS/</a:t>
-            </a:r>
-          </a:p>
-          <a:p>
-            <a:r>
-              <a:rPr lang="en-US" sz="1000" dirty="0" smtClean="0"/>
-              <a:t>OCCUPATIONS</a:t>
+              <a:t>sword</a:t>
             </a:r>
             <a:endParaRPr lang="en-US" sz="1000" dirty="0"/>
           </a:p>
@@ -3934,14 +4050,14 @@
       </p:sp>
       <p:sp>
         <p:nvSpPr>
-          <p:cNvPr id="33" name="TextBox 32"/>
+          <p:cNvPr id="37" name="TextBox 36"/>
           <p:cNvSpPr txBox="1"/>
           <p:nvPr/>
         </p:nvSpPr>
         <p:spPr>
           <a:xfrm>
-            <a:off x="81477" y="1852807"/>
-            <a:ext cx="802573" cy="246221"/>
+            <a:off x="2696355" y="5199376"/>
+            <a:ext cx="613281" cy="246221"/>
           </a:xfrm>
           <a:prstGeom prst="rect">
             <a:avLst/>
@@ -3956,7 +4072,7 @@
           <a:p>
             <a:r>
               <a:rPr lang="en-US" sz="1000" dirty="0" smtClean="0"/>
-              <a:t>RESOURCES</a:t>
+              <a:t>bayonet</a:t>
             </a:r>
             <a:endParaRPr lang="en-US" sz="1000" dirty="0"/>
           </a:p>
@@ -3964,14 +4080,14 @@
       </p:sp>
       <p:sp>
         <p:nvSpPr>
-          <p:cNvPr id="34" name="TextBox 33"/>
+          <p:cNvPr id="38" name="TextBox 37"/>
           <p:cNvSpPr txBox="1"/>
           <p:nvPr/>
         </p:nvSpPr>
         <p:spPr>
           <a:xfrm>
-            <a:off x="116629" y="5076266"/>
-            <a:ext cx="728435" cy="246221"/>
+            <a:off x="4975791" y="5270656"/>
+            <a:ext cx="390489" cy="246221"/>
           </a:xfrm>
           <a:prstGeom prst="rect">
             <a:avLst/>
@@ -3986,7 +4102,7 @@
           <a:p>
             <a:r>
               <a:rPr lang="en-US" sz="1000" dirty="0" smtClean="0"/>
-              <a:t>WEAPONS</a:t>
+              <a:t>rifle</a:t>
             </a:r>
             <a:endParaRPr lang="en-US" sz="1000" dirty="0"/>
           </a:p>
@@ -3994,14 +4110,14 @@
       </p:sp>
       <p:sp>
         <p:nvSpPr>
-          <p:cNvPr id="35" name="TextBox 34"/>
+          <p:cNvPr id="39" name="TextBox 38"/>
           <p:cNvSpPr txBox="1"/>
           <p:nvPr/>
         </p:nvSpPr>
         <p:spPr>
           <a:xfrm>
-            <a:off x="2055915" y="5034138"/>
-            <a:ext cx="479618" cy="246221"/>
+            <a:off x="5596937" y="5322488"/>
+            <a:ext cx="693494" cy="246221"/>
           </a:xfrm>
           <a:prstGeom prst="rect">
             <a:avLst/>
@@ -4016,7 +4132,7 @@
           <a:p>
             <a:r>
               <a:rPr lang="en-US" sz="1000" dirty="0" smtClean="0"/>
-              <a:t>spear</a:t>
+              <a:t>Laser rifle</a:t>
             </a:r>
             <a:endParaRPr lang="en-US" sz="1000" dirty="0"/>
           </a:p>
@@ -4024,14 +4140,14 @@
       </p:sp>
       <p:sp>
         <p:nvSpPr>
-          <p:cNvPr id="36" name="TextBox 35"/>
+          <p:cNvPr id="40" name="TextBox 39"/>
           <p:cNvSpPr txBox="1"/>
           <p:nvPr/>
         </p:nvSpPr>
         <p:spPr>
           <a:xfrm>
-            <a:off x="2950067" y="5503880"/>
-            <a:ext cx="506206" cy="246221"/>
+            <a:off x="3813159" y="5199376"/>
+            <a:ext cx="613532" cy="246221"/>
           </a:xfrm>
           <a:prstGeom prst="rect">
             <a:avLst/>
@@ -4046,126 +4162,6 @@
           <a:p>
             <a:r>
               <a:rPr lang="en-US" sz="1000" dirty="0" smtClean="0"/>
-              <a:t>sword</a:t>
-            </a:r>
-            <a:endParaRPr lang="en-US" sz="1000" dirty="0"/>
-          </a:p>
-        </p:txBody>
-      </p:sp>
-      <p:sp>
-        <p:nvSpPr>
-          <p:cNvPr id="37" name="TextBox 36"/>
-          <p:cNvSpPr txBox="1"/>
-          <p:nvPr/>
-        </p:nvSpPr>
-        <p:spPr>
-          <a:xfrm>
-            <a:off x="3563508" y="5134548"/>
-            <a:ext cx="613281" cy="246221"/>
-          </a:xfrm>
-          <a:prstGeom prst="rect">
-            <a:avLst/>
-          </a:prstGeom>
-          <a:noFill/>
-        </p:spPr>
-        <p:txBody>
-          <a:bodyPr wrap="none" rtlCol="0">
-            <a:spAutoFit/>
-          </a:bodyPr>
-          <a:lstStyle/>
-          <a:p>
-            <a:r>
-              <a:rPr lang="en-US" sz="1000" dirty="0" smtClean="0"/>
-              <a:t>bayonet</a:t>
-            </a:r>
-            <a:endParaRPr lang="en-US" sz="1000" dirty="0"/>
-          </a:p>
-        </p:txBody>
-      </p:sp>
-      <p:sp>
-        <p:nvSpPr>
-          <p:cNvPr id="38" name="TextBox 37"/>
-          <p:cNvSpPr txBox="1"/>
-          <p:nvPr/>
-        </p:nvSpPr>
-        <p:spPr>
-          <a:xfrm>
-            <a:off x="4651807" y="5403470"/>
-            <a:ext cx="390489" cy="246221"/>
-          </a:xfrm>
-          <a:prstGeom prst="rect">
-            <a:avLst/>
-          </a:prstGeom>
-          <a:noFill/>
-        </p:spPr>
-        <p:txBody>
-          <a:bodyPr wrap="none" rtlCol="0">
-            <a:spAutoFit/>
-          </a:bodyPr>
-          <a:lstStyle/>
-          <a:p>
-            <a:r>
-              <a:rPr lang="en-US" sz="1000" dirty="0" smtClean="0"/>
-              <a:t>rifle</a:t>
-            </a:r>
-            <a:endParaRPr lang="en-US" sz="1000" dirty="0"/>
-          </a:p>
-        </p:txBody>
-      </p:sp>
-      <p:sp>
-        <p:nvSpPr>
-          <p:cNvPr id="39" name="TextBox 38"/>
-          <p:cNvSpPr txBox="1"/>
-          <p:nvPr/>
-        </p:nvSpPr>
-        <p:spPr>
-          <a:xfrm>
-            <a:off x="5425183" y="5403470"/>
-            <a:ext cx="693494" cy="246221"/>
-          </a:xfrm>
-          <a:prstGeom prst="rect">
-            <a:avLst/>
-          </a:prstGeom>
-          <a:noFill/>
-        </p:spPr>
-        <p:txBody>
-          <a:bodyPr wrap="none" rtlCol="0">
-            <a:spAutoFit/>
-          </a:bodyPr>
-          <a:lstStyle/>
-          <a:p>
-            <a:r>
-              <a:rPr lang="en-US" sz="1000" dirty="0" smtClean="0"/>
-              <a:t>Laser rifle</a:t>
-            </a:r>
-            <a:endParaRPr lang="en-US" sz="1000" dirty="0"/>
-          </a:p>
-        </p:txBody>
-      </p:sp>
-      <p:sp>
-        <p:nvSpPr>
-          <p:cNvPr id="40" name="TextBox 39"/>
-          <p:cNvSpPr txBox="1"/>
-          <p:nvPr/>
-        </p:nvSpPr>
-        <p:spPr>
-          <a:xfrm>
-            <a:off x="4859712" y="5134548"/>
-            <a:ext cx="613532" cy="246221"/>
-          </a:xfrm>
-          <a:prstGeom prst="rect">
-            <a:avLst/>
-          </a:prstGeom>
-          <a:noFill/>
-        </p:spPr>
-        <p:txBody>
-          <a:bodyPr wrap="none" rtlCol="0">
-            <a:spAutoFit/>
-          </a:bodyPr>
-          <a:lstStyle/>
-          <a:p>
-            <a:r>
-              <a:rPr lang="en-US" sz="1000" dirty="0" smtClean="0"/>
               <a:t>grenade</a:t>
             </a:r>
             <a:endParaRPr lang="en-US" sz="1000" dirty="0"/>
@@ -4180,7 +4176,7 @@
         </p:nvSpPr>
         <p:spPr>
           <a:xfrm>
-            <a:off x="6189205" y="5134548"/>
+            <a:off x="3946913" y="5526580"/>
             <a:ext cx="460683" cy="246221"/>
           </a:xfrm>
           <a:prstGeom prst="rect">
@@ -5430,15 +5426,7 @@
           <a:p>
             <a:r>
               <a:rPr lang="en-US" sz="1000" dirty="0" smtClean="0"/>
-              <a:t>Puzzle 9 </a:t>
-            </a:r>
-            <a:r>
-              <a:rPr lang="en-US" sz="1000" dirty="0" smtClean="0"/>
-              <a:t>: </a:t>
-            </a:r>
-            <a:r>
-              <a:rPr lang="en-US" sz="1000" dirty="0" smtClean="0"/>
-              <a:t>resource overview</a:t>
+              <a:t>Puzzle 9 : resource overview</a:t>
             </a:r>
             <a:endParaRPr lang="en-US" sz="1000" dirty="0"/>
           </a:p>
@@ -5452,7 +5440,7 @@
         </p:nvSpPr>
         <p:spPr>
           <a:xfrm>
-            <a:off x="1608130" y="1846479"/>
+            <a:off x="1588637" y="2916573"/>
             <a:ext cx="349224" cy="246221"/>
           </a:xfrm>
           <a:prstGeom prst="rect">
@@ -5515,8 +5503,8 @@
         </p:nvSpPr>
         <p:spPr>
           <a:xfrm>
-            <a:off x="1520926" y="3955251"/>
-            <a:ext cx="556112" cy="246221"/>
+            <a:off x="1501433" y="5025345"/>
+            <a:ext cx="556112" cy="400110"/>
           </a:xfrm>
           <a:prstGeom prst="rect">
             <a:avLst/>
@@ -5531,6 +5519,12 @@
           <a:p>
             <a:r>
               <a:rPr lang="en-US" sz="1000" dirty="0" smtClean="0"/>
+              <a:t>RBC</a:t>
+            </a:r>
+          </a:p>
+          <a:p>
+            <a:r>
+              <a:rPr lang="en-US" sz="1000" dirty="0" smtClean="0"/>
               <a:t>forums</a:t>
             </a:r>
             <a:endParaRPr lang="en-US" sz="1000" dirty="0"/>
@@ -5545,7 +5539,7 @@
         </p:nvSpPr>
         <p:spPr>
           <a:xfrm>
-            <a:off x="3072390" y="3948621"/>
+            <a:off x="2977264" y="5018715"/>
             <a:ext cx="684803" cy="400110"/>
           </a:xfrm>
           <a:prstGeom prst="rect">
@@ -5584,7 +5578,7 @@
         </p:nvSpPr>
         <p:spPr>
           <a:xfrm>
-            <a:off x="5253381" y="4031040"/>
+            <a:off x="5285330" y="5141740"/>
             <a:ext cx="781033" cy="246221"/>
           </a:xfrm>
           <a:prstGeom prst="rect">
@@ -5614,7 +5608,7 @@
         </p:nvSpPr>
         <p:spPr>
           <a:xfrm>
-            <a:off x="4363522" y="4031040"/>
+            <a:off x="4567669" y="5088742"/>
             <a:ext cx="716036" cy="246221"/>
           </a:xfrm>
           <a:prstGeom prst="rect">
@@ -5642,14 +5636,14 @@
       </p:sp>
       <p:sp>
         <p:nvSpPr>
-          <p:cNvPr id="12" name="TextBox 11"/>
+          <p:cNvPr id="16" name="TextBox 15"/>
           <p:cNvSpPr txBox="1"/>
           <p:nvPr/>
         </p:nvSpPr>
         <p:spPr>
           <a:xfrm>
-            <a:off x="7484662" y="4057989"/>
-            <a:ext cx="787395" cy="246221"/>
+            <a:off x="5050443" y="3469216"/>
+            <a:ext cx="863751" cy="246221"/>
           </a:xfrm>
           <a:prstGeom prst="rect">
             <a:avLst/>
@@ -5663,8 +5657,12 @@
           <a:lstStyle/>
           <a:p>
             <a:r>
-              <a:rPr lang="en-US" sz="1000" dirty="0" err="1" smtClean="0"/>
-              <a:t>darkcouncil</a:t>
+              <a:rPr lang="en-US" sz="1000" dirty="0"/>
+              <a:t>t</a:t>
+            </a:r>
+            <a:r>
+              <a:rPr lang="en-US" sz="1000" dirty="0" smtClean="0"/>
+              <a:t>rade secrets</a:t>
             </a:r>
             <a:endParaRPr lang="en-US" sz="1000" dirty="0"/>
           </a:p>
@@ -5672,14 +5670,14 @@
       </p:sp>
       <p:sp>
         <p:nvSpPr>
-          <p:cNvPr id="16" name="TextBox 15"/>
+          <p:cNvPr id="18" name="TextBox 17"/>
           <p:cNvSpPr txBox="1"/>
           <p:nvPr/>
         </p:nvSpPr>
         <p:spPr>
           <a:xfrm>
-            <a:off x="4756040" y="2925032"/>
-            <a:ext cx="863751" cy="246221"/>
+            <a:off x="2464686" y="2922901"/>
+            <a:ext cx="369575" cy="246221"/>
           </a:xfrm>
           <a:prstGeom prst="rect">
             <a:avLst/>
@@ -5693,12 +5691,8 @@
           <a:lstStyle/>
           <a:p>
             <a:r>
-              <a:rPr lang="en-US" sz="1000" dirty="0"/>
-              <a:t>t</a:t>
-            </a:r>
-            <a:r>
-              <a:rPr lang="en-US" sz="1000" dirty="0" smtClean="0"/>
-              <a:t>rade secrets</a:t>
+              <a:rPr lang="en-US" sz="1000" dirty="0" err="1" smtClean="0"/>
+              <a:t>usd</a:t>
             </a:r>
             <a:endParaRPr lang="en-US" sz="1000" dirty="0"/>
           </a:p>
@@ -5706,14 +5700,14 @@
       </p:sp>
       <p:sp>
         <p:nvSpPr>
-          <p:cNvPr id="18" name="TextBox 17"/>
+          <p:cNvPr id="26" name="TextBox 25"/>
           <p:cNvSpPr txBox="1"/>
           <p:nvPr/>
         </p:nvSpPr>
         <p:spPr>
           <a:xfrm>
-            <a:off x="2484179" y="1852807"/>
-            <a:ext cx="369575" cy="246221"/>
+            <a:off x="3868457" y="3899224"/>
+            <a:ext cx="390489" cy="246221"/>
           </a:xfrm>
           <a:prstGeom prst="rect">
             <a:avLst/>
@@ -5727,8 +5721,8 @@
           <a:lstStyle/>
           <a:p>
             <a:r>
-              <a:rPr lang="en-US" sz="1000" dirty="0" err="1" smtClean="0"/>
-              <a:t>usd</a:t>
+              <a:rPr lang="en-US" sz="1000" dirty="0" smtClean="0"/>
+              <a:t>pills</a:t>
             </a:r>
             <a:endParaRPr lang="en-US" sz="1000" dirty="0"/>
           </a:p>
@@ -5736,14 +5730,14 @@
       </p:sp>
       <p:sp>
         <p:nvSpPr>
-          <p:cNvPr id="26" name="TextBox 25"/>
+          <p:cNvPr id="32" name="TextBox 31"/>
           <p:cNvSpPr txBox="1"/>
           <p:nvPr/>
         </p:nvSpPr>
         <p:spPr>
           <a:xfrm>
-            <a:off x="8507414" y="2925032"/>
-            <a:ext cx="390489" cy="246221"/>
+            <a:off x="45302" y="4465019"/>
+            <a:ext cx="459932" cy="246221"/>
           </a:xfrm>
           <a:prstGeom prst="rect">
             <a:avLst/>
@@ -5758,7 +5752,7 @@
           <a:p>
             <a:r>
               <a:rPr lang="en-US" sz="1000" dirty="0" smtClean="0"/>
-              <a:t>pills</a:t>
+              <a:t>SITES</a:t>
             </a:r>
             <a:endParaRPr lang="en-US" sz="1000" dirty="0"/>
           </a:p>
@@ -5766,14 +5760,14 @@
       </p:sp>
       <p:sp>
         <p:nvSpPr>
-          <p:cNvPr id="32" name="TextBox 31"/>
+          <p:cNvPr id="33" name="TextBox 32"/>
           <p:cNvSpPr txBox="1"/>
           <p:nvPr/>
         </p:nvSpPr>
         <p:spPr>
           <a:xfrm>
-            <a:off x="64795" y="3394925"/>
-            <a:ext cx="459932" cy="246221"/>
+            <a:off x="61984" y="2922901"/>
+            <a:ext cx="802573" cy="246221"/>
           </a:xfrm>
           <a:prstGeom prst="rect">
             <a:avLst/>
@@ -5788,7 +5782,7 @@
           <a:p>
             <a:r>
               <a:rPr lang="en-US" sz="1000" dirty="0" smtClean="0"/>
-              <a:t>SITES</a:t>
+              <a:t>RESOURCES</a:t>
             </a:r>
             <a:endParaRPr lang="en-US" sz="1000" dirty="0"/>
           </a:p>
@@ -5796,14 +5790,14 @@
       </p:sp>
       <p:sp>
         <p:nvSpPr>
-          <p:cNvPr id="33" name="TextBox 32"/>
+          <p:cNvPr id="2" name="TextBox 1"/>
           <p:cNvSpPr txBox="1"/>
           <p:nvPr/>
         </p:nvSpPr>
         <p:spPr>
           <a:xfrm>
-            <a:off x="81477" y="1852807"/>
-            <a:ext cx="802573" cy="246221"/>
+            <a:off x="1441387" y="2430680"/>
+            <a:ext cx="595035" cy="246221"/>
           </a:xfrm>
           <a:prstGeom prst="rect">
             <a:avLst/>
@@ -5817,36 +5811,6 @@
           <a:lstStyle/>
           <a:p>
             <a:r>
-              <a:rPr lang="en-US" sz="1000" dirty="0" smtClean="0"/>
-              <a:t>RESOURCES</a:t>
-            </a:r>
-            <a:endParaRPr lang="en-US" sz="1000" dirty="0"/>
-          </a:p>
-        </p:txBody>
-      </p:sp>
-      <p:sp>
-        <p:nvSpPr>
-          <p:cNvPr id="2" name="TextBox 1"/>
-          <p:cNvSpPr txBox="1"/>
-          <p:nvPr/>
-        </p:nvSpPr>
-        <p:spPr>
-          <a:xfrm>
-            <a:off x="1460880" y="1360586"/>
-            <a:ext cx="595035" cy="246221"/>
-          </a:xfrm>
-          <a:prstGeom prst="rect">
-            <a:avLst/>
-          </a:prstGeom>
-          <a:noFill/>
-        </p:spPr>
-        <p:txBody>
-          <a:bodyPr wrap="none" rtlCol="0">
-            <a:spAutoFit/>
-          </a:bodyPr>
-          <a:lstStyle/>
-          <a:p>
-            <a:r>
               <a:rPr lang="en-US" sz="1000" u="sng" dirty="0" smtClean="0"/>
               <a:t>primary</a:t>
             </a:r>
@@ -5862,7 +5826,7 @@
         </p:nvSpPr>
         <p:spPr>
           <a:xfrm>
-            <a:off x="633053" y="3318402"/>
+            <a:off x="613560" y="4388496"/>
             <a:ext cx="715285" cy="400110"/>
           </a:xfrm>
           <a:prstGeom prst="rect">
@@ -5898,7 +5862,7 @@
         </p:nvCxnSpPr>
         <p:spPr>
           <a:xfrm flipH="1" flipV="1">
-            <a:off x="3181545" y="2742540"/>
+            <a:off x="3045421" y="3203608"/>
             <a:ext cx="100358" cy="1170683"/>
           </a:xfrm>
           <a:prstGeom prst="straightConnector1">
@@ -5937,12 +5901,12 @@
         </p:nvCxnSpPr>
         <p:spPr>
           <a:xfrm rot="5400000">
-            <a:off x="659003" y="2954623"/>
-            <a:ext cx="1985662" cy="261816"/>
+            <a:off x="601038" y="4063189"/>
+            <a:ext cx="2062606" cy="261816"/>
           </a:xfrm>
           <a:prstGeom prst="bentConnector4">
             <a:avLst>
-              <a:gd name="adj1" fmla="val 46900"/>
+              <a:gd name="adj1" fmla="val 45150"/>
               <a:gd name="adj2" fmla="val 187313"/>
             </a:avLst>
           </a:prstGeom>
@@ -5973,7 +5937,7 @@
         </p:nvSpPr>
         <p:spPr>
           <a:xfrm>
-            <a:off x="2996757" y="4317867"/>
+            <a:off x="2977264" y="5387961"/>
             <a:ext cx="369575" cy="246221"/>
           </a:xfrm>
           <a:prstGeom prst="rect">
@@ -6003,8 +5967,8 @@
         </p:nvSpPr>
         <p:spPr>
           <a:xfrm>
-            <a:off x="5158822" y="4308998"/>
-            <a:ext cx="1019856" cy="246221"/>
+            <a:off x="5372197" y="5419698"/>
+            <a:ext cx="641209" cy="246221"/>
           </a:xfrm>
           <a:prstGeom prst="rect">
             <a:avLst/>
@@ -6019,7 +5983,7 @@
           <a:p>
             <a:r>
               <a:rPr lang="en-US" sz="1000" dirty="0" err="1" smtClean="0"/>
-              <a:t>btc+bots+trojan</a:t>
+              <a:t>btc+bots</a:t>
             </a:r>
             <a:endParaRPr lang="en-US" sz="1000" dirty="0"/>
           </a:p>
@@ -6035,7 +5999,7 @@
         </p:nvCxnSpPr>
         <p:spPr>
           <a:xfrm flipH="1">
-            <a:off x="990696" y="2092700"/>
+            <a:off x="971203" y="3162794"/>
             <a:ext cx="617435" cy="1225702"/>
           </a:xfrm>
           <a:prstGeom prst="line">
@@ -6062,14 +6026,13 @@
           <p:cNvPr id="72" name="Elbow Connector 71"/>
           <p:cNvCxnSpPr>
             <a:stCxn id="8" idx="0"/>
-            <a:endCxn id="73" idx="1"/>
           </p:cNvCxnSpPr>
           <p:nvPr/>
         </p:nvCxnSpPr>
         <p:spPr>
           <a:xfrm rot="5400000" flipH="1" flipV="1">
-            <a:off x="1886388" y="3702707"/>
-            <a:ext cx="165139" cy="339951"/>
+            <a:off x="1815320" y="4527588"/>
+            <a:ext cx="461927" cy="533588"/>
           </a:xfrm>
           <a:prstGeom prst="bentConnector2">
             <a:avLst/>
@@ -6104,8 +6067,8 @@
         </p:nvSpPr>
         <p:spPr>
           <a:xfrm>
-            <a:off x="2138933" y="3667001"/>
-            <a:ext cx="584665" cy="246221"/>
+            <a:off x="2249597" y="4456606"/>
+            <a:ext cx="460871" cy="246221"/>
           </a:xfrm>
           <a:prstGeom prst="rect">
             <a:avLst/>
@@ -6119,8 +6082,8 @@
           <a:lstStyle/>
           <a:p>
             <a:r>
-              <a:rPr lang="en-US" sz="1000" dirty="0" smtClean="0"/>
-              <a:t>hackers</a:t>
+              <a:rPr lang="en-US" sz="1000" smtClean="0"/>
+              <a:t>users</a:t>
             </a:r>
             <a:endParaRPr lang="en-US" sz="1000" dirty="0"/>
           </a:p>
@@ -6134,7 +6097,7 @@
         </p:nvSpPr>
         <p:spPr>
           <a:xfrm>
-            <a:off x="5243764" y="3334747"/>
+            <a:off x="5275713" y="4361964"/>
             <a:ext cx="728059" cy="246221"/>
           </a:xfrm>
           <a:prstGeom prst="rect">
@@ -6164,7 +6127,7 @@
         </p:nvCxnSpPr>
         <p:spPr>
           <a:xfrm flipV="1">
-            <a:off x="3292130" y="3008148"/>
+            <a:off x="3156006" y="3469216"/>
             <a:ext cx="164143" cy="910565"/>
           </a:xfrm>
           <a:prstGeom prst="straightConnector1">
@@ -6200,7 +6163,7 @@
         </p:nvCxnSpPr>
         <p:spPr>
           <a:xfrm flipH="1" flipV="1">
-            <a:off x="5544480" y="3548522"/>
+            <a:off x="5576429" y="4575739"/>
             <a:ext cx="7223" cy="516035"/>
           </a:xfrm>
           <a:prstGeom prst="straightConnector1">
@@ -6236,7 +6199,7 @@
         </p:nvCxnSpPr>
         <p:spPr>
           <a:xfrm>
-            <a:off x="1957354" y="1969590"/>
+            <a:off x="1937861" y="3039684"/>
             <a:ext cx="526825" cy="6328"/>
           </a:xfrm>
           <a:prstGeom prst="straightConnector1">
@@ -6270,7 +6233,7 @@
         </p:nvSpPr>
         <p:spPr>
           <a:xfrm>
-            <a:off x="2019238" y="1677987"/>
+            <a:off x="1999745" y="2748081"/>
             <a:ext cx="464941" cy="246221"/>
           </a:xfrm>
           <a:prstGeom prst="rect">
@@ -6300,8 +6263,8 @@
         </p:nvSpPr>
         <p:spPr>
           <a:xfrm>
-            <a:off x="2887539" y="2496319"/>
-            <a:ext cx="954546" cy="246221"/>
+            <a:off x="2751415" y="2957387"/>
+            <a:ext cx="820545" cy="246221"/>
           </a:xfrm>
           <a:prstGeom prst="rect">
             <a:avLst/>
@@ -6315,12 +6278,8 @@
           <a:lstStyle/>
           <a:p>
             <a:r>
-              <a:rPr lang="en-US" sz="1000" dirty="0"/>
-              <a:t>b</a:t>
-            </a:r>
-            <a:r>
               <a:rPr lang="en-US" sz="1000" dirty="0" smtClean="0"/>
-              <a:t>rowsing  data</a:t>
+              <a:t>Identity info</a:t>
             </a:r>
             <a:endParaRPr lang="en-US" sz="1000" dirty="0"/>
           </a:p>
@@ -6334,8 +6293,8 @@
         </p:nvCxnSpPr>
         <p:spPr>
           <a:xfrm flipH="1" flipV="1">
-            <a:off x="2723598" y="2202853"/>
-            <a:ext cx="558304" cy="1710370"/>
+            <a:off x="2704106" y="3272947"/>
+            <a:ext cx="451900" cy="1115549"/>
           </a:xfrm>
           <a:prstGeom prst="straightConnector1">
             <a:avLst/>
@@ -6370,8 +6329,8 @@
         </p:nvSpPr>
         <p:spPr>
           <a:xfrm>
-            <a:off x="3281902" y="2761927"/>
-            <a:ext cx="773081" cy="246221"/>
+            <a:off x="3145778" y="3222995"/>
+            <a:ext cx="735322" cy="246221"/>
           </a:xfrm>
           <a:prstGeom prst="rect">
             <a:avLst/>
@@ -6386,41 +6345,7 @@
           <a:p>
             <a:r>
               <a:rPr lang="en-US" sz="1000" dirty="0" smtClean="0"/>
-              <a:t>user  logins</a:t>
-            </a:r>
-            <a:endParaRPr lang="en-US" sz="1000" dirty="0"/>
-          </a:p>
-        </p:txBody>
-      </p:sp>
-      <p:sp>
-        <p:nvSpPr>
-          <p:cNvPr id="56" name="TextBox 55"/>
-          <p:cNvSpPr txBox="1"/>
-          <p:nvPr/>
-        </p:nvSpPr>
-        <p:spPr>
-          <a:xfrm>
-            <a:off x="3543560" y="3008148"/>
-            <a:ext cx="885416" cy="246221"/>
-          </a:xfrm>
-          <a:prstGeom prst="rect">
-            <a:avLst/>
-          </a:prstGeom>
-          <a:noFill/>
-        </p:spPr>
-        <p:txBody>
-          <a:bodyPr wrap="none" rtlCol="0">
-            <a:spAutoFit/>
-          </a:bodyPr>
-          <a:lstStyle/>
-          <a:p>
-            <a:r>
-              <a:rPr lang="en-US" sz="1000" dirty="0"/>
-              <a:t>f</a:t>
-            </a:r>
-            <a:r>
-              <a:rPr lang="en-US" sz="1000" dirty="0" smtClean="0"/>
-              <a:t>inancial data</a:t>
+              <a:t>passwords</a:t>
             </a:r>
             <a:endParaRPr lang="en-US" sz="1000" dirty="0"/>
           </a:p>
@@ -6428,14 +6353,16 @@
       </p:sp>
       <p:cxnSp>
         <p:nvCxnSpPr>
-          <p:cNvPr id="92" name="Straight Arrow Connector 91"/>
-          <p:cNvCxnSpPr/>
+          <p:cNvPr id="108" name="Straight Arrow Connector 107"/>
+          <p:cNvCxnSpPr>
+            <a:endCxn id="16" idx="2"/>
+          </p:cNvCxnSpPr>
           <p:nvPr/>
         </p:nvCxnSpPr>
         <p:spPr>
-          <a:xfrm flipV="1">
-            <a:off x="3281902" y="3291202"/>
-            <a:ext cx="340789" cy="625403"/>
+          <a:xfrm flipH="1" flipV="1">
+            <a:off x="5482319" y="3715437"/>
+            <a:ext cx="22874" cy="628951"/>
           </a:xfrm>
           <a:prstGeom prst="straightConnector1">
             <a:avLst/>
@@ -6464,14 +6391,14 @@
       </p:cxnSp>
       <p:sp>
         <p:nvSpPr>
-          <p:cNvPr id="105" name="TextBox 104"/>
+          <p:cNvPr id="114" name="TextBox 113"/>
           <p:cNvSpPr txBox="1"/>
           <p:nvPr/>
         </p:nvSpPr>
         <p:spPr>
           <a:xfrm>
-            <a:off x="7564760" y="2337668"/>
-            <a:ext cx="726055" cy="246221"/>
+            <a:off x="3455676" y="3607561"/>
+            <a:ext cx="412781" cy="246221"/>
           </a:xfrm>
           <a:prstGeom prst="rect">
             <a:avLst/>
@@ -6486,51 +6413,22 @@
           <a:p>
             <a:r>
               <a:rPr lang="en-US" sz="1000" dirty="0" smtClean="0"/>
-              <a:t>plutonium</a:t>
+              <a:t>bots</a:t>
             </a:r>
             <a:endParaRPr lang="en-US" sz="1000" dirty="0"/>
-          </a:p>
-        </p:txBody>
-      </p:sp>
-      <p:sp>
-        <p:nvSpPr>
-          <p:cNvPr id="106" name="TextBox 105"/>
-          <p:cNvSpPr txBox="1"/>
-          <p:nvPr/>
-        </p:nvSpPr>
-        <p:spPr>
-          <a:xfrm>
-            <a:off x="7631748" y="2619429"/>
-            <a:ext cx="591365" cy="246221"/>
-          </a:xfrm>
-          <a:prstGeom prst="rect">
-            <a:avLst/>
-          </a:prstGeom>
-          <a:noFill/>
-        </p:spPr>
-        <p:txBody>
-          <a:bodyPr wrap="none" rtlCol="0">
-            <a:spAutoFit/>
-          </a:bodyPr>
-          <a:lstStyle/>
-          <a:p>
-            <a:r>
-              <a:rPr lang="en-US" sz="1000" dirty="0" smtClean="0"/>
-              <a:t>Rockets</a:t>
-            </a:r>
           </a:p>
         </p:txBody>
       </p:sp>
       <p:cxnSp>
         <p:nvCxnSpPr>
-          <p:cNvPr id="108" name="Straight Arrow Connector 107"/>
+          <p:cNvPr id="115" name="Straight Arrow Connector 114"/>
           <p:cNvCxnSpPr/>
           <p:nvPr/>
         </p:nvCxnSpPr>
         <p:spPr>
-          <a:xfrm flipH="1" flipV="1">
-            <a:off x="5212690" y="3171254"/>
-            <a:ext cx="260554" cy="223671"/>
+          <a:xfrm flipV="1">
+            <a:off x="3143047" y="3853782"/>
+            <a:ext cx="312629" cy="547448"/>
           </a:xfrm>
           <a:prstGeom prst="straightConnector1">
             <a:avLst/>
@@ -6559,14 +6457,14 @@
       </p:cxnSp>
       <p:sp>
         <p:nvSpPr>
-          <p:cNvPr id="114" name="TextBox 113"/>
+          <p:cNvPr id="117" name="TextBox 116"/>
           <p:cNvSpPr txBox="1"/>
           <p:nvPr/>
         </p:nvSpPr>
         <p:spPr>
           <a:xfrm>
-            <a:off x="3757807" y="3334767"/>
-            <a:ext cx="412781" cy="246221"/>
+            <a:off x="4644247" y="5367348"/>
+            <a:ext cx="618917" cy="246221"/>
           </a:xfrm>
           <a:prstGeom prst="rect">
             <a:avLst/>
@@ -6580,8 +6478,48 @@
           <a:lstStyle/>
           <a:p>
             <a:r>
+              <a:rPr lang="en-US" sz="1000" dirty="0" err="1"/>
+              <a:t>b</a:t>
+            </a:r>
+            <a:r>
+              <a:rPr lang="en-US" sz="1000" dirty="0" err="1" smtClean="0"/>
+              <a:t>tc+pills</a:t>
+            </a:r>
+            <a:endParaRPr lang="en-US" sz="1000" dirty="0"/>
+          </a:p>
+        </p:txBody>
+      </p:sp>
+      <p:sp>
+        <p:nvSpPr>
+          <p:cNvPr id="118" name="TextBox 117"/>
+          <p:cNvSpPr txBox="1"/>
+          <p:nvPr/>
+        </p:nvSpPr>
+        <p:spPr>
+          <a:xfrm>
+            <a:off x="5562656" y="3720705"/>
+            <a:ext cx="746969" cy="400110"/>
+          </a:xfrm>
+          <a:prstGeom prst="rect">
+            <a:avLst/>
+          </a:prstGeom>
+          <a:noFill/>
+        </p:spPr>
+        <p:txBody>
+          <a:bodyPr wrap="none" rtlCol="0">
+            <a:spAutoFit/>
+          </a:bodyPr>
+          <a:lstStyle/>
+          <a:p>
+            <a:r>
               <a:rPr lang="en-US" sz="1000" dirty="0" smtClean="0"/>
-              <a:t>bots</a:t>
+              <a:t>Diplomatic </a:t>
+            </a:r>
+          </a:p>
+          <a:p>
+            <a:r>
+              <a:rPr lang="en-US" sz="1000" dirty="0" err="1" smtClean="0"/>
+              <a:t>intel</a:t>
             </a:r>
             <a:endParaRPr lang="en-US" sz="1000" dirty="0"/>
           </a:p>
@@ -6589,14 +6527,14 @@
       </p:sp>
       <p:cxnSp>
         <p:nvCxnSpPr>
-          <p:cNvPr id="115" name="Straight Arrow Connector 114"/>
+          <p:cNvPr id="119" name="Straight Arrow Connector 118"/>
           <p:cNvCxnSpPr/>
           <p:nvPr/>
         </p:nvCxnSpPr>
         <p:spPr>
           <a:xfrm flipV="1">
-            <a:off x="3279171" y="3555052"/>
-            <a:ext cx="549955" cy="385110"/>
+            <a:off x="5787449" y="4171361"/>
+            <a:ext cx="0" cy="242369"/>
           </a:xfrm>
           <a:prstGeom prst="straightConnector1">
             <a:avLst/>
@@ -6625,14 +6563,14 @@
       </p:cxnSp>
       <p:sp>
         <p:nvSpPr>
-          <p:cNvPr id="117" name="TextBox 116"/>
+          <p:cNvPr id="123" name="TextBox 122"/>
           <p:cNvSpPr txBox="1"/>
           <p:nvPr/>
         </p:nvSpPr>
         <p:spPr>
           <a:xfrm>
-            <a:off x="4530813" y="4309646"/>
-            <a:ext cx="349224" cy="246221"/>
+            <a:off x="6929723" y="5120772"/>
+            <a:ext cx="598316" cy="246221"/>
           </a:xfrm>
           <a:prstGeom prst="rect">
             <a:avLst/>
@@ -6646,8 +6584,8 @@
           <a:lstStyle/>
           <a:p>
             <a:r>
-              <a:rPr lang="en-US" sz="1000" dirty="0" err="1" smtClean="0"/>
-              <a:t>btc</a:t>
+              <a:rPr lang="en-US" sz="1000" dirty="0" smtClean="0"/>
+              <a:t>echelon</a:t>
             </a:r>
             <a:endParaRPr lang="en-US" sz="1000" dirty="0"/>
           </a:p>
@@ -6655,14 +6593,14 @@
       </p:sp>
       <p:sp>
         <p:nvSpPr>
-          <p:cNvPr id="118" name="TextBox 117"/>
+          <p:cNvPr id="139" name="TextBox 138"/>
           <p:cNvSpPr txBox="1"/>
           <p:nvPr/>
         </p:nvSpPr>
         <p:spPr>
           <a:xfrm>
-            <a:off x="5561725" y="2956177"/>
-            <a:ext cx="1008960" cy="246221"/>
+            <a:off x="3692000" y="5080037"/>
+            <a:ext cx="813043" cy="246221"/>
           </a:xfrm>
           <a:prstGeom prst="rect">
             <a:avLst/>
@@ -6677,11 +6615,7 @@
           <a:p>
             <a:r>
               <a:rPr lang="en-US" sz="1000" dirty="0" smtClean="0"/>
-              <a:t>Diplomatic </a:t>
-            </a:r>
-            <a:r>
-              <a:rPr lang="en-US" sz="1000" dirty="0" err="1" smtClean="0"/>
-              <a:t>intel</a:t>
+              <a:t>E-pharmacy</a:t>
             </a:r>
             <a:endParaRPr lang="en-US" sz="1000" dirty="0"/>
           </a:p>
@@ -6689,22 +6623,20 @@
       </p:sp>
       <p:cxnSp>
         <p:nvCxnSpPr>
-          <p:cNvPr id="119" name="Straight Arrow Connector 118"/>
+          <p:cNvPr id="14" name="Straight Arrow Connector 13"/>
           <p:cNvCxnSpPr/>
           <p:nvPr/>
         </p:nvCxnSpPr>
         <p:spPr>
           <a:xfrm flipV="1">
-            <a:off x="5755500" y="3215495"/>
-            <a:ext cx="216323" cy="171017"/>
+            <a:off x="4907731" y="3388403"/>
+            <a:ext cx="0" cy="1541916"/>
           </a:xfrm>
           <a:prstGeom prst="straightConnector1">
             <a:avLst/>
           </a:prstGeom>
           <a:ln>
-            <a:solidFill>
-              <a:schemeClr val="accent3"/>
-            </a:solidFill>
+            <a:headEnd type="arrow"/>
             <a:tailEnd type="arrow"/>
           </a:ln>
         </p:spPr>
@@ -6725,14 +6657,14 @@
       </p:cxnSp>
       <p:sp>
         <p:nvSpPr>
-          <p:cNvPr id="123" name="TextBox 122"/>
+          <p:cNvPr id="62" name="TextBox 61"/>
           <p:cNvSpPr txBox="1"/>
           <p:nvPr/>
         </p:nvSpPr>
         <p:spPr>
           <a:xfrm>
-            <a:off x="6661398" y="4031040"/>
-            <a:ext cx="598316" cy="246221"/>
+            <a:off x="3614642" y="5385258"/>
+            <a:ext cx="1146468" cy="400110"/>
           </a:xfrm>
           <a:prstGeom prst="rect">
             <a:avLst/>
@@ -6746,38 +6678,18 @@
           <a:lstStyle/>
           <a:p>
             <a:r>
+              <a:rPr lang="en-US" sz="1000" dirty="0" err="1" smtClean="0"/>
+              <a:t>Usd+identity</a:t>
+            </a:r>
+            <a:r>
               <a:rPr lang="en-US" sz="1000" dirty="0" smtClean="0"/>
-              <a:t>echelon</a:t>
-            </a:r>
-            <a:endParaRPr lang="en-US" sz="1000" dirty="0"/>
-          </a:p>
-        </p:txBody>
-      </p:sp>
-      <p:sp>
-        <p:nvSpPr>
-          <p:cNvPr id="124" name="TextBox 123"/>
-          <p:cNvSpPr txBox="1"/>
-          <p:nvPr/>
-        </p:nvSpPr>
-        <p:spPr>
-          <a:xfrm>
-            <a:off x="6663880" y="3279549"/>
-            <a:ext cx="677339" cy="246221"/>
-          </a:xfrm>
-          <a:prstGeom prst="rect">
-            <a:avLst/>
-          </a:prstGeom>
-          <a:noFill/>
-        </p:spPr>
-        <p:txBody>
-          <a:bodyPr wrap="none" rtlCol="0">
-            <a:spAutoFit/>
-          </a:bodyPr>
-          <a:lstStyle/>
-          <a:p>
-            <a:r>
-              <a:rPr lang="en-US" sz="1000" dirty="0" err="1" smtClean="0"/>
-              <a:t>blackhats</a:t>
+              <a:t> info+</a:t>
+            </a:r>
+          </a:p>
+          <a:p>
+            <a:r>
+              <a:rPr lang="en-US" sz="1000" dirty="0" smtClean="0"/>
+              <a:t>passwords</a:t>
             </a:r>
             <a:endParaRPr lang="en-US" sz="1000" dirty="0"/>
           </a:p>
@@ -6785,14 +6697,14 @@
       </p:sp>
       <p:cxnSp>
         <p:nvCxnSpPr>
-          <p:cNvPr id="125" name="Straight Arrow Connector 124"/>
+          <p:cNvPr id="63" name="Straight Arrow Connector 62"/>
           <p:cNvCxnSpPr/>
           <p:nvPr/>
         </p:nvCxnSpPr>
         <p:spPr>
           <a:xfrm flipH="1" flipV="1">
-            <a:off x="6964596" y="3493324"/>
-            <a:ext cx="7223" cy="516035"/>
+            <a:off x="4066226" y="4746413"/>
+            <a:ext cx="2" cy="304617"/>
           </a:xfrm>
           <a:prstGeom prst="straightConnector1">
             <a:avLst/>
@@ -6818,14 +6730,14 @@
       </p:cxnSp>
       <p:sp>
         <p:nvSpPr>
-          <p:cNvPr id="126" name="TextBox 125"/>
+          <p:cNvPr id="66" name="TextBox 65"/>
           <p:cNvSpPr txBox="1"/>
           <p:nvPr/>
         </p:nvSpPr>
         <p:spPr>
           <a:xfrm>
-            <a:off x="6971819" y="2583889"/>
-            <a:ext cx="492443" cy="246221"/>
+            <a:off x="3011322" y="4453517"/>
+            <a:ext cx="714033" cy="246221"/>
           </a:xfrm>
           <a:prstGeom prst="rect">
             <a:avLst/>
@@ -6839,31 +6751,58 @@
           <a:lstStyle/>
           <a:p>
             <a:r>
-              <a:rPr lang="en-US" sz="1000" dirty="0" smtClean="0">
-                <a:solidFill>
-                  <a:srgbClr val="FF0000"/>
-                </a:solidFill>
-              </a:rPr>
-              <a:t>worm</a:t>
-            </a:r>
-            <a:endParaRPr lang="en-US" sz="1000" dirty="0">
-              <a:solidFill>
-                <a:srgbClr val="FF0000"/>
-              </a:solidFill>
-            </a:endParaRPr>
-          </a:p>
-        </p:txBody>
-      </p:sp>
-      <p:sp>
-        <p:nvSpPr>
-          <p:cNvPr id="127" name="TextBox 126"/>
+              <a:rPr lang="en-US" sz="1000" dirty="0" smtClean="0"/>
+              <a:t>scammers</a:t>
+            </a:r>
+            <a:endParaRPr lang="en-US" sz="1000" dirty="0"/>
+          </a:p>
+        </p:txBody>
+      </p:sp>
+      <p:cxnSp>
+        <p:nvCxnSpPr>
+          <p:cNvPr id="68" name="Straight Arrow Connector 67"/>
+          <p:cNvCxnSpPr>
+            <a:stCxn id="9" idx="0"/>
+          </p:cNvCxnSpPr>
+          <p:nvPr/>
+        </p:nvCxnSpPr>
+        <p:spPr>
+          <a:xfrm flipH="1" flipV="1">
+            <a:off x="3302232" y="4709366"/>
+            <a:ext cx="17434" cy="309349"/>
+          </a:xfrm>
+          <a:prstGeom prst="straightConnector1">
+            <a:avLst/>
+          </a:prstGeom>
+          <a:ln>
+            <a:tailEnd type="arrow"/>
+          </a:ln>
+        </p:spPr>
+        <p:style>
+          <a:lnRef idx="2">
+            <a:schemeClr val="accent1"/>
+          </a:lnRef>
+          <a:fillRef idx="0">
+            <a:schemeClr val="accent1"/>
+          </a:fillRef>
+          <a:effectRef idx="1">
+            <a:schemeClr val="accent1"/>
+          </a:effectRef>
+          <a:fontRef idx="minor">
+            <a:schemeClr val="tx1"/>
+          </a:fontRef>
+        </p:style>
+      </p:cxnSp>
+      <p:sp>
+        <p:nvSpPr>
+          <p:cNvPr id="80" name="TextBox 79"/>
           <p:cNvSpPr txBox="1"/>
           <p:nvPr/>
         </p:nvSpPr>
         <p:spPr>
           <a:xfrm>
-            <a:off x="7117677" y="2833066"/>
-            <a:ext cx="447083" cy="246221"/>
+            <a:off x="3817287" y="4449955"/>
+            <a:ext cx="497878" cy="246221"/>
           </a:xfrm>
           <a:prstGeom prst="rect">
             <a:avLst/>
@@ -6877,31 +6816,23 @@
           <a:lstStyle/>
           <a:p>
             <a:r>
-              <a:rPr lang="en-US" sz="1000" dirty="0" smtClean="0">
-                <a:solidFill>
-                  <a:srgbClr val="FF0000"/>
-                </a:solidFill>
-              </a:rPr>
-              <a:t>virus</a:t>
-            </a:r>
-            <a:endParaRPr lang="en-US" sz="1000" dirty="0">
-              <a:solidFill>
-                <a:srgbClr val="FF0000"/>
-              </a:solidFill>
-            </a:endParaRPr>
-          </a:p>
-        </p:txBody>
-      </p:sp>
-      <p:sp>
-        <p:nvSpPr>
-          <p:cNvPr id="128" name="TextBox 127"/>
+              <a:rPr lang="en-US" sz="1000" dirty="0" smtClean="0"/>
+              <a:t>mules</a:t>
+            </a:r>
+            <a:endParaRPr lang="en-US" sz="1000" dirty="0"/>
+          </a:p>
+        </p:txBody>
+      </p:sp>
+      <p:sp>
+        <p:nvSpPr>
+          <p:cNvPr id="65" name="TextBox 64"/>
           <p:cNvSpPr txBox="1"/>
           <p:nvPr/>
         </p:nvSpPr>
         <p:spPr>
           <a:xfrm>
-            <a:off x="6545601" y="2515706"/>
-            <a:ext cx="499443" cy="246221"/>
+            <a:off x="3780760" y="1244585"/>
+            <a:ext cx="1109586" cy="246221"/>
           </a:xfrm>
           <a:prstGeom prst="rect">
             <a:avLst/>
@@ -6915,41 +6846,588 @@
           <a:lstStyle/>
           <a:p>
             <a:r>
-              <a:rPr lang="en-US" sz="1000" dirty="0" err="1" smtClean="0">
-                <a:solidFill>
-                  <a:srgbClr val="FF0000"/>
-                </a:solidFill>
-              </a:rPr>
-              <a:t>trojan</a:t>
-            </a:r>
-            <a:endParaRPr lang="en-US" sz="1000" dirty="0">
-              <a:solidFill>
-                <a:srgbClr val="FF0000"/>
-              </a:solidFill>
-            </a:endParaRPr>
+              <a:rPr lang="en-US" sz="1000" dirty="0" smtClean="0"/>
+              <a:t>John the Ripper(</a:t>
+            </a:r>
+            <a:r>
+              <a:rPr lang="en-US" sz="1000" dirty="0" err="1" smtClean="0"/>
+              <a:t>i</a:t>
+            </a:r>
+            <a:r>
+              <a:rPr lang="en-US" sz="1000" dirty="0" smtClean="0"/>
+              <a:t>)</a:t>
+            </a:r>
+            <a:endParaRPr lang="en-US" sz="1000" dirty="0"/>
+          </a:p>
+        </p:txBody>
+      </p:sp>
+      <p:sp>
+        <p:nvSpPr>
+          <p:cNvPr id="67" name="TextBox 66"/>
+          <p:cNvSpPr txBox="1"/>
+          <p:nvPr/>
+        </p:nvSpPr>
+        <p:spPr>
+          <a:xfrm>
+            <a:off x="5520003" y="1597604"/>
+            <a:ext cx="919730" cy="400110"/>
+          </a:xfrm>
+          <a:prstGeom prst="rect">
+            <a:avLst/>
+          </a:prstGeom>
+          <a:noFill/>
+        </p:spPr>
+        <p:txBody>
+          <a:bodyPr wrap="none" rtlCol="0">
+            <a:spAutoFit/>
+          </a:bodyPr>
+          <a:lstStyle/>
+          <a:p>
+            <a:r>
+              <a:rPr lang="en-US" sz="1000" dirty="0" smtClean="0"/>
+              <a:t>Deep Crack(d)</a:t>
+            </a:r>
+          </a:p>
+          <a:p>
+            <a:r>
+              <a:rPr lang="en-US" sz="1000" dirty="0" smtClean="0"/>
+              <a:t>(+t.s.+</a:t>
+            </a:r>
+            <a:r>
+              <a:rPr lang="en-US" sz="1000" dirty="0" err="1" smtClean="0"/>
+              <a:t>hw</a:t>
+            </a:r>
+            <a:r>
+              <a:rPr lang="en-US" sz="1000" dirty="0" smtClean="0"/>
+              <a:t>)</a:t>
+            </a:r>
+            <a:endParaRPr lang="en-US" sz="1000" dirty="0"/>
+          </a:p>
+        </p:txBody>
+      </p:sp>
+      <p:sp>
+        <p:nvSpPr>
+          <p:cNvPr id="69" name="TextBox 68"/>
+          <p:cNvSpPr txBox="1"/>
+          <p:nvPr/>
+        </p:nvSpPr>
+        <p:spPr>
+          <a:xfrm>
+            <a:off x="4139464" y="1802398"/>
+            <a:ext cx="945967" cy="246221"/>
+          </a:xfrm>
+          <a:prstGeom prst="rect">
+            <a:avLst/>
+          </a:prstGeom>
+          <a:noFill/>
+        </p:spPr>
+        <p:txBody>
+          <a:bodyPr wrap="none" rtlCol="0">
+            <a:spAutoFit/>
+          </a:bodyPr>
+          <a:lstStyle/>
+          <a:p>
+            <a:r>
+              <a:rPr lang="en-US" sz="1000" dirty="0" smtClean="0"/>
+              <a:t>Dictionaries(1)</a:t>
+            </a:r>
+            <a:endParaRPr lang="en-US" sz="1000" dirty="0"/>
+          </a:p>
+        </p:txBody>
+      </p:sp>
+      <p:sp>
+        <p:nvSpPr>
+          <p:cNvPr id="76" name="TextBox 75"/>
+          <p:cNvSpPr txBox="1"/>
+          <p:nvPr/>
+        </p:nvSpPr>
+        <p:spPr>
+          <a:xfrm>
+            <a:off x="6374874" y="1679287"/>
+            <a:ext cx="981409" cy="400110"/>
+          </a:xfrm>
+          <a:prstGeom prst="rect">
+            <a:avLst/>
+          </a:prstGeom>
+          <a:noFill/>
+        </p:spPr>
+        <p:txBody>
+          <a:bodyPr wrap="none" rtlCol="0">
+            <a:spAutoFit/>
+          </a:bodyPr>
+          <a:lstStyle/>
+          <a:p>
+            <a:r>
+              <a:rPr lang="en-US" sz="1000" dirty="0" smtClean="0"/>
+              <a:t>Trojan (d)</a:t>
+            </a:r>
+          </a:p>
+          <a:p>
+            <a:r>
+              <a:rPr lang="en-US" sz="1000" dirty="0" smtClean="0"/>
+              <a:t>(+</a:t>
+            </a:r>
+            <a:r>
+              <a:rPr lang="en-US" sz="1000" dirty="0" err="1" smtClean="0"/>
+              <a:t>exploits+usd</a:t>
+            </a:r>
+            <a:r>
+              <a:rPr lang="en-US" sz="1000" dirty="0" smtClean="0"/>
+              <a:t>)</a:t>
+            </a:r>
+            <a:endParaRPr lang="en-US" sz="1000" dirty="0"/>
+          </a:p>
+        </p:txBody>
+      </p:sp>
+      <p:sp>
+        <p:nvSpPr>
+          <p:cNvPr id="77" name="TextBox 76"/>
+          <p:cNvSpPr txBox="1"/>
+          <p:nvPr/>
+        </p:nvSpPr>
+        <p:spPr>
+          <a:xfrm>
+            <a:off x="6369380" y="1230295"/>
+            <a:ext cx="981409" cy="400110"/>
+          </a:xfrm>
+          <a:prstGeom prst="rect">
+            <a:avLst/>
+          </a:prstGeom>
+          <a:noFill/>
+        </p:spPr>
+        <p:txBody>
+          <a:bodyPr wrap="none" rtlCol="0">
+            <a:spAutoFit/>
+          </a:bodyPr>
+          <a:lstStyle/>
+          <a:p>
+            <a:r>
+              <a:rPr lang="en-US" sz="1000" dirty="0" smtClean="0"/>
+              <a:t>Virus (1)</a:t>
+            </a:r>
+          </a:p>
+          <a:p>
+            <a:r>
+              <a:rPr lang="en-US" sz="1000" dirty="0" smtClean="0"/>
+              <a:t>(+</a:t>
+            </a:r>
+            <a:r>
+              <a:rPr lang="en-US" sz="1000" dirty="0" err="1" smtClean="0"/>
+              <a:t>exploits+usd</a:t>
+            </a:r>
+            <a:r>
+              <a:rPr lang="en-US" sz="1000" dirty="0" smtClean="0"/>
+              <a:t>)</a:t>
+            </a:r>
+            <a:endParaRPr lang="en-US" sz="1000" dirty="0"/>
+          </a:p>
+        </p:txBody>
+      </p:sp>
+      <p:sp>
+        <p:nvSpPr>
+          <p:cNvPr id="6" name="TextBox 5"/>
+          <p:cNvSpPr txBox="1"/>
+          <p:nvPr/>
+        </p:nvSpPr>
+        <p:spPr>
+          <a:xfrm>
+            <a:off x="0" y="1398128"/>
+            <a:ext cx="1043901" cy="246221"/>
+          </a:xfrm>
+          <a:prstGeom prst="rect">
+            <a:avLst/>
+          </a:prstGeom>
+          <a:noFill/>
+        </p:spPr>
+        <p:txBody>
+          <a:bodyPr wrap="none" rtlCol="0">
+            <a:spAutoFit/>
+          </a:bodyPr>
+          <a:lstStyle/>
+          <a:p>
+            <a:r>
+              <a:rPr lang="en-US" sz="1000" dirty="0" smtClean="0"/>
+              <a:t>HACKING TOOLS</a:t>
+            </a:r>
+            <a:endParaRPr lang="en-US" sz="1000" dirty="0"/>
+          </a:p>
+        </p:txBody>
+      </p:sp>
+      <p:sp>
+        <p:nvSpPr>
+          <p:cNvPr id="12" name="TextBox 11"/>
+          <p:cNvSpPr txBox="1"/>
+          <p:nvPr/>
+        </p:nvSpPr>
+        <p:spPr>
+          <a:xfrm>
+            <a:off x="1567699" y="1398128"/>
+            <a:ext cx="796124" cy="246221"/>
+          </a:xfrm>
+          <a:prstGeom prst="rect">
+            <a:avLst/>
+          </a:prstGeom>
+          <a:noFill/>
+        </p:spPr>
+        <p:txBody>
+          <a:bodyPr wrap="none" rtlCol="0">
+            <a:spAutoFit/>
+          </a:bodyPr>
+          <a:lstStyle/>
+          <a:p>
+            <a:r>
+              <a:rPr lang="en-US" sz="1000" dirty="0" err="1" smtClean="0"/>
+              <a:t>hackerware</a:t>
+            </a:r>
+            <a:endParaRPr lang="en-US" sz="1000" dirty="0"/>
+          </a:p>
+        </p:txBody>
+      </p:sp>
+      <p:sp>
+        <p:nvSpPr>
+          <p:cNvPr id="13" name="TextBox 12"/>
+          <p:cNvSpPr txBox="1"/>
+          <p:nvPr/>
+        </p:nvSpPr>
+        <p:spPr>
+          <a:xfrm>
+            <a:off x="4251369" y="952962"/>
+            <a:ext cx="1143086" cy="246221"/>
+          </a:xfrm>
+          <a:prstGeom prst="rect">
+            <a:avLst/>
+          </a:prstGeom>
+          <a:noFill/>
+        </p:spPr>
+        <p:txBody>
+          <a:bodyPr wrap="none" rtlCol="0">
+            <a:spAutoFit/>
+          </a:bodyPr>
+          <a:lstStyle/>
+          <a:p>
+            <a:r>
+              <a:rPr lang="en-US" sz="1000" u="sng" dirty="0" smtClean="0"/>
+              <a:t>Password cracking</a:t>
+            </a:r>
+            <a:endParaRPr lang="en-US" sz="1000" u="sng" dirty="0"/>
+          </a:p>
+        </p:txBody>
+      </p:sp>
+      <p:sp>
+        <p:nvSpPr>
+          <p:cNvPr id="78" name="TextBox 77"/>
+          <p:cNvSpPr txBox="1"/>
+          <p:nvPr/>
+        </p:nvSpPr>
+        <p:spPr>
+          <a:xfrm>
+            <a:off x="5521625" y="1178423"/>
+            <a:ext cx="788923" cy="400110"/>
+          </a:xfrm>
+          <a:prstGeom prst="rect">
+            <a:avLst/>
+          </a:prstGeom>
+          <a:noFill/>
+        </p:spPr>
+        <p:txBody>
+          <a:bodyPr wrap="none" rtlCol="0">
+            <a:spAutoFit/>
+          </a:bodyPr>
+          <a:lstStyle/>
+          <a:p>
+            <a:r>
+              <a:rPr lang="en-US" sz="1000" dirty="0" smtClean="0"/>
+              <a:t>Quark II (d)</a:t>
+            </a:r>
+          </a:p>
+          <a:p>
+            <a:r>
+              <a:rPr lang="en-US" sz="1000" dirty="0" smtClean="0"/>
+              <a:t>(+t.s.+</a:t>
+            </a:r>
+            <a:r>
+              <a:rPr lang="en-US" sz="1000" dirty="0" err="1" smtClean="0"/>
+              <a:t>hw</a:t>
+            </a:r>
+            <a:r>
+              <a:rPr lang="en-US" sz="1000" dirty="0" smtClean="0"/>
+              <a:t>)</a:t>
+            </a:r>
+            <a:endParaRPr lang="en-US" sz="1000" dirty="0"/>
           </a:p>
         </p:txBody>
       </p:sp>
       <p:cxnSp>
         <p:nvCxnSpPr>
-          <p:cNvPr id="129" name="Straight Arrow Connector 128"/>
-          <p:cNvCxnSpPr>
-            <a:endCxn id="128" idx="2"/>
-          </p:cNvCxnSpPr>
+          <p:cNvPr id="17" name="Straight Arrow Connector 16"/>
+          <p:cNvCxnSpPr/>
           <p:nvPr/>
         </p:nvCxnSpPr>
         <p:spPr>
-          <a:xfrm flipH="1" flipV="1">
-            <a:off x="6795323" y="2761927"/>
-            <a:ext cx="79326" cy="529276"/>
+          <a:xfrm flipV="1">
+            <a:off x="4594909" y="1542598"/>
+            <a:ext cx="0" cy="267581"/>
           </a:xfrm>
           <a:prstGeom prst="straightConnector1">
             <a:avLst/>
           </a:prstGeom>
           <a:ln>
-            <a:solidFill>
-              <a:schemeClr val="accent3"/>
-            </a:solidFill>
+            <a:tailEnd type="arrow"/>
+          </a:ln>
+        </p:spPr>
+        <p:style>
+          <a:lnRef idx="2">
+            <a:schemeClr val="accent1"/>
+          </a:lnRef>
+          <a:fillRef idx="0">
+            <a:schemeClr val="accent1"/>
+          </a:fillRef>
+          <a:effectRef idx="1">
+            <a:schemeClr val="accent1"/>
+          </a:effectRef>
+          <a:fontRef idx="minor">
+            <a:schemeClr val="tx1"/>
+          </a:fontRef>
+        </p:style>
+      </p:cxnSp>
+      <p:sp>
+        <p:nvSpPr>
+          <p:cNvPr id="92" name="TextBox 91"/>
+          <p:cNvSpPr txBox="1"/>
+          <p:nvPr/>
+        </p:nvSpPr>
+        <p:spPr>
+          <a:xfrm>
+            <a:off x="8126395" y="1296377"/>
+            <a:ext cx="662874" cy="246221"/>
+          </a:xfrm>
+          <a:prstGeom prst="rect">
+            <a:avLst/>
+          </a:prstGeom>
+          <a:noFill/>
+        </p:spPr>
+        <p:txBody>
+          <a:bodyPr wrap="none" rtlCol="0">
+            <a:spAutoFit/>
+          </a:bodyPr>
+          <a:lstStyle/>
+          <a:p>
+            <a:r>
+              <a:rPr lang="en-US" sz="1000" dirty="0" smtClean="0"/>
+              <a:t>worm (1)</a:t>
+            </a:r>
+            <a:endParaRPr lang="en-US" sz="1000" dirty="0"/>
+          </a:p>
+        </p:txBody>
+      </p:sp>
+      <p:sp>
+        <p:nvSpPr>
+          <p:cNvPr id="96" name="TextBox 95"/>
+          <p:cNvSpPr txBox="1"/>
+          <p:nvPr/>
+        </p:nvSpPr>
+        <p:spPr>
+          <a:xfrm>
+            <a:off x="6388242" y="836882"/>
+            <a:ext cx="851415" cy="246221"/>
+          </a:xfrm>
+          <a:prstGeom prst="rect">
+            <a:avLst/>
+          </a:prstGeom>
+          <a:noFill/>
+        </p:spPr>
+        <p:txBody>
+          <a:bodyPr wrap="none" rtlCol="0">
+            <a:spAutoFit/>
+          </a:bodyPr>
+          <a:lstStyle/>
+          <a:p>
+            <a:r>
+              <a:rPr lang="en-US" sz="1000" u="sng" dirty="0" smtClean="0"/>
+              <a:t>Other access</a:t>
+            </a:r>
+            <a:endParaRPr lang="en-US" sz="1000" u="sng" dirty="0"/>
+          </a:p>
+        </p:txBody>
+      </p:sp>
+      <p:sp>
+        <p:nvSpPr>
+          <p:cNvPr id="19" name="TextBox 18"/>
+          <p:cNvSpPr txBox="1"/>
+          <p:nvPr/>
+        </p:nvSpPr>
+        <p:spPr>
+          <a:xfrm>
+            <a:off x="3084050" y="940004"/>
+            <a:ext cx="442461" cy="246221"/>
+          </a:xfrm>
+          <a:prstGeom prst="rect">
+            <a:avLst/>
+          </a:prstGeom>
+          <a:noFill/>
+        </p:spPr>
+        <p:txBody>
+          <a:bodyPr wrap="none" rtlCol="0">
+            <a:spAutoFit/>
+          </a:bodyPr>
+          <a:lstStyle/>
+          <a:p>
+            <a:r>
+              <a:rPr lang="en-US" sz="1000" u="sng" dirty="0" smtClean="0"/>
+              <a:t>tools</a:t>
+            </a:r>
+            <a:endParaRPr lang="en-US" sz="1000" u="sng" dirty="0"/>
+          </a:p>
+        </p:txBody>
+      </p:sp>
+      <p:sp>
+        <p:nvSpPr>
+          <p:cNvPr id="20" name="TextBox 19"/>
+          <p:cNvSpPr txBox="1"/>
+          <p:nvPr/>
+        </p:nvSpPr>
+        <p:spPr>
+          <a:xfrm>
+            <a:off x="3084050" y="1254264"/>
+            <a:ext cx="518091" cy="246221"/>
+          </a:xfrm>
+          <a:prstGeom prst="rect">
+            <a:avLst/>
+          </a:prstGeom>
+          <a:noFill/>
+        </p:spPr>
+        <p:txBody>
+          <a:bodyPr wrap="none" rtlCol="0">
+            <a:spAutoFit/>
+          </a:bodyPr>
+          <a:lstStyle/>
+          <a:p>
+            <a:r>
+              <a:rPr lang="en-US" sz="1000" dirty="0" smtClean="0"/>
+              <a:t>sniffer</a:t>
+            </a:r>
+            <a:endParaRPr lang="en-US" sz="1000" dirty="0"/>
+          </a:p>
+        </p:txBody>
+      </p:sp>
+      <p:sp>
+        <p:nvSpPr>
+          <p:cNvPr id="97" name="TextBox 96"/>
+          <p:cNvSpPr txBox="1"/>
+          <p:nvPr/>
+        </p:nvSpPr>
+        <p:spPr>
+          <a:xfrm>
+            <a:off x="7294191" y="1751493"/>
+            <a:ext cx="710025" cy="246221"/>
+          </a:xfrm>
+          <a:prstGeom prst="rect">
+            <a:avLst/>
+          </a:prstGeom>
+          <a:noFill/>
+        </p:spPr>
+        <p:txBody>
+          <a:bodyPr wrap="none" rtlCol="0">
+            <a:spAutoFit/>
+          </a:bodyPr>
+          <a:lstStyle/>
+          <a:p>
+            <a:r>
+              <a:rPr lang="en-US" sz="1000" dirty="0" smtClean="0"/>
+              <a:t>rootkit (1)</a:t>
+            </a:r>
+            <a:endParaRPr lang="en-US" sz="1000" dirty="0"/>
+          </a:p>
+        </p:txBody>
+      </p:sp>
+      <p:cxnSp>
+        <p:nvCxnSpPr>
+          <p:cNvPr id="24" name="Straight Arrow Connector 23"/>
+          <p:cNvCxnSpPr/>
+          <p:nvPr/>
+        </p:nvCxnSpPr>
+        <p:spPr>
+          <a:xfrm>
+            <a:off x="2313078" y="1644349"/>
+            <a:ext cx="2002087" cy="1349953"/>
+          </a:xfrm>
+          <a:prstGeom prst="straightConnector1">
+            <a:avLst/>
+          </a:prstGeom>
+          <a:ln>
+            <a:headEnd type="arrow"/>
+            <a:tailEnd type="arrow"/>
+          </a:ln>
+        </p:spPr>
+        <p:style>
+          <a:lnRef idx="2">
+            <a:schemeClr val="accent1"/>
+          </a:lnRef>
+          <a:fillRef idx="0">
+            <a:schemeClr val="accent1"/>
+          </a:fillRef>
+          <a:effectRef idx="1">
+            <a:schemeClr val="accent1"/>
+          </a:effectRef>
+          <a:fontRef idx="minor">
+            <a:schemeClr val="tx1"/>
+          </a:fontRef>
+        </p:style>
+      </p:cxnSp>
+      <p:sp>
+        <p:nvSpPr>
+          <p:cNvPr id="28" name="Rounded Rectangle 27"/>
+          <p:cNvSpPr/>
+          <p:nvPr/>
+        </p:nvSpPr>
+        <p:spPr>
+          <a:xfrm>
+            <a:off x="4567669" y="2916573"/>
+            <a:ext cx="651997" cy="356374"/>
+          </a:xfrm>
+          <a:prstGeom prst="roundRect">
+            <a:avLst/>
+          </a:prstGeom>
+        </p:spPr>
+        <p:style>
+          <a:lnRef idx="1">
+            <a:schemeClr val="accent1"/>
+          </a:lnRef>
+          <a:fillRef idx="3">
+            <a:schemeClr val="accent1"/>
+          </a:fillRef>
+          <a:effectRef idx="2">
+            <a:schemeClr val="accent1"/>
+          </a:effectRef>
+          <a:fontRef idx="minor">
+            <a:schemeClr val="lt1"/>
+          </a:fontRef>
+        </p:style>
+        <p:txBody>
+          <a:bodyPr rtlCol="0" anchor="ctr"/>
+          <a:lstStyle/>
+          <a:p>
+            <a:pPr algn="ctr"/>
+            <a:endParaRPr lang="en-US"/>
+          </a:p>
+        </p:txBody>
+      </p:sp>
+      <p:cxnSp>
+        <p:nvCxnSpPr>
+          <p:cNvPr id="99" name="Straight Arrow Connector 98"/>
+          <p:cNvCxnSpPr/>
+          <p:nvPr/>
+        </p:nvCxnSpPr>
+        <p:spPr>
+          <a:xfrm>
+            <a:off x="3881100" y="1485350"/>
+            <a:ext cx="623943" cy="1349953"/>
+          </a:xfrm>
+          <a:prstGeom prst="straightConnector1">
+            <a:avLst/>
+          </a:prstGeom>
+          <a:ln>
+            <a:headEnd type="arrow"/>
             <a:tailEnd type="arrow"/>
           </a:ln>
         </p:spPr>
@@ -6970,14 +7448,14 @@
       </p:cxnSp>
       <p:cxnSp>
         <p:nvCxnSpPr>
-          <p:cNvPr id="131" name="Straight Arrow Connector 130"/>
+          <p:cNvPr id="101" name="Straight Arrow Connector 100"/>
           <p:cNvCxnSpPr/>
           <p:nvPr/>
         </p:nvCxnSpPr>
         <p:spPr>
-          <a:xfrm flipV="1">
-            <a:off x="6874649" y="2847984"/>
-            <a:ext cx="203365" cy="486783"/>
+          <a:xfrm flipH="1" flipV="1">
+            <a:off x="4063702" y="4171361"/>
+            <a:ext cx="203" cy="314476"/>
           </a:xfrm>
           <a:prstGeom prst="straightConnector1">
             <a:avLst/>
@@ -6986,6 +7464,70 @@
             <a:solidFill>
               <a:schemeClr val="accent3"/>
             </a:solidFill>
+            <a:tailEnd type="arrow"/>
+          </a:ln>
+        </p:spPr>
+        <p:style>
+          <a:lnRef idx="2">
+            <a:schemeClr val="accent1"/>
+          </a:lnRef>
+          <a:fillRef idx="0">
+            <a:schemeClr val="accent1"/>
+          </a:fillRef>
+          <a:effectRef idx="1">
+            <a:schemeClr val="accent1"/>
+          </a:effectRef>
+          <a:fontRef idx="minor">
+            <a:schemeClr val="tx1"/>
+          </a:fontRef>
+        </p:style>
+      </p:cxnSp>
+      <p:sp>
+        <p:nvSpPr>
+          <p:cNvPr id="102" name="TextBox 101"/>
+          <p:cNvSpPr txBox="1"/>
+          <p:nvPr/>
+        </p:nvSpPr>
+        <p:spPr>
+          <a:xfrm>
+            <a:off x="4596535" y="2307569"/>
+            <a:ext cx="687170" cy="246221"/>
+          </a:xfrm>
+          <a:prstGeom prst="rect">
+            <a:avLst/>
+          </a:prstGeom>
+          <a:noFill/>
+        </p:spPr>
+        <p:txBody>
+          <a:bodyPr wrap="none" rtlCol="0">
+            <a:spAutoFit/>
+          </a:bodyPr>
+          <a:lstStyle/>
+          <a:p>
+            <a:r>
+              <a:rPr lang="en-US" sz="1000" dirty="0" smtClean="0"/>
+              <a:t>hardware</a:t>
+            </a:r>
+            <a:endParaRPr lang="en-US" sz="1000" dirty="0"/>
+          </a:p>
+        </p:txBody>
+      </p:sp>
+      <p:cxnSp>
+        <p:nvCxnSpPr>
+          <p:cNvPr id="103" name="Straight Arrow Connector 102"/>
+          <p:cNvCxnSpPr/>
+          <p:nvPr/>
+        </p:nvCxnSpPr>
+        <p:spPr>
+          <a:xfrm>
+            <a:off x="4858945" y="2553790"/>
+            <a:ext cx="1" cy="282507"/>
+          </a:xfrm>
+          <a:prstGeom prst="straightConnector1">
+            <a:avLst/>
+          </a:prstGeom>
+          <a:ln>
+            <a:headEnd type="arrow"/>
             <a:tailEnd type="arrow"/>
           </a:ln>
         </p:spPr>
@@ -7006,14 +7548,442 @@
       </p:cxnSp>
       <p:cxnSp>
         <p:nvCxnSpPr>
-          <p:cNvPr id="133" name="Straight Arrow Connector 132"/>
+          <p:cNvPr id="107" name="Straight Arrow Connector 106"/>
           <p:cNvCxnSpPr/>
           <p:nvPr/>
         </p:nvCxnSpPr>
         <p:spPr>
+          <a:xfrm>
+            <a:off x="3550216" y="1485350"/>
+            <a:ext cx="764949" cy="1350947"/>
+          </a:xfrm>
+          <a:prstGeom prst="straightConnector1">
+            <a:avLst/>
+          </a:prstGeom>
+          <a:ln>
+            <a:headEnd type="arrow"/>
+            <a:tailEnd type="arrow"/>
+          </a:ln>
+        </p:spPr>
+        <p:style>
+          <a:lnRef idx="2">
+            <a:schemeClr val="accent1"/>
+          </a:lnRef>
+          <a:fillRef idx="0">
+            <a:schemeClr val="accent1"/>
+          </a:fillRef>
+          <a:effectRef idx="1">
+            <a:schemeClr val="accent1"/>
+          </a:effectRef>
+          <a:fontRef idx="minor">
+            <a:schemeClr val="tx1"/>
+          </a:fontRef>
+        </p:style>
+      </p:cxnSp>
+      <p:cxnSp>
+        <p:nvCxnSpPr>
+          <p:cNvPr id="109" name="Straight Arrow Connector 108"/>
+          <p:cNvCxnSpPr/>
+          <p:nvPr/>
+        </p:nvCxnSpPr>
+        <p:spPr>
           <a:xfrm flipV="1">
-            <a:off x="6874649" y="3079287"/>
-            <a:ext cx="355765" cy="255480"/>
+            <a:off x="7126052" y="3509114"/>
+            <a:ext cx="0" cy="1541916"/>
+          </a:xfrm>
+          <a:prstGeom prst="straightConnector1">
+            <a:avLst/>
+          </a:prstGeom>
+          <a:ln>
+            <a:headEnd type="arrow"/>
+            <a:tailEnd type="arrow"/>
+          </a:ln>
+        </p:spPr>
+        <p:style>
+          <a:lnRef idx="2">
+            <a:schemeClr val="accent1"/>
+          </a:lnRef>
+          <a:fillRef idx="0">
+            <a:schemeClr val="accent1"/>
+          </a:fillRef>
+          <a:effectRef idx="1">
+            <a:schemeClr val="accent1"/>
+          </a:effectRef>
+          <a:fontRef idx="minor">
+            <a:schemeClr val="tx1"/>
+          </a:fontRef>
+        </p:style>
+      </p:cxnSp>
+      <p:sp>
+        <p:nvSpPr>
+          <p:cNvPr id="110" name="Rounded Rectangle 109"/>
+          <p:cNvSpPr/>
+          <p:nvPr/>
+        </p:nvSpPr>
+        <p:spPr>
+          <a:xfrm>
+            <a:off x="6841507" y="3011600"/>
+            <a:ext cx="807697" cy="356374"/>
+          </a:xfrm>
+          <a:prstGeom prst="roundRect">
+            <a:avLst/>
+          </a:prstGeom>
+        </p:spPr>
+        <p:style>
+          <a:lnRef idx="1">
+            <a:schemeClr val="accent1"/>
+          </a:lnRef>
+          <a:fillRef idx="3">
+            <a:schemeClr val="accent1"/>
+          </a:fillRef>
+          <a:effectRef idx="2">
+            <a:schemeClr val="accent1"/>
+          </a:effectRef>
+          <a:fontRef idx="minor">
+            <a:schemeClr val="lt1"/>
+          </a:fontRef>
+        </p:style>
+        <p:txBody>
+          <a:bodyPr rtlCol="0" anchor="ctr"/>
+          <a:lstStyle/>
+          <a:p>
+            <a:pPr algn="ctr"/>
+            <a:endParaRPr lang="en-US"/>
+          </a:p>
+        </p:txBody>
+      </p:sp>
+      <p:cxnSp>
+        <p:nvCxnSpPr>
+          <p:cNvPr id="111" name="Straight Arrow Connector 110"/>
+          <p:cNvCxnSpPr/>
+          <p:nvPr/>
+        </p:nvCxnSpPr>
+        <p:spPr>
+          <a:xfrm>
+            <a:off x="4938577" y="2048619"/>
+            <a:ext cx="1832822" cy="1057037"/>
+          </a:xfrm>
+          <a:prstGeom prst="straightConnector1">
+            <a:avLst/>
+          </a:prstGeom>
+          <a:ln>
+            <a:headEnd type="arrow"/>
+            <a:tailEnd type="arrow"/>
+          </a:ln>
+        </p:spPr>
+        <p:style>
+          <a:lnRef idx="2">
+            <a:schemeClr val="accent1"/>
+          </a:lnRef>
+          <a:fillRef idx="0">
+            <a:schemeClr val="accent1"/>
+          </a:fillRef>
+          <a:effectRef idx="1">
+            <a:schemeClr val="accent1"/>
+          </a:effectRef>
+          <a:fontRef idx="minor">
+            <a:schemeClr val="tx1"/>
+          </a:fontRef>
+        </p:style>
+      </p:cxnSp>
+      <p:sp>
+        <p:nvSpPr>
+          <p:cNvPr id="113" name="TextBox 112"/>
+          <p:cNvSpPr txBox="1"/>
+          <p:nvPr/>
+        </p:nvSpPr>
+        <p:spPr>
+          <a:xfrm>
+            <a:off x="5910590" y="2425264"/>
+            <a:ext cx="477652" cy="246221"/>
+          </a:xfrm>
+          <a:prstGeom prst="rect">
+            <a:avLst/>
+          </a:prstGeom>
+          <a:noFill/>
+        </p:spPr>
+        <p:txBody>
+          <a:bodyPr wrap="none" rtlCol="0">
+            <a:spAutoFit/>
+          </a:bodyPr>
+          <a:lstStyle/>
+          <a:p>
+            <a:r>
+              <a:rPr lang="en-US" sz="1000" dirty="0" smtClean="0"/>
+              <a:t>+pass</a:t>
+            </a:r>
+            <a:endParaRPr lang="en-US" sz="1000" dirty="0"/>
+          </a:p>
+        </p:txBody>
+      </p:sp>
+      <p:sp>
+        <p:nvSpPr>
+          <p:cNvPr id="43" name="Right Brace 42"/>
+          <p:cNvSpPr/>
+          <p:nvPr/>
+        </p:nvSpPr>
+        <p:spPr>
+          <a:xfrm rot="5400000">
+            <a:off x="6685250" y="1032821"/>
+            <a:ext cx="324329" cy="2263667"/>
+          </a:xfrm>
+          <a:prstGeom prst="rightBrace">
+            <a:avLst/>
+          </a:prstGeom>
+        </p:spPr>
+        <p:style>
+          <a:lnRef idx="2">
+            <a:schemeClr val="accent1"/>
+          </a:lnRef>
+          <a:fillRef idx="0">
+            <a:schemeClr val="accent1"/>
+          </a:fillRef>
+          <a:effectRef idx="1">
+            <a:schemeClr val="accent1"/>
+          </a:effectRef>
+          <a:fontRef idx="minor">
+            <a:schemeClr val="tx1"/>
+          </a:fontRef>
+        </p:style>
+        <p:txBody>
+          <a:bodyPr rtlCol="0" anchor="ctr"/>
+          <a:lstStyle/>
+          <a:p>
+            <a:pPr algn="ctr"/>
+            <a:endParaRPr lang="en-US"/>
+          </a:p>
+        </p:txBody>
+      </p:sp>
+      <p:cxnSp>
+        <p:nvCxnSpPr>
+          <p:cNvPr id="116" name="Straight Arrow Connector 115"/>
+          <p:cNvCxnSpPr/>
+          <p:nvPr/>
+        </p:nvCxnSpPr>
+        <p:spPr>
+          <a:xfrm>
+            <a:off x="7126052" y="2426700"/>
+            <a:ext cx="2577" cy="546026"/>
+          </a:xfrm>
+          <a:prstGeom prst="straightConnector1">
+            <a:avLst/>
+          </a:prstGeom>
+          <a:ln>
+            <a:headEnd type="arrow"/>
+            <a:tailEnd type="arrow"/>
+          </a:ln>
+        </p:spPr>
+        <p:style>
+          <a:lnRef idx="2">
+            <a:schemeClr val="accent1"/>
+          </a:lnRef>
+          <a:fillRef idx="0">
+            <a:schemeClr val="accent1"/>
+          </a:fillRef>
+          <a:effectRef idx="1">
+            <a:schemeClr val="accent1"/>
+          </a:effectRef>
+          <a:fontRef idx="minor">
+            <a:schemeClr val="tx1"/>
+          </a:fontRef>
+        </p:style>
+      </p:cxnSp>
+      <p:sp>
+        <p:nvSpPr>
+          <p:cNvPr id="45" name="TextBox 44"/>
+          <p:cNvSpPr txBox="1"/>
+          <p:nvPr/>
+        </p:nvSpPr>
+        <p:spPr>
+          <a:xfrm>
+            <a:off x="7496963" y="1296377"/>
+            <a:ext cx="560307" cy="246221"/>
+          </a:xfrm>
+          <a:prstGeom prst="rect">
+            <a:avLst/>
+          </a:prstGeom>
+          <a:noFill/>
+        </p:spPr>
+        <p:txBody>
+          <a:bodyPr wrap="none" rtlCol="0">
+            <a:spAutoFit/>
+          </a:bodyPr>
+          <a:lstStyle/>
+          <a:p>
+            <a:r>
+              <a:rPr lang="en-US" sz="1000" dirty="0" smtClean="0"/>
+              <a:t>Bots(d)</a:t>
+            </a:r>
+            <a:endParaRPr lang="en-US" sz="1000" dirty="0"/>
+          </a:p>
+        </p:txBody>
+      </p:sp>
+      <p:sp>
+        <p:nvSpPr>
+          <p:cNvPr id="120" name="TextBox 119"/>
+          <p:cNvSpPr txBox="1"/>
+          <p:nvPr/>
+        </p:nvSpPr>
+        <p:spPr>
+          <a:xfrm>
+            <a:off x="7544593" y="5109029"/>
+            <a:ext cx="740520" cy="246221"/>
+          </a:xfrm>
+          <a:prstGeom prst="rect">
+            <a:avLst/>
+          </a:prstGeom>
+          <a:noFill/>
+        </p:spPr>
+        <p:txBody>
+          <a:bodyPr wrap="none" rtlCol="0">
+            <a:spAutoFit/>
+          </a:bodyPr>
+          <a:lstStyle/>
+          <a:p>
+            <a:r>
+              <a:rPr lang="en-US" sz="1000" dirty="0" err="1" smtClean="0"/>
+              <a:t>orangebox</a:t>
+            </a:r>
+            <a:endParaRPr lang="en-US" sz="1000" dirty="0"/>
+          </a:p>
+        </p:txBody>
+      </p:sp>
+      <p:sp>
+        <p:nvSpPr>
+          <p:cNvPr id="121" name="TextBox 120"/>
+          <p:cNvSpPr txBox="1"/>
+          <p:nvPr/>
+        </p:nvSpPr>
+        <p:spPr>
+          <a:xfrm>
+            <a:off x="7532929" y="5355250"/>
+            <a:ext cx="776024" cy="246221"/>
+          </a:xfrm>
+          <a:prstGeom prst="rect">
+            <a:avLst/>
+          </a:prstGeom>
+          <a:noFill/>
+        </p:spPr>
+        <p:txBody>
+          <a:bodyPr wrap="none" rtlCol="0">
+            <a:spAutoFit/>
+          </a:bodyPr>
+          <a:lstStyle/>
+          <a:p>
+            <a:r>
+              <a:rPr lang="en-US" sz="1000" dirty="0" err="1" smtClean="0"/>
+              <a:t>Usd+silicon</a:t>
+            </a:r>
+            <a:endParaRPr lang="en-US" sz="1000" dirty="0"/>
+          </a:p>
+        </p:txBody>
+      </p:sp>
+      <p:sp>
+        <p:nvSpPr>
+          <p:cNvPr id="122" name="TextBox 121"/>
+          <p:cNvSpPr txBox="1"/>
+          <p:nvPr/>
+        </p:nvSpPr>
+        <p:spPr>
+          <a:xfrm>
+            <a:off x="7562845" y="3534190"/>
+            <a:ext cx="687170" cy="246221"/>
+          </a:xfrm>
+          <a:prstGeom prst="rect">
+            <a:avLst/>
+          </a:prstGeom>
+          <a:noFill/>
+        </p:spPr>
+        <p:txBody>
+          <a:bodyPr wrap="none" rtlCol="0">
+            <a:spAutoFit/>
+          </a:bodyPr>
+          <a:lstStyle/>
+          <a:p>
+            <a:r>
+              <a:rPr lang="en-US" sz="1000" dirty="0" smtClean="0"/>
+              <a:t>hardware</a:t>
+            </a:r>
+            <a:endParaRPr lang="en-US" sz="1000" dirty="0"/>
+          </a:p>
+        </p:txBody>
+      </p:sp>
+      <p:cxnSp>
+        <p:nvCxnSpPr>
+          <p:cNvPr id="126" name="Straight Arrow Connector 125"/>
+          <p:cNvCxnSpPr/>
+          <p:nvPr/>
+        </p:nvCxnSpPr>
+        <p:spPr>
+          <a:xfrm>
+            <a:off x="7906429" y="4703272"/>
+            <a:ext cx="1" cy="392566"/>
+          </a:xfrm>
+          <a:prstGeom prst="straightConnector1">
+            <a:avLst/>
+          </a:prstGeom>
+          <a:ln>
+            <a:headEnd type="arrow"/>
+            <a:tailEnd type="arrow"/>
+          </a:ln>
+        </p:spPr>
+        <p:style>
+          <a:lnRef idx="2">
+            <a:schemeClr val="accent1"/>
+          </a:lnRef>
+          <a:fillRef idx="0">
+            <a:schemeClr val="accent1"/>
+          </a:fillRef>
+          <a:effectRef idx="1">
+            <a:schemeClr val="accent1"/>
+          </a:effectRef>
+          <a:fontRef idx="minor">
+            <a:schemeClr val="tx1"/>
+          </a:fontRef>
+        </p:style>
+      </p:cxnSp>
+      <p:sp>
+        <p:nvSpPr>
+          <p:cNvPr id="130" name="TextBox 129"/>
+          <p:cNvSpPr txBox="1"/>
+          <p:nvPr/>
+        </p:nvSpPr>
+        <p:spPr>
+          <a:xfrm>
+            <a:off x="7450365" y="4281610"/>
+            <a:ext cx="951790" cy="246221"/>
+          </a:xfrm>
+          <a:prstGeom prst="rect">
+            <a:avLst/>
+          </a:prstGeom>
+          <a:noFill/>
+        </p:spPr>
+        <p:txBody>
+          <a:bodyPr wrap="none" rtlCol="0">
+            <a:spAutoFit/>
+          </a:bodyPr>
+          <a:lstStyle/>
+          <a:p>
+            <a:r>
+              <a:rPr lang="en-US" sz="1000" dirty="0" smtClean="0"/>
+              <a:t>manufacturers</a:t>
+            </a:r>
+            <a:endParaRPr lang="en-US" sz="1000" dirty="0"/>
+          </a:p>
+        </p:txBody>
+      </p:sp>
+      <p:cxnSp>
+        <p:nvCxnSpPr>
+          <p:cNvPr id="131" name="Straight Arrow Connector 130"/>
+          <p:cNvCxnSpPr>
+            <a:endCxn id="122" idx="2"/>
+          </p:cNvCxnSpPr>
+          <p:nvPr/>
+        </p:nvCxnSpPr>
+        <p:spPr>
+          <a:xfrm flipH="1" flipV="1">
+            <a:off x="7906430" y="3780411"/>
+            <a:ext cx="17509" cy="467819"/>
           </a:xfrm>
           <a:prstGeom prst="straightConnector1">
             <a:avLst/>
@@ -7042,14 +8012,14 @@
       </p:cxnSp>
       <p:sp>
         <p:nvSpPr>
-          <p:cNvPr id="136" name="TextBox 135"/>
+          <p:cNvPr id="132" name="TextBox 131"/>
           <p:cNvSpPr txBox="1"/>
           <p:nvPr/>
         </p:nvSpPr>
         <p:spPr>
           <a:xfrm>
-            <a:off x="6246104" y="2734689"/>
-            <a:ext cx="538266" cy="246221"/>
+            <a:off x="7135539" y="4426688"/>
+            <a:ext cx="1581846" cy="246221"/>
           </a:xfrm>
           <a:prstGeom prst="rect">
             <a:avLst/>
@@ -7063,31 +8033,184 @@
           <a:lstStyle/>
           <a:p>
             <a:r>
-              <a:rPr lang="en-US" sz="1000" dirty="0" smtClean="0">
-                <a:solidFill>
-                  <a:srgbClr val="FF0000"/>
-                </a:solidFill>
-              </a:rPr>
-              <a:t>rootkit</a:t>
-            </a:r>
-            <a:endParaRPr lang="en-US" sz="1000" dirty="0">
-              <a:solidFill>
-                <a:srgbClr val="FF0000"/>
-              </a:solidFill>
-            </a:endParaRPr>
+              <a:rPr lang="en-US" sz="1000" dirty="0" smtClean="0"/>
+              <a:t>(</a:t>
+            </a:r>
+            <a:r>
+              <a:rPr lang="en-US" sz="1000" dirty="0" err="1" smtClean="0"/>
+              <a:t>silicon+usd+trade</a:t>
+            </a:r>
+            <a:r>
+              <a:rPr lang="en-US" sz="1000" dirty="0" smtClean="0"/>
+              <a:t> secrets)</a:t>
+            </a:r>
+            <a:endParaRPr lang="en-US" sz="1000" dirty="0"/>
+          </a:p>
+        </p:txBody>
+      </p:sp>
+      <p:sp>
+        <p:nvSpPr>
+          <p:cNvPr id="134" name="TextBox 133"/>
+          <p:cNvSpPr txBox="1"/>
+          <p:nvPr/>
+        </p:nvSpPr>
+        <p:spPr>
+          <a:xfrm>
+            <a:off x="6271061" y="3682771"/>
+            <a:ext cx="590990" cy="246221"/>
+          </a:xfrm>
+          <a:prstGeom prst="rect">
+            <a:avLst/>
+          </a:prstGeom>
+          <a:noFill/>
+        </p:spPr>
+        <p:txBody>
+          <a:bodyPr wrap="none" rtlCol="0">
+            <a:spAutoFit/>
+          </a:bodyPr>
+          <a:lstStyle/>
+          <a:p>
+            <a:r>
+              <a:rPr lang="en-US" sz="1000" dirty="0" smtClean="0"/>
+              <a:t>exploits</a:t>
+            </a:r>
+            <a:endParaRPr lang="en-US" sz="1000" dirty="0"/>
+          </a:p>
+        </p:txBody>
+      </p:sp>
+      <p:sp>
+        <p:nvSpPr>
+          <p:cNvPr id="135" name="TextBox 134"/>
+          <p:cNvSpPr txBox="1"/>
+          <p:nvPr/>
+        </p:nvSpPr>
+        <p:spPr>
+          <a:xfrm>
+            <a:off x="6213280" y="5129534"/>
+            <a:ext cx="660808" cy="246221"/>
+          </a:xfrm>
+          <a:prstGeom prst="rect">
+            <a:avLst/>
+          </a:prstGeom>
+          <a:noFill/>
+        </p:spPr>
+        <p:txBody>
+          <a:bodyPr wrap="none" rtlCol="0">
+            <a:spAutoFit/>
+          </a:bodyPr>
+          <a:lstStyle/>
+          <a:p>
+            <a:r>
+              <a:rPr lang="en-US" sz="1000" dirty="0" err="1" smtClean="0"/>
+              <a:t>safeware</a:t>
+            </a:r>
+            <a:endParaRPr lang="en-US" sz="1000" dirty="0"/>
+          </a:p>
+        </p:txBody>
+      </p:sp>
+      <p:sp>
+        <p:nvSpPr>
+          <p:cNvPr id="137" name="TextBox 136"/>
+          <p:cNvSpPr txBox="1"/>
+          <p:nvPr/>
+        </p:nvSpPr>
+        <p:spPr>
+          <a:xfrm>
+            <a:off x="6369380" y="5444531"/>
+            <a:ext cx="369575" cy="246221"/>
+          </a:xfrm>
+          <a:prstGeom prst="rect">
+            <a:avLst/>
+          </a:prstGeom>
+          <a:noFill/>
+        </p:spPr>
+        <p:txBody>
+          <a:bodyPr wrap="none" rtlCol="0">
+            <a:spAutoFit/>
+          </a:bodyPr>
+          <a:lstStyle/>
+          <a:p>
+            <a:r>
+              <a:rPr lang="en-US" sz="1000" dirty="0" err="1" smtClean="0"/>
+              <a:t>usd</a:t>
+            </a:r>
+            <a:endParaRPr lang="en-US" sz="1000" dirty="0"/>
+          </a:p>
+        </p:txBody>
+      </p:sp>
+      <p:sp>
+        <p:nvSpPr>
+          <p:cNvPr id="138" name="TextBox 137"/>
+          <p:cNvSpPr txBox="1"/>
+          <p:nvPr/>
+        </p:nvSpPr>
+        <p:spPr>
+          <a:xfrm>
+            <a:off x="6153397" y="4388256"/>
+            <a:ext cx="793557" cy="246221"/>
+          </a:xfrm>
+          <a:prstGeom prst="rect">
+            <a:avLst/>
+          </a:prstGeom>
+          <a:noFill/>
+        </p:spPr>
+        <p:txBody>
+          <a:bodyPr wrap="none" rtlCol="0">
+            <a:spAutoFit/>
+          </a:bodyPr>
+          <a:lstStyle/>
+          <a:p>
+            <a:r>
+              <a:rPr lang="en-US" sz="1000" dirty="0" smtClean="0"/>
+              <a:t>researchers</a:t>
+            </a:r>
+            <a:endParaRPr lang="en-US" sz="1000" dirty="0"/>
           </a:p>
         </p:txBody>
       </p:sp>
       <p:cxnSp>
         <p:nvCxnSpPr>
-          <p:cNvPr id="137" name="Straight Arrow Connector 136"/>
+          <p:cNvPr id="140" name="Straight Arrow Connector 139"/>
           <p:cNvCxnSpPr/>
           <p:nvPr/>
         </p:nvCxnSpPr>
         <p:spPr>
           <a:xfrm flipH="1" flipV="1">
-            <a:off x="6649888" y="2925032"/>
-            <a:ext cx="224761" cy="318744"/>
+            <a:off x="6594249" y="4634477"/>
+            <a:ext cx="7223" cy="516035"/>
+          </a:xfrm>
+          <a:prstGeom prst="straightConnector1">
+            <a:avLst/>
+          </a:prstGeom>
+          <a:ln>
+            <a:tailEnd type="arrow"/>
+          </a:ln>
+        </p:spPr>
+        <p:style>
+          <a:lnRef idx="2">
+            <a:schemeClr val="accent1"/>
+          </a:lnRef>
+          <a:fillRef idx="0">
+            <a:schemeClr val="accent1"/>
+          </a:fillRef>
+          <a:effectRef idx="1">
+            <a:schemeClr val="accent1"/>
+          </a:effectRef>
+          <a:fontRef idx="minor">
+            <a:schemeClr val="tx1"/>
+          </a:fontRef>
+        </p:style>
+      </p:cxnSp>
+      <p:cxnSp>
+        <p:nvCxnSpPr>
+          <p:cNvPr id="142" name="Straight Arrow Connector 141"/>
+          <p:cNvCxnSpPr/>
+          <p:nvPr/>
+        </p:nvCxnSpPr>
+        <p:spPr>
+          <a:xfrm flipH="1" flipV="1">
+            <a:off x="6499435" y="3881456"/>
+            <a:ext cx="50741" cy="560600"/>
           </a:xfrm>
           <a:prstGeom prst="straightConnector1">
             <a:avLst/>
@@ -7116,14 +8239,52 @@
       </p:cxnSp>
       <p:sp>
         <p:nvSpPr>
-          <p:cNvPr id="139" name="TextBox 138"/>
+          <p:cNvPr id="143" name="Right Brace 142"/>
+          <p:cNvSpPr/>
+          <p:nvPr/>
+        </p:nvSpPr>
+        <p:spPr>
+          <a:xfrm rot="16200000">
+            <a:off x="7601850" y="2379"/>
+            <a:ext cx="324329" cy="2263667"/>
+          </a:xfrm>
+          <a:prstGeom prst="rightBrace">
+            <a:avLst/>
+          </a:prstGeom>
+        </p:spPr>
+        <p:style>
+          <a:lnRef idx="2">
+            <a:schemeClr val="accent1"/>
+          </a:lnRef>
+          <a:fillRef idx="0">
+            <a:schemeClr val="accent1"/>
+          </a:fillRef>
+          <a:effectRef idx="1">
+            <a:schemeClr val="accent1"/>
+          </a:effectRef>
+          <a:fontRef idx="minor">
+            <a:schemeClr val="tx1"/>
+          </a:fontRef>
+        </p:style>
+        <p:txBody>
+          <a:bodyPr rtlCol="0" anchor="ctr"/>
+          <a:lstStyle/>
+          <a:p>
+            <a:pPr algn="ctr"/>
+            <a:endParaRPr lang="en-US"/>
+          </a:p>
+        </p:txBody>
+      </p:sp>
+      <p:sp>
+        <p:nvSpPr>
+          <p:cNvPr id="144" name="TextBox 143"/>
           <p:cNvSpPr txBox="1"/>
           <p:nvPr/>
         </p:nvSpPr>
         <p:spPr>
           <a:xfrm>
-            <a:off x="8330957" y="4045031"/>
-            <a:ext cx="813043" cy="246221"/>
+            <a:off x="7508351" y="719959"/>
+            <a:ext cx="595060" cy="246221"/>
           </a:xfrm>
           <a:prstGeom prst="rect">
             <a:avLst/>
@@ -7137,8 +8298,299 @@
           <a:lstStyle/>
           <a:p>
             <a:r>
+              <a:rPr lang="en-US" sz="1000" i="1" dirty="0" smtClean="0"/>
+              <a:t>Disrupt</a:t>
+            </a:r>
+            <a:endParaRPr lang="en-US" sz="1000" i="1" dirty="0"/>
+          </a:p>
+        </p:txBody>
+      </p:sp>
+      <p:sp>
+        <p:nvSpPr>
+          <p:cNvPr id="145" name="TextBox 144"/>
+          <p:cNvSpPr txBox="1"/>
+          <p:nvPr/>
+        </p:nvSpPr>
+        <p:spPr>
+          <a:xfrm>
+            <a:off x="8382044" y="5162727"/>
+            <a:ext cx="796562" cy="246221"/>
+          </a:xfrm>
+          <a:prstGeom prst="rect">
+            <a:avLst/>
+          </a:prstGeom>
+          <a:noFill/>
+        </p:spPr>
+        <p:txBody>
+          <a:bodyPr wrap="none" rtlCol="0">
+            <a:spAutoFit/>
+          </a:bodyPr>
+          <a:lstStyle/>
+          <a:p>
+            <a:r>
               <a:rPr lang="en-US" sz="1000" dirty="0" smtClean="0"/>
-              <a:t>E-pharmacy</a:t>
+              <a:t>Gov’t organ</a:t>
+            </a:r>
+            <a:endParaRPr lang="en-US" sz="1000" dirty="0"/>
+          </a:p>
+        </p:txBody>
+      </p:sp>
+      <p:sp>
+        <p:nvSpPr>
+          <p:cNvPr id="146" name="TextBox 145"/>
+          <p:cNvSpPr txBox="1"/>
+          <p:nvPr/>
+        </p:nvSpPr>
+        <p:spPr>
+          <a:xfrm>
+            <a:off x="8370380" y="5408948"/>
+            <a:ext cx="787395" cy="246221"/>
+          </a:xfrm>
+          <a:prstGeom prst="rect">
+            <a:avLst/>
+          </a:prstGeom>
+          <a:noFill/>
+        </p:spPr>
+        <p:txBody>
+          <a:bodyPr wrap="none" rtlCol="0">
+            <a:spAutoFit/>
+          </a:bodyPr>
+          <a:lstStyle/>
+          <a:p>
+            <a:r>
+              <a:rPr lang="en-US" sz="1000" dirty="0" err="1" smtClean="0"/>
+              <a:t>Ts+dip</a:t>
+            </a:r>
+            <a:r>
+              <a:rPr lang="en-US" sz="1000" dirty="0" smtClean="0"/>
+              <a:t> </a:t>
+            </a:r>
+            <a:r>
+              <a:rPr lang="en-US" sz="1000" dirty="0" err="1" smtClean="0"/>
+              <a:t>intel</a:t>
+            </a:r>
+            <a:endParaRPr lang="en-US" sz="1000" dirty="0"/>
+          </a:p>
+        </p:txBody>
+      </p:sp>
+      <p:cxnSp>
+        <p:nvCxnSpPr>
+          <p:cNvPr id="147" name="Straight Arrow Connector 146"/>
+          <p:cNvCxnSpPr/>
+          <p:nvPr/>
+        </p:nvCxnSpPr>
+        <p:spPr>
+          <a:xfrm flipH="1" flipV="1">
+            <a:off x="8526841" y="1630405"/>
+            <a:ext cx="262428" cy="3478624"/>
+          </a:xfrm>
+          <a:prstGeom prst="straightConnector1">
+            <a:avLst/>
+          </a:prstGeom>
+          <a:ln>
+            <a:headEnd type="arrow"/>
+            <a:tailEnd type="arrow"/>
+          </a:ln>
+        </p:spPr>
+        <p:style>
+          <a:lnRef idx="2">
+            <a:schemeClr val="accent1"/>
+          </a:lnRef>
+          <a:fillRef idx="0">
+            <a:schemeClr val="accent1"/>
+          </a:fillRef>
+          <a:effectRef idx="1">
+            <a:schemeClr val="accent1"/>
+          </a:effectRef>
+          <a:fontRef idx="minor">
+            <a:schemeClr val="tx1"/>
+          </a:fontRef>
+        </p:style>
+      </p:cxnSp>
+      <p:sp>
+        <p:nvSpPr>
+          <p:cNvPr id="93" name="TextBox 92"/>
+          <p:cNvSpPr txBox="1"/>
+          <p:nvPr/>
+        </p:nvSpPr>
+        <p:spPr>
+          <a:xfrm>
+            <a:off x="6594249" y="5804520"/>
+            <a:ext cx="1211840" cy="246221"/>
+          </a:xfrm>
+          <a:prstGeom prst="rect">
+            <a:avLst/>
+          </a:prstGeom>
+          <a:noFill/>
+        </p:spPr>
+        <p:txBody>
+          <a:bodyPr wrap="none" rtlCol="0">
+            <a:spAutoFit/>
+          </a:bodyPr>
+          <a:lstStyle/>
+          <a:p>
+            <a:r>
+              <a:rPr lang="en-US" sz="1000" dirty="0" smtClean="0"/>
+              <a:t>Commodities group</a:t>
+            </a:r>
+            <a:endParaRPr lang="en-US" sz="1000" dirty="0"/>
+          </a:p>
+        </p:txBody>
+      </p:sp>
+      <p:sp>
+        <p:nvSpPr>
+          <p:cNvPr id="94" name="TextBox 93"/>
+          <p:cNvSpPr txBox="1"/>
+          <p:nvPr/>
+        </p:nvSpPr>
+        <p:spPr>
+          <a:xfrm>
+            <a:off x="6782790" y="6050741"/>
+            <a:ext cx="369575" cy="246221"/>
+          </a:xfrm>
+          <a:prstGeom prst="rect">
+            <a:avLst/>
+          </a:prstGeom>
+          <a:noFill/>
+        </p:spPr>
+        <p:txBody>
+          <a:bodyPr wrap="none" rtlCol="0">
+            <a:spAutoFit/>
+          </a:bodyPr>
+          <a:lstStyle/>
+          <a:p>
+            <a:r>
+              <a:rPr lang="en-US" sz="1000" dirty="0" err="1" smtClean="0"/>
+              <a:t>usd</a:t>
+            </a:r>
+            <a:endParaRPr lang="en-US" sz="1000" dirty="0"/>
+          </a:p>
+        </p:txBody>
+      </p:sp>
+      <p:cxnSp>
+        <p:nvCxnSpPr>
+          <p:cNvPr id="98" name="Straight Arrow Connector 97"/>
+          <p:cNvCxnSpPr/>
+          <p:nvPr/>
+        </p:nvCxnSpPr>
+        <p:spPr>
+          <a:xfrm flipH="1" flipV="1">
+            <a:off x="6929723" y="4930319"/>
+            <a:ext cx="24455" cy="810413"/>
+          </a:xfrm>
+          <a:prstGeom prst="straightConnector1">
+            <a:avLst/>
+          </a:prstGeom>
+          <a:ln>
+            <a:tailEnd type="arrow"/>
+          </a:ln>
+        </p:spPr>
+        <p:style>
+          <a:lnRef idx="2">
+            <a:schemeClr val="accent1"/>
+          </a:lnRef>
+          <a:fillRef idx="0">
+            <a:schemeClr val="accent1"/>
+          </a:fillRef>
+          <a:effectRef idx="1">
+            <a:schemeClr val="accent1"/>
+          </a:effectRef>
+          <a:fontRef idx="minor">
+            <a:schemeClr val="tx1"/>
+          </a:fontRef>
+        </p:style>
+      </p:cxnSp>
+      <p:sp>
+        <p:nvSpPr>
+          <p:cNvPr id="100" name="TextBox 99"/>
+          <p:cNvSpPr txBox="1"/>
+          <p:nvPr/>
+        </p:nvSpPr>
+        <p:spPr>
+          <a:xfrm>
+            <a:off x="6632181" y="4711240"/>
+            <a:ext cx="559806" cy="246221"/>
+          </a:xfrm>
+          <a:prstGeom prst="rect">
+            <a:avLst/>
+          </a:prstGeom>
+          <a:noFill/>
+        </p:spPr>
+        <p:txBody>
+          <a:bodyPr wrap="none" rtlCol="0">
+            <a:spAutoFit/>
+          </a:bodyPr>
+          <a:lstStyle/>
+          <a:p>
+            <a:r>
+              <a:rPr lang="en-US" sz="1000" dirty="0" smtClean="0"/>
+              <a:t>traders</a:t>
+            </a:r>
+            <a:endParaRPr lang="en-US" sz="1000" dirty="0"/>
+          </a:p>
+        </p:txBody>
+      </p:sp>
+      <p:cxnSp>
+        <p:nvCxnSpPr>
+          <p:cNvPr id="105" name="Straight Arrow Connector 104"/>
+          <p:cNvCxnSpPr/>
+          <p:nvPr/>
+        </p:nvCxnSpPr>
+        <p:spPr>
+          <a:xfrm flipH="1" flipV="1">
+            <a:off x="6904352" y="4176306"/>
+            <a:ext cx="50741" cy="560600"/>
+          </a:xfrm>
+          <a:prstGeom prst="straightConnector1">
+            <a:avLst/>
+          </a:prstGeom>
+          <a:ln>
+            <a:solidFill>
+              <a:schemeClr val="accent3"/>
+            </a:solidFill>
+            <a:tailEnd type="arrow"/>
+          </a:ln>
+        </p:spPr>
+        <p:style>
+          <a:lnRef idx="2">
+            <a:schemeClr val="accent1"/>
+          </a:lnRef>
+          <a:fillRef idx="0">
+            <a:schemeClr val="accent1"/>
+          </a:fillRef>
+          <a:effectRef idx="1">
+            <a:schemeClr val="accent1"/>
+          </a:effectRef>
+          <a:fontRef idx="minor">
+            <a:schemeClr val="tx1"/>
+          </a:fontRef>
+        </p:style>
+      </p:cxnSp>
+      <p:sp>
+        <p:nvSpPr>
+          <p:cNvPr id="106" name="TextBox 105"/>
+          <p:cNvSpPr txBox="1"/>
+          <p:nvPr/>
+        </p:nvSpPr>
+        <p:spPr>
+          <a:xfrm>
+            <a:off x="6647634" y="3969856"/>
+            <a:ext cx="512342" cy="246221"/>
+          </a:xfrm>
+          <a:prstGeom prst="rect">
+            <a:avLst/>
+          </a:prstGeom>
+          <a:noFill/>
+        </p:spPr>
+        <p:txBody>
+          <a:bodyPr wrap="none" rtlCol="0">
+            <a:spAutoFit/>
+          </a:bodyPr>
+          <a:lstStyle/>
+          <a:p>
+            <a:r>
+              <a:rPr lang="en-US" sz="1000" dirty="0" smtClean="0"/>
+              <a:t>silicon</a:t>
             </a:r>
             <a:endParaRPr lang="en-US" sz="1000" dirty="0"/>
           </a:p>
@@ -7176,14 +8628,37 @@
       </p:grpSpPr>
       <p:sp>
         <p:nvSpPr>
+          <p:cNvPr id="2" name="Title 1"/>
+          <p:cNvSpPr>
+            <a:spLocks noGrp="1"/>
+          </p:cNvSpPr>
+          <p:nvPr>
+            <p:ph type="title"/>
+          </p:nvPr>
+        </p:nvSpPr>
+        <p:spPr/>
+        <p:txBody>
+          <a:bodyPr/>
+          <a:lstStyle/>
+          <a:p>
+            <a:r>
+              <a:rPr lang="en-US" dirty="0" smtClean="0"/>
+              <a:t>Network</a:t>
+            </a:r>
+            <a:endParaRPr lang="en-US" dirty="0"/>
+          </a:p>
+        </p:txBody>
+      </p:sp>
+      <p:sp>
+        <p:nvSpPr>
           <p:cNvPr id="4" name="TextBox 3"/>
           <p:cNvSpPr txBox="1"/>
           <p:nvPr/>
         </p:nvSpPr>
         <p:spPr>
           <a:xfrm>
-            <a:off x="2876837" y="278566"/>
-            <a:ext cx="2790660" cy="369332"/>
+            <a:off x="777523" y="1529039"/>
+            <a:ext cx="2287806" cy="3970318"/>
           </a:xfrm>
           <a:prstGeom prst="rect">
             <a:avLst/>
@@ -7198,8 +8673,1041 @@
           <a:p>
             <a:r>
               <a:rPr lang="en-US" dirty="0" smtClean="0"/>
-              <a:t>Puzzle 9: resource overview</a:t>
-            </a:r>
+              <a:t>Node types:</a:t>
+            </a:r>
+          </a:p>
+          <a:p>
+            <a:r>
+              <a:rPr lang="en-US" dirty="0" smtClean="0"/>
+              <a:t>Non-criminal</a:t>
+            </a:r>
+          </a:p>
+          <a:p>
+            <a:pPr marL="285750" indent="-285750">
+              <a:buFontTx/>
+              <a:buChar char="-"/>
+            </a:pPr>
+            <a:r>
+              <a:rPr lang="en-US" dirty="0" smtClean="0"/>
+              <a:t>Financial</a:t>
+            </a:r>
+          </a:p>
+          <a:p>
+            <a:pPr marL="285750" indent="-285750">
+              <a:buFontTx/>
+              <a:buChar char="-"/>
+            </a:pPr>
+            <a:r>
+              <a:rPr lang="en-US" dirty="0" smtClean="0"/>
+              <a:t>Gov’t organizations</a:t>
+            </a:r>
+          </a:p>
+          <a:p>
+            <a:pPr marL="285750" indent="-285750">
+              <a:buFontTx/>
+              <a:buChar char="-"/>
+            </a:pPr>
+            <a:r>
+              <a:rPr lang="en-US" dirty="0" smtClean="0"/>
+              <a:t>corps</a:t>
+            </a:r>
+          </a:p>
+          <a:p>
+            <a:pPr marL="285750" indent="-285750">
+              <a:buFontTx/>
+              <a:buChar char="-"/>
+            </a:pPr>
+            <a:endParaRPr lang="en-US" dirty="0"/>
+          </a:p>
+          <a:p>
+            <a:r>
+              <a:rPr lang="en-US" dirty="0" smtClean="0"/>
+              <a:t>Criminal network</a:t>
+            </a:r>
+          </a:p>
+          <a:p>
+            <a:pPr marL="285750" indent="-285750">
+              <a:buFontTx/>
+              <a:buChar char="-"/>
+            </a:pPr>
+            <a:r>
+              <a:rPr lang="en-US" dirty="0" smtClean="0"/>
+              <a:t>Peripheral users</a:t>
+            </a:r>
+          </a:p>
+          <a:p>
+            <a:pPr marL="285750" indent="-285750">
+              <a:buFontTx/>
+              <a:buChar char="-"/>
+            </a:pPr>
+            <a:r>
+              <a:rPr lang="en-US" dirty="0" smtClean="0"/>
+              <a:t>Syndicate users</a:t>
+            </a:r>
+          </a:p>
+          <a:p>
+            <a:pPr marL="285750" indent="-285750">
+              <a:buFontTx/>
+              <a:buChar char="-"/>
+            </a:pPr>
+            <a:r>
+              <a:rPr lang="en-US" dirty="0" smtClean="0"/>
+              <a:t>Data centers</a:t>
+            </a:r>
+          </a:p>
+          <a:p>
+            <a:pPr marL="285750" indent="-285750">
+              <a:buFontTx/>
+              <a:buChar char="-"/>
+            </a:pPr>
+            <a:r>
+              <a:rPr lang="en-US" dirty="0" err="1" smtClean="0"/>
+              <a:t>Blackhats</a:t>
+            </a:r>
+            <a:endParaRPr lang="en-US" dirty="0" smtClean="0"/>
+          </a:p>
+          <a:p>
+            <a:pPr marL="285750" indent="-285750">
+              <a:buFontTx/>
+              <a:buChar char="-"/>
+            </a:pPr>
+            <a:r>
+              <a:rPr lang="en-US" dirty="0" smtClean="0"/>
+              <a:t>Capos</a:t>
+            </a:r>
+          </a:p>
+          <a:p>
+            <a:endParaRPr lang="en-US" dirty="0" smtClean="0"/>
+          </a:p>
+          <a:p>
+            <a:r>
+              <a:rPr lang="en-US" dirty="0" smtClean="0"/>
+              <a:t>	</a:t>
+            </a:r>
+            <a:endParaRPr lang="en-US" dirty="0"/>
+          </a:p>
+        </p:txBody>
+      </p:sp>
+      <p:graphicFrame>
+        <p:nvGraphicFramePr>
+          <p:cNvPr id="23" name="Table 22"/>
+          <p:cNvGraphicFramePr>
+            <a:graphicFrameLocks noGrp="1"/>
+          </p:cNvGraphicFramePr>
+          <p:nvPr>
+            <p:extLst>
+              <p:ext uri="{D42A27DB-BD31-4B8C-83A1-F6EECF244321}">
+                <p14:modId xmlns:p14="http://schemas.microsoft.com/office/powerpoint/2010/main" val="1121425291"/>
+              </p:ext>
+            </p:extLst>
+          </p:nvPr>
+        </p:nvGraphicFramePr>
+        <p:xfrm>
+          <a:off x="457200" y="521183"/>
+          <a:ext cx="8366477" cy="4972800"/>
+        </p:xfrm>
+        <a:graphic>
+          <a:graphicData uri="http://schemas.openxmlformats.org/drawingml/2006/table">
+            <a:tbl>
+              <a:tblPr firstRow="1" bandRow="1">
+                <a:tableStyleId>{5C22544A-7EE6-4342-B048-85BDC9FD1C3A}</a:tableStyleId>
+              </a:tblPr>
+              <a:tblGrid>
+                <a:gridCol w="1761958"/>
+                <a:gridCol w="1951789"/>
+                <a:gridCol w="2326106"/>
+                <a:gridCol w="2326624"/>
+              </a:tblGrid>
+              <a:tr h="480290">
+                <a:tc>
+                  <a:txBody>
+                    <a:bodyPr/>
+                    <a:lstStyle/>
+                    <a:p>
+                      <a:r>
+                        <a:rPr lang="en-US" sz="1000" dirty="0" smtClean="0"/>
+                        <a:t>Node Type</a:t>
+                      </a:r>
+                      <a:endParaRPr lang="en-US" sz="1000" dirty="0"/>
+                    </a:p>
+                  </a:txBody>
+                  <a:tcPr/>
+                </a:tc>
+                <a:tc>
+                  <a:txBody>
+                    <a:bodyPr/>
+                    <a:lstStyle/>
+                    <a:p>
+                      <a:r>
+                        <a:rPr lang="en-US" sz="1000" dirty="0" smtClean="0"/>
+                        <a:t>Actions</a:t>
+                      </a:r>
+                      <a:endParaRPr lang="en-US" sz="1000" dirty="0"/>
+                    </a:p>
+                  </a:txBody>
+                  <a:tcPr/>
+                </a:tc>
+                <a:tc>
+                  <a:txBody>
+                    <a:bodyPr/>
+                    <a:lstStyle/>
+                    <a:p>
+                      <a:r>
+                        <a:rPr lang="en-US" sz="1000" dirty="0" smtClean="0"/>
+                        <a:t>Using</a:t>
+                      </a:r>
+                      <a:endParaRPr lang="en-US" sz="1000" dirty="0"/>
+                    </a:p>
+                  </a:txBody>
+                  <a:tcPr/>
+                </a:tc>
+                <a:tc>
+                  <a:txBody>
+                    <a:bodyPr/>
+                    <a:lstStyle/>
+                    <a:p>
+                      <a:r>
+                        <a:rPr lang="en-US" sz="1000" dirty="0" smtClean="0"/>
+                        <a:t>Notes</a:t>
+                      </a:r>
+                      <a:endParaRPr lang="en-US" sz="1000" dirty="0"/>
+                    </a:p>
+                  </a:txBody>
+                  <a:tcPr/>
+                </a:tc>
+              </a:tr>
+              <a:tr h="258264">
+                <a:tc>
+                  <a:txBody>
+                    <a:bodyPr/>
+                    <a:lstStyle/>
+                    <a:p>
+                      <a:r>
+                        <a:rPr lang="en-US" sz="1000" dirty="0" smtClean="0"/>
+                        <a:t>Financial</a:t>
+                      </a:r>
+                      <a:endParaRPr lang="en-US" sz="1000" dirty="0"/>
+                    </a:p>
+                  </a:txBody>
+                  <a:tcPr/>
+                </a:tc>
+                <a:tc>
+                  <a:txBody>
+                    <a:bodyPr/>
+                    <a:lstStyle/>
+                    <a:p>
+                      <a:r>
+                        <a:rPr lang="en-US" sz="1000" dirty="0" smtClean="0"/>
+                        <a:t>Disrupt</a:t>
+                      </a:r>
+                      <a:endParaRPr lang="en-US" sz="1000" dirty="0"/>
+                    </a:p>
+                  </a:txBody>
+                  <a:tcPr/>
+                </a:tc>
+                <a:tc>
+                  <a:txBody>
+                    <a:bodyPr/>
+                    <a:lstStyle/>
+                    <a:p>
+                      <a:r>
+                        <a:rPr lang="en-US" sz="1000" dirty="0" err="1" smtClean="0"/>
+                        <a:t>DoS</a:t>
+                      </a:r>
+                      <a:r>
+                        <a:rPr lang="en-US" sz="1000" dirty="0" smtClean="0"/>
+                        <a:t>, </a:t>
+                      </a:r>
+                      <a:r>
+                        <a:rPr lang="en-US" sz="1000" dirty="0" err="1" smtClean="0"/>
+                        <a:t>trojan</a:t>
+                      </a:r>
+                      <a:r>
+                        <a:rPr lang="en-US" sz="1000" dirty="0" smtClean="0"/>
+                        <a:t>(virus)</a:t>
+                      </a:r>
+                      <a:endParaRPr lang="en-US" sz="1000" dirty="0"/>
+                    </a:p>
+                  </a:txBody>
+                  <a:tcPr/>
+                </a:tc>
+                <a:tc>
+                  <a:txBody>
+                    <a:bodyPr/>
+                    <a:lstStyle/>
+                    <a:p>
+                      <a:endParaRPr lang="en-US" sz="1000" dirty="0"/>
+                    </a:p>
+                  </a:txBody>
+                  <a:tcPr/>
+                </a:tc>
+              </a:tr>
+              <a:tr h="374316">
+                <a:tc>
+                  <a:txBody>
+                    <a:bodyPr/>
+                    <a:lstStyle/>
+                    <a:p>
+                      <a:r>
+                        <a:rPr lang="en-US" sz="1000" dirty="0" smtClean="0"/>
+                        <a:t>Financial</a:t>
+                      </a:r>
+                    </a:p>
+                  </a:txBody>
+                  <a:tcPr/>
+                </a:tc>
+                <a:tc>
+                  <a:txBody>
+                    <a:bodyPr/>
+                    <a:lstStyle/>
+                    <a:p>
+                      <a:r>
+                        <a:rPr lang="en-US" sz="1000" dirty="0" err="1" smtClean="0"/>
+                        <a:t>Extract_btc</a:t>
+                      </a:r>
+                      <a:endParaRPr lang="en-US" sz="1000" dirty="0"/>
+                    </a:p>
+                  </a:txBody>
+                  <a:tcPr/>
+                </a:tc>
+                <a:tc>
+                  <a:txBody>
+                    <a:bodyPr/>
+                    <a:lstStyle/>
+                    <a:p>
+                      <a:r>
+                        <a:rPr lang="en-US" sz="1000" dirty="0" smtClean="0"/>
+                        <a:t>Trojan(rootkit)</a:t>
+                      </a:r>
+                      <a:endParaRPr lang="en-US" sz="1000" dirty="0"/>
+                    </a:p>
+                  </a:txBody>
+                  <a:tcPr/>
+                </a:tc>
+                <a:tc>
+                  <a:txBody>
+                    <a:bodyPr/>
+                    <a:lstStyle/>
+                    <a:p>
+                      <a:endParaRPr lang="en-US" sz="1000" dirty="0"/>
+                    </a:p>
+                  </a:txBody>
+                  <a:tcPr/>
+                </a:tc>
+              </a:tr>
+              <a:tr h="267369">
+                <a:tc>
+                  <a:txBody>
+                    <a:bodyPr/>
+                    <a:lstStyle/>
+                    <a:p>
+                      <a:r>
+                        <a:rPr lang="en-US" sz="1000" dirty="0" smtClean="0"/>
+                        <a:t>Gov’t</a:t>
+                      </a:r>
+                      <a:endParaRPr lang="en-US" sz="1000" dirty="0"/>
+                    </a:p>
+                  </a:txBody>
+                  <a:tcPr/>
+                </a:tc>
+                <a:tc>
+                  <a:txBody>
+                    <a:bodyPr/>
+                    <a:lstStyle/>
+                    <a:p>
+                      <a:r>
+                        <a:rPr lang="en-US" sz="1000" dirty="0" err="1" smtClean="0"/>
+                        <a:t>Extract_intel</a:t>
+                      </a:r>
+                      <a:endParaRPr lang="en-US" sz="1000" dirty="0"/>
+                    </a:p>
+                  </a:txBody>
+                  <a:tcPr/>
+                </a:tc>
+                <a:tc>
+                  <a:txBody>
+                    <a:bodyPr/>
+                    <a:lstStyle/>
+                    <a:p>
+                      <a:r>
+                        <a:rPr lang="en-US" sz="1000" dirty="0" smtClean="0"/>
+                        <a:t>Brute(rootkit)</a:t>
+                      </a:r>
+                      <a:endParaRPr lang="en-US" sz="1000" dirty="0"/>
+                    </a:p>
+                  </a:txBody>
+                  <a:tcPr/>
+                </a:tc>
+                <a:tc>
+                  <a:txBody>
+                    <a:bodyPr/>
+                    <a:lstStyle/>
+                    <a:p>
+                      <a:r>
+                        <a:rPr lang="en-US" sz="1000" dirty="0" smtClean="0"/>
+                        <a:t>*</a:t>
+                      </a:r>
+                      <a:r>
+                        <a:rPr lang="en-US" sz="1000" dirty="0" err="1" smtClean="0"/>
+                        <a:t>intel</a:t>
+                      </a:r>
+                      <a:r>
+                        <a:rPr lang="en-US" sz="1000" dirty="0" smtClean="0"/>
+                        <a:t> may include ‘worm’ plans &amp; dip. </a:t>
+                      </a:r>
+                      <a:r>
+                        <a:rPr lang="en-US" sz="1000" dirty="0" err="1" smtClean="0"/>
+                        <a:t>intel</a:t>
+                      </a:r>
+                      <a:endParaRPr lang="en-US" sz="1000" dirty="0"/>
+                    </a:p>
+                  </a:txBody>
+                  <a:tcPr/>
+                </a:tc>
+              </a:tr>
+              <a:tr h="298918">
+                <a:tc>
+                  <a:txBody>
+                    <a:bodyPr/>
+                    <a:lstStyle/>
+                    <a:p>
+                      <a:r>
+                        <a:rPr lang="en-US" sz="1000" dirty="0" smtClean="0"/>
+                        <a:t>Corps</a:t>
+                      </a:r>
+                      <a:endParaRPr lang="en-US" sz="1000" dirty="0"/>
+                    </a:p>
+                  </a:txBody>
+                  <a:tcPr/>
+                </a:tc>
+                <a:tc>
+                  <a:txBody>
+                    <a:bodyPr/>
+                    <a:lstStyle/>
+                    <a:p>
+                      <a:r>
+                        <a:rPr lang="en-US" sz="1000" dirty="0" smtClean="0"/>
+                        <a:t>Disrupt</a:t>
+                      </a:r>
+                      <a:endParaRPr lang="en-US" sz="1000" dirty="0"/>
+                    </a:p>
+                  </a:txBody>
+                  <a:tcPr/>
+                </a:tc>
+                <a:tc>
+                  <a:txBody>
+                    <a:bodyPr/>
+                    <a:lstStyle/>
+                    <a:p>
+                      <a:r>
+                        <a:rPr lang="en-US" sz="1000" dirty="0" err="1" smtClean="0"/>
+                        <a:t>DoS</a:t>
+                      </a:r>
+                      <a:r>
+                        <a:rPr lang="en-US" sz="1000" dirty="0" smtClean="0"/>
+                        <a:t>, </a:t>
+                      </a:r>
+                      <a:r>
+                        <a:rPr lang="en-US" sz="1000" dirty="0" err="1" smtClean="0"/>
+                        <a:t>trojan</a:t>
+                      </a:r>
+                      <a:r>
+                        <a:rPr lang="en-US" sz="1000" dirty="0" smtClean="0"/>
+                        <a:t>(virus)</a:t>
+                      </a:r>
+                      <a:endParaRPr lang="en-US" sz="1000" dirty="0"/>
+                    </a:p>
+                  </a:txBody>
+                  <a:tcPr/>
+                </a:tc>
+                <a:tc>
+                  <a:txBody>
+                    <a:bodyPr/>
+                    <a:lstStyle/>
+                    <a:p>
+                      <a:endParaRPr lang="en-US" sz="1000"/>
+                    </a:p>
+                  </a:txBody>
+                  <a:tcPr/>
+                </a:tc>
+              </a:tr>
+              <a:tr h="294105">
+                <a:tc>
+                  <a:txBody>
+                    <a:bodyPr/>
+                    <a:lstStyle/>
+                    <a:p>
+                      <a:r>
+                        <a:rPr lang="en-US" sz="1000" dirty="0" smtClean="0"/>
+                        <a:t>Corps</a:t>
+                      </a:r>
+                      <a:endParaRPr lang="en-US" sz="1000" dirty="0"/>
+                    </a:p>
+                  </a:txBody>
+                  <a:tcPr/>
+                </a:tc>
+                <a:tc>
+                  <a:txBody>
+                    <a:bodyPr/>
+                    <a:lstStyle/>
+                    <a:p>
+                      <a:r>
+                        <a:rPr lang="en-US" sz="1000" dirty="0" err="1" smtClean="0"/>
+                        <a:t>Extract_tradesecrets</a:t>
+                      </a:r>
+                      <a:endParaRPr lang="en-US" sz="1000" dirty="0"/>
+                    </a:p>
+                  </a:txBody>
+                  <a:tcPr/>
+                </a:tc>
+                <a:tc>
+                  <a:txBody>
+                    <a:bodyPr/>
+                    <a:lstStyle/>
+                    <a:p>
+                      <a:r>
+                        <a:rPr lang="en-US" sz="1000" dirty="0" smtClean="0"/>
+                        <a:t>Trojan(rootkit)</a:t>
+                      </a:r>
+                      <a:endParaRPr lang="en-US" sz="1000" dirty="0"/>
+                    </a:p>
+                  </a:txBody>
+                  <a:tcPr/>
+                </a:tc>
+                <a:tc>
+                  <a:txBody>
+                    <a:bodyPr/>
+                    <a:lstStyle/>
+                    <a:p>
+                      <a:endParaRPr lang="en-US" sz="1000" dirty="0"/>
+                    </a:p>
+                  </a:txBody>
+                  <a:tcPr/>
+                </a:tc>
+              </a:tr>
+              <a:tr h="427790">
+                <a:tc>
+                  <a:txBody>
+                    <a:bodyPr/>
+                    <a:lstStyle/>
+                    <a:p>
+                      <a:r>
+                        <a:rPr lang="en-US" sz="1000" dirty="0" err="1" smtClean="0"/>
+                        <a:t>Syn</a:t>
+                      </a:r>
+                      <a:r>
+                        <a:rPr lang="en-US" sz="1000" dirty="0" smtClean="0"/>
+                        <a:t>: peripheral</a:t>
+                      </a:r>
+                      <a:endParaRPr lang="en-US" sz="1000" dirty="0"/>
+                    </a:p>
+                  </a:txBody>
+                  <a:tcPr/>
+                </a:tc>
+                <a:tc>
+                  <a:txBody>
+                    <a:bodyPr/>
+                    <a:lstStyle/>
+                    <a:p>
+                      <a:r>
+                        <a:rPr lang="en-US" sz="1000" dirty="0" err="1" smtClean="0"/>
+                        <a:t>Extract_network</a:t>
+                      </a:r>
+                      <a:endParaRPr lang="en-US" sz="1000" dirty="0"/>
+                    </a:p>
+                  </a:txBody>
+                  <a:tcPr/>
+                </a:tc>
+                <a:tc>
+                  <a:txBody>
+                    <a:bodyPr/>
+                    <a:lstStyle/>
+                    <a:p>
+                      <a:r>
+                        <a:rPr lang="en-US" sz="1000" dirty="0" smtClean="0"/>
+                        <a:t>Brute(rootkit),</a:t>
+                      </a:r>
+                    </a:p>
+                    <a:p>
+                      <a:r>
+                        <a:rPr lang="en-US" sz="1000" dirty="0" smtClean="0"/>
+                        <a:t>Trojan(rootkit)</a:t>
+                      </a:r>
+                      <a:endParaRPr lang="en-US" sz="1000" dirty="0"/>
+                    </a:p>
+                  </a:txBody>
+                  <a:tcPr/>
+                </a:tc>
+                <a:tc>
+                  <a:txBody>
+                    <a:bodyPr/>
+                    <a:lstStyle/>
+                    <a:p>
+                      <a:endParaRPr lang="en-US" sz="1000" dirty="0"/>
+                    </a:p>
+                  </a:txBody>
+                  <a:tcPr/>
+                </a:tc>
+              </a:tr>
+              <a:tr h="480290">
+                <a:tc>
+                  <a:txBody>
+                    <a:bodyPr/>
+                    <a:lstStyle/>
+                    <a:p>
+                      <a:r>
+                        <a:rPr lang="en-US" sz="1000" dirty="0" err="1" smtClean="0"/>
+                        <a:t>Syn</a:t>
+                      </a:r>
+                      <a:r>
+                        <a:rPr lang="en-US" sz="1000" dirty="0" smtClean="0"/>
+                        <a:t>: users</a:t>
+                      </a:r>
+                      <a:endParaRPr lang="en-US" sz="1000" dirty="0"/>
+                    </a:p>
+                  </a:txBody>
+                  <a:tcPr/>
+                </a:tc>
+                <a:tc>
+                  <a:txBody>
+                    <a:bodyPr/>
+                    <a:lstStyle/>
+                    <a:p>
+                      <a:r>
+                        <a:rPr lang="en-US" sz="1000" dirty="0" err="1" smtClean="0"/>
+                        <a:t>Extract_networkinfo</a:t>
+                      </a:r>
+                      <a:endParaRPr lang="en-US" sz="1000" dirty="0"/>
+                    </a:p>
+                  </a:txBody>
+                  <a:tcPr/>
+                </a:tc>
+                <a:tc>
+                  <a:txBody>
+                    <a:bodyPr/>
+                    <a:lstStyle/>
+                    <a:p>
+                      <a:r>
+                        <a:rPr lang="en-US" sz="1000" dirty="0" smtClean="0"/>
+                        <a:t>Brute(rootkit),</a:t>
+                      </a:r>
+                    </a:p>
+                    <a:p>
+                      <a:r>
+                        <a:rPr lang="en-US" sz="1000" dirty="0" err="1" smtClean="0"/>
+                        <a:t>trojan</a:t>
+                      </a:r>
+                      <a:r>
+                        <a:rPr lang="en-US" sz="1000" dirty="0" smtClean="0"/>
+                        <a:t>(rootkit)</a:t>
+                      </a:r>
+                    </a:p>
+                  </a:txBody>
+                  <a:tcPr/>
+                </a:tc>
+                <a:tc>
+                  <a:txBody>
+                    <a:bodyPr/>
+                    <a:lstStyle/>
+                    <a:p>
+                      <a:r>
+                        <a:rPr lang="en-US" sz="1000" dirty="0" smtClean="0"/>
+                        <a:t>Trojan</a:t>
+                      </a:r>
+                      <a:r>
+                        <a:rPr lang="en-US" sz="1000" baseline="0" dirty="0" smtClean="0"/>
+                        <a:t> can only be deployed from peripheral – not outside</a:t>
+                      </a:r>
+                      <a:endParaRPr lang="en-US" sz="1000" dirty="0"/>
+                    </a:p>
+                  </a:txBody>
+                  <a:tcPr/>
+                </a:tc>
+              </a:tr>
+              <a:tr h="480290">
+                <a:tc>
+                  <a:txBody>
+                    <a:bodyPr/>
+                    <a:lstStyle/>
+                    <a:p>
+                      <a:r>
+                        <a:rPr lang="en-US" sz="1000" dirty="0" err="1" smtClean="0"/>
+                        <a:t>Syn</a:t>
+                      </a:r>
+                      <a:r>
+                        <a:rPr lang="en-US" sz="1000" dirty="0" smtClean="0"/>
+                        <a:t>: datacenters</a:t>
+                      </a:r>
+                      <a:endParaRPr lang="en-US" sz="1000" dirty="0"/>
+                    </a:p>
+                  </a:txBody>
+                  <a:tcPr/>
+                </a:tc>
+                <a:tc>
+                  <a:txBody>
+                    <a:bodyPr/>
+                    <a:lstStyle/>
+                    <a:p>
+                      <a:r>
+                        <a:rPr lang="en-US" sz="1000" dirty="0" err="1" smtClean="0"/>
+                        <a:t>Extract_data</a:t>
+                      </a:r>
+                      <a:endParaRPr lang="en-US" sz="1000" dirty="0"/>
+                    </a:p>
+                  </a:txBody>
+                  <a:tcPr/>
+                </a:tc>
+                <a:tc>
+                  <a:txBody>
+                    <a:bodyPr/>
+                    <a:lstStyle/>
+                    <a:p>
+                      <a:r>
+                        <a:rPr lang="en-US" sz="1000" dirty="0" smtClean="0"/>
+                        <a:t>Brute(rootkit)</a:t>
+                      </a:r>
+                    </a:p>
+                  </a:txBody>
+                  <a:tcPr/>
+                </a:tc>
+                <a:tc>
+                  <a:txBody>
+                    <a:bodyPr/>
+                    <a:lstStyle/>
+                    <a:p>
+                      <a:endParaRPr lang="en-US" sz="1000" dirty="0"/>
+                    </a:p>
+                  </a:txBody>
+                  <a:tcPr/>
+                </a:tc>
+              </a:tr>
+              <a:tr h="453367">
+                <a:tc>
+                  <a:txBody>
+                    <a:bodyPr/>
+                    <a:lstStyle/>
+                    <a:p>
+                      <a:r>
+                        <a:rPr lang="en-US" sz="1000" dirty="0" err="1" smtClean="0"/>
+                        <a:t>Syn</a:t>
+                      </a:r>
+                      <a:r>
+                        <a:rPr lang="en-US" sz="1000" dirty="0" smtClean="0"/>
+                        <a:t>: datacenters</a:t>
+                      </a:r>
+                      <a:endParaRPr lang="en-US" sz="1000" dirty="0"/>
+                    </a:p>
+                  </a:txBody>
+                  <a:tcPr/>
+                </a:tc>
+                <a:tc>
+                  <a:txBody>
+                    <a:bodyPr/>
+                    <a:lstStyle/>
+                    <a:p>
+                      <a:r>
+                        <a:rPr lang="en-US" sz="1000" dirty="0" smtClean="0"/>
+                        <a:t>Disrupt</a:t>
+                      </a:r>
+                      <a:endParaRPr lang="en-US" sz="1000" dirty="0"/>
+                    </a:p>
+                  </a:txBody>
+                  <a:tcPr/>
+                </a:tc>
+                <a:tc>
+                  <a:txBody>
+                    <a:bodyPr/>
+                    <a:lstStyle/>
+                    <a:p>
+                      <a:r>
+                        <a:rPr lang="en-US" sz="1000" dirty="0" smtClean="0"/>
+                        <a:t>Brute(Worm)</a:t>
+                      </a:r>
+                    </a:p>
+                  </a:txBody>
+                  <a:tcPr/>
+                </a:tc>
+                <a:tc>
+                  <a:txBody>
+                    <a:bodyPr/>
+                    <a:lstStyle/>
+                    <a:p>
+                      <a:r>
+                        <a:rPr lang="en-US" sz="1000" dirty="0" smtClean="0"/>
+                        <a:t>Have</a:t>
+                      </a:r>
+                      <a:r>
+                        <a:rPr lang="en-US" sz="1000" baseline="0" dirty="0" smtClean="0"/>
+                        <a:t> to get access to one </a:t>
+                      </a:r>
+                      <a:r>
+                        <a:rPr lang="en-US" sz="1000" baseline="0" dirty="0" err="1" smtClean="0"/>
+                        <a:t>dataserver</a:t>
+                      </a:r>
+                      <a:r>
+                        <a:rPr lang="en-US" sz="1000" baseline="0" dirty="0" smtClean="0"/>
+                        <a:t> node via Brute to release worm</a:t>
+                      </a:r>
+                      <a:endParaRPr lang="en-US" sz="1000" dirty="0"/>
+                    </a:p>
+                  </a:txBody>
+                  <a:tcPr/>
+                </a:tc>
+              </a:tr>
+              <a:tr h="480290">
+                <a:tc>
+                  <a:txBody>
+                    <a:bodyPr/>
+                    <a:lstStyle/>
+                    <a:p>
+                      <a:r>
+                        <a:rPr lang="en-US" sz="1000" dirty="0" err="1" smtClean="0"/>
+                        <a:t>Syn</a:t>
+                      </a:r>
+                      <a:r>
+                        <a:rPr lang="en-US" sz="1000" dirty="0" smtClean="0"/>
+                        <a:t>: capos</a:t>
+                      </a:r>
+                      <a:endParaRPr lang="en-US" sz="1000" dirty="0"/>
+                    </a:p>
+                  </a:txBody>
+                  <a:tcPr/>
+                </a:tc>
+                <a:tc>
+                  <a:txBody>
+                    <a:bodyPr/>
+                    <a:lstStyle/>
+                    <a:p>
+                      <a:r>
+                        <a:rPr lang="en-US" sz="1000" dirty="0" err="1" smtClean="0"/>
+                        <a:t>Extract_networkinfo</a:t>
+                      </a:r>
+                      <a:endParaRPr lang="en-US" sz="1000" dirty="0"/>
+                    </a:p>
+                  </a:txBody>
+                  <a:tcPr/>
+                </a:tc>
+                <a:tc>
+                  <a:txBody>
+                    <a:bodyPr/>
+                    <a:lstStyle/>
+                    <a:p>
+                      <a:r>
+                        <a:rPr lang="en-US" sz="1000" dirty="0" smtClean="0"/>
+                        <a:t>Brute(rootkit)</a:t>
+                      </a:r>
+                    </a:p>
+                  </a:txBody>
+                  <a:tcPr/>
+                </a:tc>
+                <a:tc>
+                  <a:txBody>
+                    <a:bodyPr/>
+                    <a:lstStyle/>
+                    <a:p>
+                      <a:pPr marL="0" marR="0" indent="0" algn="l" defTabSz="457200" rtl="0" eaLnBrk="1" fontAlgn="auto" latinLnBrk="0" hangingPunct="1">
+                        <a:lnSpc>
+                          <a:spcPct val="100000"/>
+                        </a:lnSpc>
+                        <a:spcBef>
+                          <a:spcPts val="0"/>
+                        </a:spcBef>
+                        <a:spcAft>
+                          <a:spcPts val="0"/>
+                        </a:spcAft>
+                        <a:buClrTx/>
+                        <a:buSzTx/>
+                        <a:buFontTx/>
+                        <a:buNone/>
+                        <a:tabLst/>
+                        <a:defRPr/>
+                      </a:pPr>
+                      <a:r>
+                        <a:rPr lang="en-US" sz="1000" dirty="0" smtClean="0"/>
+                        <a:t>Specifically info</a:t>
+                      </a:r>
+                      <a:r>
+                        <a:rPr lang="en-US" sz="1000" baseline="0" dirty="0" smtClean="0"/>
+                        <a:t> about various </a:t>
+                      </a:r>
+                      <a:r>
+                        <a:rPr lang="en-US" sz="1000" baseline="0" dirty="0" err="1" smtClean="0"/>
+                        <a:t>dataservers</a:t>
+                      </a:r>
+                      <a:endParaRPr lang="en-US" sz="1000" dirty="0" smtClean="0"/>
+                    </a:p>
+                    <a:p>
+                      <a:endParaRPr lang="en-US" sz="1000" dirty="0"/>
+                    </a:p>
+                  </a:txBody>
+                  <a:tcPr/>
+                </a:tc>
+              </a:tr>
+              <a:tr h="480290">
+                <a:tc>
+                  <a:txBody>
+                    <a:bodyPr/>
+                    <a:lstStyle/>
+                    <a:p>
+                      <a:r>
+                        <a:rPr lang="en-US" sz="1000" dirty="0" err="1" smtClean="0"/>
+                        <a:t>Syn</a:t>
+                      </a:r>
+                      <a:r>
+                        <a:rPr lang="en-US" sz="1000" dirty="0" smtClean="0"/>
+                        <a:t>: @</a:t>
+                      </a:r>
+                      <a:r>
+                        <a:rPr lang="en-US" sz="1000" dirty="0" err="1" smtClean="0"/>
+                        <a:t>pabloESC</a:t>
+                      </a:r>
+                      <a:r>
+                        <a:rPr lang="en-US" sz="1000" dirty="0" smtClean="0"/>
+                        <a:t>-</a:t>
+                      </a:r>
+                      <a:endParaRPr lang="en-US" sz="1000" dirty="0"/>
+                    </a:p>
+                  </a:txBody>
+                  <a:tcPr/>
+                </a:tc>
+                <a:tc>
+                  <a:txBody>
+                    <a:bodyPr/>
+                    <a:lstStyle/>
+                    <a:p>
+                      <a:r>
+                        <a:rPr lang="en-US" sz="1000" dirty="0" err="1" smtClean="0"/>
+                        <a:t>Extract_location</a:t>
+                      </a:r>
+                      <a:endParaRPr lang="en-US" sz="1000" dirty="0"/>
+                    </a:p>
+                  </a:txBody>
+                  <a:tcPr/>
+                </a:tc>
+                <a:tc>
+                  <a:txBody>
+                    <a:bodyPr/>
+                    <a:lstStyle/>
+                    <a:p>
+                      <a:r>
+                        <a:rPr lang="en-US" sz="1000" dirty="0" err="1" smtClean="0"/>
+                        <a:t>Reverse_trojan</a:t>
+                      </a:r>
+                      <a:r>
+                        <a:rPr lang="en-US" sz="1000" dirty="0" smtClean="0"/>
+                        <a:t>(</a:t>
+                      </a:r>
+                      <a:r>
+                        <a:rPr lang="en-US" sz="1000" dirty="0" err="1" smtClean="0"/>
+                        <a:t>broadcast_location</a:t>
+                      </a:r>
+                      <a:r>
+                        <a:rPr lang="en-US" sz="1000" dirty="0" smtClean="0"/>
+                        <a:t>)</a:t>
+                      </a:r>
+                    </a:p>
+                  </a:txBody>
+                  <a:tcPr/>
+                </a:tc>
+                <a:tc>
+                  <a:txBody>
+                    <a:bodyPr/>
+                    <a:lstStyle/>
+                    <a:p>
+                      <a:endParaRPr lang="en-US" sz="1000" dirty="0"/>
+                    </a:p>
+                  </a:txBody>
+                  <a:tcPr/>
+                </a:tc>
+              </a:tr>
+            </a:tbl>
+          </a:graphicData>
+        </a:graphic>
+      </p:graphicFrame>
+    </p:spTree>
+    <p:extLst>
+      <p:ext uri="{BB962C8B-B14F-4D97-AF65-F5344CB8AC3E}">
+        <p14:creationId xmlns:p14="http://schemas.microsoft.com/office/powerpoint/2010/main" val="881727298"/>
+      </p:ext>
+    </p:extLst>
+  </p:cSld>
+  <p:clrMapOvr>
+    <a:masterClrMapping/>
+  </p:clrMapOvr>
+</p:sld>
+</file>
+
+<file path=ppt/slides/slide4.xml><?xml version="1.0" encoding="utf-8"?>
+<p:sld xmlns:a="http://schemas.openxmlformats.org/drawingml/2006/main" xmlns:r="http://schemas.openxmlformats.org/officeDocument/2006/relationships" xmlns:p="http://schemas.openxmlformats.org/presentationml/2006/main">
+  <p:cSld>
+    <p:spTree>
+      <p:nvGrpSpPr>
+        <p:cNvPr id="1" name=""/>
+        <p:cNvGrpSpPr/>
+        <p:nvPr/>
+      </p:nvGrpSpPr>
+      <p:grpSpPr>
+        <a:xfrm>
+          <a:off x="0" y="0"/>
+          <a:ext cx="0" cy="0"/>
+          <a:chOff x="0" y="0"/>
+          <a:chExt cx="0" cy="0"/>
+        </a:xfrm>
+      </p:grpSpPr>
+      <p:sp>
+        <p:nvSpPr>
+          <p:cNvPr id="2" name="Title 1"/>
+          <p:cNvSpPr>
+            <a:spLocks noGrp="1"/>
+          </p:cNvSpPr>
+          <p:nvPr>
+            <p:ph type="title"/>
+          </p:nvPr>
+        </p:nvSpPr>
+        <p:spPr/>
+        <p:txBody>
+          <a:bodyPr/>
+          <a:lstStyle/>
+          <a:p>
+            <a:r>
+              <a:rPr lang="en-US" dirty="0" smtClean="0"/>
+              <a:t>Node Actions</a:t>
+            </a:r>
+            <a:endParaRPr lang="en-US" dirty="0"/>
+          </a:p>
+        </p:txBody>
+      </p:sp>
+      <p:sp>
+        <p:nvSpPr>
+          <p:cNvPr id="4" name="TextBox 3"/>
+          <p:cNvSpPr txBox="1"/>
+          <p:nvPr/>
+        </p:nvSpPr>
+        <p:spPr>
+          <a:xfrm>
+            <a:off x="751606" y="1697493"/>
+            <a:ext cx="1429673" cy="923330"/>
+          </a:xfrm>
+          <a:prstGeom prst="rect">
+            <a:avLst/>
+          </a:prstGeom>
+          <a:noFill/>
+        </p:spPr>
+        <p:txBody>
+          <a:bodyPr wrap="none" rtlCol="0">
+            <a:spAutoFit/>
+          </a:bodyPr>
+          <a:lstStyle/>
+          <a:p>
+            <a:r>
+              <a:rPr lang="en-US" dirty="0" smtClean="0"/>
+              <a:t>Access Node:</a:t>
+            </a:r>
+          </a:p>
+          <a:p>
+            <a:endParaRPr lang="en-US" dirty="0"/>
+          </a:p>
+          <a:p>
             <a:endParaRPr lang="en-US" dirty="0"/>
           </a:p>
         </p:txBody>
@@ -7212,8 +9720,8 @@
         </p:nvSpPr>
         <p:spPr>
           <a:xfrm>
-            <a:off x="1879614" y="1574362"/>
-            <a:ext cx="556563" cy="369332"/>
+            <a:off x="718581" y="2583080"/>
+            <a:ext cx="1277062" cy="369332"/>
           </a:xfrm>
           <a:prstGeom prst="rect">
             <a:avLst/>
@@ -7228,29 +9736,96 @@
           <a:p>
             <a:r>
               <a:rPr lang="en-US" dirty="0" smtClean="0"/>
-              <a:t>BTC</a:t>
+              <a:t>Brute Force</a:t>
             </a:r>
             <a:endParaRPr lang="en-US" dirty="0"/>
+          </a:p>
+        </p:txBody>
+      </p:sp>
+      <p:sp>
+        <p:nvSpPr>
+          <p:cNvPr id="6" name="TextBox 5"/>
+          <p:cNvSpPr txBox="1"/>
+          <p:nvPr/>
+        </p:nvSpPr>
+        <p:spPr>
+          <a:xfrm>
+            <a:off x="532945" y="3567885"/>
+            <a:ext cx="786431" cy="369332"/>
+          </a:xfrm>
+          <a:prstGeom prst="rect">
+            <a:avLst/>
+          </a:prstGeom>
+          <a:noFill/>
+        </p:spPr>
+        <p:txBody>
+          <a:bodyPr wrap="none" rtlCol="0">
+            <a:spAutoFit/>
+          </a:bodyPr>
+          <a:lstStyle/>
+          <a:p>
+            <a:r>
+              <a:rPr lang="en-US" dirty="0" smtClean="0"/>
+              <a:t>Trojan</a:t>
+            </a:r>
+            <a:endParaRPr lang="en-US" dirty="0"/>
+          </a:p>
+        </p:txBody>
+      </p:sp>
+      <p:sp>
+        <p:nvSpPr>
+          <p:cNvPr id="7" name="Oval 6"/>
+          <p:cNvSpPr/>
+          <p:nvPr/>
+        </p:nvSpPr>
+        <p:spPr>
+          <a:xfrm>
+            <a:off x="2424919" y="3755806"/>
+            <a:ext cx="220299" cy="207327"/>
+          </a:xfrm>
+          <a:prstGeom prst="ellipse">
+            <a:avLst/>
+          </a:prstGeom>
+        </p:spPr>
+        <p:style>
+          <a:lnRef idx="1">
+            <a:schemeClr val="accent1"/>
+          </a:lnRef>
+          <a:fillRef idx="3">
+            <a:schemeClr val="accent1"/>
+          </a:fillRef>
+          <a:effectRef idx="2">
+            <a:schemeClr val="accent1"/>
+          </a:effectRef>
+          <a:fontRef idx="minor">
+            <a:schemeClr val="lt1"/>
+          </a:fontRef>
+        </p:style>
+        <p:txBody>
+          <a:bodyPr rtlCol="0" anchor="ctr"/>
+          <a:lstStyle/>
+          <a:p>
+            <a:pPr algn="ctr"/>
+            <a:endParaRPr lang="en-US"/>
           </a:p>
         </p:txBody>
       </p:sp>
       <p:cxnSp>
         <p:nvCxnSpPr>
-          <p:cNvPr id="7" name="Straight Arrow Connector 6"/>
-          <p:cNvCxnSpPr/>
+          <p:cNvPr id="9" name="Straight Connector 8"/>
+          <p:cNvCxnSpPr>
+            <a:stCxn id="7" idx="1"/>
+          </p:cNvCxnSpPr>
           <p:nvPr/>
         </p:nvCxnSpPr>
         <p:spPr>
-          <a:xfrm>
-            <a:off x="116629" y="6155031"/>
-            <a:ext cx="8760097" cy="51832"/>
-          </a:xfrm>
-          <a:prstGeom prst="straightConnector1">
-            <a:avLst/>
-          </a:prstGeom>
-          <a:ln>
-            <a:tailEnd type="arrow"/>
-          </a:ln>
+          <a:xfrm flipH="1" flipV="1">
+            <a:off x="1854735" y="2952412"/>
+            <a:ext cx="602446" cy="833756"/>
+          </a:xfrm>
+          <a:prstGeom prst="line">
+            <a:avLst/>
+          </a:prstGeom>
         </p:spPr>
         <p:style>
           <a:lnRef idx="2">
@@ -7267,16 +9842,81 @@
           </a:fontRef>
         </p:style>
       </p:cxnSp>
-      <p:sp>
-        <p:nvSpPr>
-          <p:cNvPr id="33" name="TextBox 32"/>
+      <p:cxnSp>
+        <p:nvCxnSpPr>
+          <p:cNvPr id="11" name="Straight Connector 10"/>
+          <p:cNvCxnSpPr>
+            <a:stCxn id="7" idx="2"/>
+            <a:endCxn id="6" idx="3"/>
+          </p:cNvCxnSpPr>
+          <p:nvPr/>
+        </p:nvCxnSpPr>
+        <p:spPr>
+          <a:xfrm flipH="1" flipV="1">
+            <a:off x="1319376" y="3752551"/>
+            <a:ext cx="1105543" cy="106919"/>
+          </a:xfrm>
+          <a:prstGeom prst="line">
+            <a:avLst/>
+          </a:prstGeom>
+        </p:spPr>
+        <p:style>
+          <a:lnRef idx="2">
+            <a:schemeClr val="accent1"/>
+          </a:lnRef>
+          <a:fillRef idx="0">
+            <a:schemeClr val="accent1"/>
+          </a:fillRef>
+          <a:effectRef idx="1">
+            <a:schemeClr val="accent1"/>
+          </a:effectRef>
+          <a:fontRef idx="minor">
+            <a:schemeClr val="tx1"/>
+          </a:fontRef>
+        </p:style>
+      </p:cxnSp>
+      <p:cxnSp>
+        <p:nvCxnSpPr>
+          <p:cNvPr id="14" name="Straight Connector 13"/>
+          <p:cNvCxnSpPr>
+            <a:stCxn id="7" idx="3"/>
+          </p:cNvCxnSpPr>
+          <p:nvPr/>
+        </p:nvCxnSpPr>
+        <p:spPr>
+          <a:xfrm flipH="1">
+            <a:off x="1995643" y="3932771"/>
+            <a:ext cx="461538" cy="498851"/>
+          </a:xfrm>
+          <a:prstGeom prst="line">
+            <a:avLst/>
+          </a:prstGeom>
+        </p:spPr>
+        <p:style>
+          <a:lnRef idx="2">
+            <a:schemeClr val="accent1"/>
+          </a:lnRef>
+          <a:fillRef idx="0">
+            <a:schemeClr val="accent1"/>
+          </a:fillRef>
+          <a:effectRef idx="1">
+            <a:schemeClr val="accent1"/>
+          </a:effectRef>
+          <a:fontRef idx="minor">
+            <a:schemeClr val="tx1"/>
+          </a:fontRef>
+        </p:style>
+      </p:cxnSp>
+      <p:sp>
+        <p:nvSpPr>
+          <p:cNvPr id="15" name="TextBox 14"/>
           <p:cNvSpPr txBox="1"/>
           <p:nvPr/>
         </p:nvSpPr>
         <p:spPr>
           <a:xfrm>
-            <a:off x="153877" y="1759028"/>
-            <a:ext cx="1296900" cy="369332"/>
+            <a:off x="1385462" y="4302042"/>
+            <a:ext cx="556563" cy="369332"/>
           </a:xfrm>
           <a:prstGeom prst="rect">
             <a:avLst/>
@@ -7290,8 +9930,8 @@
           <a:lstStyle/>
           <a:p>
             <a:r>
-              <a:rPr lang="en-US" dirty="0" smtClean="0"/>
-              <a:t>RESOURCES</a:t>
+              <a:rPr lang="en-US" dirty="0" err="1" smtClean="0"/>
+              <a:t>DoS</a:t>
             </a:r>
             <a:endParaRPr lang="en-US" dirty="0"/>
           </a:p>
@@ -7299,14 +9939,14 @@
       </p:sp>
       <p:sp>
         <p:nvSpPr>
-          <p:cNvPr id="34" name="TextBox 33"/>
+          <p:cNvPr id="17" name="TextBox 16"/>
           <p:cNvSpPr txBox="1"/>
           <p:nvPr/>
         </p:nvSpPr>
         <p:spPr>
           <a:xfrm>
-            <a:off x="266762" y="5076266"/>
-            <a:ext cx="935097" cy="369332"/>
+            <a:off x="3213764" y="1697493"/>
+            <a:ext cx="5878532" cy="1200329"/>
           </a:xfrm>
           <a:prstGeom prst="rect">
             <a:avLst/>
@@ -7321,7 +9961,45 @@
           <a:p>
             <a:r>
               <a:rPr lang="en-US" dirty="0" smtClean="0"/>
-              <a:t>SCRIPTS</a:t>
+              <a:t>Brute:</a:t>
+            </a:r>
+          </a:p>
+          <a:p>
+            <a:pPr marL="285750" indent="-285750">
+              <a:buFontTx/>
+              <a:buChar char="-"/>
+            </a:pPr>
+            <a:r>
+              <a:rPr lang="en-US" dirty="0" smtClean="0"/>
+              <a:t>Select password cracking tool</a:t>
+            </a:r>
+          </a:p>
+          <a:p>
+            <a:pPr marL="285750" indent="-285750">
+              <a:buFontTx/>
+              <a:buChar char="-"/>
+            </a:pPr>
+            <a:r>
+              <a:rPr lang="en-US" dirty="0" smtClean="0"/>
+              <a:t>Run</a:t>
+            </a:r>
+          </a:p>
+          <a:p>
+            <a:pPr marL="285750" indent="-285750">
+              <a:buFontTx/>
+              <a:buChar char="-"/>
+            </a:pPr>
+            <a:r>
+              <a:rPr lang="en-US" dirty="0" smtClean="0"/>
+              <a:t>Deploy rootkit (access) or </a:t>
+            </a:r>
+            <a:r>
+              <a:rPr lang="en-US" dirty="0" err="1" smtClean="0"/>
+              <a:t>virus,worm</a:t>
+            </a:r>
+            <a:r>
+              <a:rPr lang="en-US" dirty="0" smtClean="0"/>
+              <a:t> (disrupt) on success</a:t>
             </a:r>
             <a:endParaRPr lang="en-US" dirty="0"/>
           </a:p>
@@ -7329,14 +10007,14 @@
       </p:sp>
       <p:sp>
         <p:nvSpPr>
-          <p:cNvPr id="35" name="TextBox 34"/>
+          <p:cNvPr id="18" name="TextBox 17"/>
           <p:cNvSpPr txBox="1"/>
           <p:nvPr/>
         </p:nvSpPr>
         <p:spPr>
           <a:xfrm>
-            <a:off x="1982685" y="4975856"/>
-            <a:ext cx="702123" cy="369332"/>
+            <a:off x="3249536" y="3101713"/>
+            <a:ext cx="2390398" cy="1477328"/>
           </a:xfrm>
           <a:prstGeom prst="rect">
             <a:avLst/>
@@ -7351,22 +10029,61 @@
           <a:p>
             <a:r>
               <a:rPr lang="en-US" dirty="0" smtClean="0"/>
-              <a:t>spear</a:t>
-            </a:r>
-            <a:endParaRPr lang="en-US" dirty="0"/>
-          </a:p>
-        </p:txBody>
-      </p:sp>
-      <p:sp>
-        <p:nvSpPr>
-          <p:cNvPr id="36" name="TextBox 35"/>
+              <a:t>Trojan:</a:t>
+            </a:r>
+          </a:p>
+          <a:p>
+            <a:pPr marL="285750" indent="-285750">
+              <a:buFontTx/>
+              <a:buChar char="-"/>
+            </a:pPr>
+            <a:r>
+              <a:rPr lang="en-US" dirty="0" smtClean="0"/>
+              <a:t>Select payload:</a:t>
+            </a:r>
+          </a:p>
+          <a:p>
+            <a:pPr marL="742950" lvl="1" indent="-285750">
+              <a:buFontTx/>
+              <a:buChar char="-"/>
+            </a:pPr>
+            <a:r>
+              <a:rPr lang="en-US" dirty="0" smtClean="0"/>
+              <a:t>Virus (disrupt)</a:t>
+            </a:r>
+          </a:p>
+          <a:p>
+            <a:pPr marL="742950" lvl="1" indent="-285750">
+              <a:buFontTx/>
+              <a:buChar char="-"/>
+            </a:pPr>
+            <a:r>
+              <a:rPr lang="en-US" dirty="0" smtClean="0"/>
+              <a:t>Rootkit (access)</a:t>
+            </a:r>
+          </a:p>
+          <a:p>
+            <a:pPr marL="285750" indent="-285750">
+              <a:buFontTx/>
+              <a:buChar char="-"/>
+            </a:pPr>
+            <a:r>
+              <a:rPr lang="en-US" dirty="0" smtClean="0"/>
+              <a:t>send</a:t>
+            </a:r>
+          </a:p>
+        </p:txBody>
+      </p:sp>
+      <p:sp>
+        <p:nvSpPr>
+          <p:cNvPr id="19" name="TextBox 18"/>
           <p:cNvSpPr txBox="1"/>
           <p:nvPr/>
         </p:nvSpPr>
         <p:spPr>
           <a:xfrm>
-            <a:off x="2876837" y="5445598"/>
-            <a:ext cx="763438" cy="369332"/>
+            <a:off x="3213764" y="4770315"/>
+            <a:ext cx="2514856" cy="646331"/>
           </a:xfrm>
           <a:prstGeom prst="rect">
             <a:avLst/>
@@ -7380,505 +10097,2354 @@
           <a:lstStyle/>
           <a:p>
             <a:r>
+              <a:rPr lang="en-US" dirty="0" err="1" smtClean="0"/>
+              <a:t>DoS</a:t>
+            </a:r>
+            <a:r>
               <a:rPr lang="en-US" dirty="0" smtClean="0"/>
-              <a:t>sword</a:t>
-            </a:r>
-            <a:endParaRPr lang="en-US" dirty="0"/>
-          </a:p>
-        </p:txBody>
-      </p:sp>
-      <p:sp>
-        <p:nvSpPr>
-          <p:cNvPr id="37" name="TextBox 36"/>
-          <p:cNvSpPr txBox="1"/>
-          <p:nvPr/>
-        </p:nvSpPr>
-        <p:spPr>
-          <a:xfrm>
-            <a:off x="3490278" y="5076266"/>
-            <a:ext cx="956174" cy="369332"/>
-          </a:xfrm>
-          <a:prstGeom prst="rect">
-            <a:avLst/>
-          </a:prstGeom>
-          <a:noFill/>
-        </p:spPr>
-        <p:txBody>
-          <a:bodyPr wrap="none" rtlCol="0">
-            <a:spAutoFit/>
-          </a:bodyPr>
-          <a:lstStyle/>
+              <a:t>:</a:t>
+            </a:r>
+          </a:p>
           <a:p>
             <a:r>
               <a:rPr lang="en-US" dirty="0" smtClean="0"/>
-              <a:t>bayonet</a:t>
-            </a:r>
-            <a:endParaRPr lang="en-US" dirty="0"/>
-          </a:p>
-        </p:txBody>
-      </p:sp>
-      <p:sp>
-        <p:nvSpPr>
-          <p:cNvPr id="38" name="TextBox 37"/>
-          <p:cNvSpPr txBox="1"/>
-          <p:nvPr/>
-        </p:nvSpPr>
-        <p:spPr>
-          <a:xfrm>
-            <a:off x="4578577" y="5345188"/>
-            <a:ext cx="555147" cy="369332"/>
-          </a:xfrm>
-          <a:prstGeom prst="rect">
-            <a:avLst/>
-          </a:prstGeom>
-          <a:noFill/>
-        </p:spPr>
-        <p:txBody>
-          <a:bodyPr wrap="none" rtlCol="0">
-            <a:spAutoFit/>
-          </a:bodyPr>
-          <a:lstStyle/>
-          <a:p>
-            <a:r>
-              <a:rPr lang="en-US" dirty="0" smtClean="0"/>
-              <a:t>rifle</a:t>
-            </a:r>
-            <a:endParaRPr lang="en-US" dirty="0"/>
-          </a:p>
-        </p:txBody>
-      </p:sp>
-      <p:sp>
-        <p:nvSpPr>
-          <p:cNvPr id="39" name="TextBox 38"/>
-          <p:cNvSpPr txBox="1"/>
-          <p:nvPr/>
-        </p:nvSpPr>
-        <p:spPr>
-          <a:xfrm>
-            <a:off x="5351953" y="5345188"/>
-            <a:ext cx="1100557" cy="369332"/>
-          </a:xfrm>
-          <a:prstGeom prst="rect">
-            <a:avLst/>
-          </a:prstGeom>
-          <a:noFill/>
-        </p:spPr>
-        <p:txBody>
-          <a:bodyPr wrap="none" rtlCol="0">
-            <a:spAutoFit/>
-          </a:bodyPr>
-          <a:lstStyle/>
-          <a:p>
-            <a:r>
-              <a:rPr lang="en-US" dirty="0" smtClean="0"/>
-              <a:t>Laser rifle</a:t>
-            </a:r>
-            <a:endParaRPr lang="en-US" dirty="0"/>
-          </a:p>
-        </p:txBody>
-      </p:sp>
-      <p:sp>
-        <p:nvSpPr>
-          <p:cNvPr id="40" name="TextBox 39"/>
-          <p:cNvSpPr txBox="1"/>
-          <p:nvPr/>
-        </p:nvSpPr>
-        <p:spPr>
-          <a:xfrm>
-            <a:off x="4786482" y="5076266"/>
-            <a:ext cx="956625" cy="369332"/>
-          </a:xfrm>
-          <a:prstGeom prst="rect">
-            <a:avLst/>
-          </a:prstGeom>
-          <a:noFill/>
-        </p:spPr>
-        <p:txBody>
-          <a:bodyPr wrap="none" rtlCol="0">
-            <a:spAutoFit/>
-          </a:bodyPr>
-          <a:lstStyle/>
-          <a:p>
-            <a:r>
-              <a:rPr lang="en-US" dirty="0" smtClean="0"/>
-              <a:t>grenade</a:t>
-            </a:r>
-            <a:endParaRPr lang="en-US" dirty="0"/>
-          </a:p>
-        </p:txBody>
-      </p:sp>
-      <p:sp>
-        <p:nvSpPr>
-          <p:cNvPr id="41" name="TextBox 40"/>
-          <p:cNvSpPr txBox="1"/>
-          <p:nvPr/>
-        </p:nvSpPr>
-        <p:spPr>
-          <a:xfrm>
-            <a:off x="6115975" y="5076266"/>
-            <a:ext cx="684803" cy="369332"/>
-          </a:xfrm>
-          <a:prstGeom prst="rect">
-            <a:avLst/>
-          </a:prstGeom>
-          <a:noFill/>
-        </p:spPr>
-        <p:txBody>
-          <a:bodyPr wrap="none" rtlCol="0">
-            <a:spAutoFit/>
-          </a:bodyPr>
-          <a:lstStyle/>
-          <a:p>
-            <a:r>
-              <a:rPr lang="en-US" dirty="0" smtClean="0"/>
-              <a:t>bolas</a:t>
-            </a:r>
-            <a:endParaRPr lang="en-US" dirty="0"/>
-          </a:p>
-        </p:txBody>
-      </p:sp>
-      <p:sp>
-        <p:nvSpPr>
-          <p:cNvPr id="2" name="TextBox 1"/>
-          <p:cNvSpPr txBox="1"/>
-          <p:nvPr/>
-        </p:nvSpPr>
-        <p:spPr>
-          <a:xfrm>
-            <a:off x="1853966" y="1969610"/>
-            <a:ext cx="582211" cy="369332"/>
-          </a:xfrm>
-          <a:prstGeom prst="rect">
-            <a:avLst/>
-          </a:prstGeom>
-          <a:noFill/>
-        </p:spPr>
-        <p:txBody>
-          <a:bodyPr wrap="none" rtlCol="0">
-            <a:spAutoFit/>
-          </a:bodyPr>
-          <a:lstStyle/>
-          <a:p>
-            <a:r>
-              <a:rPr lang="en-US" dirty="0" smtClean="0"/>
-              <a:t>USD</a:t>
-            </a:r>
-            <a:endParaRPr lang="en-US" dirty="0"/>
-          </a:p>
-        </p:txBody>
-      </p:sp>
-      <p:sp>
-        <p:nvSpPr>
-          <p:cNvPr id="50" name="TextBox 49"/>
-          <p:cNvSpPr txBox="1"/>
-          <p:nvPr/>
-        </p:nvSpPr>
-        <p:spPr>
-          <a:xfrm>
-            <a:off x="236382" y="3420781"/>
-            <a:ext cx="680144" cy="369332"/>
-          </a:xfrm>
-          <a:prstGeom prst="rect">
-            <a:avLst/>
-          </a:prstGeom>
-          <a:noFill/>
-        </p:spPr>
-        <p:txBody>
-          <a:bodyPr wrap="none" rtlCol="0">
-            <a:spAutoFit/>
-          </a:bodyPr>
-          <a:lstStyle/>
-          <a:p>
-            <a:r>
-              <a:rPr lang="en-US" dirty="0" smtClean="0"/>
-              <a:t>SITES</a:t>
-            </a:r>
-            <a:endParaRPr lang="en-US" dirty="0"/>
-          </a:p>
-        </p:txBody>
-      </p:sp>
-      <p:sp>
-        <p:nvSpPr>
-          <p:cNvPr id="3" name="TextBox 2"/>
-          <p:cNvSpPr txBox="1"/>
-          <p:nvPr/>
-        </p:nvSpPr>
-        <p:spPr>
-          <a:xfrm>
-            <a:off x="2625939" y="1567853"/>
-            <a:ext cx="864339" cy="369332"/>
-          </a:xfrm>
-          <a:prstGeom prst="rect">
-            <a:avLst/>
-          </a:prstGeom>
-          <a:noFill/>
-        </p:spPr>
-        <p:txBody>
-          <a:bodyPr wrap="none" rtlCol="0">
-            <a:spAutoFit/>
-          </a:bodyPr>
-          <a:lstStyle/>
-          <a:p>
-            <a:r>
-              <a:rPr lang="en-US" dirty="0" smtClean="0"/>
-              <a:t>servers</a:t>
-            </a:r>
-            <a:endParaRPr lang="en-US" dirty="0"/>
-          </a:p>
-        </p:txBody>
-      </p:sp>
-      <p:sp>
-        <p:nvSpPr>
-          <p:cNvPr id="6" name="TextBox 5"/>
-          <p:cNvSpPr txBox="1"/>
-          <p:nvPr/>
-        </p:nvSpPr>
-        <p:spPr>
-          <a:xfrm>
-            <a:off x="2630174" y="1956652"/>
-            <a:ext cx="1470024" cy="369332"/>
-          </a:xfrm>
-          <a:prstGeom prst="rect">
-            <a:avLst/>
-          </a:prstGeom>
-          <a:noFill/>
-        </p:spPr>
-        <p:txBody>
-          <a:bodyPr wrap="none" rtlCol="0">
-            <a:spAutoFit/>
-          </a:bodyPr>
-          <a:lstStyle/>
-          <a:p>
-            <a:r>
-              <a:rPr lang="en-US" dirty="0" smtClean="0"/>
-              <a:t>personal data</a:t>
-            </a:r>
-            <a:endParaRPr lang="en-US" dirty="0"/>
-          </a:p>
-        </p:txBody>
-      </p:sp>
-      <p:sp>
-        <p:nvSpPr>
-          <p:cNvPr id="31" name="TextBox 30"/>
-          <p:cNvSpPr txBox="1"/>
-          <p:nvPr/>
-        </p:nvSpPr>
-        <p:spPr>
-          <a:xfrm>
-            <a:off x="2876837" y="2394068"/>
-            <a:ext cx="556563" cy="369332"/>
-          </a:xfrm>
-          <a:prstGeom prst="rect">
-            <a:avLst/>
-          </a:prstGeom>
-          <a:noFill/>
-        </p:spPr>
-        <p:txBody>
-          <a:bodyPr wrap="none" rtlCol="0">
-            <a:spAutoFit/>
-          </a:bodyPr>
-          <a:lstStyle/>
-          <a:p>
-            <a:r>
-              <a:rPr lang="en-US" dirty="0" smtClean="0"/>
-              <a:t>pills</a:t>
-            </a:r>
-            <a:endParaRPr lang="en-US" dirty="0"/>
-          </a:p>
-        </p:txBody>
-      </p:sp>
-      <p:sp>
-        <p:nvSpPr>
-          <p:cNvPr id="51" name="TextBox 50"/>
-          <p:cNvSpPr txBox="1"/>
-          <p:nvPr/>
-        </p:nvSpPr>
-        <p:spPr>
-          <a:xfrm>
-            <a:off x="4233276" y="1969610"/>
-            <a:ext cx="1385378" cy="369332"/>
-          </a:xfrm>
-          <a:prstGeom prst="rect">
-            <a:avLst/>
-          </a:prstGeom>
-          <a:noFill/>
-        </p:spPr>
-        <p:txBody>
-          <a:bodyPr wrap="none" rtlCol="0">
-            <a:spAutoFit/>
-          </a:bodyPr>
-          <a:lstStyle/>
-          <a:p>
-            <a:r>
-              <a:rPr lang="en-US" dirty="0" smtClean="0"/>
-              <a:t>Military </a:t>
-            </a:r>
-            <a:r>
-              <a:rPr lang="en-US" dirty="0" err="1" smtClean="0"/>
-              <a:t>intel</a:t>
-            </a:r>
-            <a:endParaRPr lang="en-US" dirty="0"/>
-          </a:p>
-        </p:txBody>
-      </p:sp>
-      <p:sp>
-        <p:nvSpPr>
-          <p:cNvPr id="28" name="TextBox 27"/>
-          <p:cNvSpPr txBox="1"/>
-          <p:nvPr/>
-        </p:nvSpPr>
-        <p:spPr>
-          <a:xfrm>
-            <a:off x="5115432" y="1603571"/>
-            <a:ext cx="1442184" cy="369332"/>
-          </a:xfrm>
-          <a:prstGeom prst="rect">
-            <a:avLst/>
-          </a:prstGeom>
-          <a:noFill/>
-        </p:spPr>
-        <p:txBody>
-          <a:bodyPr wrap="none" rtlCol="0">
-            <a:spAutoFit/>
-          </a:bodyPr>
-          <a:lstStyle/>
-          <a:p>
-            <a:r>
-              <a:rPr lang="en-US" dirty="0" smtClean="0"/>
-              <a:t>Trade secrets</a:t>
-            </a:r>
-            <a:endParaRPr lang="en-US" dirty="0"/>
-          </a:p>
-        </p:txBody>
-      </p:sp>
-      <p:sp>
-        <p:nvSpPr>
-          <p:cNvPr id="29" name="TextBox 28"/>
-          <p:cNvSpPr txBox="1"/>
-          <p:nvPr/>
-        </p:nvSpPr>
-        <p:spPr>
-          <a:xfrm>
-            <a:off x="5618312" y="2021299"/>
-            <a:ext cx="1668395" cy="369332"/>
-          </a:xfrm>
-          <a:prstGeom prst="rect">
-            <a:avLst/>
-          </a:prstGeom>
-          <a:noFill/>
-        </p:spPr>
-        <p:txBody>
-          <a:bodyPr wrap="none" rtlCol="0">
-            <a:spAutoFit/>
-          </a:bodyPr>
-          <a:lstStyle/>
-          <a:p>
-            <a:r>
-              <a:rPr lang="en-US" dirty="0" smtClean="0"/>
-              <a:t>Diplomatic </a:t>
-            </a:r>
-            <a:r>
-              <a:rPr lang="en-US" dirty="0" err="1" smtClean="0"/>
-              <a:t>intel</a:t>
-            </a:r>
-            <a:endParaRPr lang="en-US" dirty="0"/>
-          </a:p>
-        </p:txBody>
-      </p:sp>
-      <p:sp>
-        <p:nvSpPr>
-          <p:cNvPr id="30" name="TextBox 29"/>
-          <p:cNvSpPr txBox="1"/>
-          <p:nvPr/>
-        </p:nvSpPr>
-        <p:spPr>
-          <a:xfrm>
-            <a:off x="3433400" y="2397542"/>
-            <a:ext cx="1159167" cy="369332"/>
-          </a:xfrm>
-          <a:prstGeom prst="rect">
-            <a:avLst/>
-          </a:prstGeom>
-          <a:noFill/>
-        </p:spPr>
-        <p:txBody>
-          <a:bodyPr wrap="none" rtlCol="0">
-            <a:spAutoFit/>
-          </a:bodyPr>
-          <a:lstStyle/>
-          <a:p>
-            <a:r>
-              <a:rPr lang="en-US" dirty="0" smtClean="0"/>
-              <a:t>plutonium</a:t>
-            </a:r>
-            <a:endParaRPr lang="en-US" dirty="0"/>
-          </a:p>
-        </p:txBody>
-      </p:sp>
-      <p:sp>
-        <p:nvSpPr>
-          <p:cNvPr id="32" name="TextBox 31"/>
-          <p:cNvSpPr txBox="1"/>
-          <p:nvPr/>
-        </p:nvSpPr>
-        <p:spPr>
-          <a:xfrm>
-            <a:off x="4648083" y="2400897"/>
-            <a:ext cx="877163" cy="369332"/>
-          </a:xfrm>
-          <a:prstGeom prst="rect">
-            <a:avLst/>
-          </a:prstGeom>
-          <a:noFill/>
-        </p:spPr>
-        <p:txBody>
-          <a:bodyPr wrap="none" rtlCol="0">
-            <a:spAutoFit/>
-          </a:bodyPr>
-          <a:lstStyle/>
-          <a:p>
-            <a:r>
-              <a:rPr lang="en-US" dirty="0" smtClean="0"/>
-              <a:t>rockets</a:t>
-            </a:r>
-            <a:endParaRPr lang="en-US" dirty="0"/>
-          </a:p>
-        </p:txBody>
-      </p:sp>
-      <p:sp>
-        <p:nvSpPr>
-          <p:cNvPr id="8" name="TextBox 7"/>
-          <p:cNvSpPr txBox="1"/>
-          <p:nvPr/>
-        </p:nvSpPr>
-        <p:spPr>
-          <a:xfrm>
-            <a:off x="1825329" y="3365815"/>
-            <a:ext cx="1601220" cy="369332"/>
-          </a:xfrm>
-          <a:prstGeom prst="rect">
-            <a:avLst/>
-          </a:prstGeom>
-          <a:noFill/>
-        </p:spPr>
-        <p:txBody>
-          <a:bodyPr wrap="none" rtlCol="0">
-            <a:spAutoFit/>
-          </a:bodyPr>
-          <a:lstStyle/>
-          <a:p>
-            <a:r>
-              <a:rPr lang="en-US" dirty="0" err="1" smtClean="0"/>
-              <a:t>cloudawesome</a:t>
-            </a:r>
-            <a:endParaRPr lang="en-US" dirty="0"/>
+              <a:t>- Disrupts (requires bots)</a:t>
+            </a:r>
           </a:p>
         </p:txBody>
       </p:sp>
     </p:spTree>
     <p:extLst>
       <p:ext uri="{BB962C8B-B14F-4D97-AF65-F5344CB8AC3E}">
-        <p14:creationId xmlns:p14="http://schemas.microsoft.com/office/powerpoint/2010/main" val="1070570976"/>
+        <p14:creationId xmlns:p14="http://schemas.microsoft.com/office/powerpoint/2010/main" val="2391181696"/>
+      </p:ext>
+    </p:extLst>
+  </p:cSld>
+  <p:clrMapOvr>
+    <a:masterClrMapping/>
+  </p:clrMapOvr>
+</p:sld>
+</file>
+
+<file path=ppt/slides/slide5.xml><?xml version="1.0" encoding="utf-8"?>
+<p:sld xmlns:a="http://schemas.openxmlformats.org/drawingml/2006/main" xmlns:r="http://schemas.openxmlformats.org/officeDocument/2006/relationships" xmlns:p="http://schemas.openxmlformats.org/presentationml/2006/main">
+  <p:cSld>
+    <p:spTree>
+      <p:nvGrpSpPr>
+        <p:cNvPr id="1" name=""/>
+        <p:cNvGrpSpPr/>
+        <p:nvPr/>
+      </p:nvGrpSpPr>
+      <p:grpSpPr>
+        <a:xfrm>
+          <a:off x="0" y="0"/>
+          <a:ext cx="0" cy="0"/>
+          <a:chOff x="0" y="0"/>
+          <a:chExt cx="0" cy="0"/>
+        </a:xfrm>
+      </p:grpSpPr>
+      <p:sp>
+        <p:nvSpPr>
+          <p:cNvPr id="2" name="Title 1"/>
+          <p:cNvSpPr>
+            <a:spLocks noGrp="1"/>
+          </p:cNvSpPr>
+          <p:nvPr>
+            <p:ph type="title"/>
+          </p:nvPr>
+        </p:nvSpPr>
+        <p:spPr/>
+        <p:txBody>
+          <a:bodyPr/>
+          <a:lstStyle/>
+          <a:p>
+            <a:r>
+              <a:rPr lang="en-US" dirty="0" smtClean="0"/>
+              <a:t>Rootkit: Actions</a:t>
+            </a:r>
+            <a:endParaRPr lang="en-US" dirty="0"/>
+          </a:p>
+        </p:txBody>
+      </p:sp>
+      <p:sp>
+        <p:nvSpPr>
+          <p:cNvPr id="6" name="TextBox 5"/>
+          <p:cNvSpPr txBox="1"/>
+          <p:nvPr/>
+        </p:nvSpPr>
+        <p:spPr>
+          <a:xfrm>
+            <a:off x="971904" y="2060316"/>
+            <a:ext cx="2416046" cy="3139321"/>
+          </a:xfrm>
+          <a:prstGeom prst="rect">
+            <a:avLst/>
+          </a:prstGeom>
+          <a:noFill/>
+        </p:spPr>
+        <p:txBody>
+          <a:bodyPr wrap="none" rtlCol="0">
+            <a:spAutoFit/>
+          </a:bodyPr>
+          <a:lstStyle/>
+          <a:p>
+            <a:pPr marL="285750" indent="-285750">
+              <a:buFont typeface="Arial"/>
+              <a:buChar char="•"/>
+            </a:pPr>
+            <a:r>
+              <a:rPr lang="en-US" dirty="0" err="1" smtClean="0"/>
+              <a:t>Extract_btc</a:t>
+            </a:r>
+            <a:endParaRPr lang="en-US" dirty="0" smtClean="0"/>
+          </a:p>
+          <a:p>
+            <a:pPr marL="285750" indent="-285750">
+              <a:buFont typeface="Arial"/>
+              <a:buChar char="•"/>
+            </a:pPr>
+            <a:r>
+              <a:rPr lang="en-US" dirty="0" err="1" smtClean="0"/>
+              <a:t>Extract_intel</a:t>
+            </a:r>
+            <a:endParaRPr lang="en-US" dirty="0" smtClean="0"/>
+          </a:p>
+          <a:p>
+            <a:pPr marL="285750" indent="-285750">
+              <a:buFont typeface="Arial"/>
+              <a:buChar char="•"/>
+            </a:pPr>
+            <a:r>
+              <a:rPr lang="en-US" dirty="0" err="1" smtClean="0"/>
+              <a:t>Extract_tradesecrets</a:t>
+            </a:r>
+            <a:endParaRPr lang="en-US" dirty="0" smtClean="0"/>
+          </a:p>
+          <a:p>
+            <a:pPr marL="285750" indent="-285750">
+              <a:buFont typeface="Arial"/>
+              <a:buChar char="•"/>
+            </a:pPr>
+            <a:r>
+              <a:rPr lang="en-US" dirty="0" err="1" smtClean="0"/>
+              <a:t>Scan_network</a:t>
+            </a:r>
+            <a:endParaRPr lang="en-US" dirty="0" smtClean="0"/>
+          </a:p>
+          <a:p>
+            <a:pPr marL="285750" indent="-285750">
+              <a:buFont typeface="Arial"/>
+              <a:buChar char="•"/>
+            </a:pPr>
+            <a:r>
+              <a:rPr lang="en-US" dirty="0" err="1" smtClean="0"/>
+              <a:t>Extract_data</a:t>
+            </a:r>
+            <a:endParaRPr lang="en-US" dirty="0" smtClean="0"/>
+          </a:p>
+          <a:p>
+            <a:pPr marL="285750" indent="-285750">
+              <a:buFont typeface="Arial"/>
+              <a:buChar char="•"/>
+            </a:pPr>
+            <a:r>
+              <a:rPr lang="en-US" dirty="0" err="1" smtClean="0"/>
+              <a:t>Extract_networkinfo</a:t>
+            </a:r>
+            <a:endParaRPr lang="en-US" dirty="0" smtClean="0"/>
+          </a:p>
+          <a:p>
+            <a:pPr marL="285750" indent="-285750">
+              <a:buFont typeface="Arial"/>
+              <a:buChar char="•"/>
+            </a:pPr>
+            <a:r>
+              <a:rPr lang="en-US" dirty="0" err="1" smtClean="0"/>
+              <a:t>Extract_location</a:t>
+            </a:r>
+            <a:endParaRPr lang="en-US" dirty="0" smtClean="0"/>
+          </a:p>
+          <a:p>
+            <a:pPr marL="285750" indent="-285750">
+              <a:buFont typeface="Arial"/>
+              <a:buChar char="•"/>
+            </a:pPr>
+            <a:endParaRPr lang="en-US" dirty="0" smtClean="0"/>
+          </a:p>
+          <a:p>
+            <a:pPr marL="285750" indent="-285750">
+              <a:buFont typeface="Arial"/>
+              <a:buChar char="•"/>
+            </a:pPr>
+            <a:endParaRPr lang="en-US" dirty="0" smtClean="0"/>
+          </a:p>
+          <a:p>
+            <a:pPr marL="285750" indent="-285750">
+              <a:buFont typeface="Arial"/>
+              <a:buChar char="•"/>
+            </a:pPr>
+            <a:endParaRPr lang="en-US" dirty="0" smtClean="0"/>
+          </a:p>
+          <a:p>
+            <a:pPr marL="285750" indent="-285750">
+              <a:buFont typeface="Arial"/>
+              <a:buChar char="•"/>
+            </a:pPr>
+            <a:endParaRPr lang="en-US" dirty="0"/>
+          </a:p>
+        </p:txBody>
+      </p:sp>
+    </p:spTree>
+    <p:extLst>
+      <p:ext uri="{BB962C8B-B14F-4D97-AF65-F5344CB8AC3E}">
+        <p14:creationId xmlns:p14="http://schemas.microsoft.com/office/powerpoint/2010/main" val="633733449"/>
+      </p:ext>
+    </p:extLst>
+  </p:cSld>
+  <p:clrMapOvr>
+    <a:masterClrMapping/>
+  </p:clrMapOvr>
+</p:sld>
+</file>
+
+<file path=ppt/slides/slide6.xml><?xml version="1.0" encoding="utf-8"?>
+<p:sld xmlns:a="http://schemas.openxmlformats.org/drawingml/2006/main" xmlns:r="http://schemas.openxmlformats.org/officeDocument/2006/relationships" xmlns:p="http://schemas.openxmlformats.org/presentationml/2006/main">
+  <p:cSld>
+    <p:spTree>
+      <p:nvGrpSpPr>
+        <p:cNvPr id="1" name=""/>
+        <p:cNvGrpSpPr/>
+        <p:nvPr/>
+      </p:nvGrpSpPr>
+      <p:grpSpPr>
+        <a:xfrm>
+          <a:off x="0" y="0"/>
+          <a:ext cx="0" cy="0"/>
+          <a:chOff x="0" y="0"/>
+          <a:chExt cx="0" cy="0"/>
+        </a:xfrm>
+      </p:grpSpPr>
+      <p:sp>
+        <p:nvSpPr>
+          <p:cNvPr id="2" name="Title 1"/>
+          <p:cNvSpPr>
+            <a:spLocks noGrp="1"/>
+          </p:cNvSpPr>
+          <p:nvPr>
+            <p:ph type="title"/>
+          </p:nvPr>
+        </p:nvSpPr>
+        <p:spPr/>
+        <p:txBody>
+          <a:bodyPr/>
+          <a:lstStyle/>
+          <a:p>
+            <a:r>
+              <a:rPr lang="en-US" dirty="0" smtClean="0"/>
+              <a:t>Network Architecture</a:t>
+            </a:r>
+            <a:endParaRPr lang="en-US" dirty="0"/>
+          </a:p>
+        </p:txBody>
+      </p:sp>
+      <p:sp>
+        <p:nvSpPr>
+          <p:cNvPr id="4" name="Oval 3"/>
+          <p:cNvSpPr/>
+          <p:nvPr/>
+        </p:nvSpPr>
+        <p:spPr>
+          <a:xfrm>
+            <a:off x="4223597" y="3426877"/>
+            <a:ext cx="103670" cy="77748"/>
+          </a:xfrm>
+          <a:prstGeom prst="ellipse">
+            <a:avLst/>
+          </a:prstGeom>
+        </p:spPr>
+        <p:style>
+          <a:lnRef idx="1">
+            <a:schemeClr val="accent1"/>
+          </a:lnRef>
+          <a:fillRef idx="3">
+            <a:schemeClr val="accent1"/>
+          </a:fillRef>
+          <a:effectRef idx="2">
+            <a:schemeClr val="accent1"/>
+          </a:effectRef>
+          <a:fontRef idx="minor">
+            <a:schemeClr val="lt1"/>
+          </a:fontRef>
+        </p:style>
+        <p:txBody>
+          <a:bodyPr rtlCol="0" anchor="ctr"/>
+          <a:lstStyle/>
+          <a:p>
+            <a:pPr algn="ctr"/>
+            <a:endParaRPr lang="en-US"/>
+          </a:p>
+        </p:txBody>
+      </p:sp>
+      <p:sp>
+        <p:nvSpPr>
+          <p:cNvPr id="5" name="Oval 4"/>
+          <p:cNvSpPr/>
+          <p:nvPr/>
+        </p:nvSpPr>
+        <p:spPr>
+          <a:xfrm>
+            <a:off x="4958063" y="3016684"/>
+            <a:ext cx="103670" cy="77748"/>
+          </a:xfrm>
+          <a:prstGeom prst="ellipse">
+            <a:avLst/>
+          </a:prstGeom>
+        </p:spPr>
+        <p:style>
+          <a:lnRef idx="1">
+            <a:schemeClr val="accent1"/>
+          </a:lnRef>
+          <a:fillRef idx="3">
+            <a:schemeClr val="accent1"/>
+          </a:fillRef>
+          <a:effectRef idx="2">
+            <a:schemeClr val="accent1"/>
+          </a:effectRef>
+          <a:fontRef idx="minor">
+            <a:schemeClr val="lt1"/>
+          </a:fontRef>
+        </p:style>
+        <p:txBody>
+          <a:bodyPr rtlCol="0" anchor="ctr"/>
+          <a:lstStyle/>
+          <a:p>
+            <a:pPr algn="ctr"/>
+            <a:endParaRPr lang="en-US"/>
+          </a:p>
+        </p:txBody>
+      </p:sp>
+      <p:sp>
+        <p:nvSpPr>
+          <p:cNvPr id="6" name="Oval 5"/>
+          <p:cNvSpPr/>
+          <p:nvPr/>
+        </p:nvSpPr>
+        <p:spPr>
+          <a:xfrm>
+            <a:off x="4119927" y="3133306"/>
+            <a:ext cx="103670" cy="77748"/>
+          </a:xfrm>
+          <a:prstGeom prst="ellipse">
+            <a:avLst/>
+          </a:prstGeom>
+        </p:spPr>
+        <p:style>
+          <a:lnRef idx="1">
+            <a:schemeClr val="accent1"/>
+          </a:lnRef>
+          <a:fillRef idx="3">
+            <a:schemeClr val="accent1"/>
+          </a:fillRef>
+          <a:effectRef idx="2">
+            <a:schemeClr val="accent1"/>
+          </a:effectRef>
+          <a:fontRef idx="minor">
+            <a:schemeClr val="lt1"/>
+          </a:fontRef>
+        </p:style>
+        <p:txBody>
+          <a:bodyPr rtlCol="0" anchor="ctr"/>
+          <a:lstStyle/>
+          <a:p>
+            <a:pPr algn="ctr"/>
+            <a:endParaRPr lang="en-US"/>
+          </a:p>
+        </p:txBody>
+      </p:sp>
+      <p:sp>
+        <p:nvSpPr>
+          <p:cNvPr id="7" name="Oval 6"/>
+          <p:cNvSpPr/>
+          <p:nvPr/>
+        </p:nvSpPr>
+        <p:spPr>
+          <a:xfrm>
+            <a:off x="4327267" y="3211054"/>
+            <a:ext cx="103670" cy="77748"/>
+          </a:xfrm>
+          <a:prstGeom prst="ellipse">
+            <a:avLst/>
+          </a:prstGeom>
+        </p:spPr>
+        <p:style>
+          <a:lnRef idx="1">
+            <a:schemeClr val="accent1"/>
+          </a:lnRef>
+          <a:fillRef idx="3">
+            <a:schemeClr val="accent1"/>
+          </a:fillRef>
+          <a:effectRef idx="2">
+            <a:schemeClr val="accent1"/>
+          </a:effectRef>
+          <a:fontRef idx="minor">
+            <a:schemeClr val="lt1"/>
+          </a:fontRef>
+        </p:style>
+        <p:txBody>
+          <a:bodyPr rtlCol="0" anchor="ctr"/>
+          <a:lstStyle/>
+          <a:p>
+            <a:pPr algn="ctr"/>
+            <a:endParaRPr lang="en-US"/>
+          </a:p>
+        </p:txBody>
+      </p:sp>
+      <p:sp>
+        <p:nvSpPr>
+          <p:cNvPr id="8" name="Oval 7"/>
+          <p:cNvSpPr/>
+          <p:nvPr/>
+        </p:nvSpPr>
+        <p:spPr>
+          <a:xfrm>
+            <a:off x="4379102" y="2977810"/>
+            <a:ext cx="103670" cy="77748"/>
+          </a:xfrm>
+          <a:prstGeom prst="ellipse">
+            <a:avLst/>
+          </a:prstGeom>
+        </p:spPr>
+        <p:style>
+          <a:lnRef idx="1">
+            <a:schemeClr val="accent1"/>
+          </a:lnRef>
+          <a:fillRef idx="3">
+            <a:schemeClr val="accent1"/>
+          </a:fillRef>
+          <a:effectRef idx="2">
+            <a:schemeClr val="accent1"/>
+          </a:effectRef>
+          <a:fontRef idx="minor">
+            <a:schemeClr val="lt1"/>
+          </a:fontRef>
+        </p:style>
+        <p:txBody>
+          <a:bodyPr rtlCol="0" anchor="ctr"/>
+          <a:lstStyle/>
+          <a:p>
+            <a:pPr algn="ctr"/>
+            <a:endParaRPr lang="en-US"/>
+          </a:p>
+        </p:txBody>
+      </p:sp>
+      <p:sp>
+        <p:nvSpPr>
+          <p:cNvPr id="9" name="Oval 8"/>
+          <p:cNvSpPr/>
+          <p:nvPr/>
+        </p:nvSpPr>
+        <p:spPr>
+          <a:xfrm>
+            <a:off x="4850748" y="3489938"/>
+            <a:ext cx="103670" cy="77748"/>
+          </a:xfrm>
+          <a:prstGeom prst="ellipse">
+            <a:avLst/>
+          </a:prstGeom>
+        </p:spPr>
+        <p:style>
+          <a:lnRef idx="1">
+            <a:schemeClr val="accent1"/>
+          </a:lnRef>
+          <a:fillRef idx="3">
+            <a:schemeClr val="accent1"/>
+          </a:fillRef>
+          <a:effectRef idx="2">
+            <a:schemeClr val="accent1"/>
+          </a:effectRef>
+          <a:fontRef idx="minor">
+            <a:schemeClr val="lt1"/>
+          </a:fontRef>
+        </p:style>
+        <p:txBody>
+          <a:bodyPr rtlCol="0" anchor="ctr"/>
+          <a:lstStyle/>
+          <a:p>
+            <a:pPr algn="ctr"/>
+            <a:endParaRPr lang="en-US"/>
+          </a:p>
+        </p:txBody>
+      </p:sp>
+      <p:sp>
+        <p:nvSpPr>
+          <p:cNvPr id="10" name="Oval 9"/>
+          <p:cNvSpPr/>
+          <p:nvPr/>
+        </p:nvSpPr>
+        <p:spPr>
+          <a:xfrm>
+            <a:off x="4275432" y="2476440"/>
+            <a:ext cx="103670" cy="77748"/>
+          </a:xfrm>
+          <a:prstGeom prst="ellipse">
+            <a:avLst/>
+          </a:prstGeom>
+          <a:solidFill>
+            <a:srgbClr val="C0504D"/>
+          </a:solidFill>
+        </p:spPr>
+        <p:style>
+          <a:lnRef idx="1">
+            <a:schemeClr val="accent1"/>
+          </a:lnRef>
+          <a:fillRef idx="3">
+            <a:schemeClr val="accent1"/>
+          </a:fillRef>
+          <a:effectRef idx="2">
+            <a:schemeClr val="accent1"/>
+          </a:effectRef>
+          <a:fontRef idx="minor">
+            <a:schemeClr val="lt1"/>
+          </a:fontRef>
+        </p:style>
+        <p:txBody>
+          <a:bodyPr rtlCol="0" anchor="ctr"/>
+          <a:lstStyle/>
+          <a:p>
+            <a:pPr algn="ctr"/>
+            <a:endParaRPr lang="en-US"/>
+          </a:p>
+        </p:txBody>
+      </p:sp>
+      <p:sp>
+        <p:nvSpPr>
+          <p:cNvPr id="11" name="Oval 10"/>
+          <p:cNvSpPr/>
+          <p:nvPr/>
+        </p:nvSpPr>
+        <p:spPr>
+          <a:xfrm>
+            <a:off x="4621134" y="2900062"/>
+            <a:ext cx="103670" cy="77748"/>
+          </a:xfrm>
+          <a:prstGeom prst="ellipse">
+            <a:avLst/>
+          </a:prstGeom>
+        </p:spPr>
+        <p:style>
+          <a:lnRef idx="1">
+            <a:schemeClr val="accent1"/>
+          </a:lnRef>
+          <a:fillRef idx="3">
+            <a:schemeClr val="accent1"/>
+          </a:fillRef>
+          <a:effectRef idx="2">
+            <a:schemeClr val="accent1"/>
+          </a:effectRef>
+          <a:fontRef idx="minor">
+            <a:schemeClr val="lt1"/>
+          </a:fontRef>
+        </p:style>
+        <p:txBody>
+          <a:bodyPr rtlCol="0" anchor="ctr"/>
+          <a:lstStyle/>
+          <a:p>
+            <a:pPr algn="ctr"/>
+            <a:endParaRPr lang="en-US"/>
+          </a:p>
+        </p:txBody>
+      </p:sp>
+      <p:sp>
+        <p:nvSpPr>
+          <p:cNvPr id="12" name="Oval 11"/>
+          <p:cNvSpPr/>
+          <p:nvPr/>
+        </p:nvSpPr>
+        <p:spPr>
+          <a:xfrm>
+            <a:off x="4721160" y="3133306"/>
+            <a:ext cx="103670" cy="77748"/>
+          </a:xfrm>
+          <a:prstGeom prst="ellipse">
+            <a:avLst/>
+          </a:prstGeom>
+        </p:spPr>
+        <p:style>
+          <a:lnRef idx="1">
+            <a:schemeClr val="accent1"/>
+          </a:lnRef>
+          <a:fillRef idx="3">
+            <a:schemeClr val="accent1"/>
+          </a:fillRef>
+          <a:effectRef idx="2">
+            <a:schemeClr val="accent1"/>
+          </a:effectRef>
+          <a:fontRef idx="minor">
+            <a:schemeClr val="lt1"/>
+          </a:fontRef>
+        </p:style>
+        <p:txBody>
+          <a:bodyPr rtlCol="0" anchor="ctr"/>
+          <a:lstStyle/>
+          <a:p>
+            <a:pPr algn="ctr"/>
+            <a:endParaRPr lang="en-US"/>
+          </a:p>
+        </p:txBody>
+      </p:sp>
+      <p:sp>
+        <p:nvSpPr>
+          <p:cNvPr id="13" name="Oval 12"/>
+          <p:cNvSpPr/>
+          <p:nvPr/>
+        </p:nvSpPr>
+        <p:spPr>
+          <a:xfrm>
+            <a:off x="4850748" y="3288802"/>
+            <a:ext cx="103670" cy="77748"/>
+          </a:xfrm>
+          <a:prstGeom prst="ellipse">
+            <a:avLst/>
+          </a:prstGeom>
+        </p:spPr>
+        <p:style>
+          <a:lnRef idx="1">
+            <a:schemeClr val="accent1"/>
+          </a:lnRef>
+          <a:fillRef idx="3">
+            <a:schemeClr val="accent1"/>
+          </a:fillRef>
+          <a:effectRef idx="2">
+            <a:schemeClr val="accent1"/>
+          </a:effectRef>
+          <a:fontRef idx="minor">
+            <a:schemeClr val="lt1"/>
+          </a:fontRef>
+        </p:style>
+        <p:txBody>
+          <a:bodyPr rtlCol="0" anchor="ctr"/>
+          <a:lstStyle/>
+          <a:p>
+            <a:pPr algn="ctr"/>
+            <a:endParaRPr lang="en-US"/>
+          </a:p>
+        </p:txBody>
+      </p:sp>
+      <p:sp>
+        <p:nvSpPr>
+          <p:cNvPr id="14" name="Oval 13"/>
+          <p:cNvSpPr/>
+          <p:nvPr/>
+        </p:nvSpPr>
+        <p:spPr>
+          <a:xfrm>
+            <a:off x="2258446" y="2893655"/>
+            <a:ext cx="103670" cy="77748"/>
+          </a:xfrm>
+          <a:prstGeom prst="ellipse">
+            <a:avLst/>
+          </a:prstGeom>
+          <a:solidFill>
+            <a:srgbClr val="008000"/>
+          </a:solidFill>
+        </p:spPr>
+        <p:style>
+          <a:lnRef idx="1">
+            <a:schemeClr val="accent1"/>
+          </a:lnRef>
+          <a:fillRef idx="3">
+            <a:schemeClr val="accent1"/>
+          </a:fillRef>
+          <a:effectRef idx="2">
+            <a:schemeClr val="accent1"/>
+          </a:effectRef>
+          <a:fontRef idx="minor">
+            <a:schemeClr val="lt1"/>
+          </a:fontRef>
+        </p:style>
+        <p:txBody>
+          <a:bodyPr rtlCol="0" anchor="ctr"/>
+          <a:lstStyle/>
+          <a:p>
+            <a:pPr algn="ctr"/>
+            <a:endParaRPr lang="en-US"/>
+          </a:p>
+        </p:txBody>
+      </p:sp>
+      <p:sp>
+        <p:nvSpPr>
+          <p:cNvPr id="15" name="Oval 14"/>
+          <p:cNvSpPr/>
+          <p:nvPr/>
+        </p:nvSpPr>
+        <p:spPr>
+          <a:xfrm>
+            <a:off x="4430937" y="3426877"/>
+            <a:ext cx="103670" cy="77748"/>
+          </a:xfrm>
+          <a:prstGeom prst="ellipse">
+            <a:avLst/>
+          </a:prstGeom>
+        </p:spPr>
+        <p:style>
+          <a:lnRef idx="1">
+            <a:schemeClr val="accent1"/>
+          </a:lnRef>
+          <a:fillRef idx="3">
+            <a:schemeClr val="accent1"/>
+          </a:fillRef>
+          <a:effectRef idx="2">
+            <a:schemeClr val="accent1"/>
+          </a:effectRef>
+          <a:fontRef idx="minor">
+            <a:schemeClr val="lt1"/>
+          </a:fontRef>
+        </p:style>
+        <p:txBody>
+          <a:bodyPr rtlCol="0" anchor="ctr"/>
+          <a:lstStyle/>
+          <a:p>
+            <a:pPr algn="ctr"/>
+            <a:endParaRPr lang="en-US"/>
+          </a:p>
+        </p:txBody>
+      </p:sp>
+      <p:sp>
+        <p:nvSpPr>
+          <p:cNvPr id="16" name="Oval 15"/>
+          <p:cNvSpPr/>
+          <p:nvPr/>
+        </p:nvSpPr>
+        <p:spPr>
+          <a:xfrm>
+            <a:off x="4565655" y="3055558"/>
+            <a:ext cx="103670" cy="77748"/>
+          </a:xfrm>
+          <a:prstGeom prst="ellipse">
+            <a:avLst/>
+          </a:prstGeom>
+        </p:spPr>
+        <p:style>
+          <a:lnRef idx="1">
+            <a:schemeClr val="accent1"/>
+          </a:lnRef>
+          <a:fillRef idx="3">
+            <a:schemeClr val="accent1"/>
+          </a:fillRef>
+          <a:effectRef idx="2">
+            <a:schemeClr val="accent1"/>
+          </a:effectRef>
+          <a:fontRef idx="minor">
+            <a:schemeClr val="lt1"/>
+          </a:fontRef>
+        </p:style>
+        <p:txBody>
+          <a:bodyPr rtlCol="0" anchor="ctr"/>
+          <a:lstStyle/>
+          <a:p>
+            <a:pPr algn="ctr"/>
+            <a:endParaRPr lang="en-US"/>
+          </a:p>
+        </p:txBody>
+      </p:sp>
+      <p:sp>
+        <p:nvSpPr>
+          <p:cNvPr id="17" name="Oval 16"/>
+          <p:cNvSpPr/>
+          <p:nvPr/>
+        </p:nvSpPr>
+        <p:spPr>
+          <a:xfrm>
+            <a:off x="4513820" y="3211054"/>
+            <a:ext cx="103670" cy="77748"/>
+          </a:xfrm>
+          <a:prstGeom prst="ellipse">
+            <a:avLst/>
+          </a:prstGeom>
+        </p:spPr>
+        <p:style>
+          <a:lnRef idx="1">
+            <a:schemeClr val="accent1"/>
+          </a:lnRef>
+          <a:fillRef idx="3">
+            <a:schemeClr val="accent1"/>
+          </a:fillRef>
+          <a:effectRef idx="2">
+            <a:schemeClr val="accent1"/>
+          </a:effectRef>
+          <a:fontRef idx="minor">
+            <a:schemeClr val="lt1"/>
+          </a:fontRef>
+        </p:style>
+        <p:txBody>
+          <a:bodyPr rtlCol="0" anchor="ctr"/>
+          <a:lstStyle/>
+          <a:p>
+            <a:pPr algn="ctr"/>
+            <a:endParaRPr lang="en-US"/>
+          </a:p>
+        </p:txBody>
+      </p:sp>
+      <p:sp>
+        <p:nvSpPr>
+          <p:cNvPr id="18" name="Oval 17"/>
+          <p:cNvSpPr/>
+          <p:nvPr/>
+        </p:nvSpPr>
+        <p:spPr>
+          <a:xfrm>
+            <a:off x="3295161" y="4473379"/>
+            <a:ext cx="103670" cy="77748"/>
+          </a:xfrm>
+          <a:prstGeom prst="ellipse">
+            <a:avLst/>
+          </a:prstGeom>
+          <a:solidFill>
+            <a:srgbClr val="C0504D"/>
+          </a:solidFill>
+        </p:spPr>
+        <p:style>
+          <a:lnRef idx="1">
+            <a:schemeClr val="accent1"/>
+          </a:lnRef>
+          <a:fillRef idx="3">
+            <a:schemeClr val="accent1"/>
+          </a:fillRef>
+          <a:effectRef idx="2">
+            <a:schemeClr val="accent1"/>
+          </a:effectRef>
+          <a:fontRef idx="minor">
+            <a:schemeClr val="lt1"/>
+          </a:fontRef>
+        </p:style>
+        <p:txBody>
+          <a:bodyPr rtlCol="0" anchor="ctr"/>
+          <a:lstStyle/>
+          <a:p>
+            <a:pPr algn="ctr"/>
+            <a:endParaRPr lang="en-US"/>
+          </a:p>
+        </p:txBody>
+      </p:sp>
+      <p:sp>
+        <p:nvSpPr>
+          <p:cNvPr id="19" name="Oval 18"/>
+          <p:cNvSpPr/>
+          <p:nvPr/>
+        </p:nvSpPr>
+        <p:spPr>
+          <a:xfrm>
+            <a:off x="4617490" y="3388003"/>
+            <a:ext cx="103670" cy="77748"/>
+          </a:xfrm>
+          <a:prstGeom prst="ellipse">
+            <a:avLst/>
+          </a:prstGeom>
+        </p:spPr>
+        <p:style>
+          <a:lnRef idx="1">
+            <a:schemeClr val="accent1"/>
+          </a:lnRef>
+          <a:fillRef idx="3">
+            <a:schemeClr val="accent1"/>
+          </a:fillRef>
+          <a:effectRef idx="2">
+            <a:schemeClr val="accent1"/>
+          </a:effectRef>
+          <a:fontRef idx="minor">
+            <a:schemeClr val="lt1"/>
+          </a:fontRef>
+        </p:style>
+        <p:txBody>
+          <a:bodyPr rtlCol="0" anchor="ctr"/>
+          <a:lstStyle/>
+          <a:p>
+            <a:pPr algn="ctr"/>
+            <a:endParaRPr lang="en-US"/>
+          </a:p>
+        </p:txBody>
+      </p:sp>
+      <p:sp>
+        <p:nvSpPr>
+          <p:cNvPr id="20" name="Oval 19"/>
+          <p:cNvSpPr/>
+          <p:nvPr/>
+        </p:nvSpPr>
+        <p:spPr>
+          <a:xfrm>
+            <a:off x="4375997" y="4680707"/>
+            <a:ext cx="103670" cy="77748"/>
+          </a:xfrm>
+          <a:prstGeom prst="ellipse">
+            <a:avLst/>
+          </a:prstGeom>
+        </p:spPr>
+        <p:style>
+          <a:lnRef idx="1">
+            <a:schemeClr val="accent1"/>
+          </a:lnRef>
+          <a:fillRef idx="3">
+            <a:schemeClr val="accent1"/>
+          </a:fillRef>
+          <a:effectRef idx="2">
+            <a:schemeClr val="accent1"/>
+          </a:effectRef>
+          <a:fontRef idx="minor">
+            <a:schemeClr val="lt1"/>
+          </a:fontRef>
+        </p:style>
+        <p:txBody>
+          <a:bodyPr rtlCol="0" anchor="ctr"/>
+          <a:lstStyle/>
+          <a:p>
+            <a:pPr algn="ctr"/>
+            <a:endParaRPr lang="en-US"/>
+          </a:p>
+        </p:txBody>
+      </p:sp>
+      <p:sp>
+        <p:nvSpPr>
+          <p:cNvPr id="21" name="Oval 20"/>
+          <p:cNvSpPr/>
+          <p:nvPr/>
+        </p:nvSpPr>
+        <p:spPr>
+          <a:xfrm>
+            <a:off x="5110463" y="4270514"/>
+            <a:ext cx="103670" cy="77748"/>
+          </a:xfrm>
+          <a:prstGeom prst="ellipse">
+            <a:avLst/>
+          </a:prstGeom>
+        </p:spPr>
+        <p:style>
+          <a:lnRef idx="1">
+            <a:schemeClr val="accent1"/>
+          </a:lnRef>
+          <a:fillRef idx="3">
+            <a:schemeClr val="accent1"/>
+          </a:fillRef>
+          <a:effectRef idx="2">
+            <a:schemeClr val="accent1"/>
+          </a:effectRef>
+          <a:fontRef idx="minor">
+            <a:schemeClr val="lt1"/>
+          </a:fontRef>
+        </p:style>
+        <p:txBody>
+          <a:bodyPr rtlCol="0" anchor="ctr"/>
+          <a:lstStyle/>
+          <a:p>
+            <a:pPr algn="ctr"/>
+            <a:endParaRPr lang="en-US"/>
+          </a:p>
+        </p:txBody>
+      </p:sp>
+      <p:sp>
+        <p:nvSpPr>
+          <p:cNvPr id="22" name="Oval 21"/>
+          <p:cNvSpPr/>
+          <p:nvPr/>
+        </p:nvSpPr>
+        <p:spPr>
+          <a:xfrm>
+            <a:off x="4272327" y="4387136"/>
+            <a:ext cx="103670" cy="77748"/>
+          </a:xfrm>
+          <a:prstGeom prst="ellipse">
+            <a:avLst/>
+          </a:prstGeom>
+        </p:spPr>
+        <p:style>
+          <a:lnRef idx="1">
+            <a:schemeClr val="accent1"/>
+          </a:lnRef>
+          <a:fillRef idx="3">
+            <a:schemeClr val="accent1"/>
+          </a:fillRef>
+          <a:effectRef idx="2">
+            <a:schemeClr val="accent1"/>
+          </a:effectRef>
+          <a:fontRef idx="minor">
+            <a:schemeClr val="lt1"/>
+          </a:fontRef>
+        </p:style>
+        <p:txBody>
+          <a:bodyPr rtlCol="0" anchor="ctr"/>
+          <a:lstStyle/>
+          <a:p>
+            <a:pPr algn="ctr"/>
+            <a:endParaRPr lang="en-US"/>
+          </a:p>
+        </p:txBody>
+      </p:sp>
+      <p:sp>
+        <p:nvSpPr>
+          <p:cNvPr id="23" name="Oval 22"/>
+          <p:cNvSpPr/>
+          <p:nvPr/>
+        </p:nvSpPr>
+        <p:spPr>
+          <a:xfrm>
+            <a:off x="4479667" y="4464884"/>
+            <a:ext cx="103670" cy="77748"/>
+          </a:xfrm>
+          <a:prstGeom prst="ellipse">
+            <a:avLst/>
+          </a:prstGeom>
+        </p:spPr>
+        <p:style>
+          <a:lnRef idx="1">
+            <a:schemeClr val="accent1"/>
+          </a:lnRef>
+          <a:fillRef idx="3">
+            <a:schemeClr val="accent1"/>
+          </a:fillRef>
+          <a:effectRef idx="2">
+            <a:schemeClr val="accent1"/>
+          </a:effectRef>
+          <a:fontRef idx="minor">
+            <a:schemeClr val="lt1"/>
+          </a:fontRef>
+        </p:style>
+        <p:txBody>
+          <a:bodyPr rtlCol="0" anchor="ctr"/>
+          <a:lstStyle/>
+          <a:p>
+            <a:pPr algn="ctr"/>
+            <a:endParaRPr lang="en-US"/>
+          </a:p>
+        </p:txBody>
+      </p:sp>
+      <p:sp>
+        <p:nvSpPr>
+          <p:cNvPr id="24" name="Oval 23"/>
+          <p:cNvSpPr/>
+          <p:nvPr/>
+        </p:nvSpPr>
+        <p:spPr>
+          <a:xfrm>
+            <a:off x="4531502" y="4231640"/>
+            <a:ext cx="103670" cy="77748"/>
+          </a:xfrm>
+          <a:prstGeom prst="ellipse">
+            <a:avLst/>
+          </a:prstGeom>
+        </p:spPr>
+        <p:style>
+          <a:lnRef idx="1">
+            <a:schemeClr val="accent1"/>
+          </a:lnRef>
+          <a:fillRef idx="3">
+            <a:schemeClr val="accent1"/>
+          </a:fillRef>
+          <a:effectRef idx="2">
+            <a:schemeClr val="accent1"/>
+          </a:effectRef>
+          <a:fontRef idx="minor">
+            <a:schemeClr val="lt1"/>
+          </a:fontRef>
+        </p:style>
+        <p:txBody>
+          <a:bodyPr rtlCol="0" anchor="ctr"/>
+          <a:lstStyle/>
+          <a:p>
+            <a:pPr algn="ctr"/>
+            <a:endParaRPr lang="en-US"/>
+          </a:p>
+        </p:txBody>
+      </p:sp>
+      <p:sp>
+        <p:nvSpPr>
+          <p:cNvPr id="25" name="Oval 24"/>
+          <p:cNvSpPr/>
+          <p:nvPr/>
+        </p:nvSpPr>
+        <p:spPr>
+          <a:xfrm>
+            <a:off x="5003148" y="4743768"/>
+            <a:ext cx="103670" cy="77748"/>
+          </a:xfrm>
+          <a:prstGeom prst="ellipse">
+            <a:avLst/>
+          </a:prstGeom>
+        </p:spPr>
+        <p:style>
+          <a:lnRef idx="1">
+            <a:schemeClr val="accent1"/>
+          </a:lnRef>
+          <a:fillRef idx="3">
+            <a:schemeClr val="accent1"/>
+          </a:fillRef>
+          <a:effectRef idx="2">
+            <a:schemeClr val="accent1"/>
+          </a:effectRef>
+          <a:fontRef idx="minor">
+            <a:schemeClr val="lt1"/>
+          </a:fontRef>
+        </p:style>
+        <p:txBody>
+          <a:bodyPr rtlCol="0" anchor="ctr"/>
+          <a:lstStyle/>
+          <a:p>
+            <a:pPr algn="ctr"/>
+            <a:endParaRPr lang="en-US"/>
+          </a:p>
+        </p:txBody>
+      </p:sp>
+      <p:sp>
+        <p:nvSpPr>
+          <p:cNvPr id="26" name="Oval 25"/>
+          <p:cNvSpPr/>
+          <p:nvPr/>
+        </p:nvSpPr>
+        <p:spPr>
+          <a:xfrm>
+            <a:off x="4773534" y="4153892"/>
+            <a:ext cx="103670" cy="77748"/>
+          </a:xfrm>
+          <a:prstGeom prst="ellipse">
+            <a:avLst/>
+          </a:prstGeom>
+        </p:spPr>
+        <p:style>
+          <a:lnRef idx="1">
+            <a:schemeClr val="accent1"/>
+          </a:lnRef>
+          <a:fillRef idx="3">
+            <a:schemeClr val="accent1"/>
+          </a:fillRef>
+          <a:effectRef idx="2">
+            <a:schemeClr val="accent1"/>
+          </a:effectRef>
+          <a:fontRef idx="minor">
+            <a:schemeClr val="lt1"/>
+          </a:fontRef>
+        </p:style>
+        <p:txBody>
+          <a:bodyPr rtlCol="0" anchor="ctr"/>
+          <a:lstStyle/>
+          <a:p>
+            <a:pPr algn="ctr"/>
+            <a:endParaRPr lang="en-US"/>
+          </a:p>
+        </p:txBody>
+      </p:sp>
+      <p:sp>
+        <p:nvSpPr>
+          <p:cNvPr id="27" name="Oval 26"/>
+          <p:cNvSpPr/>
+          <p:nvPr/>
+        </p:nvSpPr>
+        <p:spPr>
+          <a:xfrm>
+            <a:off x="4873560" y="4387136"/>
+            <a:ext cx="103670" cy="77748"/>
+          </a:xfrm>
+          <a:prstGeom prst="ellipse">
+            <a:avLst/>
+          </a:prstGeom>
+        </p:spPr>
+        <p:style>
+          <a:lnRef idx="1">
+            <a:schemeClr val="accent1"/>
+          </a:lnRef>
+          <a:fillRef idx="3">
+            <a:schemeClr val="accent1"/>
+          </a:fillRef>
+          <a:effectRef idx="2">
+            <a:schemeClr val="accent1"/>
+          </a:effectRef>
+          <a:fontRef idx="minor">
+            <a:schemeClr val="lt1"/>
+          </a:fontRef>
+        </p:style>
+        <p:txBody>
+          <a:bodyPr rtlCol="0" anchor="ctr"/>
+          <a:lstStyle/>
+          <a:p>
+            <a:pPr algn="ctr"/>
+            <a:endParaRPr lang="en-US"/>
+          </a:p>
+        </p:txBody>
+      </p:sp>
+      <p:sp>
+        <p:nvSpPr>
+          <p:cNvPr id="28" name="Oval 27"/>
+          <p:cNvSpPr/>
+          <p:nvPr/>
+        </p:nvSpPr>
+        <p:spPr>
+          <a:xfrm>
+            <a:off x="5003148" y="4542632"/>
+            <a:ext cx="103670" cy="77748"/>
+          </a:xfrm>
+          <a:prstGeom prst="ellipse">
+            <a:avLst/>
+          </a:prstGeom>
+        </p:spPr>
+        <p:style>
+          <a:lnRef idx="1">
+            <a:schemeClr val="accent1"/>
+          </a:lnRef>
+          <a:fillRef idx="3">
+            <a:schemeClr val="accent1"/>
+          </a:fillRef>
+          <a:effectRef idx="2">
+            <a:schemeClr val="accent1"/>
+          </a:effectRef>
+          <a:fontRef idx="minor">
+            <a:schemeClr val="lt1"/>
+          </a:fontRef>
+        </p:style>
+        <p:txBody>
+          <a:bodyPr rtlCol="0" anchor="ctr"/>
+          <a:lstStyle/>
+          <a:p>
+            <a:pPr algn="ctr"/>
+            <a:endParaRPr lang="en-US"/>
+          </a:p>
+        </p:txBody>
+      </p:sp>
+      <p:sp>
+        <p:nvSpPr>
+          <p:cNvPr id="29" name="Oval 28"/>
+          <p:cNvSpPr/>
+          <p:nvPr/>
+        </p:nvSpPr>
+        <p:spPr>
+          <a:xfrm>
+            <a:off x="4583337" y="4680707"/>
+            <a:ext cx="103670" cy="77748"/>
+          </a:xfrm>
+          <a:prstGeom prst="ellipse">
+            <a:avLst/>
+          </a:prstGeom>
+        </p:spPr>
+        <p:style>
+          <a:lnRef idx="1">
+            <a:schemeClr val="accent1"/>
+          </a:lnRef>
+          <a:fillRef idx="3">
+            <a:schemeClr val="accent1"/>
+          </a:fillRef>
+          <a:effectRef idx="2">
+            <a:schemeClr val="accent1"/>
+          </a:effectRef>
+          <a:fontRef idx="minor">
+            <a:schemeClr val="lt1"/>
+          </a:fontRef>
+        </p:style>
+        <p:txBody>
+          <a:bodyPr rtlCol="0" anchor="ctr"/>
+          <a:lstStyle/>
+          <a:p>
+            <a:pPr algn="ctr"/>
+            <a:endParaRPr lang="en-US"/>
+          </a:p>
+        </p:txBody>
+      </p:sp>
+      <p:sp>
+        <p:nvSpPr>
+          <p:cNvPr id="30" name="Oval 29"/>
+          <p:cNvSpPr/>
+          <p:nvPr/>
+        </p:nvSpPr>
+        <p:spPr>
+          <a:xfrm>
+            <a:off x="4718055" y="4309388"/>
+            <a:ext cx="103670" cy="77748"/>
+          </a:xfrm>
+          <a:prstGeom prst="ellipse">
+            <a:avLst/>
+          </a:prstGeom>
+        </p:spPr>
+        <p:style>
+          <a:lnRef idx="1">
+            <a:schemeClr val="accent1"/>
+          </a:lnRef>
+          <a:fillRef idx="3">
+            <a:schemeClr val="accent1"/>
+          </a:fillRef>
+          <a:effectRef idx="2">
+            <a:schemeClr val="accent1"/>
+          </a:effectRef>
+          <a:fontRef idx="minor">
+            <a:schemeClr val="lt1"/>
+          </a:fontRef>
+        </p:style>
+        <p:txBody>
+          <a:bodyPr rtlCol="0" anchor="ctr"/>
+          <a:lstStyle/>
+          <a:p>
+            <a:pPr algn="ctr"/>
+            <a:endParaRPr lang="en-US"/>
+          </a:p>
+        </p:txBody>
+      </p:sp>
+      <p:sp>
+        <p:nvSpPr>
+          <p:cNvPr id="31" name="Oval 30"/>
+          <p:cNvSpPr/>
+          <p:nvPr/>
+        </p:nvSpPr>
+        <p:spPr>
+          <a:xfrm>
+            <a:off x="4666220" y="4464884"/>
+            <a:ext cx="103670" cy="77748"/>
+          </a:xfrm>
+          <a:prstGeom prst="ellipse">
+            <a:avLst/>
+          </a:prstGeom>
+        </p:spPr>
+        <p:style>
+          <a:lnRef idx="1">
+            <a:schemeClr val="accent1"/>
+          </a:lnRef>
+          <a:fillRef idx="3">
+            <a:schemeClr val="accent1"/>
+          </a:fillRef>
+          <a:effectRef idx="2">
+            <a:schemeClr val="accent1"/>
+          </a:effectRef>
+          <a:fontRef idx="minor">
+            <a:schemeClr val="lt1"/>
+          </a:fontRef>
+        </p:style>
+        <p:txBody>
+          <a:bodyPr rtlCol="0" anchor="ctr"/>
+          <a:lstStyle/>
+          <a:p>
+            <a:pPr algn="ctr"/>
+            <a:endParaRPr lang="en-US"/>
+          </a:p>
+        </p:txBody>
+      </p:sp>
+      <p:sp>
+        <p:nvSpPr>
+          <p:cNvPr id="32" name="Oval 31"/>
+          <p:cNvSpPr/>
+          <p:nvPr/>
+        </p:nvSpPr>
+        <p:spPr>
+          <a:xfrm>
+            <a:off x="4769890" y="4641833"/>
+            <a:ext cx="103670" cy="77748"/>
+          </a:xfrm>
+          <a:prstGeom prst="ellipse">
+            <a:avLst/>
+          </a:prstGeom>
+        </p:spPr>
+        <p:style>
+          <a:lnRef idx="1">
+            <a:schemeClr val="accent1"/>
+          </a:lnRef>
+          <a:fillRef idx="3">
+            <a:schemeClr val="accent1"/>
+          </a:fillRef>
+          <a:effectRef idx="2">
+            <a:schemeClr val="accent1"/>
+          </a:effectRef>
+          <a:fontRef idx="minor">
+            <a:schemeClr val="lt1"/>
+          </a:fontRef>
+        </p:style>
+        <p:txBody>
+          <a:bodyPr rtlCol="0" anchor="ctr"/>
+          <a:lstStyle/>
+          <a:p>
+            <a:pPr algn="ctr"/>
+            <a:endParaRPr lang="en-US"/>
+          </a:p>
+        </p:txBody>
+      </p:sp>
+      <p:sp>
+        <p:nvSpPr>
+          <p:cNvPr id="33" name="TextBox 32"/>
+          <p:cNvSpPr txBox="1"/>
+          <p:nvPr/>
+        </p:nvSpPr>
+        <p:spPr>
+          <a:xfrm>
+            <a:off x="5343180" y="4473379"/>
+            <a:ext cx="2615169" cy="923330"/>
+          </a:xfrm>
+          <a:prstGeom prst="rect">
+            <a:avLst/>
+          </a:prstGeom>
+          <a:noFill/>
+        </p:spPr>
+        <p:txBody>
+          <a:bodyPr wrap="none" rtlCol="0">
+            <a:spAutoFit/>
+          </a:bodyPr>
+          <a:lstStyle/>
+          <a:p>
+            <a:r>
+              <a:rPr lang="en-US" dirty="0" smtClean="0"/>
+              <a:t>Data server clusters</a:t>
+            </a:r>
+          </a:p>
+          <a:p>
+            <a:r>
+              <a:rPr lang="en-US" dirty="0"/>
+              <a:t> </a:t>
+            </a:r>
+            <a:r>
+              <a:rPr lang="en-US" dirty="0" smtClean="0"/>
+              <a:t>    - data extraction</a:t>
+            </a:r>
+          </a:p>
+          <a:p>
+            <a:r>
+              <a:rPr lang="en-US" dirty="0"/>
+              <a:t> </a:t>
+            </a:r>
+            <a:r>
+              <a:rPr lang="en-US" dirty="0" smtClean="0"/>
+              <a:t>    - destruction by worms</a:t>
+            </a:r>
+            <a:endParaRPr lang="en-US" dirty="0"/>
+          </a:p>
+        </p:txBody>
+      </p:sp>
+      <p:sp>
+        <p:nvSpPr>
+          <p:cNvPr id="34" name="TextBox 33"/>
+          <p:cNvSpPr txBox="1"/>
+          <p:nvPr/>
+        </p:nvSpPr>
+        <p:spPr>
+          <a:xfrm>
+            <a:off x="4687007" y="2070934"/>
+            <a:ext cx="3275256" cy="923330"/>
+          </a:xfrm>
+          <a:prstGeom prst="rect">
+            <a:avLst/>
+          </a:prstGeom>
+          <a:noFill/>
+        </p:spPr>
+        <p:txBody>
+          <a:bodyPr wrap="none" rtlCol="0">
+            <a:spAutoFit/>
+          </a:bodyPr>
+          <a:lstStyle/>
+          <a:p>
+            <a:r>
+              <a:rPr lang="en-US" dirty="0" smtClean="0"/>
+              <a:t>Capos: </a:t>
+            </a:r>
+          </a:p>
+          <a:p>
+            <a:r>
+              <a:rPr lang="en-US" dirty="0"/>
+              <a:t> </a:t>
+            </a:r>
+            <a:r>
+              <a:rPr lang="en-US" dirty="0" smtClean="0"/>
+              <a:t>      - extract info for </a:t>
+            </a:r>
+            <a:r>
+              <a:rPr lang="en-US" dirty="0" err="1" smtClean="0"/>
+              <a:t>dataclusters</a:t>
+            </a:r>
+            <a:endParaRPr lang="en-US" dirty="0" smtClean="0"/>
+          </a:p>
+          <a:p>
+            <a:r>
+              <a:rPr lang="en-US" dirty="0"/>
+              <a:t> </a:t>
+            </a:r>
+            <a:r>
+              <a:rPr lang="en-US" dirty="0" smtClean="0"/>
+              <a:t>      - broadcast locations</a:t>
+            </a:r>
+            <a:endParaRPr lang="en-US" dirty="0"/>
+          </a:p>
+        </p:txBody>
+      </p:sp>
+      <p:sp>
+        <p:nvSpPr>
+          <p:cNvPr id="35" name="Oval 34"/>
+          <p:cNvSpPr/>
+          <p:nvPr/>
+        </p:nvSpPr>
+        <p:spPr>
+          <a:xfrm>
+            <a:off x="2310281" y="3489938"/>
+            <a:ext cx="103670" cy="77748"/>
+          </a:xfrm>
+          <a:prstGeom prst="ellipse">
+            <a:avLst/>
+          </a:prstGeom>
+          <a:solidFill>
+            <a:srgbClr val="008000"/>
+          </a:solidFill>
+        </p:spPr>
+        <p:style>
+          <a:lnRef idx="1">
+            <a:schemeClr val="accent1"/>
+          </a:lnRef>
+          <a:fillRef idx="3">
+            <a:schemeClr val="accent1"/>
+          </a:fillRef>
+          <a:effectRef idx="2">
+            <a:schemeClr val="accent1"/>
+          </a:effectRef>
+          <a:fontRef idx="minor">
+            <a:schemeClr val="lt1"/>
+          </a:fontRef>
+        </p:style>
+        <p:txBody>
+          <a:bodyPr rtlCol="0" anchor="ctr"/>
+          <a:lstStyle/>
+          <a:p>
+            <a:pPr algn="ctr"/>
+            <a:endParaRPr lang="en-US"/>
+          </a:p>
+        </p:txBody>
+      </p:sp>
+      <p:sp>
+        <p:nvSpPr>
+          <p:cNvPr id="36" name="Oval 35"/>
+          <p:cNvSpPr/>
+          <p:nvPr/>
+        </p:nvSpPr>
+        <p:spPr>
+          <a:xfrm>
+            <a:off x="2631667" y="3016684"/>
+            <a:ext cx="103670" cy="77748"/>
+          </a:xfrm>
+          <a:prstGeom prst="ellipse">
+            <a:avLst/>
+          </a:prstGeom>
+          <a:solidFill>
+            <a:srgbClr val="008000"/>
+          </a:solidFill>
+        </p:spPr>
+        <p:style>
+          <a:lnRef idx="1">
+            <a:schemeClr val="accent1"/>
+          </a:lnRef>
+          <a:fillRef idx="3">
+            <a:schemeClr val="accent1"/>
+          </a:fillRef>
+          <a:effectRef idx="2">
+            <a:schemeClr val="accent1"/>
+          </a:effectRef>
+          <a:fontRef idx="minor">
+            <a:schemeClr val="lt1"/>
+          </a:fontRef>
+        </p:style>
+        <p:txBody>
+          <a:bodyPr rtlCol="0" anchor="ctr"/>
+          <a:lstStyle/>
+          <a:p>
+            <a:pPr algn="ctr"/>
+            <a:endParaRPr lang="en-US"/>
+          </a:p>
+        </p:txBody>
+      </p:sp>
+      <p:sp>
+        <p:nvSpPr>
+          <p:cNvPr id="37" name="Oval 36"/>
+          <p:cNvSpPr/>
+          <p:nvPr/>
+        </p:nvSpPr>
+        <p:spPr>
+          <a:xfrm>
+            <a:off x="3175951" y="2900062"/>
+            <a:ext cx="103670" cy="77748"/>
+          </a:xfrm>
+          <a:prstGeom prst="ellipse">
+            <a:avLst/>
+          </a:prstGeom>
+          <a:solidFill>
+            <a:srgbClr val="C0504D"/>
+          </a:solidFill>
+        </p:spPr>
+        <p:style>
+          <a:lnRef idx="1">
+            <a:schemeClr val="accent1"/>
+          </a:lnRef>
+          <a:fillRef idx="3">
+            <a:schemeClr val="accent1"/>
+          </a:fillRef>
+          <a:effectRef idx="2">
+            <a:schemeClr val="accent1"/>
+          </a:effectRef>
+          <a:fontRef idx="minor">
+            <a:schemeClr val="lt1"/>
+          </a:fontRef>
+        </p:style>
+        <p:txBody>
+          <a:bodyPr rtlCol="0" anchor="ctr"/>
+          <a:lstStyle/>
+          <a:p>
+            <a:pPr algn="ctr"/>
+            <a:endParaRPr lang="en-US"/>
+          </a:p>
+        </p:txBody>
+      </p:sp>
+      <p:sp>
+        <p:nvSpPr>
+          <p:cNvPr id="38" name="Oval 37"/>
+          <p:cNvSpPr/>
+          <p:nvPr/>
+        </p:nvSpPr>
+        <p:spPr>
+          <a:xfrm>
+            <a:off x="2935944" y="3350855"/>
+            <a:ext cx="103670" cy="77748"/>
+          </a:xfrm>
+          <a:prstGeom prst="ellipse">
+            <a:avLst/>
+          </a:prstGeom>
+          <a:solidFill>
+            <a:srgbClr val="008000"/>
+          </a:solidFill>
+        </p:spPr>
+        <p:style>
+          <a:lnRef idx="1">
+            <a:schemeClr val="accent1"/>
+          </a:lnRef>
+          <a:fillRef idx="3">
+            <a:schemeClr val="accent1"/>
+          </a:fillRef>
+          <a:effectRef idx="2">
+            <a:schemeClr val="accent1"/>
+          </a:effectRef>
+          <a:fontRef idx="minor">
+            <a:schemeClr val="lt1"/>
+          </a:fontRef>
+        </p:style>
+        <p:txBody>
+          <a:bodyPr rtlCol="0" anchor="ctr"/>
+          <a:lstStyle/>
+          <a:p>
+            <a:pPr algn="ctr"/>
+            <a:endParaRPr lang="en-US"/>
+          </a:p>
+        </p:txBody>
+      </p:sp>
+      <p:sp>
+        <p:nvSpPr>
+          <p:cNvPr id="39" name="Oval 38"/>
+          <p:cNvSpPr/>
+          <p:nvPr/>
+        </p:nvSpPr>
+        <p:spPr>
+          <a:xfrm>
+            <a:off x="3088344" y="3503255"/>
+            <a:ext cx="103670" cy="77748"/>
+          </a:xfrm>
+          <a:prstGeom prst="ellipse">
+            <a:avLst/>
+          </a:prstGeom>
+          <a:solidFill>
+            <a:srgbClr val="008000"/>
+          </a:solidFill>
+        </p:spPr>
+        <p:style>
+          <a:lnRef idx="1">
+            <a:schemeClr val="accent1"/>
+          </a:lnRef>
+          <a:fillRef idx="3">
+            <a:schemeClr val="accent1"/>
+          </a:fillRef>
+          <a:effectRef idx="2">
+            <a:schemeClr val="accent1"/>
+          </a:effectRef>
+          <a:fontRef idx="minor">
+            <a:schemeClr val="lt1"/>
+          </a:fontRef>
+        </p:style>
+        <p:txBody>
+          <a:bodyPr rtlCol="0" anchor="ctr"/>
+          <a:lstStyle/>
+          <a:p>
+            <a:pPr algn="ctr"/>
+            <a:endParaRPr lang="en-US"/>
+          </a:p>
+        </p:txBody>
+      </p:sp>
+      <p:sp>
+        <p:nvSpPr>
+          <p:cNvPr id="40" name="Oval 39"/>
+          <p:cNvSpPr/>
+          <p:nvPr/>
+        </p:nvSpPr>
+        <p:spPr>
+          <a:xfrm>
+            <a:off x="3240744" y="3655655"/>
+            <a:ext cx="103670" cy="77748"/>
+          </a:xfrm>
+          <a:prstGeom prst="ellipse">
+            <a:avLst/>
+          </a:prstGeom>
+          <a:solidFill>
+            <a:srgbClr val="008000"/>
+          </a:solidFill>
+        </p:spPr>
+        <p:style>
+          <a:lnRef idx="1">
+            <a:schemeClr val="accent1"/>
+          </a:lnRef>
+          <a:fillRef idx="3">
+            <a:schemeClr val="accent1"/>
+          </a:fillRef>
+          <a:effectRef idx="2">
+            <a:schemeClr val="accent1"/>
+          </a:effectRef>
+          <a:fontRef idx="minor">
+            <a:schemeClr val="lt1"/>
+          </a:fontRef>
+        </p:style>
+        <p:txBody>
+          <a:bodyPr rtlCol="0" anchor="ctr"/>
+          <a:lstStyle/>
+          <a:p>
+            <a:pPr algn="ctr"/>
+            <a:endParaRPr lang="en-US"/>
+          </a:p>
+        </p:txBody>
+      </p:sp>
+      <p:sp>
+        <p:nvSpPr>
+          <p:cNvPr id="41" name="Oval 40"/>
+          <p:cNvSpPr/>
+          <p:nvPr/>
+        </p:nvSpPr>
+        <p:spPr>
+          <a:xfrm>
+            <a:off x="2887214" y="3655655"/>
+            <a:ext cx="103670" cy="77748"/>
+          </a:xfrm>
+          <a:prstGeom prst="ellipse">
+            <a:avLst/>
+          </a:prstGeom>
+          <a:solidFill>
+            <a:srgbClr val="008000"/>
+          </a:solidFill>
+        </p:spPr>
+        <p:style>
+          <a:lnRef idx="1">
+            <a:schemeClr val="accent1"/>
+          </a:lnRef>
+          <a:fillRef idx="3">
+            <a:schemeClr val="accent1"/>
+          </a:fillRef>
+          <a:effectRef idx="2">
+            <a:schemeClr val="accent1"/>
+          </a:effectRef>
+          <a:fontRef idx="minor">
+            <a:schemeClr val="lt1"/>
+          </a:fontRef>
+        </p:style>
+        <p:txBody>
+          <a:bodyPr rtlCol="0" anchor="ctr"/>
+          <a:lstStyle/>
+          <a:p>
+            <a:pPr algn="ctr"/>
+            <a:endParaRPr lang="en-US"/>
+          </a:p>
+        </p:txBody>
+      </p:sp>
+      <p:sp>
+        <p:nvSpPr>
+          <p:cNvPr id="42" name="Oval 41"/>
+          <p:cNvSpPr/>
+          <p:nvPr/>
+        </p:nvSpPr>
+        <p:spPr>
+          <a:xfrm>
+            <a:off x="3279099" y="1828003"/>
+            <a:ext cx="103670" cy="77748"/>
+          </a:xfrm>
+          <a:prstGeom prst="ellipse">
+            <a:avLst/>
+          </a:prstGeom>
+          <a:solidFill>
+            <a:srgbClr val="008000"/>
+          </a:solidFill>
+        </p:spPr>
+        <p:style>
+          <a:lnRef idx="1">
+            <a:schemeClr val="accent1"/>
+          </a:lnRef>
+          <a:fillRef idx="3">
+            <a:schemeClr val="accent1"/>
+          </a:fillRef>
+          <a:effectRef idx="2">
+            <a:schemeClr val="accent1"/>
+          </a:effectRef>
+          <a:fontRef idx="minor">
+            <a:schemeClr val="lt1"/>
+          </a:fontRef>
+        </p:style>
+        <p:txBody>
+          <a:bodyPr rtlCol="0" anchor="ctr"/>
+          <a:lstStyle/>
+          <a:p>
+            <a:pPr algn="ctr"/>
+            <a:endParaRPr lang="en-US"/>
+          </a:p>
+        </p:txBody>
+      </p:sp>
+      <p:sp>
+        <p:nvSpPr>
+          <p:cNvPr id="43" name="Oval 42"/>
+          <p:cNvSpPr/>
+          <p:nvPr/>
+        </p:nvSpPr>
+        <p:spPr>
+          <a:xfrm>
+            <a:off x="3382769" y="2346538"/>
+            <a:ext cx="103670" cy="77748"/>
+          </a:xfrm>
+          <a:prstGeom prst="ellipse">
+            <a:avLst/>
+          </a:prstGeom>
+          <a:solidFill>
+            <a:srgbClr val="008000"/>
+          </a:solidFill>
+        </p:spPr>
+        <p:style>
+          <a:lnRef idx="1">
+            <a:schemeClr val="accent1"/>
+          </a:lnRef>
+          <a:fillRef idx="3">
+            <a:schemeClr val="accent1"/>
+          </a:fillRef>
+          <a:effectRef idx="2">
+            <a:schemeClr val="accent1"/>
+          </a:effectRef>
+          <a:fontRef idx="minor">
+            <a:schemeClr val="lt1"/>
+          </a:fontRef>
+        </p:style>
+        <p:txBody>
+          <a:bodyPr rtlCol="0" anchor="ctr"/>
+          <a:lstStyle/>
+          <a:p>
+            <a:pPr algn="ctr"/>
+            <a:endParaRPr lang="en-US"/>
+          </a:p>
+        </p:txBody>
+      </p:sp>
+      <p:sp>
+        <p:nvSpPr>
+          <p:cNvPr id="44" name="Oval 43"/>
+          <p:cNvSpPr/>
+          <p:nvPr/>
+        </p:nvSpPr>
+        <p:spPr>
+          <a:xfrm>
+            <a:off x="3652320" y="1951032"/>
+            <a:ext cx="103670" cy="77748"/>
+          </a:xfrm>
+          <a:prstGeom prst="ellipse">
+            <a:avLst/>
+          </a:prstGeom>
+          <a:solidFill>
+            <a:srgbClr val="008000"/>
+          </a:solidFill>
+        </p:spPr>
+        <p:style>
+          <a:lnRef idx="1">
+            <a:schemeClr val="accent1"/>
+          </a:lnRef>
+          <a:fillRef idx="3">
+            <a:schemeClr val="accent1"/>
+          </a:fillRef>
+          <a:effectRef idx="2">
+            <a:schemeClr val="accent1"/>
+          </a:effectRef>
+          <a:fontRef idx="minor">
+            <a:schemeClr val="lt1"/>
+          </a:fontRef>
+        </p:style>
+        <p:txBody>
+          <a:bodyPr rtlCol="0" anchor="ctr"/>
+          <a:lstStyle/>
+          <a:p>
+            <a:pPr algn="ctr"/>
+            <a:endParaRPr lang="en-US"/>
+          </a:p>
+        </p:txBody>
+      </p:sp>
+      <p:sp>
+        <p:nvSpPr>
+          <p:cNvPr id="45" name="TextBox 44"/>
+          <p:cNvSpPr txBox="1"/>
+          <p:nvPr/>
+        </p:nvSpPr>
+        <p:spPr>
+          <a:xfrm>
+            <a:off x="3257854" y="1275100"/>
+            <a:ext cx="2274218" cy="923330"/>
+          </a:xfrm>
+          <a:prstGeom prst="rect">
+            <a:avLst/>
+          </a:prstGeom>
+          <a:noFill/>
+        </p:spPr>
+        <p:txBody>
+          <a:bodyPr wrap="none" rtlCol="0">
+            <a:spAutoFit/>
+          </a:bodyPr>
+          <a:lstStyle/>
+          <a:p>
+            <a:r>
+              <a:rPr lang="en-US" dirty="0" smtClean="0"/>
+              <a:t>Users:</a:t>
+            </a:r>
+          </a:p>
+          <a:p>
+            <a:r>
+              <a:rPr lang="en-US" dirty="0"/>
+              <a:t> </a:t>
+            </a:r>
+            <a:r>
+              <a:rPr lang="en-US" dirty="0" smtClean="0"/>
+              <a:t>- extract network info</a:t>
+            </a:r>
+          </a:p>
+          <a:p>
+            <a:endParaRPr lang="en-US" dirty="0"/>
+          </a:p>
+        </p:txBody>
+      </p:sp>
+      <p:sp>
+        <p:nvSpPr>
+          <p:cNvPr id="46" name="Oval 45"/>
+          <p:cNvSpPr/>
+          <p:nvPr/>
+        </p:nvSpPr>
+        <p:spPr>
+          <a:xfrm>
+            <a:off x="737041" y="1418569"/>
+            <a:ext cx="103670" cy="77748"/>
+          </a:xfrm>
+          <a:prstGeom prst="ellipse">
+            <a:avLst/>
+          </a:prstGeom>
+          <a:solidFill>
+            <a:schemeClr val="accent4"/>
+          </a:solidFill>
+        </p:spPr>
+        <p:style>
+          <a:lnRef idx="1">
+            <a:schemeClr val="accent1"/>
+          </a:lnRef>
+          <a:fillRef idx="3">
+            <a:schemeClr val="accent1"/>
+          </a:fillRef>
+          <a:effectRef idx="2">
+            <a:schemeClr val="accent1"/>
+          </a:effectRef>
+          <a:fontRef idx="minor">
+            <a:schemeClr val="lt1"/>
+          </a:fontRef>
+        </p:style>
+        <p:txBody>
+          <a:bodyPr rtlCol="0" anchor="ctr"/>
+          <a:lstStyle/>
+          <a:p>
+            <a:pPr algn="ctr"/>
+            <a:endParaRPr lang="en-US"/>
+          </a:p>
+        </p:txBody>
+      </p:sp>
+      <p:sp>
+        <p:nvSpPr>
+          <p:cNvPr id="48" name="Oval 47"/>
+          <p:cNvSpPr/>
+          <p:nvPr/>
+        </p:nvSpPr>
+        <p:spPr>
+          <a:xfrm>
+            <a:off x="866955" y="3961390"/>
+            <a:ext cx="103670" cy="77748"/>
+          </a:xfrm>
+          <a:prstGeom prst="ellipse">
+            <a:avLst/>
+          </a:prstGeom>
+          <a:solidFill>
+            <a:schemeClr val="accent6"/>
+          </a:solidFill>
+        </p:spPr>
+        <p:style>
+          <a:lnRef idx="1">
+            <a:schemeClr val="accent1"/>
+          </a:lnRef>
+          <a:fillRef idx="3">
+            <a:schemeClr val="accent1"/>
+          </a:fillRef>
+          <a:effectRef idx="2">
+            <a:schemeClr val="accent1"/>
+          </a:effectRef>
+          <a:fontRef idx="minor">
+            <a:schemeClr val="lt1"/>
+          </a:fontRef>
+        </p:style>
+        <p:txBody>
+          <a:bodyPr rtlCol="0" anchor="ctr"/>
+          <a:lstStyle/>
+          <a:p>
+            <a:pPr algn="ctr"/>
+            <a:endParaRPr lang="en-US"/>
+          </a:p>
+        </p:txBody>
+      </p:sp>
+      <p:sp>
+        <p:nvSpPr>
+          <p:cNvPr id="49" name="TextBox 48"/>
+          <p:cNvSpPr txBox="1"/>
+          <p:nvPr/>
+        </p:nvSpPr>
+        <p:spPr>
+          <a:xfrm>
+            <a:off x="224980" y="4141718"/>
+            <a:ext cx="1031690" cy="923330"/>
+          </a:xfrm>
+          <a:prstGeom prst="rect">
+            <a:avLst/>
+          </a:prstGeom>
+          <a:noFill/>
+        </p:spPr>
+        <p:txBody>
+          <a:bodyPr wrap="none" rtlCol="0">
+            <a:spAutoFit/>
+          </a:bodyPr>
+          <a:lstStyle/>
+          <a:p>
+            <a:r>
+              <a:rPr lang="en-US" dirty="0" err="1" smtClean="0"/>
+              <a:t>Govt</a:t>
+            </a:r>
+            <a:r>
+              <a:rPr lang="en-US" dirty="0" smtClean="0"/>
+              <a:t>, </a:t>
+            </a:r>
+          </a:p>
+          <a:p>
+            <a:r>
+              <a:rPr lang="en-US" dirty="0" smtClean="0"/>
+              <a:t>financial,</a:t>
+            </a:r>
+          </a:p>
+          <a:p>
+            <a:r>
+              <a:rPr lang="en-US" dirty="0" smtClean="0"/>
+              <a:t>corps</a:t>
+            </a:r>
+            <a:endParaRPr lang="en-US" dirty="0"/>
+          </a:p>
+        </p:txBody>
+      </p:sp>
+      <p:sp>
+        <p:nvSpPr>
+          <p:cNvPr id="50" name="TextBox 49"/>
+          <p:cNvSpPr txBox="1"/>
+          <p:nvPr/>
+        </p:nvSpPr>
+        <p:spPr>
+          <a:xfrm>
+            <a:off x="946818" y="1259420"/>
+            <a:ext cx="2229133" cy="646331"/>
+          </a:xfrm>
+          <a:prstGeom prst="rect">
+            <a:avLst/>
+          </a:prstGeom>
+          <a:noFill/>
+        </p:spPr>
+        <p:txBody>
+          <a:bodyPr wrap="none" rtlCol="0">
+            <a:spAutoFit/>
+          </a:bodyPr>
+          <a:lstStyle/>
+          <a:p>
+            <a:r>
+              <a:rPr lang="en-US" dirty="0" smtClean="0"/>
+              <a:t>Peripherals:</a:t>
+            </a:r>
+          </a:p>
+          <a:p>
+            <a:r>
+              <a:rPr lang="en-US" dirty="0" smtClean="0"/>
+              <a:t>- Gain network access</a:t>
+            </a:r>
+            <a:endParaRPr lang="en-US" dirty="0"/>
+          </a:p>
+        </p:txBody>
+      </p:sp>
+      <p:sp>
+        <p:nvSpPr>
+          <p:cNvPr id="51" name="TextBox 50"/>
+          <p:cNvSpPr txBox="1"/>
+          <p:nvPr/>
+        </p:nvSpPr>
+        <p:spPr>
+          <a:xfrm>
+            <a:off x="1004117" y="5581626"/>
+            <a:ext cx="6231619" cy="369332"/>
+          </a:xfrm>
+          <a:prstGeom prst="rect">
+            <a:avLst/>
+          </a:prstGeom>
+          <a:noFill/>
+        </p:spPr>
+        <p:txBody>
+          <a:bodyPr wrap="none" rtlCol="0">
+            <a:spAutoFit/>
+          </a:bodyPr>
+          <a:lstStyle/>
+          <a:p>
+            <a:r>
+              <a:rPr lang="en-US" dirty="0" smtClean="0"/>
+              <a:t>- Viruses can burn out lots of intermediate links to shorten paths</a:t>
+            </a:r>
+            <a:endParaRPr lang="en-US" dirty="0"/>
+          </a:p>
+        </p:txBody>
+      </p:sp>
+    </p:spTree>
+    <p:extLst>
+      <p:ext uri="{BB962C8B-B14F-4D97-AF65-F5344CB8AC3E}">
+        <p14:creationId xmlns:p14="http://schemas.microsoft.com/office/powerpoint/2010/main" val="1714945271"/>
+      </p:ext>
+    </p:extLst>
+  </p:cSld>
+  <p:clrMapOvr>
+    <a:masterClrMapping/>
+  </p:clrMapOvr>
+</p:sld>
+</file>
+
+<file path=ppt/slides/slide7.xml><?xml version="1.0" encoding="utf-8"?>
+<p:sld xmlns:a="http://schemas.openxmlformats.org/drawingml/2006/main" xmlns:r="http://schemas.openxmlformats.org/officeDocument/2006/relationships" xmlns:p="http://schemas.openxmlformats.org/presentationml/2006/main">
+  <p:cSld>
+    <p:spTree>
+      <p:nvGrpSpPr>
+        <p:cNvPr id="1" name=""/>
+        <p:cNvGrpSpPr/>
+        <p:nvPr/>
+      </p:nvGrpSpPr>
+      <p:grpSpPr>
+        <a:xfrm>
+          <a:off x="0" y="0"/>
+          <a:ext cx="0" cy="0"/>
+          <a:chOff x="0" y="0"/>
+          <a:chExt cx="0" cy="0"/>
+        </a:xfrm>
+      </p:grpSpPr>
+      <p:sp>
+        <p:nvSpPr>
+          <p:cNvPr id="2" name="Title 1"/>
+          <p:cNvSpPr>
+            <a:spLocks noGrp="1"/>
+          </p:cNvSpPr>
+          <p:nvPr>
+            <p:ph type="title"/>
+          </p:nvPr>
+        </p:nvSpPr>
+        <p:spPr/>
+        <p:txBody>
+          <a:bodyPr/>
+          <a:lstStyle/>
+          <a:p>
+            <a:r>
+              <a:rPr lang="en-US" dirty="0" smtClean="0"/>
+              <a:t>Game Flow</a:t>
+            </a:r>
+            <a:endParaRPr lang="en-US" dirty="0"/>
+          </a:p>
+        </p:txBody>
+      </p:sp>
+      <p:sp>
+        <p:nvSpPr>
+          <p:cNvPr id="3" name="Content Placeholder 2"/>
+          <p:cNvSpPr>
+            <a:spLocks noGrp="1"/>
+          </p:cNvSpPr>
+          <p:nvPr>
+            <p:ph idx="1"/>
+          </p:nvPr>
+        </p:nvSpPr>
+        <p:spPr/>
+        <p:txBody>
+          <a:bodyPr>
+            <a:normAutofit fontScale="55000" lnSpcReduction="20000"/>
+          </a:bodyPr>
+          <a:lstStyle/>
+          <a:p>
+            <a:r>
+              <a:rPr lang="en-US" dirty="0" smtClean="0"/>
+              <a:t>Title screen</a:t>
+            </a:r>
+          </a:p>
+          <a:p>
+            <a:r>
+              <a:rPr lang="en-US" dirty="0" smtClean="0"/>
+              <a:t>Intro sequence – load RBN - </a:t>
+            </a:r>
+          </a:p>
+          <a:p>
+            <a:r>
+              <a:rPr lang="en-US" dirty="0" smtClean="0"/>
+              <a:t>RBN initiates bit-o-</a:t>
+            </a:r>
+            <a:r>
+              <a:rPr lang="en-US" dirty="0" err="1" smtClean="0"/>
+              <a:t>matic</a:t>
+            </a:r>
+            <a:endParaRPr lang="en-US" dirty="0"/>
+          </a:p>
+          <a:p>
+            <a:r>
+              <a:rPr lang="en-US" dirty="0" smtClean="0"/>
+              <a:t>RBN initiates </a:t>
+            </a:r>
+            <a:r>
+              <a:rPr lang="en-US" dirty="0" err="1" smtClean="0"/>
+              <a:t>crypton</a:t>
+            </a:r>
+            <a:r>
+              <a:rPr lang="en-US" dirty="0" smtClean="0"/>
+              <a:t> after </a:t>
+            </a:r>
+            <a:r>
+              <a:rPr lang="en-US" dirty="0" err="1" smtClean="0"/>
+              <a:t>btc</a:t>
+            </a:r>
+            <a:r>
+              <a:rPr lang="en-US" dirty="0" smtClean="0"/>
+              <a:t> threshold</a:t>
+            </a:r>
+          </a:p>
+          <a:p>
+            <a:r>
+              <a:rPr lang="en-US" dirty="0" smtClean="0"/>
+              <a:t>RBN initiates cloud awesome after </a:t>
+            </a:r>
+            <a:r>
+              <a:rPr lang="en-US" dirty="0" err="1" smtClean="0"/>
+              <a:t>btc</a:t>
+            </a:r>
+            <a:r>
+              <a:rPr lang="en-US" dirty="0" smtClean="0"/>
+              <a:t> threshold</a:t>
+            </a:r>
+          </a:p>
+          <a:p>
+            <a:r>
+              <a:rPr lang="en-US" dirty="0" smtClean="0"/>
+              <a:t>RBN initiates RBN forums after </a:t>
+            </a:r>
+            <a:r>
+              <a:rPr lang="en-US" dirty="0" err="1" smtClean="0"/>
+              <a:t>btc</a:t>
+            </a:r>
+            <a:r>
+              <a:rPr lang="en-US" dirty="0" smtClean="0"/>
+              <a:t> threshold – at forum initialization, new actors are initialized: </a:t>
+            </a:r>
+          </a:p>
+          <a:p>
+            <a:pPr lvl="1"/>
+            <a:r>
+              <a:rPr lang="en-US" dirty="0" smtClean="0"/>
+              <a:t>a sketchy user </a:t>
+            </a:r>
+          </a:p>
+          <a:p>
+            <a:pPr lvl="1"/>
+            <a:r>
+              <a:rPr lang="en-US" dirty="0" smtClean="0"/>
+              <a:t>Anon</a:t>
+            </a:r>
+          </a:p>
+          <a:p>
+            <a:pPr lvl="1"/>
+            <a:r>
+              <a:rPr lang="en-US" dirty="0" smtClean="0"/>
+              <a:t>Silicon guy</a:t>
+            </a:r>
+          </a:p>
+          <a:p>
+            <a:r>
+              <a:rPr lang="en-US" dirty="0" smtClean="0"/>
+              <a:t>Sketchy user initiates Zing! After user threshold –unlocks scammer occupation</a:t>
+            </a:r>
+          </a:p>
+          <a:p>
+            <a:r>
+              <a:rPr lang="en-US" dirty="0" smtClean="0"/>
+              <a:t>Sketchy user initiates </a:t>
+            </a:r>
+            <a:r>
+              <a:rPr lang="en-US" dirty="0" err="1" smtClean="0"/>
+              <a:t>epharm</a:t>
+            </a:r>
+            <a:r>
+              <a:rPr lang="en-US" dirty="0" smtClean="0"/>
+              <a:t> after identify info threshold</a:t>
+            </a:r>
+          </a:p>
+          <a:p>
+            <a:r>
+              <a:rPr lang="en-US" dirty="0" smtClean="0"/>
+              <a:t>Sketchy user initiates royal road after pills threshold </a:t>
+            </a:r>
+          </a:p>
+          <a:p>
+            <a:r>
+              <a:rPr lang="en-US" dirty="0" smtClean="0"/>
+              <a:t>Anon initiates Faction site after bot threshold</a:t>
+            </a:r>
+          </a:p>
+          <a:p>
+            <a:r>
+              <a:rPr lang="en-US" dirty="0" smtClean="0"/>
+              <a:t>Silicon initiates </a:t>
+            </a:r>
+            <a:r>
+              <a:rPr lang="en-US" dirty="0" err="1" smtClean="0"/>
+              <a:t>safeware</a:t>
+            </a:r>
+            <a:r>
+              <a:rPr lang="en-US" dirty="0" smtClean="0"/>
+              <a:t> after thresholds</a:t>
+            </a:r>
+          </a:p>
+          <a:p>
+            <a:endParaRPr lang="en-US" dirty="0" smtClean="0"/>
+          </a:p>
+          <a:p>
+            <a:endParaRPr lang="en-US" dirty="0" smtClean="0"/>
+          </a:p>
+          <a:p>
+            <a:endParaRPr lang="en-US" dirty="0" smtClean="0"/>
+          </a:p>
+          <a:p>
+            <a:endParaRPr lang="en-US" dirty="0" smtClean="0"/>
+          </a:p>
+          <a:p>
+            <a:endParaRPr lang="en-US" dirty="0" smtClean="0"/>
+          </a:p>
+          <a:p>
+            <a:endParaRPr lang="en-US" dirty="0" smtClean="0"/>
+          </a:p>
+          <a:p>
+            <a:endParaRPr lang="en-US" dirty="0"/>
+          </a:p>
+        </p:txBody>
+      </p:sp>
+    </p:spTree>
+    <p:extLst>
+      <p:ext uri="{BB962C8B-B14F-4D97-AF65-F5344CB8AC3E}">
+        <p14:creationId xmlns:p14="http://schemas.microsoft.com/office/powerpoint/2010/main" val="2713592692"/>
       </p:ext>
     </p:extLst>
   </p:cSld>

--- a/puzzle9_resourceGuide.pptx
+++ b/puzzle9_resourceGuide.pptx
@@ -12,6 +12,7 @@
     <p:sldId id="261" r:id="rId6"/>
     <p:sldId id="262" r:id="rId7"/>
     <p:sldId id="263" r:id="rId8"/>
+    <p:sldId id="264" r:id="rId9"/>
   </p:sldIdLst>
   <p:sldSz cx="9144000" cy="6858000" type="screen4x3"/>
   <p:notesSz cx="6858000" cy="9144000"/>
@@ -294,7 +295,7 @@
           <a:p>
             <a:fld id="{83C2B043-E5D7-564F-B47B-C0FE35424682}" type="datetimeFigureOut">
               <a:rPr lang="en-US" smtClean="0"/>
-              <a:t>10/24/15</a:t>
+              <a:t>11/7/15</a:t>
             </a:fld>
             <a:endParaRPr lang="en-US"/>
           </a:p>
@@ -464,7 +465,7 @@
           <a:p>
             <a:fld id="{83C2B043-E5D7-564F-B47B-C0FE35424682}" type="datetimeFigureOut">
               <a:rPr lang="en-US" smtClean="0"/>
-              <a:t>10/24/15</a:t>
+              <a:t>11/7/15</a:t>
             </a:fld>
             <a:endParaRPr lang="en-US"/>
           </a:p>
@@ -644,7 +645,7 @@
           <a:p>
             <a:fld id="{83C2B043-E5D7-564F-B47B-C0FE35424682}" type="datetimeFigureOut">
               <a:rPr lang="en-US" smtClean="0"/>
-              <a:t>10/24/15</a:t>
+              <a:t>11/7/15</a:t>
             </a:fld>
             <a:endParaRPr lang="en-US"/>
           </a:p>
@@ -814,7 +815,7 @@
           <a:p>
             <a:fld id="{83C2B043-E5D7-564F-B47B-C0FE35424682}" type="datetimeFigureOut">
               <a:rPr lang="en-US" smtClean="0"/>
-              <a:t>10/24/15</a:t>
+              <a:t>11/7/15</a:t>
             </a:fld>
             <a:endParaRPr lang="en-US"/>
           </a:p>
@@ -1060,7 +1061,7 @@
           <a:p>
             <a:fld id="{83C2B043-E5D7-564F-B47B-C0FE35424682}" type="datetimeFigureOut">
               <a:rPr lang="en-US" smtClean="0"/>
-              <a:t>10/24/15</a:t>
+              <a:t>11/7/15</a:t>
             </a:fld>
             <a:endParaRPr lang="en-US"/>
           </a:p>
@@ -1348,7 +1349,7 @@
           <a:p>
             <a:fld id="{83C2B043-E5D7-564F-B47B-C0FE35424682}" type="datetimeFigureOut">
               <a:rPr lang="en-US" smtClean="0"/>
-              <a:t>10/24/15</a:t>
+              <a:t>11/7/15</a:t>
             </a:fld>
             <a:endParaRPr lang="en-US"/>
           </a:p>
@@ -1770,7 +1771,7 @@
           <a:p>
             <a:fld id="{83C2B043-E5D7-564F-B47B-C0FE35424682}" type="datetimeFigureOut">
               <a:rPr lang="en-US" smtClean="0"/>
-              <a:t>10/24/15</a:t>
+              <a:t>11/7/15</a:t>
             </a:fld>
             <a:endParaRPr lang="en-US"/>
           </a:p>
@@ -1888,7 +1889,7 @@
           <a:p>
             <a:fld id="{83C2B043-E5D7-564F-B47B-C0FE35424682}" type="datetimeFigureOut">
               <a:rPr lang="en-US" smtClean="0"/>
-              <a:t>10/24/15</a:t>
+              <a:t>11/7/15</a:t>
             </a:fld>
             <a:endParaRPr lang="en-US"/>
           </a:p>
@@ -1983,7 +1984,7 @@
           <a:p>
             <a:fld id="{83C2B043-E5D7-564F-B47B-C0FE35424682}" type="datetimeFigureOut">
               <a:rPr lang="en-US" smtClean="0"/>
-              <a:t>10/24/15</a:t>
+              <a:t>11/7/15</a:t>
             </a:fld>
             <a:endParaRPr lang="en-US"/>
           </a:p>
@@ -2260,7 +2261,7 @@
           <a:p>
             <a:fld id="{83C2B043-E5D7-564F-B47B-C0FE35424682}" type="datetimeFigureOut">
               <a:rPr lang="en-US" smtClean="0"/>
-              <a:t>10/24/15</a:t>
+              <a:t>11/7/15</a:t>
             </a:fld>
             <a:endParaRPr lang="en-US"/>
           </a:p>
@@ -2513,7 +2514,7 @@
           <a:p>
             <a:fld id="{83C2B043-E5D7-564F-B47B-C0FE35424682}" type="datetimeFigureOut">
               <a:rPr lang="en-US" smtClean="0"/>
-              <a:t>10/24/15</a:t>
+              <a:t>11/7/15</a:t>
             </a:fld>
             <a:endParaRPr lang="en-US"/>
           </a:p>
@@ -2726,7 +2727,7 @@
           <a:p>
             <a:fld id="{83C2B043-E5D7-564F-B47B-C0FE35424682}" type="datetimeFigureOut">
               <a:rPr lang="en-US" smtClean="0"/>
-              <a:t>10/24/15</a:t>
+              <a:t>11/7/15</a:t>
             </a:fld>
             <a:endParaRPr lang="en-US"/>
           </a:p>
@@ -6264,7 +6265,7 @@
         <p:spPr>
           <a:xfrm>
             <a:off x="2751415" y="2957387"/>
-            <a:ext cx="820545" cy="246221"/>
+            <a:ext cx="521359" cy="246221"/>
           </a:xfrm>
           <a:prstGeom prst="rect">
             <a:avLst/>
@@ -6279,7 +6280,37 @@
           <a:p>
             <a:r>
               <a:rPr lang="en-US" sz="1000" dirty="0" smtClean="0"/>
-              <a:t>Identity info</a:t>
+              <a:t>emails</a:t>
+            </a:r>
+            <a:endParaRPr lang="en-US" sz="1000" dirty="0"/>
+          </a:p>
+        </p:txBody>
+      </p:sp>
+      <p:sp>
+        <p:nvSpPr>
+          <p:cNvPr id="91" name="TextBox 90"/>
+          <p:cNvSpPr txBox="1"/>
+          <p:nvPr/>
+        </p:nvSpPr>
+        <p:spPr>
+          <a:xfrm>
+            <a:off x="3145778" y="3222995"/>
+            <a:ext cx="735322" cy="246221"/>
+          </a:xfrm>
+          <a:prstGeom prst="rect">
+            <a:avLst/>
+          </a:prstGeom>
+          <a:noFill/>
+        </p:spPr>
+        <p:txBody>
+          <a:bodyPr wrap="none" rtlCol="0">
+            <a:spAutoFit/>
+          </a:bodyPr>
+          <a:lstStyle/>
+          <a:p>
+            <a:r>
+              <a:rPr lang="en-US" sz="1000" dirty="0" smtClean="0"/>
+              <a:t>passwords</a:t>
             </a:r>
             <a:endParaRPr lang="en-US" sz="1000" dirty="0"/>
           </a:p>
@@ -6287,14 +6318,16 @@
       </p:sp>
       <p:cxnSp>
         <p:nvCxnSpPr>
-          <p:cNvPr id="89" name="Straight Arrow Connector 88"/>
-          <p:cNvCxnSpPr/>
+          <p:cNvPr id="108" name="Straight Arrow Connector 107"/>
+          <p:cNvCxnSpPr>
+            <a:endCxn id="16" idx="2"/>
+          </p:cNvCxnSpPr>
           <p:nvPr/>
         </p:nvCxnSpPr>
         <p:spPr>
           <a:xfrm flipH="1" flipV="1">
-            <a:off x="2704106" y="3272947"/>
-            <a:ext cx="451900" cy="1115549"/>
+            <a:off x="5482319" y="3715437"/>
+            <a:ext cx="22874" cy="628951"/>
           </a:xfrm>
           <a:prstGeom prst="straightConnector1">
             <a:avLst/>
@@ -6323,14 +6356,14 @@
       </p:cxnSp>
       <p:sp>
         <p:nvSpPr>
-          <p:cNvPr id="91" name="TextBox 90"/>
+          <p:cNvPr id="114" name="TextBox 113"/>
           <p:cNvSpPr txBox="1"/>
           <p:nvPr/>
         </p:nvSpPr>
         <p:spPr>
           <a:xfrm>
-            <a:off x="3145778" y="3222995"/>
-            <a:ext cx="735322" cy="246221"/>
+            <a:off x="5044659" y="3818604"/>
+            <a:ext cx="412781" cy="246221"/>
           </a:xfrm>
           <a:prstGeom prst="rect">
             <a:avLst/>
@@ -6345,7 +6378,7 @@
           <a:p>
             <a:r>
               <a:rPr lang="en-US" sz="1000" dirty="0" smtClean="0"/>
-              <a:t>passwords</a:t>
+              <a:t>bots</a:t>
             </a:r>
             <a:endParaRPr lang="en-US" sz="1000" dirty="0"/>
           </a:p>
@@ -6353,16 +6386,16 @@
       </p:sp>
       <p:cxnSp>
         <p:nvCxnSpPr>
-          <p:cNvPr id="108" name="Straight Arrow Connector 107"/>
+          <p:cNvPr id="115" name="Straight Arrow Connector 114"/>
           <p:cNvCxnSpPr>
-            <a:endCxn id="16" idx="2"/>
+            <a:endCxn id="114" idx="2"/>
           </p:cNvCxnSpPr>
           <p:nvPr/>
         </p:nvCxnSpPr>
         <p:spPr>
           <a:xfrm flipH="1" flipV="1">
-            <a:off x="5482319" y="3715437"/>
-            <a:ext cx="22874" cy="628951"/>
+            <a:off x="5251050" y="4064825"/>
+            <a:ext cx="50075" cy="403053"/>
           </a:xfrm>
           <a:prstGeom prst="straightConnector1">
             <a:avLst/>
@@ -6391,14 +6424,14 @@
       </p:cxnSp>
       <p:sp>
         <p:nvSpPr>
-          <p:cNvPr id="114" name="TextBox 113"/>
+          <p:cNvPr id="117" name="TextBox 116"/>
           <p:cNvSpPr txBox="1"/>
           <p:nvPr/>
         </p:nvSpPr>
         <p:spPr>
           <a:xfrm>
-            <a:off x="3455676" y="3607561"/>
-            <a:ext cx="412781" cy="246221"/>
+            <a:off x="4644247" y="5367348"/>
+            <a:ext cx="618917" cy="246221"/>
           </a:xfrm>
           <a:prstGeom prst="rect">
             <a:avLst/>
@@ -6412,8 +6445,48 @@
           <a:lstStyle/>
           <a:p>
             <a:r>
+              <a:rPr lang="en-US" sz="1000" dirty="0" err="1"/>
+              <a:t>b</a:t>
+            </a:r>
+            <a:r>
+              <a:rPr lang="en-US" sz="1000" dirty="0" err="1" smtClean="0"/>
+              <a:t>tc+pills</a:t>
+            </a:r>
+            <a:endParaRPr lang="en-US" sz="1000" dirty="0"/>
+          </a:p>
+        </p:txBody>
+      </p:sp>
+      <p:sp>
+        <p:nvSpPr>
+          <p:cNvPr id="118" name="TextBox 117"/>
+          <p:cNvSpPr txBox="1"/>
+          <p:nvPr/>
+        </p:nvSpPr>
+        <p:spPr>
+          <a:xfrm>
+            <a:off x="5562656" y="3720705"/>
+            <a:ext cx="746969" cy="400110"/>
+          </a:xfrm>
+          <a:prstGeom prst="rect">
+            <a:avLst/>
+          </a:prstGeom>
+          <a:noFill/>
+        </p:spPr>
+        <p:txBody>
+          <a:bodyPr wrap="none" rtlCol="0">
+            <a:spAutoFit/>
+          </a:bodyPr>
+          <a:lstStyle/>
+          <a:p>
+            <a:r>
               <a:rPr lang="en-US" sz="1000" dirty="0" smtClean="0"/>
-              <a:t>bots</a:t>
+              <a:t>Diplomatic </a:t>
+            </a:r>
+          </a:p>
+          <a:p>
+            <a:r>
+              <a:rPr lang="en-US" sz="1000" dirty="0" err="1" smtClean="0"/>
+              <a:t>intel</a:t>
             </a:r>
             <a:endParaRPr lang="en-US" sz="1000" dirty="0"/>
           </a:p>
@@ -6421,14 +6494,14 @@
       </p:sp>
       <p:cxnSp>
         <p:nvCxnSpPr>
-          <p:cNvPr id="115" name="Straight Arrow Connector 114"/>
+          <p:cNvPr id="119" name="Straight Arrow Connector 118"/>
           <p:cNvCxnSpPr/>
           <p:nvPr/>
         </p:nvCxnSpPr>
         <p:spPr>
           <a:xfrm flipV="1">
-            <a:off x="3143047" y="3853782"/>
-            <a:ext cx="312629" cy="547448"/>
+            <a:off x="5787449" y="4171361"/>
+            <a:ext cx="0" cy="242369"/>
           </a:xfrm>
           <a:prstGeom prst="straightConnector1">
             <a:avLst/>
@@ -6457,14 +6530,14 @@
       </p:cxnSp>
       <p:sp>
         <p:nvSpPr>
-          <p:cNvPr id="117" name="TextBox 116"/>
+          <p:cNvPr id="123" name="TextBox 122"/>
           <p:cNvSpPr txBox="1"/>
           <p:nvPr/>
         </p:nvSpPr>
         <p:spPr>
           <a:xfrm>
-            <a:off x="4644247" y="5367348"/>
-            <a:ext cx="618917" cy="246221"/>
+            <a:off x="6929723" y="5120772"/>
+            <a:ext cx="598316" cy="246221"/>
           </a:xfrm>
           <a:prstGeom prst="rect">
             <a:avLst/>
@@ -6478,12 +6551,8 @@
           <a:lstStyle/>
           <a:p>
             <a:r>
-              <a:rPr lang="en-US" sz="1000" dirty="0" err="1"/>
-              <a:t>b</a:t>
-            </a:r>
-            <a:r>
-              <a:rPr lang="en-US" sz="1000" dirty="0" err="1" smtClean="0"/>
-              <a:t>tc+pills</a:t>
+              <a:rPr lang="en-US" sz="1000" dirty="0" smtClean="0"/>
+              <a:t>echelon</a:t>
             </a:r>
             <a:endParaRPr lang="en-US" sz="1000" dirty="0"/>
           </a:p>
@@ -6491,14 +6560,14 @@
       </p:sp>
       <p:sp>
         <p:nvSpPr>
-          <p:cNvPr id="118" name="TextBox 117"/>
+          <p:cNvPr id="139" name="TextBox 138"/>
           <p:cNvSpPr txBox="1"/>
           <p:nvPr/>
         </p:nvSpPr>
         <p:spPr>
           <a:xfrm>
-            <a:off x="5562656" y="3720705"/>
-            <a:ext cx="746969" cy="400110"/>
+            <a:off x="3692000" y="5080037"/>
+            <a:ext cx="813043" cy="246221"/>
           </a:xfrm>
           <a:prstGeom prst="rect">
             <a:avLst/>
@@ -6513,13 +6582,7 @@
           <a:p>
             <a:r>
               <a:rPr lang="en-US" sz="1000" dirty="0" smtClean="0"/>
-              <a:t>Diplomatic </a:t>
-            </a:r>
-          </a:p>
-          <a:p>
-            <a:r>
-              <a:rPr lang="en-US" sz="1000" dirty="0" err="1" smtClean="0"/>
-              <a:t>intel</a:t>
+              <a:t>E-pharmacy</a:t>
             </a:r>
             <a:endParaRPr lang="en-US" sz="1000" dirty="0"/>
           </a:p>
@@ -6527,22 +6590,20 @@
       </p:sp>
       <p:cxnSp>
         <p:nvCxnSpPr>
-          <p:cNvPr id="119" name="Straight Arrow Connector 118"/>
+          <p:cNvPr id="14" name="Straight Arrow Connector 13"/>
           <p:cNvCxnSpPr/>
           <p:nvPr/>
         </p:nvCxnSpPr>
         <p:spPr>
           <a:xfrm flipV="1">
-            <a:off x="5787449" y="4171361"/>
-            <a:ext cx="0" cy="242369"/>
+            <a:off x="4907731" y="3388403"/>
+            <a:ext cx="0" cy="1541916"/>
           </a:xfrm>
           <a:prstGeom prst="straightConnector1">
             <a:avLst/>
           </a:prstGeom>
           <a:ln>
-            <a:solidFill>
-              <a:schemeClr val="accent3"/>
-            </a:solidFill>
+            <a:headEnd type="arrow"/>
             <a:tailEnd type="arrow"/>
           </a:ln>
         </p:spPr>
@@ -6563,14 +6624,14 @@
       </p:cxnSp>
       <p:sp>
         <p:nvSpPr>
-          <p:cNvPr id="123" name="TextBox 122"/>
+          <p:cNvPr id="62" name="TextBox 61"/>
           <p:cNvSpPr txBox="1"/>
           <p:nvPr/>
         </p:nvSpPr>
         <p:spPr>
           <a:xfrm>
-            <a:off x="6929723" y="5120772"/>
-            <a:ext cx="598316" cy="246221"/>
+            <a:off x="3614642" y="5385258"/>
+            <a:ext cx="1146468" cy="400110"/>
           </a:xfrm>
           <a:prstGeom prst="rect">
             <a:avLst/>
@@ -6584,38 +6645,18 @@
           <a:lstStyle/>
           <a:p>
             <a:r>
+              <a:rPr lang="en-US" sz="1000" dirty="0" err="1" smtClean="0"/>
+              <a:t>Usd+identity</a:t>
+            </a:r>
+            <a:r>
               <a:rPr lang="en-US" sz="1000" dirty="0" smtClean="0"/>
-              <a:t>echelon</a:t>
-            </a:r>
-            <a:endParaRPr lang="en-US" sz="1000" dirty="0"/>
-          </a:p>
-        </p:txBody>
-      </p:sp>
-      <p:sp>
-        <p:nvSpPr>
-          <p:cNvPr id="139" name="TextBox 138"/>
-          <p:cNvSpPr txBox="1"/>
-          <p:nvPr/>
-        </p:nvSpPr>
-        <p:spPr>
-          <a:xfrm>
-            <a:off x="3692000" y="5080037"/>
-            <a:ext cx="813043" cy="246221"/>
-          </a:xfrm>
-          <a:prstGeom prst="rect">
-            <a:avLst/>
-          </a:prstGeom>
-          <a:noFill/>
-        </p:spPr>
-        <p:txBody>
-          <a:bodyPr wrap="none" rtlCol="0">
-            <a:spAutoFit/>
-          </a:bodyPr>
-          <a:lstStyle/>
+              <a:t> info+</a:t>
+            </a:r>
+          </a:p>
           <a:p>
             <a:r>
               <a:rPr lang="en-US" sz="1000" dirty="0" smtClean="0"/>
-              <a:t>E-pharmacy</a:t>
+              <a:t>passwords</a:t>
             </a:r>
             <a:endParaRPr lang="en-US" sz="1000" dirty="0"/>
           </a:p>
@@ -6623,20 +6664,19 @@
       </p:sp>
       <p:cxnSp>
         <p:nvCxnSpPr>
-          <p:cNvPr id="14" name="Straight Arrow Connector 13"/>
+          <p:cNvPr id="63" name="Straight Arrow Connector 62"/>
           <p:cNvCxnSpPr/>
           <p:nvPr/>
         </p:nvCxnSpPr>
         <p:spPr>
-          <a:xfrm flipV="1">
-            <a:off x="4907731" y="3388403"/>
-            <a:ext cx="0" cy="1541916"/>
+          <a:xfrm flipH="1" flipV="1">
+            <a:off x="4066226" y="4746413"/>
+            <a:ext cx="2" cy="304617"/>
           </a:xfrm>
           <a:prstGeom prst="straightConnector1">
             <a:avLst/>
           </a:prstGeom>
           <a:ln>
-            <a:headEnd type="arrow"/>
             <a:tailEnd type="arrow"/>
           </a:ln>
         </p:spPr>
@@ -6657,14 +6697,14 @@
       </p:cxnSp>
       <p:sp>
         <p:nvSpPr>
-          <p:cNvPr id="62" name="TextBox 61"/>
+          <p:cNvPr id="66" name="TextBox 65"/>
           <p:cNvSpPr txBox="1"/>
           <p:nvPr/>
         </p:nvSpPr>
         <p:spPr>
           <a:xfrm>
-            <a:off x="3614642" y="5385258"/>
-            <a:ext cx="1146468" cy="400110"/>
+            <a:off x="3011322" y="4453517"/>
+            <a:ext cx="532568" cy="246221"/>
           </a:xfrm>
           <a:prstGeom prst="rect">
             <a:avLst/>
@@ -6678,81 +6718,8 @@
           <a:lstStyle/>
           <a:p>
             <a:r>
-              <a:rPr lang="en-US" sz="1000" dirty="0" err="1" smtClean="0"/>
-              <a:t>Usd+identity</a:t>
-            </a:r>
-            <a:r>
               <a:rPr lang="en-US" sz="1000" dirty="0" smtClean="0"/>
-              <a:t> info+</a:t>
-            </a:r>
-          </a:p>
-          <a:p>
-            <a:r>
-              <a:rPr lang="en-US" sz="1000" dirty="0" smtClean="0"/>
-              <a:t>passwords</a:t>
-            </a:r>
-            <a:endParaRPr lang="en-US" sz="1000" dirty="0"/>
-          </a:p>
-        </p:txBody>
-      </p:sp>
-      <p:cxnSp>
-        <p:nvCxnSpPr>
-          <p:cNvPr id="63" name="Straight Arrow Connector 62"/>
-          <p:cNvCxnSpPr/>
-          <p:nvPr/>
-        </p:nvCxnSpPr>
-        <p:spPr>
-          <a:xfrm flipH="1" flipV="1">
-            <a:off x="4066226" y="4746413"/>
-            <a:ext cx="2" cy="304617"/>
-          </a:xfrm>
-          <a:prstGeom prst="straightConnector1">
-            <a:avLst/>
-          </a:prstGeom>
-          <a:ln>
-            <a:tailEnd type="arrow"/>
-          </a:ln>
-        </p:spPr>
-        <p:style>
-          <a:lnRef idx="2">
-            <a:schemeClr val="accent1"/>
-          </a:lnRef>
-          <a:fillRef idx="0">
-            <a:schemeClr val="accent1"/>
-          </a:fillRef>
-          <a:effectRef idx="1">
-            <a:schemeClr val="accent1"/>
-          </a:effectRef>
-          <a:fontRef idx="minor">
-            <a:schemeClr val="tx1"/>
-          </a:fontRef>
-        </p:style>
-      </p:cxnSp>
-      <p:sp>
-        <p:nvSpPr>
-          <p:cNvPr id="66" name="TextBox 65"/>
-          <p:cNvSpPr txBox="1"/>
-          <p:nvPr/>
-        </p:nvSpPr>
-        <p:spPr>
-          <a:xfrm>
-            <a:off x="3011322" y="4453517"/>
-            <a:ext cx="714033" cy="246221"/>
-          </a:xfrm>
-          <a:prstGeom prst="rect">
-            <a:avLst/>
-          </a:prstGeom>
-          <a:noFill/>
-        </p:spPr>
-        <p:txBody>
-          <a:bodyPr wrap="none" rtlCol="0">
-            <a:spAutoFit/>
-          </a:bodyPr>
-          <a:lstStyle/>
-          <a:p>
-            <a:r>
-              <a:rPr lang="en-US" sz="1000" dirty="0" smtClean="0"/>
-              <a:t>scammers</a:t>
+              <a:t>coders</a:t>
             </a:r>
             <a:endParaRPr lang="en-US" sz="1000" dirty="0"/>
           </a:p>
@@ -8596,6 +8563,205 @@
           </a:p>
         </p:txBody>
       </p:sp>
+      <p:sp>
+        <p:nvSpPr>
+          <p:cNvPr id="104" name="TextBox 103"/>
+          <p:cNvSpPr txBox="1"/>
+          <p:nvPr/>
+        </p:nvSpPr>
+        <p:spPr>
+          <a:xfrm>
+            <a:off x="2641871" y="4051624"/>
+            <a:ext cx="636450" cy="246221"/>
+          </a:xfrm>
+          <a:prstGeom prst="rect">
+            <a:avLst/>
+          </a:prstGeom>
+          <a:noFill/>
+        </p:spPr>
+        <p:txBody>
+          <a:bodyPr wrap="none" rtlCol="0">
+            <a:spAutoFit/>
+          </a:bodyPr>
+          <a:lstStyle/>
+          <a:p>
+            <a:r>
+              <a:rPr lang="en-US" sz="1000" dirty="0" smtClean="0"/>
+              <a:t>passport</a:t>
+            </a:r>
+            <a:endParaRPr lang="en-US" sz="1000" dirty="0"/>
+          </a:p>
+        </p:txBody>
+      </p:sp>
+      <p:sp>
+        <p:nvSpPr>
+          <p:cNvPr id="112" name="TextBox 111"/>
+          <p:cNvSpPr txBox="1"/>
+          <p:nvPr/>
+        </p:nvSpPr>
+        <p:spPr>
+          <a:xfrm>
+            <a:off x="2465414" y="5232437"/>
+            <a:ext cx="836512" cy="246221"/>
+          </a:xfrm>
+          <a:prstGeom prst="rect">
+            <a:avLst/>
+          </a:prstGeom>
+          <a:noFill/>
+        </p:spPr>
+        <p:txBody>
+          <a:bodyPr wrap="none" rtlCol="0">
+            <a:spAutoFit/>
+          </a:bodyPr>
+          <a:lstStyle/>
+          <a:p>
+            <a:r>
+              <a:rPr lang="en-US" sz="1000" dirty="0" smtClean="0"/>
+              <a:t>E-Z-Passport</a:t>
+            </a:r>
+            <a:endParaRPr lang="en-US" sz="1000" dirty="0"/>
+          </a:p>
+        </p:txBody>
+      </p:sp>
+      <p:sp>
+        <p:nvSpPr>
+          <p:cNvPr id="124" name="TextBox 123"/>
+          <p:cNvSpPr txBox="1"/>
+          <p:nvPr/>
+        </p:nvSpPr>
+        <p:spPr>
+          <a:xfrm>
+            <a:off x="2388056" y="5537658"/>
+            <a:ext cx="1146468" cy="400110"/>
+          </a:xfrm>
+          <a:prstGeom prst="rect">
+            <a:avLst/>
+          </a:prstGeom>
+          <a:noFill/>
+        </p:spPr>
+        <p:txBody>
+          <a:bodyPr wrap="none" rtlCol="0">
+            <a:spAutoFit/>
+          </a:bodyPr>
+          <a:lstStyle/>
+          <a:p>
+            <a:r>
+              <a:rPr lang="en-US" sz="1000" dirty="0" err="1" smtClean="0"/>
+              <a:t>Usd+identity</a:t>
+            </a:r>
+            <a:r>
+              <a:rPr lang="en-US" sz="1000" dirty="0" smtClean="0"/>
+              <a:t> info+</a:t>
+            </a:r>
+          </a:p>
+          <a:p>
+            <a:r>
+              <a:rPr lang="en-US" sz="1000" dirty="0" smtClean="0"/>
+              <a:t>passwords</a:t>
+            </a:r>
+            <a:endParaRPr lang="en-US" sz="1000" dirty="0"/>
+          </a:p>
+        </p:txBody>
+      </p:sp>
+      <p:cxnSp>
+        <p:nvCxnSpPr>
+          <p:cNvPr id="125" name="Straight Arrow Connector 124"/>
+          <p:cNvCxnSpPr/>
+          <p:nvPr/>
+        </p:nvCxnSpPr>
+        <p:spPr>
+          <a:xfrm flipH="1" flipV="1">
+            <a:off x="2839640" y="4898813"/>
+            <a:ext cx="2" cy="304617"/>
+          </a:xfrm>
+          <a:prstGeom prst="straightConnector1">
+            <a:avLst/>
+          </a:prstGeom>
+          <a:ln>
+            <a:tailEnd type="arrow"/>
+          </a:ln>
+        </p:spPr>
+        <p:style>
+          <a:lnRef idx="2">
+            <a:schemeClr val="accent1"/>
+          </a:lnRef>
+          <a:fillRef idx="0">
+            <a:schemeClr val="accent1"/>
+          </a:fillRef>
+          <a:effectRef idx="1">
+            <a:schemeClr val="accent1"/>
+          </a:effectRef>
+          <a:fontRef idx="minor">
+            <a:schemeClr val="tx1"/>
+          </a:fontRef>
+        </p:style>
+      </p:cxnSp>
+      <p:sp>
+        <p:nvSpPr>
+          <p:cNvPr id="127" name="TextBox 126"/>
+          <p:cNvSpPr txBox="1"/>
+          <p:nvPr/>
+        </p:nvSpPr>
+        <p:spPr>
+          <a:xfrm>
+            <a:off x="2590701" y="4602355"/>
+            <a:ext cx="485292" cy="246221"/>
+          </a:xfrm>
+          <a:prstGeom prst="rect">
+            <a:avLst/>
+          </a:prstGeom>
+          <a:noFill/>
+        </p:spPr>
+        <p:txBody>
+          <a:bodyPr wrap="none" rtlCol="0">
+            <a:spAutoFit/>
+          </a:bodyPr>
+          <a:lstStyle/>
+          <a:p>
+            <a:r>
+              <a:rPr lang="en-US" sz="1000" dirty="0" smtClean="0"/>
+              <a:t>clerks</a:t>
+            </a:r>
+            <a:endParaRPr lang="en-US" sz="1000" dirty="0"/>
+          </a:p>
+        </p:txBody>
+      </p:sp>
+      <p:cxnSp>
+        <p:nvCxnSpPr>
+          <p:cNvPr id="128" name="Straight Arrow Connector 127"/>
+          <p:cNvCxnSpPr/>
+          <p:nvPr/>
+        </p:nvCxnSpPr>
+        <p:spPr>
+          <a:xfrm flipH="1" flipV="1">
+            <a:off x="2837116" y="4323761"/>
+            <a:ext cx="203" cy="314476"/>
+          </a:xfrm>
+          <a:prstGeom prst="straightConnector1">
+            <a:avLst/>
+          </a:prstGeom>
+          <a:ln>
+            <a:solidFill>
+              <a:schemeClr val="accent3"/>
+            </a:solidFill>
+            <a:tailEnd type="arrow"/>
+          </a:ln>
+        </p:spPr>
+        <p:style>
+          <a:lnRef idx="2">
+            <a:schemeClr val="accent1"/>
+          </a:lnRef>
+          <a:fillRef idx="0">
+            <a:schemeClr val="accent1"/>
+          </a:fillRef>
+          <a:effectRef idx="1">
+            <a:schemeClr val="accent1"/>
+          </a:effectRef>
+          <a:fontRef idx="minor">
+            <a:schemeClr val="tx1"/>
+          </a:fontRef>
+        </p:style>
+      </p:cxnSp>
     </p:spTree>
     <p:extLst>
       <p:ext uri="{BB962C8B-B14F-4D97-AF65-F5344CB8AC3E}">
@@ -12454,6 +12620,1989 @@
 </p:sld>
 </file>
 
+<file path=ppt/slides/slide8.xml><?xml version="1.0" encoding="utf-8"?>
+<p:sld xmlns:a="http://schemas.openxmlformats.org/drawingml/2006/main" xmlns:r="http://schemas.openxmlformats.org/officeDocument/2006/relationships" xmlns:p="http://schemas.openxmlformats.org/presentationml/2006/main">
+  <p:cSld>
+    <p:spTree>
+      <p:nvGrpSpPr>
+        <p:cNvPr id="1" name=""/>
+        <p:cNvGrpSpPr/>
+        <p:nvPr/>
+      </p:nvGrpSpPr>
+      <p:grpSpPr>
+        <a:xfrm>
+          <a:off x="0" y="0"/>
+          <a:ext cx="0" cy="0"/>
+          <a:chOff x="0" y="0"/>
+          <a:chExt cx="0" cy="0"/>
+        </a:xfrm>
+      </p:grpSpPr>
+      <p:sp>
+        <p:nvSpPr>
+          <p:cNvPr id="2" name="Title 1"/>
+          <p:cNvSpPr>
+            <a:spLocks noGrp="1"/>
+          </p:cNvSpPr>
+          <p:nvPr>
+            <p:ph type="title"/>
+          </p:nvPr>
+        </p:nvSpPr>
+        <p:spPr/>
+        <p:txBody>
+          <a:bodyPr/>
+          <a:lstStyle/>
+          <a:p>
+            <a:r>
+              <a:rPr lang="en-US" dirty="0" smtClean="0"/>
+              <a:t>Inventory</a:t>
+            </a:r>
+            <a:endParaRPr lang="en-US" dirty="0"/>
+          </a:p>
+        </p:txBody>
+      </p:sp>
+      <p:sp>
+        <p:nvSpPr>
+          <p:cNvPr id="4" name="Rectangle 3"/>
+          <p:cNvSpPr/>
+          <p:nvPr/>
+        </p:nvSpPr>
+        <p:spPr>
+          <a:xfrm>
+            <a:off x="193268" y="5452391"/>
+            <a:ext cx="1156943" cy="414172"/>
+          </a:xfrm>
+          <a:prstGeom prst="rect">
+            <a:avLst/>
+          </a:prstGeom>
+        </p:spPr>
+        <p:style>
+          <a:lnRef idx="2">
+            <a:schemeClr val="dk1"/>
+          </a:lnRef>
+          <a:fillRef idx="1">
+            <a:schemeClr val="lt1"/>
+          </a:fillRef>
+          <a:effectRef idx="0">
+            <a:schemeClr val="dk1"/>
+          </a:effectRef>
+          <a:fontRef idx="minor">
+            <a:schemeClr val="dk1"/>
+          </a:fontRef>
+        </p:style>
+        <p:txBody>
+          <a:bodyPr rtlCol="0" anchor="ctr"/>
+          <a:lstStyle/>
+          <a:p>
+            <a:pPr algn="ctr"/>
+            <a:r>
+              <a:rPr lang="en-US" dirty="0" err="1" smtClean="0"/>
+              <a:t>btc</a:t>
+            </a:r>
+            <a:endParaRPr lang="en-US" dirty="0"/>
+          </a:p>
+        </p:txBody>
+      </p:sp>
+      <p:sp>
+        <p:nvSpPr>
+          <p:cNvPr id="12" name="Rectangle 11"/>
+          <p:cNvSpPr/>
+          <p:nvPr/>
+        </p:nvSpPr>
+        <p:spPr>
+          <a:xfrm>
+            <a:off x="1502611" y="5452391"/>
+            <a:ext cx="1156943" cy="414172"/>
+          </a:xfrm>
+          <a:prstGeom prst="rect">
+            <a:avLst/>
+          </a:prstGeom>
+        </p:spPr>
+        <p:style>
+          <a:lnRef idx="2">
+            <a:schemeClr val="dk1"/>
+          </a:lnRef>
+          <a:fillRef idx="1">
+            <a:schemeClr val="lt1"/>
+          </a:fillRef>
+          <a:effectRef idx="0">
+            <a:schemeClr val="dk1"/>
+          </a:effectRef>
+          <a:fontRef idx="minor">
+            <a:schemeClr val="dk1"/>
+          </a:fontRef>
+        </p:style>
+        <p:txBody>
+          <a:bodyPr rtlCol="0" anchor="ctr"/>
+          <a:lstStyle/>
+          <a:p>
+            <a:pPr algn="ctr"/>
+            <a:r>
+              <a:rPr lang="en-US" dirty="0" smtClean="0"/>
+              <a:t>emails</a:t>
+            </a:r>
+            <a:endParaRPr lang="en-US" dirty="0"/>
+          </a:p>
+        </p:txBody>
+      </p:sp>
+      <p:sp>
+        <p:nvSpPr>
+          <p:cNvPr id="13" name="Rectangle 12"/>
+          <p:cNvSpPr/>
+          <p:nvPr/>
+        </p:nvSpPr>
+        <p:spPr>
+          <a:xfrm>
+            <a:off x="2792090" y="5452391"/>
+            <a:ext cx="1156943" cy="414172"/>
+          </a:xfrm>
+          <a:prstGeom prst="rect">
+            <a:avLst/>
+          </a:prstGeom>
+        </p:spPr>
+        <p:style>
+          <a:lnRef idx="2">
+            <a:schemeClr val="dk1"/>
+          </a:lnRef>
+          <a:fillRef idx="1">
+            <a:schemeClr val="lt1"/>
+          </a:fillRef>
+          <a:effectRef idx="0">
+            <a:schemeClr val="dk1"/>
+          </a:effectRef>
+          <a:fontRef idx="minor">
+            <a:schemeClr val="dk1"/>
+          </a:fontRef>
+        </p:style>
+        <p:txBody>
+          <a:bodyPr rtlCol="0" anchor="ctr"/>
+          <a:lstStyle/>
+          <a:p>
+            <a:pPr algn="ctr"/>
+            <a:r>
+              <a:rPr lang="en-US" dirty="0" smtClean="0"/>
+              <a:t>pills</a:t>
+            </a:r>
+            <a:endParaRPr lang="en-US" dirty="0"/>
+          </a:p>
+        </p:txBody>
+      </p:sp>
+      <p:sp>
+        <p:nvSpPr>
+          <p:cNvPr id="14" name="Rectangle 13"/>
+          <p:cNvSpPr/>
+          <p:nvPr/>
+        </p:nvSpPr>
+        <p:spPr>
+          <a:xfrm>
+            <a:off x="4101433" y="5452391"/>
+            <a:ext cx="1156943" cy="414172"/>
+          </a:xfrm>
+          <a:prstGeom prst="rect">
+            <a:avLst/>
+          </a:prstGeom>
+        </p:spPr>
+        <p:style>
+          <a:lnRef idx="2">
+            <a:schemeClr val="dk1"/>
+          </a:lnRef>
+          <a:fillRef idx="1">
+            <a:schemeClr val="lt1"/>
+          </a:fillRef>
+          <a:effectRef idx="0">
+            <a:schemeClr val="dk1"/>
+          </a:effectRef>
+          <a:fontRef idx="minor">
+            <a:schemeClr val="dk1"/>
+          </a:fontRef>
+        </p:style>
+        <p:txBody>
+          <a:bodyPr rtlCol="0" anchor="ctr"/>
+          <a:lstStyle/>
+          <a:p>
+            <a:pPr algn="ctr"/>
+            <a:r>
+              <a:rPr lang="en-US" dirty="0" smtClean="0"/>
+              <a:t>dictionary</a:t>
+            </a:r>
+            <a:endParaRPr lang="en-US" dirty="0"/>
+          </a:p>
+        </p:txBody>
+      </p:sp>
+      <p:sp>
+        <p:nvSpPr>
+          <p:cNvPr id="15" name="Rectangle 14"/>
+          <p:cNvSpPr/>
+          <p:nvPr/>
+        </p:nvSpPr>
+        <p:spPr>
+          <a:xfrm>
+            <a:off x="5410776" y="5452391"/>
+            <a:ext cx="1156943" cy="414172"/>
+          </a:xfrm>
+          <a:prstGeom prst="rect">
+            <a:avLst/>
+          </a:prstGeom>
+        </p:spPr>
+        <p:style>
+          <a:lnRef idx="2">
+            <a:schemeClr val="dk1"/>
+          </a:lnRef>
+          <a:fillRef idx="1">
+            <a:schemeClr val="lt1"/>
+          </a:fillRef>
+          <a:effectRef idx="0">
+            <a:schemeClr val="dk1"/>
+          </a:effectRef>
+          <a:fontRef idx="minor">
+            <a:schemeClr val="dk1"/>
+          </a:fontRef>
+        </p:style>
+        <p:txBody>
+          <a:bodyPr rtlCol="0" anchor="ctr"/>
+          <a:lstStyle/>
+          <a:p>
+            <a:pPr algn="ctr"/>
+            <a:r>
+              <a:rPr lang="en-US" dirty="0" smtClean="0"/>
+              <a:t>sniffer</a:t>
+            </a:r>
+            <a:endParaRPr lang="en-US" dirty="0"/>
+          </a:p>
+        </p:txBody>
+      </p:sp>
+      <p:sp>
+        <p:nvSpPr>
+          <p:cNvPr id="16" name="Rectangle 15"/>
+          <p:cNvSpPr/>
+          <p:nvPr/>
+        </p:nvSpPr>
+        <p:spPr>
+          <a:xfrm>
+            <a:off x="6700255" y="5452391"/>
+            <a:ext cx="1156943" cy="414172"/>
+          </a:xfrm>
+          <a:prstGeom prst="rect">
+            <a:avLst/>
+          </a:prstGeom>
+        </p:spPr>
+        <p:style>
+          <a:lnRef idx="2">
+            <a:schemeClr val="dk1"/>
+          </a:lnRef>
+          <a:fillRef idx="1">
+            <a:schemeClr val="lt1"/>
+          </a:fillRef>
+          <a:effectRef idx="0">
+            <a:schemeClr val="dk1"/>
+          </a:effectRef>
+          <a:fontRef idx="minor">
+            <a:schemeClr val="dk1"/>
+          </a:fontRef>
+        </p:style>
+        <p:txBody>
+          <a:bodyPr rtlCol="0" anchor="ctr"/>
+          <a:lstStyle/>
+          <a:p>
+            <a:pPr algn="ctr"/>
+            <a:r>
+              <a:rPr lang="en-US" dirty="0" err="1" smtClean="0"/>
+              <a:t>trojan</a:t>
+            </a:r>
+            <a:endParaRPr lang="en-US" dirty="0"/>
+          </a:p>
+        </p:txBody>
+      </p:sp>
+      <p:sp>
+        <p:nvSpPr>
+          <p:cNvPr id="17" name="Rectangle 16"/>
+          <p:cNvSpPr/>
+          <p:nvPr/>
+        </p:nvSpPr>
+        <p:spPr>
+          <a:xfrm>
+            <a:off x="193268" y="4864181"/>
+            <a:ext cx="1156943" cy="414172"/>
+          </a:xfrm>
+          <a:prstGeom prst="rect">
+            <a:avLst/>
+          </a:prstGeom>
+        </p:spPr>
+        <p:style>
+          <a:lnRef idx="2">
+            <a:schemeClr val="dk1"/>
+          </a:lnRef>
+          <a:fillRef idx="1">
+            <a:schemeClr val="lt1"/>
+          </a:fillRef>
+          <a:effectRef idx="0">
+            <a:schemeClr val="dk1"/>
+          </a:effectRef>
+          <a:fontRef idx="minor">
+            <a:schemeClr val="dk1"/>
+          </a:fontRef>
+        </p:style>
+        <p:txBody>
+          <a:bodyPr rtlCol="0" anchor="ctr"/>
+          <a:lstStyle/>
+          <a:p>
+            <a:pPr algn="ctr"/>
+            <a:r>
+              <a:rPr lang="en-US" dirty="0" err="1" smtClean="0"/>
+              <a:t>usd</a:t>
+            </a:r>
+            <a:endParaRPr lang="en-US" dirty="0"/>
+          </a:p>
+        </p:txBody>
+      </p:sp>
+      <p:sp>
+        <p:nvSpPr>
+          <p:cNvPr id="18" name="Rectangle 17"/>
+          <p:cNvSpPr/>
+          <p:nvPr/>
+        </p:nvSpPr>
+        <p:spPr>
+          <a:xfrm>
+            <a:off x="1502611" y="4864181"/>
+            <a:ext cx="1156943" cy="414172"/>
+          </a:xfrm>
+          <a:prstGeom prst="rect">
+            <a:avLst/>
+          </a:prstGeom>
+        </p:spPr>
+        <p:style>
+          <a:lnRef idx="2">
+            <a:schemeClr val="dk1"/>
+          </a:lnRef>
+          <a:fillRef idx="1">
+            <a:schemeClr val="lt1"/>
+          </a:fillRef>
+          <a:effectRef idx="0">
+            <a:schemeClr val="dk1"/>
+          </a:effectRef>
+          <a:fontRef idx="minor">
+            <a:schemeClr val="dk1"/>
+          </a:fontRef>
+        </p:style>
+        <p:txBody>
+          <a:bodyPr rtlCol="0" anchor="ctr"/>
+          <a:lstStyle/>
+          <a:p>
+            <a:pPr algn="ctr"/>
+            <a:r>
+              <a:rPr lang="en-US" dirty="0" smtClean="0"/>
+              <a:t>password</a:t>
+            </a:r>
+            <a:endParaRPr lang="en-US" dirty="0"/>
+          </a:p>
+        </p:txBody>
+      </p:sp>
+      <p:sp>
+        <p:nvSpPr>
+          <p:cNvPr id="19" name="Rectangle 18"/>
+          <p:cNvSpPr/>
+          <p:nvPr/>
+        </p:nvSpPr>
+        <p:spPr>
+          <a:xfrm>
+            <a:off x="2792090" y="4864181"/>
+            <a:ext cx="1156943" cy="414172"/>
+          </a:xfrm>
+          <a:prstGeom prst="rect">
+            <a:avLst/>
+          </a:prstGeom>
+        </p:spPr>
+        <p:style>
+          <a:lnRef idx="2">
+            <a:schemeClr val="dk1"/>
+          </a:lnRef>
+          <a:fillRef idx="1">
+            <a:schemeClr val="lt1"/>
+          </a:fillRef>
+          <a:effectRef idx="0">
+            <a:schemeClr val="dk1"/>
+          </a:effectRef>
+          <a:fontRef idx="minor">
+            <a:schemeClr val="dk1"/>
+          </a:fontRef>
+        </p:style>
+        <p:txBody>
+          <a:bodyPr rtlCol="0" anchor="ctr"/>
+          <a:lstStyle/>
+          <a:p>
+            <a:pPr algn="ctr"/>
+            <a:r>
+              <a:rPr lang="en-US" dirty="0" smtClean="0"/>
+              <a:t>passports</a:t>
+            </a:r>
+            <a:endParaRPr lang="en-US" dirty="0"/>
+          </a:p>
+        </p:txBody>
+      </p:sp>
+      <p:sp>
+        <p:nvSpPr>
+          <p:cNvPr id="20" name="Rectangle 19"/>
+          <p:cNvSpPr/>
+          <p:nvPr/>
+        </p:nvSpPr>
+        <p:spPr>
+          <a:xfrm>
+            <a:off x="4101433" y="4864181"/>
+            <a:ext cx="1156943" cy="414172"/>
+          </a:xfrm>
+          <a:prstGeom prst="rect">
+            <a:avLst/>
+          </a:prstGeom>
+        </p:spPr>
+        <p:style>
+          <a:lnRef idx="2">
+            <a:schemeClr val="dk1"/>
+          </a:lnRef>
+          <a:fillRef idx="1">
+            <a:schemeClr val="lt1"/>
+          </a:fillRef>
+          <a:effectRef idx="0">
+            <a:schemeClr val="dk1"/>
+          </a:effectRef>
+          <a:fontRef idx="minor">
+            <a:schemeClr val="dk1"/>
+          </a:fontRef>
+        </p:style>
+        <p:txBody>
+          <a:bodyPr rtlCol="0" anchor="ctr"/>
+          <a:lstStyle/>
+          <a:p>
+            <a:pPr algn="ctr"/>
+            <a:r>
+              <a:rPr lang="en-US" dirty="0" smtClean="0"/>
+              <a:t>bots</a:t>
+            </a:r>
+            <a:endParaRPr lang="en-US" dirty="0"/>
+          </a:p>
+        </p:txBody>
+      </p:sp>
+      <p:sp>
+        <p:nvSpPr>
+          <p:cNvPr id="21" name="Rectangle 20"/>
+          <p:cNvSpPr/>
+          <p:nvPr/>
+        </p:nvSpPr>
+        <p:spPr>
+          <a:xfrm>
+            <a:off x="5410776" y="4864181"/>
+            <a:ext cx="1156943" cy="414172"/>
+          </a:xfrm>
+          <a:prstGeom prst="rect">
+            <a:avLst/>
+          </a:prstGeom>
+        </p:spPr>
+        <p:style>
+          <a:lnRef idx="2">
+            <a:schemeClr val="dk1"/>
+          </a:lnRef>
+          <a:fillRef idx="1">
+            <a:schemeClr val="lt1"/>
+          </a:fillRef>
+          <a:effectRef idx="0">
+            <a:schemeClr val="dk1"/>
+          </a:effectRef>
+          <a:fontRef idx="minor">
+            <a:schemeClr val="dk1"/>
+          </a:fontRef>
+        </p:style>
+        <p:txBody>
+          <a:bodyPr rtlCol="0" anchor="ctr"/>
+          <a:lstStyle/>
+          <a:p>
+            <a:pPr algn="ctr"/>
+            <a:r>
+              <a:rPr lang="en-US" dirty="0" smtClean="0"/>
+              <a:t>ripper</a:t>
+            </a:r>
+            <a:endParaRPr lang="en-US" dirty="0"/>
+          </a:p>
+        </p:txBody>
+      </p:sp>
+      <p:sp>
+        <p:nvSpPr>
+          <p:cNvPr id="22" name="Rectangle 21"/>
+          <p:cNvSpPr/>
+          <p:nvPr/>
+        </p:nvSpPr>
+        <p:spPr>
+          <a:xfrm>
+            <a:off x="6700255" y="4864181"/>
+            <a:ext cx="1156943" cy="414172"/>
+          </a:xfrm>
+          <a:prstGeom prst="rect">
+            <a:avLst/>
+          </a:prstGeom>
+        </p:spPr>
+        <p:style>
+          <a:lnRef idx="2">
+            <a:schemeClr val="dk1"/>
+          </a:lnRef>
+          <a:fillRef idx="1">
+            <a:schemeClr val="lt1"/>
+          </a:fillRef>
+          <a:effectRef idx="0">
+            <a:schemeClr val="dk1"/>
+          </a:effectRef>
+          <a:fontRef idx="minor">
+            <a:schemeClr val="dk1"/>
+          </a:fontRef>
+        </p:style>
+        <p:txBody>
+          <a:bodyPr rtlCol="0" anchor="ctr"/>
+          <a:lstStyle/>
+          <a:p>
+            <a:pPr algn="ctr"/>
+            <a:r>
+              <a:rPr lang="en-US" dirty="0" smtClean="0"/>
+              <a:t>virus</a:t>
+            </a:r>
+            <a:endParaRPr lang="en-US" dirty="0"/>
+          </a:p>
+        </p:txBody>
+      </p:sp>
+      <p:sp>
+        <p:nvSpPr>
+          <p:cNvPr id="23" name="Rectangle 22"/>
+          <p:cNvSpPr/>
+          <p:nvPr/>
+        </p:nvSpPr>
+        <p:spPr>
+          <a:xfrm>
+            <a:off x="193268" y="4262603"/>
+            <a:ext cx="1156943" cy="414172"/>
+          </a:xfrm>
+          <a:prstGeom prst="rect">
+            <a:avLst/>
+          </a:prstGeom>
+        </p:spPr>
+        <p:style>
+          <a:lnRef idx="2">
+            <a:schemeClr val="dk1"/>
+          </a:lnRef>
+          <a:fillRef idx="1">
+            <a:schemeClr val="lt1"/>
+          </a:fillRef>
+          <a:effectRef idx="0">
+            <a:schemeClr val="dk1"/>
+          </a:effectRef>
+          <a:fontRef idx="minor">
+            <a:schemeClr val="dk1"/>
+          </a:fontRef>
+        </p:style>
+        <p:txBody>
+          <a:bodyPr rtlCol="0" anchor="ctr"/>
+          <a:lstStyle/>
+          <a:p>
+            <a:pPr algn="ctr"/>
+            <a:endParaRPr lang="en-US" dirty="0"/>
+          </a:p>
+        </p:txBody>
+      </p:sp>
+      <p:sp>
+        <p:nvSpPr>
+          <p:cNvPr id="24" name="Rectangle 23"/>
+          <p:cNvSpPr/>
+          <p:nvPr/>
+        </p:nvSpPr>
+        <p:spPr>
+          <a:xfrm>
+            <a:off x="1502611" y="4262603"/>
+            <a:ext cx="1156943" cy="414172"/>
+          </a:xfrm>
+          <a:prstGeom prst="rect">
+            <a:avLst/>
+          </a:prstGeom>
+        </p:spPr>
+        <p:style>
+          <a:lnRef idx="2">
+            <a:schemeClr val="dk1"/>
+          </a:lnRef>
+          <a:fillRef idx="1">
+            <a:schemeClr val="lt1"/>
+          </a:fillRef>
+          <a:effectRef idx="0">
+            <a:schemeClr val="dk1"/>
+          </a:effectRef>
+          <a:fontRef idx="minor">
+            <a:schemeClr val="dk1"/>
+          </a:fontRef>
+        </p:style>
+        <p:txBody>
+          <a:bodyPr rtlCol="0" anchor="ctr"/>
+          <a:lstStyle/>
+          <a:p>
+            <a:pPr algn="ctr"/>
+            <a:r>
+              <a:rPr lang="en-US" dirty="0" smtClean="0"/>
+              <a:t>Trade sec</a:t>
+            </a:r>
+            <a:endParaRPr lang="en-US" dirty="0"/>
+          </a:p>
+        </p:txBody>
+      </p:sp>
+      <p:sp>
+        <p:nvSpPr>
+          <p:cNvPr id="25" name="Rectangle 24"/>
+          <p:cNvSpPr/>
+          <p:nvPr/>
+        </p:nvSpPr>
+        <p:spPr>
+          <a:xfrm>
+            <a:off x="2792090" y="4262603"/>
+            <a:ext cx="1156943" cy="414172"/>
+          </a:xfrm>
+          <a:prstGeom prst="rect">
+            <a:avLst/>
+          </a:prstGeom>
+        </p:spPr>
+        <p:style>
+          <a:lnRef idx="2">
+            <a:schemeClr val="dk1"/>
+          </a:lnRef>
+          <a:fillRef idx="1">
+            <a:schemeClr val="lt1"/>
+          </a:fillRef>
+          <a:effectRef idx="0">
+            <a:schemeClr val="dk1"/>
+          </a:effectRef>
+          <a:fontRef idx="minor">
+            <a:schemeClr val="dk1"/>
+          </a:fontRef>
+        </p:style>
+        <p:txBody>
+          <a:bodyPr rtlCol="0" anchor="ctr"/>
+          <a:lstStyle/>
+          <a:p>
+            <a:pPr algn="ctr"/>
+            <a:endParaRPr lang="en-US" dirty="0"/>
+          </a:p>
+        </p:txBody>
+      </p:sp>
+      <p:sp>
+        <p:nvSpPr>
+          <p:cNvPr id="26" name="Rectangle 25"/>
+          <p:cNvSpPr/>
+          <p:nvPr/>
+        </p:nvSpPr>
+        <p:spPr>
+          <a:xfrm>
+            <a:off x="4101433" y="4262603"/>
+            <a:ext cx="1156943" cy="414172"/>
+          </a:xfrm>
+          <a:prstGeom prst="rect">
+            <a:avLst/>
+          </a:prstGeom>
+        </p:spPr>
+        <p:style>
+          <a:lnRef idx="2">
+            <a:schemeClr val="dk1"/>
+          </a:lnRef>
+          <a:fillRef idx="1">
+            <a:schemeClr val="lt1"/>
+          </a:fillRef>
+          <a:effectRef idx="0">
+            <a:schemeClr val="dk1"/>
+          </a:effectRef>
+          <a:fontRef idx="minor">
+            <a:schemeClr val="dk1"/>
+          </a:fontRef>
+        </p:style>
+        <p:txBody>
+          <a:bodyPr rtlCol="0" anchor="ctr"/>
+          <a:lstStyle/>
+          <a:p>
+            <a:pPr algn="ctr"/>
+            <a:endParaRPr lang="en-US" dirty="0"/>
+          </a:p>
+        </p:txBody>
+      </p:sp>
+      <p:sp>
+        <p:nvSpPr>
+          <p:cNvPr id="27" name="Rectangle 26"/>
+          <p:cNvSpPr/>
+          <p:nvPr/>
+        </p:nvSpPr>
+        <p:spPr>
+          <a:xfrm>
+            <a:off x="5410776" y="4262603"/>
+            <a:ext cx="1156943" cy="414172"/>
+          </a:xfrm>
+          <a:prstGeom prst="rect">
+            <a:avLst/>
+          </a:prstGeom>
+        </p:spPr>
+        <p:style>
+          <a:lnRef idx="2">
+            <a:schemeClr val="dk1"/>
+          </a:lnRef>
+          <a:fillRef idx="1">
+            <a:schemeClr val="lt1"/>
+          </a:fillRef>
+          <a:effectRef idx="0">
+            <a:schemeClr val="dk1"/>
+          </a:effectRef>
+          <a:fontRef idx="minor">
+            <a:schemeClr val="dk1"/>
+          </a:fontRef>
+        </p:style>
+        <p:txBody>
+          <a:bodyPr rtlCol="0" anchor="ctr"/>
+          <a:lstStyle/>
+          <a:p>
+            <a:pPr algn="ctr"/>
+            <a:r>
+              <a:rPr lang="en-US" dirty="0" smtClean="0"/>
+              <a:t>Deep </a:t>
+            </a:r>
+            <a:r>
+              <a:rPr lang="en-US" dirty="0" err="1" smtClean="0"/>
+              <a:t>Ckd</a:t>
+            </a:r>
+            <a:endParaRPr lang="en-US" dirty="0"/>
+          </a:p>
+        </p:txBody>
+      </p:sp>
+      <p:sp>
+        <p:nvSpPr>
+          <p:cNvPr id="28" name="Rectangle 27"/>
+          <p:cNvSpPr/>
+          <p:nvPr/>
+        </p:nvSpPr>
+        <p:spPr>
+          <a:xfrm>
+            <a:off x="6700255" y="4262603"/>
+            <a:ext cx="1156943" cy="414172"/>
+          </a:xfrm>
+          <a:prstGeom prst="rect">
+            <a:avLst/>
+          </a:prstGeom>
+        </p:spPr>
+        <p:style>
+          <a:lnRef idx="2">
+            <a:schemeClr val="dk1"/>
+          </a:lnRef>
+          <a:fillRef idx="1">
+            <a:schemeClr val="lt1"/>
+          </a:fillRef>
+          <a:effectRef idx="0">
+            <a:schemeClr val="dk1"/>
+          </a:effectRef>
+          <a:fontRef idx="minor">
+            <a:schemeClr val="dk1"/>
+          </a:fontRef>
+        </p:style>
+        <p:txBody>
+          <a:bodyPr rtlCol="0" anchor="ctr"/>
+          <a:lstStyle/>
+          <a:p>
+            <a:pPr algn="ctr"/>
+            <a:r>
+              <a:rPr lang="en-US" dirty="0" smtClean="0"/>
+              <a:t>rootkit</a:t>
+            </a:r>
+            <a:endParaRPr lang="en-US" dirty="0"/>
+          </a:p>
+        </p:txBody>
+      </p:sp>
+      <p:sp>
+        <p:nvSpPr>
+          <p:cNvPr id="29" name="Rectangle 28"/>
+          <p:cNvSpPr/>
+          <p:nvPr/>
+        </p:nvSpPr>
+        <p:spPr>
+          <a:xfrm>
+            <a:off x="193268" y="3714497"/>
+            <a:ext cx="1156943" cy="414172"/>
+          </a:xfrm>
+          <a:prstGeom prst="rect">
+            <a:avLst/>
+          </a:prstGeom>
+        </p:spPr>
+        <p:style>
+          <a:lnRef idx="2">
+            <a:schemeClr val="dk1"/>
+          </a:lnRef>
+          <a:fillRef idx="1">
+            <a:schemeClr val="lt1"/>
+          </a:fillRef>
+          <a:effectRef idx="0">
+            <a:schemeClr val="dk1"/>
+          </a:effectRef>
+          <a:fontRef idx="minor">
+            <a:schemeClr val="dk1"/>
+          </a:fontRef>
+        </p:style>
+        <p:txBody>
+          <a:bodyPr rtlCol="0" anchor="ctr"/>
+          <a:lstStyle/>
+          <a:p>
+            <a:pPr algn="ctr"/>
+            <a:r>
+              <a:rPr lang="en-US" dirty="0" smtClean="0"/>
+              <a:t>workers</a:t>
+            </a:r>
+            <a:endParaRPr lang="en-US" dirty="0"/>
+          </a:p>
+        </p:txBody>
+      </p:sp>
+      <p:sp>
+        <p:nvSpPr>
+          <p:cNvPr id="30" name="Rectangle 29"/>
+          <p:cNvSpPr/>
+          <p:nvPr/>
+        </p:nvSpPr>
+        <p:spPr>
+          <a:xfrm>
+            <a:off x="1502611" y="3714497"/>
+            <a:ext cx="1156943" cy="414172"/>
+          </a:xfrm>
+          <a:prstGeom prst="rect">
+            <a:avLst/>
+          </a:prstGeom>
+        </p:spPr>
+        <p:style>
+          <a:lnRef idx="2">
+            <a:schemeClr val="dk1"/>
+          </a:lnRef>
+          <a:fillRef idx="1">
+            <a:schemeClr val="lt1"/>
+          </a:fillRef>
+          <a:effectRef idx="0">
+            <a:schemeClr val="dk1"/>
+          </a:effectRef>
+          <a:fontRef idx="minor">
+            <a:schemeClr val="dk1"/>
+          </a:fontRef>
+        </p:style>
+        <p:txBody>
+          <a:bodyPr rtlCol="0" anchor="ctr"/>
+          <a:lstStyle/>
+          <a:p>
+            <a:pPr algn="ctr"/>
+            <a:r>
+              <a:rPr lang="en-US" dirty="0" smtClean="0"/>
+              <a:t>For </a:t>
+            </a:r>
+            <a:r>
+              <a:rPr lang="en-US" dirty="0" err="1" smtClean="0"/>
+              <a:t>intel</a:t>
+            </a:r>
+            <a:endParaRPr lang="en-US" dirty="0"/>
+          </a:p>
+        </p:txBody>
+      </p:sp>
+      <p:sp>
+        <p:nvSpPr>
+          <p:cNvPr id="31" name="Rectangle 30"/>
+          <p:cNvSpPr/>
+          <p:nvPr/>
+        </p:nvSpPr>
+        <p:spPr>
+          <a:xfrm>
+            <a:off x="2792090" y="3714497"/>
+            <a:ext cx="1156943" cy="414172"/>
+          </a:xfrm>
+          <a:prstGeom prst="rect">
+            <a:avLst/>
+          </a:prstGeom>
+        </p:spPr>
+        <p:style>
+          <a:lnRef idx="2">
+            <a:schemeClr val="dk1"/>
+          </a:lnRef>
+          <a:fillRef idx="1">
+            <a:schemeClr val="lt1"/>
+          </a:fillRef>
+          <a:effectRef idx="0">
+            <a:schemeClr val="dk1"/>
+          </a:effectRef>
+          <a:fontRef idx="minor">
+            <a:schemeClr val="dk1"/>
+          </a:fontRef>
+        </p:style>
+        <p:txBody>
+          <a:bodyPr rtlCol="0" anchor="ctr"/>
+          <a:lstStyle/>
+          <a:p>
+            <a:pPr algn="ctr"/>
+            <a:r>
+              <a:rPr lang="en-US" dirty="0" smtClean="0"/>
+              <a:t>exploits</a:t>
+            </a:r>
+            <a:endParaRPr lang="en-US" dirty="0"/>
+          </a:p>
+        </p:txBody>
+      </p:sp>
+      <p:sp>
+        <p:nvSpPr>
+          <p:cNvPr id="32" name="Rectangle 31"/>
+          <p:cNvSpPr/>
+          <p:nvPr/>
+        </p:nvSpPr>
+        <p:spPr>
+          <a:xfrm>
+            <a:off x="4101433" y="3714497"/>
+            <a:ext cx="1156943" cy="414172"/>
+          </a:xfrm>
+          <a:prstGeom prst="rect">
+            <a:avLst/>
+          </a:prstGeom>
+        </p:spPr>
+        <p:style>
+          <a:lnRef idx="2">
+            <a:schemeClr val="dk1"/>
+          </a:lnRef>
+          <a:fillRef idx="1">
+            <a:schemeClr val="lt1"/>
+          </a:fillRef>
+          <a:effectRef idx="0">
+            <a:schemeClr val="dk1"/>
+          </a:effectRef>
+          <a:fontRef idx="minor">
+            <a:schemeClr val="dk1"/>
+          </a:fontRef>
+        </p:style>
+        <p:txBody>
+          <a:bodyPr rtlCol="0" anchor="ctr"/>
+          <a:lstStyle/>
+          <a:p>
+            <a:pPr algn="ctr"/>
+            <a:endParaRPr lang="en-US" dirty="0"/>
+          </a:p>
+        </p:txBody>
+      </p:sp>
+      <p:sp>
+        <p:nvSpPr>
+          <p:cNvPr id="33" name="Rectangle 32"/>
+          <p:cNvSpPr/>
+          <p:nvPr/>
+        </p:nvSpPr>
+        <p:spPr>
+          <a:xfrm>
+            <a:off x="5410776" y="3714497"/>
+            <a:ext cx="1156943" cy="414172"/>
+          </a:xfrm>
+          <a:prstGeom prst="rect">
+            <a:avLst/>
+          </a:prstGeom>
+        </p:spPr>
+        <p:style>
+          <a:lnRef idx="2">
+            <a:schemeClr val="dk1"/>
+          </a:lnRef>
+          <a:fillRef idx="1">
+            <a:schemeClr val="lt1"/>
+          </a:fillRef>
+          <a:effectRef idx="0">
+            <a:schemeClr val="dk1"/>
+          </a:effectRef>
+          <a:fontRef idx="minor">
+            <a:schemeClr val="dk1"/>
+          </a:fontRef>
+        </p:style>
+        <p:txBody>
+          <a:bodyPr rtlCol="0" anchor="ctr"/>
+          <a:lstStyle/>
+          <a:p>
+            <a:pPr algn="ctr"/>
+            <a:r>
+              <a:rPr lang="en-US" dirty="0" smtClean="0"/>
+              <a:t>Quark II</a:t>
+            </a:r>
+            <a:endParaRPr lang="en-US" dirty="0"/>
+          </a:p>
+        </p:txBody>
+      </p:sp>
+      <p:sp>
+        <p:nvSpPr>
+          <p:cNvPr id="34" name="Rectangle 33"/>
+          <p:cNvSpPr/>
+          <p:nvPr/>
+        </p:nvSpPr>
+        <p:spPr>
+          <a:xfrm>
+            <a:off x="6700255" y="3714497"/>
+            <a:ext cx="1156943" cy="414172"/>
+          </a:xfrm>
+          <a:prstGeom prst="rect">
+            <a:avLst/>
+          </a:prstGeom>
+        </p:spPr>
+        <p:style>
+          <a:lnRef idx="2">
+            <a:schemeClr val="dk1"/>
+          </a:lnRef>
+          <a:fillRef idx="1">
+            <a:schemeClr val="lt1"/>
+          </a:fillRef>
+          <a:effectRef idx="0">
+            <a:schemeClr val="dk1"/>
+          </a:effectRef>
+          <a:fontRef idx="minor">
+            <a:schemeClr val="dk1"/>
+          </a:fontRef>
+        </p:style>
+        <p:txBody>
+          <a:bodyPr rtlCol="0" anchor="ctr"/>
+          <a:lstStyle/>
+          <a:p>
+            <a:pPr algn="ctr"/>
+            <a:r>
+              <a:rPr lang="en-US" dirty="0" smtClean="0"/>
+              <a:t>worm</a:t>
+            </a:r>
+            <a:endParaRPr lang="en-US" dirty="0"/>
+          </a:p>
+        </p:txBody>
+      </p:sp>
+      <p:sp>
+        <p:nvSpPr>
+          <p:cNvPr id="35" name="Rectangle 34"/>
+          <p:cNvSpPr/>
+          <p:nvPr/>
+        </p:nvSpPr>
+        <p:spPr>
+          <a:xfrm>
+            <a:off x="193268" y="3153023"/>
+            <a:ext cx="1156943" cy="414172"/>
+          </a:xfrm>
+          <a:prstGeom prst="rect">
+            <a:avLst/>
+          </a:prstGeom>
+        </p:spPr>
+        <p:style>
+          <a:lnRef idx="2">
+            <a:schemeClr val="dk1"/>
+          </a:lnRef>
+          <a:fillRef idx="1">
+            <a:schemeClr val="lt1"/>
+          </a:fillRef>
+          <a:effectRef idx="0">
+            <a:schemeClr val="dk1"/>
+          </a:effectRef>
+          <a:fontRef idx="minor">
+            <a:schemeClr val="dk1"/>
+          </a:fontRef>
+        </p:style>
+        <p:txBody>
+          <a:bodyPr rtlCol="0" anchor="ctr"/>
+          <a:lstStyle/>
+          <a:p>
+            <a:pPr algn="ctr"/>
+            <a:r>
+              <a:rPr lang="en-US" dirty="0" smtClean="0"/>
+              <a:t>ads</a:t>
+            </a:r>
+            <a:endParaRPr lang="en-US" dirty="0"/>
+          </a:p>
+        </p:txBody>
+      </p:sp>
+      <p:sp>
+        <p:nvSpPr>
+          <p:cNvPr id="36" name="Rectangle 35"/>
+          <p:cNvSpPr/>
+          <p:nvPr/>
+        </p:nvSpPr>
+        <p:spPr>
+          <a:xfrm>
+            <a:off x="1502611" y="3153023"/>
+            <a:ext cx="1156943" cy="414172"/>
+          </a:xfrm>
+          <a:prstGeom prst="rect">
+            <a:avLst/>
+          </a:prstGeom>
+        </p:spPr>
+        <p:style>
+          <a:lnRef idx="2">
+            <a:schemeClr val="dk1"/>
+          </a:lnRef>
+          <a:fillRef idx="1">
+            <a:schemeClr val="lt1"/>
+          </a:fillRef>
+          <a:effectRef idx="0">
+            <a:schemeClr val="dk1"/>
+          </a:effectRef>
+          <a:fontRef idx="minor">
+            <a:schemeClr val="dk1"/>
+          </a:fontRef>
+        </p:style>
+        <p:txBody>
+          <a:bodyPr rtlCol="0" anchor="ctr"/>
+          <a:lstStyle/>
+          <a:p>
+            <a:pPr algn="ctr"/>
+            <a:endParaRPr lang="en-US"/>
+          </a:p>
+        </p:txBody>
+      </p:sp>
+      <p:sp>
+        <p:nvSpPr>
+          <p:cNvPr id="37" name="Rectangle 36"/>
+          <p:cNvSpPr/>
+          <p:nvPr/>
+        </p:nvSpPr>
+        <p:spPr>
+          <a:xfrm>
+            <a:off x="2792090" y="3153023"/>
+            <a:ext cx="1156943" cy="414172"/>
+          </a:xfrm>
+          <a:prstGeom prst="rect">
+            <a:avLst/>
+          </a:prstGeom>
+        </p:spPr>
+        <p:style>
+          <a:lnRef idx="2">
+            <a:schemeClr val="dk1"/>
+          </a:lnRef>
+          <a:fillRef idx="1">
+            <a:schemeClr val="lt1"/>
+          </a:fillRef>
+          <a:effectRef idx="0">
+            <a:schemeClr val="dk1"/>
+          </a:effectRef>
+          <a:fontRef idx="minor">
+            <a:schemeClr val="dk1"/>
+          </a:fontRef>
+        </p:style>
+        <p:txBody>
+          <a:bodyPr rtlCol="0" anchor="ctr"/>
+          <a:lstStyle/>
+          <a:p>
+            <a:pPr algn="ctr"/>
+            <a:r>
+              <a:rPr lang="en-US" dirty="0" smtClean="0"/>
+              <a:t>hardware</a:t>
+            </a:r>
+            <a:endParaRPr lang="en-US" dirty="0"/>
+          </a:p>
+        </p:txBody>
+      </p:sp>
+      <p:sp>
+        <p:nvSpPr>
+          <p:cNvPr id="38" name="Rectangle 37"/>
+          <p:cNvSpPr/>
+          <p:nvPr/>
+        </p:nvSpPr>
+        <p:spPr>
+          <a:xfrm>
+            <a:off x="4101433" y="3153023"/>
+            <a:ext cx="1156943" cy="414172"/>
+          </a:xfrm>
+          <a:prstGeom prst="rect">
+            <a:avLst/>
+          </a:prstGeom>
+        </p:spPr>
+        <p:style>
+          <a:lnRef idx="2">
+            <a:schemeClr val="dk1"/>
+          </a:lnRef>
+          <a:fillRef idx="1">
+            <a:schemeClr val="lt1"/>
+          </a:fillRef>
+          <a:effectRef idx="0">
+            <a:schemeClr val="dk1"/>
+          </a:effectRef>
+          <a:fontRef idx="minor">
+            <a:schemeClr val="dk1"/>
+          </a:fontRef>
+        </p:style>
+        <p:txBody>
+          <a:bodyPr rtlCol="0" anchor="ctr"/>
+          <a:lstStyle/>
+          <a:p>
+            <a:pPr algn="ctr"/>
+            <a:endParaRPr lang="en-US"/>
+          </a:p>
+        </p:txBody>
+      </p:sp>
+      <p:sp>
+        <p:nvSpPr>
+          <p:cNvPr id="39" name="Rectangle 38"/>
+          <p:cNvSpPr/>
+          <p:nvPr/>
+        </p:nvSpPr>
+        <p:spPr>
+          <a:xfrm>
+            <a:off x="5410776" y="3153023"/>
+            <a:ext cx="1156943" cy="414172"/>
+          </a:xfrm>
+          <a:prstGeom prst="rect">
+            <a:avLst/>
+          </a:prstGeom>
+        </p:spPr>
+        <p:style>
+          <a:lnRef idx="2">
+            <a:schemeClr val="dk1"/>
+          </a:lnRef>
+          <a:fillRef idx="1">
+            <a:schemeClr val="lt1"/>
+          </a:fillRef>
+          <a:effectRef idx="0">
+            <a:schemeClr val="dk1"/>
+          </a:effectRef>
+          <a:fontRef idx="minor">
+            <a:schemeClr val="dk1"/>
+          </a:fontRef>
+        </p:style>
+        <p:txBody>
+          <a:bodyPr rtlCol="0" anchor="ctr"/>
+          <a:lstStyle/>
+          <a:p>
+            <a:pPr algn="ctr"/>
+            <a:endParaRPr lang="en-US"/>
+          </a:p>
+        </p:txBody>
+      </p:sp>
+      <p:sp>
+        <p:nvSpPr>
+          <p:cNvPr id="40" name="Rectangle 39"/>
+          <p:cNvSpPr/>
+          <p:nvPr/>
+        </p:nvSpPr>
+        <p:spPr>
+          <a:xfrm>
+            <a:off x="6700255" y="3153023"/>
+            <a:ext cx="1156943" cy="414172"/>
+          </a:xfrm>
+          <a:prstGeom prst="rect">
+            <a:avLst/>
+          </a:prstGeom>
+        </p:spPr>
+        <p:style>
+          <a:lnRef idx="2">
+            <a:schemeClr val="dk1"/>
+          </a:lnRef>
+          <a:fillRef idx="1">
+            <a:schemeClr val="lt1"/>
+          </a:fillRef>
+          <a:effectRef idx="0">
+            <a:schemeClr val="dk1"/>
+          </a:effectRef>
+          <a:fontRef idx="minor">
+            <a:schemeClr val="dk1"/>
+          </a:fontRef>
+        </p:style>
+        <p:txBody>
+          <a:bodyPr rtlCol="0" anchor="ctr"/>
+          <a:lstStyle/>
+          <a:p>
+            <a:pPr algn="ctr"/>
+            <a:endParaRPr lang="en-US"/>
+          </a:p>
+        </p:txBody>
+      </p:sp>
+      <p:sp>
+        <p:nvSpPr>
+          <p:cNvPr id="41" name="Rectangle 40"/>
+          <p:cNvSpPr/>
+          <p:nvPr/>
+        </p:nvSpPr>
+        <p:spPr>
+          <a:xfrm>
+            <a:off x="193268" y="2604918"/>
+            <a:ext cx="1156943" cy="414172"/>
+          </a:xfrm>
+          <a:prstGeom prst="rect">
+            <a:avLst/>
+          </a:prstGeom>
+        </p:spPr>
+        <p:style>
+          <a:lnRef idx="2">
+            <a:schemeClr val="dk1"/>
+          </a:lnRef>
+          <a:fillRef idx="1">
+            <a:schemeClr val="lt1"/>
+          </a:fillRef>
+          <a:effectRef idx="0">
+            <a:schemeClr val="dk1"/>
+          </a:effectRef>
+          <a:fontRef idx="minor">
+            <a:schemeClr val="dk1"/>
+          </a:fontRef>
+        </p:style>
+        <p:txBody>
+          <a:bodyPr rtlCol="0" anchor="ctr"/>
+          <a:lstStyle/>
+          <a:p>
+            <a:pPr algn="ctr"/>
+            <a:endParaRPr lang="en-US"/>
+          </a:p>
+        </p:txBody>
+      </p:sp>
+      <p:sp>
+        <p:nvSpPr>
+          <p:cNvPr id="42" name="Rectangle 41"/>
+          <p:cNvSpPr/>
+          <p:nvPr/>
+        </p:nvSpPr>
+        <p:spPr>
+          <a:xfrm>
+            <a:off x="1502611" y="2604918"/>
+            <a:ext cx="1156943" cy="414172"/>
+          </a:xfrm>
+          <a:prstGeom prst="rect">
+            <a:avLst/>
+          </a:prstGeom>
+        </p:spPr>
+        <p:style>
+          <a:lnRef idx="2">
+            <a:schemeClr val="dk1"/>
+          </a:lnRef>
+          <a:fillRef idx="1">
+            <a:schemeClr val="lt1"/>
+          </a:fillRef>
+          <a:effectRef idx="0">
+            <a:schemeClr val="dk1"/>
+          </a:effectRef>
+          <a:fontRef idx="minor">
+            <a:schemeClr val="dk1"/>
+          </a:fontRef>
+        </p:style>
+        <p:txBody>
+          <a:bodyPr rtlCol="0" anchor="ctr"/>
+          <a:lstStyle/>
+          <a:p>
+            <a:pPr algn="ctr"/>
+            <a:endParaRPr lang="en-US"/>
+          </a:p>
+        </p:txBody>
+      </p:sp>
+      <p:sp>
+        <p:nvSpPr>
+          <p:cNvPr id="43" name="Rectangle 42"/>
+          <p:cNvSpPr/>
+          <p:nvPr/>
+        </p:nvSpPr>
+        <p:spPr>
+          <a:xfrm>
+            <a:off x="2792090" y="2604918"/>
+            <a:ext cx="1156943" cy="414172"/>
+          </a:xfrm>
+          <a:prstGeom prst="rect">
+            <a:avLst/>
+          </a:prstGeom>
+        </p:spPr>
+        <p:style>
+          <a:lnRef idx="2">
+            <a:schemeClr val="dk1"/>
+          </a:lnRef>
+          <a:fillRef idx="1">
+            <a:schemeClr val="lt1"/>
+          </a:fillRef>
+          <a:effectRef idx="0">
+            <a:schemeClr val="dk1"/>
+          </a:effectRef>
+          <a:fontRef idx="minor">
+            <a:schemeClr val="dk1"/>
+          </a:fontRef>
+        </p:style>
+        <p:txBody>
+          <a:bodyPr rtlCol="0" anchor="ctr"/>
+          <a:lstStyle/>
+          <a:p>
+            <a:pPr algn="ctr"/>
+            <a:r>
+              <a:rPr lang="en-US" dirty="0" smtClean="0"/>
+              <a:t>silicon</a:t>
+            </a:r>
+            <a:endParaRPr lang="en-US" dirty="0"/>
+          </a:p>
+        </p:txBody>
+      </p:sp>
+      <p:sp>
+        <p:nvSpPr>
+          <p:cNvPr id="44" name="Rectangle 43"/>
+          <p:cNvSpPr/>
+          <p:nvPr/>
+        </p:nvSpPr>
+        <p:spPr>
+          <a:xfrm>
+            <a:off x="4101433" y="2604918"/>
+            <a:ext cx="1156943" cy="414172"/>
+          </a:xfrm>
+          <a:prstGeom prst="rect">
+            <a:avLst/>
+          </a:prstGeom>
+        </p:spPr>
+        <p:style>
+          <a:lnRef idx="2">
+            <a:schemeClr val="dk1"/>
+          </a:lnRef>
+          <a:fillRef idx="1">
+            <a:schemeClr val="lt1"/>
+          </a:fillRef>
+          <a:effectRef idx="0">
+            <a:schemeClr val="dk1"/>
+          </a:effectRef>
+          <a:fontRef idx="minor">
+            <a:schemeClr val="dk1"/>
+          </a:fontRef>
+        </p:style>
+        <p:txBody>
+          <a:bodyPr rtlCol="0" anchor="ctr"/>
+          <a:lstStyle/>
+          <a:p>
+            <a:pPr algn="ctr"/>
+            <a:endParaRPr lang="en-US"/>
+          </a:p>
+        </p:txBody>
+      </p:sp>
+      <p:sp>
+        <p:nvSpPr>
+          <p:cNvPr id="45" name="Rectangle 44"/>
+          <p:cNvSpPr/>
+          <p:nvPr/>
+        </p:nvSpPr>
+        <p:spPr>
+          <a:xfrm>
+            <a:off x="5410776" y="2604918"/>
+            <a:ext cx="1156943" cy="414172"/>
+          </a:xfrm>
+          <a:prstGeom prst="rect">
+            <a:avLst/>
+          </a:prstGeom>
+        </p:spPr>
+        <p:style>
+          <a:lnRef idx="2">
+            <a:schemeClr val="dk1"/>
+          </a:lnRef>
+          <a:fillRef idx="1">
+            <a:schemeClr val="lt1"/>
+          </a:fillRef>
+          <a:effectRef idx="0">
+            <a:schemeClr val="dk1"/>
+          </a:effectRef>
+          <a:fontRef idx="minor">
+            <a:schemeClr val="dk1"/>
+          </a:fontRef>
+        </p:style>
+        <p:txBody>
+          <a:bodyPr rtlCol="0" anchor="ctr"/>
+          <a:lstStyle/>
+          <a:p>
+            <a:pPr algn="ctr"/>
+            <a:endParaRPr lang="en-US"/>
+          </a:p>
+        </p:txBody>
+      </p:sp>
+      <p:sp>
+        <p:nvSpPr>
+          <p:cNvPr id="46" name="Rectangle 45"/>
+          <p:cNvSpPr/>
+          <p:nvPr/>
+        </p:nvSpPr>
+        <p:spPr>
+          <a:xfrm>
+            <a:off x="6700255" y="2604918"/>
+            <a:ext cx="1156943" cy="414172"/>
+          </a:xfrm>
+          <a:prstGeom prst="rect">
+            <a:avLst/>
+          </a:prstGeom>
+        </p:spPr>
+        <p:style>
+          <a:lnRef idx="2">
+            <a:schemeClr val="dk1"/>
+          </a:lnRef>
+          <a:fillRef idx="1">
+            <a:schemeClr val="lt1"/>
+          </a:fillRef>
+          <a:effectRef idx="0">
+            <a:schemeClr val="dk1"/>
+          </a:effectRef>
+          <a:fontRef idx="minor">
+            <a:schemeClr val="dk1"/>
+          </a:fontRef>
+        </p:style>
+        <p:txBody>
+          <a:bodyPr rtlCol="0" anchor="ctr"/>
+          <a:lstStyle/>
+          <a:p>
+            <a:pPr algn="ctr"/>
+            <a:endParaRPr lang="en-US"/>
+          </a:p>
+        </p:txBody>
+      </p:sp>
+      <p:sp>
+        <p:nvSpPr>
+          <p:cNvPr id="47" name="Rectangle 46"/>
+          <p:cNvSpPr/>
+          <p:nvPr/>
+        </p:nvSpPr>
+        <p:spPr>
+          <a:xfrm>
+            <a:off x="193268" y="2083550"/>
+            <a:ext cx="1156943" cy="414172"/>
+          </a:xfrm>
+          <a:prstGeom prst="rect">
+            <a:avLst/>
+          </a:prstGeom>
+        </p:spPr>
+        <p:style>
+          <a:lnRef idx="2">
+            <a:schemeClr val="dk1"/>
+          </a:lnRef>
+          <a:fillRef idx="1">
+            <a:schemeClr val="lt1"/>
+          </a:fillRef>
+          <a:effectRef idx="0">
+            <a:schemeClr val="dk1"/>
+          </a:effectRef>
+          <a:fontRef idx="minor">
+            <a:schemeClr val="dk1"/>
+          </a:fontRef>
+        </p:style>
+        <p:txBody>
+          <a:bodyPr rtlCol="0" anchor="ctr"/>
+          <a:lstStyle/>
+          <a:p>
+            <a:pPr algn="ctr"/>
+            <a:endParaRPr lang="en-US"/>
+          </a:p>
+        </p:txBody>
+      </p:sp>
+      <p:sp>
+        <p:nvSpPr>
+          <p:cNvPr id="48" name="Rectangle 47"/>
+          <p:cNvSpPr/>
+          <p:nvPr/>
+        </p:nvSpPr>
+        <p:spPr>
+          <a:xfrm>
+            <a:off x="1502611" y="2083550"/>
+            <a:ext cx="1156943" cy="414172"/>
+          </a:xfrm>
+          <a:prstGeom prst="rect">
+            <a:avLst/>
+          </a:prstGeom>
+        </p:spPr>
+        <p:style>
+          <a:lnRef idx="2">
+            <a:schemeClr val="dk1"/>
+          </a:lnRef>
+          <a:fillRef idx="1">
+            <a:schemeClr val="lt1"/>
+          </a:fillRef>
+          <a:effectRef idx="0">
+            <a:schemeClr val="dk1"/>
+          </a:effectRef>
+          <a:fontRef idx="minor">
+            <a:schemeClr val="dk1"/>
+          </a:fontRef>
+        </p:style>
+        <p:txBody>
+          <a:bodyPr rtlCol="0" anchor="ctr"/>
+          <a:lstStyle/>
+          <a:p>
+            <a:pPr algn="ctr"/>
+            <a:endParaRPr lang="en-US"/>
+          </a:p>
+        </p:txBody>
+      </p:sp>
+      <p:sp>
+        <p:nvSpPr>
+          <p:cNvPr id="49" name="Rectangle 48"/>
+          <p:cNvSpPr/>
+          <p:nvPr/>
+        </p:nvSpPr>
+        <p:spPr>
+          <a:xfrm>
+            <a:off x="2792090" y="2083550"/>
+            <a:ext cx="1156943" cy="414172"/>
+          </a:xfrm>
+          <a:prstGeom prst="rect">
+            <a:avLst/>
+          </a:prstGeom>
+        </p:spPr>
+        <p:style>
+          <a:lnRef idx="2">
+            <a:schemeClr val="dk1"/>
+          </a:lnRef>
+          <a:fillRef idx="1">
+            <a:schemeClr val="lt1"/>
+          </a:fillRef>
+          <a:effectRef idx="0">
+            <a:schemeClr val="dk1"/>
+          </a:effectRef>
+          <a:fontRef idx="minor">
+            <a:schemeClr val="dk1"/>
+          </a:fontRef>
+        </p:style>
+        <p:txBody>
+          <a:bodyPr rtlCol="0" anchor="ctr"/>
+          <a:lstStyle/>
+          <a:p>
+            <a:pPr algn="ctr"/>
+            <a:endParaRPr lang="en-US" dirty="0"/>
+          </a:p>
+        </p:txBody>
+      </p:sp>
+      <p:sp>
+        <p:nvSpPr>
+          <p:cNvPr id="50" name="Rectangle 49"/>
+          <p:cNvSpPr/>
+          <p:nvPr/>
+        </p:nvSpPr>
+        <p:spPr>
+          <a:xfrm>
+            <a:off x="4101433" y="2083550"/>
+            <a:ext cx="1156943" cy="414172"/>
+          </a:xfrm>
+          <a:prstGeom prst="rect">
+            <a:avLst/>
+          </a:prstGeom>
+        </p:spPr>
+        <p:style>
+          <a:lnRef idx="2">
+            <a:schemeClr val="dk1"/>
+          </a:lnRef>
+          <a:fillRef idx="1">
+            <a:schemeClr val="lt1"/>
+          </a:fillRef>
+          <a:effectRef idx="0">
+            <a:schemeClr val="dk1"/>
+          </a:effectRef>
+          <a:fontRef idx="minor">
+            <a:schemeClr val="dk1"/>
+          </a:fontRef>
+        </p:style>
+        <p:txBody>
+          <a:bodyPr rtlCol="0" anchor="ctr"/>
+          <a:lstStyle/>
+          <a:p>
+            <a:pPr algn="ctr"/>
+            <a:endParaRPr lang="en-US"/>
+          </a:p>
+        </p:txBody>
+      </p:sp>
+      <p:sp>
+        <p:nvSpPr>
+          <p:cNvPr id="51" name="Rectangle 50"/>
+          <p:cNvSpPr/>
+          <p:nvPr/>
+        </p:nvSpPr>
+        <p:spPr>
+          <a:xfrm>
+            <a:off x="5410776" y="2083550"/>
+            <a:ext cx="1156943" cy="414172"/>
+          </a:xfrm>
+          <a:prstGeom prst="rect">
+            <a:avLst/>
+          </a:prstGeom>
+        </p:spPr>
+        <p:style>
+          <a:lnRef idx="2">
+            <a:schemeClr val="dk1"/>
+          </a:lnRef>
+          <a:fillRef idx="1">
+            <a:schemeClr val="lt1"/>
+          </a:fillRef>
+          <a:effectRef idx="0">
+            <a:schemeClr val="dk1"/>
+          </a:effectRef>
+          <a:fontRef idx="minor">
+            <a:schemeClr val="dk1"/>
+          </a:fontRef>
+        </p:style>
+        <p:txBody>
+          <a:bodyPr rtlCol="0" anchor="ctr"/>
+          <a:lstStyle/>
+          <a:p>
+            <a:pPr algn="ctr"/>
+            <a:endParaRPr lang="en-US"/>
+          </a:p>
+        </p:txBody>
+      </p:sp>
+      <p:sp>
+        <p:nvSpPr>
+          <p:cNvPr id="52" name="Rectangle 51"/>
+          <p:cNvSpPr/>
+          <p:nvPr/>
+        </p:nvSpPr>
+        <p:spPr>
+          <a:xfrm>
+            <a:off x="6700255" y="2083550"/>
+            <a:ext cx="1156943" cy="414172"/>
+          </a:xfrm>
+          <a:prstGeom prst="rect">
+            <a:avLst/>
+          </a:prstGeom>
+        </p:spPr>
+        <p:style>
+          <a:lnRef idx="2">
+            <a:schemeClr val="dk1"/>
+          </a:lnRef>
+          <a:fillRef idx="1">
+            <a:schemeClr val="lt1"/>
+          </a:fillRef>
+          <a:effectRef idx="0">
+            <a:schemeClr val="dk1"/>
+          </a:effectRef>
+          <a:fontRef idx="minor">
+            <a:schemeClr val="dk1"/>
+          </a:fontRef>
+        </p:style>
+        <p:txBody>
+          <a:bodyPr rtlCol="0" anchor="ctr"/>
+          <a:lstStyle/>
+          <a:p>
+            <a:pPr algn="ctr"/>
+            <a:endParaRPr lang="en-US"/>
+          </a:p>
+        </p:txBody>
+      </p:sp>
+      <p:sp>
+        <p:nvSpPr>
+          <p:cNvPr id="3" name="TextBox 2"/>
+          <p:cNvSpPr txBox="1"/>
+          <p:nvPr/>
+        </p:nvSpPr>
+        <p:spPr>
+          <a:xfrm>
+            <a:off x="8000129" y="2094745"/>
+            <a:ext cx="301660" cy="369332"/>
+          </a:xfrm>
+          <a:prstGeom prst="rect">
+            <a:avLst/>
+          </a:prstGeom>
+          <a:noFill/>
+        </p:spPr>
+        <p:txBody>
+          <a:bodyPr wrap="none" rtlCol="0">
+            <a:spAutoFit/>
+          </a:bodyPr>
+          <a:lstStyle/>
+          <a:p>
+            <a:r>
+              <a:rPr lang="en-US" dirty="0"/>
+              <a:t>1</a:t>
+            </a:r>
+          </a:p>
+        </p:txBody>
+      </p:sp>
+      <p:sp>
+        <p:nvSpPr>
+          <p:cNvPr id="59" name="TextBox 58"/>
+          <p:cNvSpPr txBox="1"/>
+          <p:nvPr/>
+        </p:nvSpPr>
+        <p:spPr>
+          <a:xfrm>
+            <a:off x="8013497" y="2555233"/>
+            <a:ext cx="301660" cy="369332"/>
+          </a:xfrm>
+          <a:prstGeom prst="rect">
+            <a:avLst/>
+          </a:prstGeom>
+          <a:noFill/>
+        </p:spPr>
+        <p:txBody>
+          <a:bodyPr wrap="none" rtlCol="0">
+            <a:spAutoFit/>
+          </a:bodyPr>
+          <a:lstStyle/>
+          <a:p>
+            <a:r>
+              <a:rPr lang="en-US" dirty="0" smtClean="0"/>
+              <a:t>2</a:t>
+            </a:r>
+            <a:endParaRPr lang="en-US" dirty="0"/>
+          </a:p>
+        </p:txBody>
+      </p:sp>
+      <p:sp>
+        <p:nvSpPr>
+          <p:cNvPr id="60" name="TextBox 59"/>
+          <p:cNvSpPr txBox="1"/>
+          <p:nvPr/>
+        </p:nvSpPr>
+        <p:spPr>
+          <a:xfrm>
+            <a:off x="8000129" y="3153661"/>
+            <a:ext cx="301660" cy="369332"/>
+          </a:xfrm>
+          <a:prstGeom prst="rect">
+            <a:avLst/>
+          </a:prstGeom>
+          <a:noFill/>
+        </p:spPr>
+        <p:txBody>
+          <a:bodyPr wrap="none" rtlCol="0">
+            <a:spAutoFit/>
+          </a:bodyPr>
+          <a:lstStyle/>
+          <a:p>
+            <a:r>
+              <a:rPr lang="en-US" dirty="0"/>
+              <a:t>3</a:t>
+            </a:r>
+          </a:p>
+        </p:txBody>
+      </p:sp>
+      <p:sp>
+        <p:nvSpPr>
+          <p:cNvPr id="61" name="TextBox 60"/>
+          <p:cNvSpPr txBox="1"/>
+          <p:nvPr/>
+        </p:nvSpPr>
+        <p:spPr>
+          <a:xfrm>
+            <a:off x="8013497" y="3672219"/>
+            <a:ext cx="301660" cy="369332"/>
+          </a:xfrm>
+          <a:prstGeom prst="rect">
+            <a:avLst/>
+          </a:prstGeom>
+          <a:noFill/>
+        </p:spPr>
+        <p:txBody>
+          <a:bodyPr wrap="none" rtlCol="0">
+            <a:spAutoFit/>
+          </a:bodyPr>
+          <a:lstStyle/>
+          <a:p>
+            <a:r>
+              <a:rPr lang="en-US" dirty="0"/>
+              <a:t>4</a:t>
+            </a:r>
+          </a:p>
+        </p:txBody>
+      </p:sp>
+      <p:sp>
+        <p:nvSpPr>
+          <p:cNvPr id="62" name="TextBox 61"/>
+          <p:cNvSpPr txBox="1"/>
+          <p:nvPr/>
+        </p:nvSpPr>
+        <p:spPr>
+          <a:xfrm>
+            <a:off x="8001699" y="4233693"/>
+            <a:ext cx="301660" cy="369332"/>
+          </a:xfrm>
+          <a:prstGeom prst="rect">
+            <a:avLst/>
+          </a:prstGeom>
+          <a:noFill/>
+        </p:spPr>
+        <p:txBody>
+          <a:bodyPr wrap="none" rtlCol="0">
+            <a:spAutoFit/>
+          </a:bodyPr>
+          <a:lstStyle/>
+          <a:p>
+            <a:r>
+              <a:rPr lang="en-US" dirty="0"/>
+              <a:t>5</a:t>
+            </a:r>
+          </a:p>
+        </p:txBody>
+      </p:sp>
+      <p:sp>
+        <p:nvSpPr>
+          <p:cNvPr id="63" name="TextBox 62"/>
+          <p:cNvSpPr txBox="1"/>
+          <p:nvPr/>
+        </p:nvSpPr>
+        <p:spPr>
+          <a:xfrm>
+            <a:off x="8000129" y="4766869"/>
+            <a:ext cx="301660" cy="369332"/>
+          </a:xfrm>
+          <a:prstGeom prst="rect">
+            <a:avLst/>
+          </a:prstGeom>
+          <a:noFill/>
+        </p:spPr>
+        <p:txBody>
+          <a:bodyPr wrap="none" rtlCol="0">
+            <a:spAutoFit/>
+          </a:bodyPr>
+          <a:lstStyle/>
+          <a:p>
+            <a:r>
+              <a:rPr lang="en-US" dirty="0"/>
+              <a:t>6</a:t>
+            </a:r>
+          </a:p>
+        </p:txBody>
+      </p:sp>
+      <p:sp>
+        <p:nvSpPr>
+          <p:cNvPr id="64" name="TextBox 63"/>
+          <p:cNvSpPr txBox="1"/>
+          <p:nvPr/>
+        </p:nvSpPr>
+        <p:spPr>
+          <a:xfrm>
+            <a:off x="8013497" y="5383377"/>
+            <a:ext cx="301660" cy="369332"/>
+          </a:xfrm>
+          <a:prstGeom prst="rect">
+            <a:avLst/>
+          </a:prstGeom>
+          <a:noFill/>
+        </p:spPr>
+        <p:txBody>
+          <a:bodyPr wrap="none" rtlCol="0">
+            <a:spAutoFit/>
+          </a:bodyPr>
+          <a:lstStyle/>
+          <a:p>
+            <a:r>
+              <a:rPr lang="en-US" dirty="0"/>
+              <a:t>7</a:t>
+            </a:r>
+          </a:p>
+        </p:txBody>
+      </p:sp>
+      <p:sp>
+        <p:nvSpPr>
+          <p:cNvPr id="66" name="TextBox 65"/>
+          <p:cNvSpPr txBox="1"/>
+          <p:nvPr/>
+        </p:nvSpPr>
+        <p:spPr>
+          <a:xfrm>
+            <a:off x="639477" y="1206217"/>
+            <a:ext cx="6731380" cy="369332"/>
+          </a:xfrm>
+          <a:prstGeom prst="rect">
+            <a:avLst/>
+          </a:prstGeom>
+          <a:noFill/>
+        </p:spPr>
+        <p:txBody>
+          <a:bodyPr wrap="none" rtlCol="0">
+            <a:spAutoFit/>
+          </a:bodyPr>
+          <a:lstStyle/>
+          <a:p>
+            <a:r>
+              <a:rPr lang="en-US" dirty="0" smtClean="0"/>
+              <a:t>1                   2                       3                       4                        5                       6  </a:t>
+            </a:r>
+            <a:endParaRPr lang="en-US" dirty="0"/>
+          </a:p>
+        </p:txBody>
+      </p:sp>
+    </p:spTree>
+    <p:extLst>
+      <p:ext uri="{BB962C8B-B14F-4D97-AF65-F5344CB8AC3E}">
+        <p14:creationId xmlns:p14="http://schemas.microsoft.com/office/powerpoint/2010/main" val="1574149826"/>
+      </p:ext>
+    </p:extLst>
+  </p:cSld>
+  <p:clrMapOvr>
+    <a:masterClrMapping/>
+  </p:clrMapOvr>
+</p:sld>
+</file>
+
 <file path=ppt/theme/theme1.xml><?xml version="1.0" encoding="utf-8"?>
 <a:theme xmlns:a="http://schemas.openxmlformats.org/drawingml/2006/main" name="Office Theme">
   <a:themeElements>

--- a/puzzle9_resourceGuide.pptx
+++ b/puzzle9_resourceGuide.pptx
@@ -11,8 +11,10 @@
     <p:sldId id="260" r:id="rId5"/>
     <p:sldId id="261" r:id="rId6"/>
     <p:sldId id="262" r:id="rId7"/>
-    <p:sldId id="263" r:id="rId8"/>
-    <p:sldId id="264" r:id="rId9"/>
+    <p:sldId id="266" r:id="rId8"/>
+    <p:sldId id="263" r:id="rId9"/>
+    <p:sldId id="264" r:id="rId10"/>
+    <p:sldId id="265" r:id="rId11"/>
   </p:sldIdLst>
   <p:sldSz cx="9144000" cy="6858000" type="screen4x3"/>
   <p:notesSz cx="6858000" cy="9144000"/>
@@ -295,7 +297,7 @@
           <a:p>
             <a:fld id="{83C2B043-E5D7-564F-B47B-C0FE35424682}" type="datetimeFigureOut">
               <a:rPr lang="en-US" smtClean="0"/>
-              <a:t>11/7/15</a:t>
+              <a:t>11/11/15</a:t>
             </a:fld>
             <a:endParaRPr lang="en-US"/>
           </a:p>
@@ -465,7 +467,7 @@
           <a:p>
             <a:fld id="{83C2B043-E5D7-564F-B47B-C0FE35424682}" type="datetimeFigureOut">
               <a:rPr lang="en-US" smtClean="0"/>
-              <a:t>11/7/15</a:t>
+              <a:t>11/11/15</a:t>
             </a:fld>
             <a:endParaRPr lang="en-US"/>
           </a:p>
@@ -645,7 +647,7 @@
           <a:p>
             <a:fld id="{83C2B043-E5D7-564F-B47B-C0FE35424682}" type="datetimeFigureOut">
               <a:rPr lang="en-US" smtClean="0"/>
-              <a:t>11/7/15</a:t>
+              <a:t>11/11/15</a:t>
             </a:fld>
             <a:endParaRPr lang="en-US"/>
           </a:p>
@@ -815,7 +817,7 @@
           <a:p>
             <a:fld id="{83C2B043-E5D7-564F-B47B-C0FE35424682}" type="datetimeFigureOut">
               <a:rPr lang="en-US" smtClean="0"/>
-              <a:t>11/7/15</a:t>
+              <a:t>11/11/15</a:t>
             </a:fld>
             <a:endParaRPr lang="en-US"/>
           </a:p>
@@ -1061,7 +1063,7 @@
           <a:p>
             <a:fld id="{83C2B043-E5D7-564F-B47B-C0FE35424682}" type="datetimeFigureOut">
               <a:rPr lang="en-US" smtClean="0"/>
-              <a:t>11/7/15</a:t>
+              <a:t>11/11/15</a:t>
             </a:fld>
             <a:endParaRPr lang="en-US"/>
           </a:p>
@@ -1349,7 +1351,7 @@
           <a:p>
             <a:fld id="{83C2B043-E5D7-564F-B47B-C0FE35424682}" type="datetimeFigureOut">
               <a:rPr lang="en-US" smtClean="0"/>
-              <a:t>11/7/15</a:t>
+              <a:t>11/11/15</a:t>
             </a:fld>
             <a:endParaRPr lang="en-US"/>
           </a:p>
@@ -1771,7 +1773,7 @@
           <a:p>
             <a:fld id="{83C2B043-E5D7-564F-B47B-C0FE35424682}" type="datetimeFigureOut">
               <a:rPr lang="en-US" smtClean="0"/>
-              <a:t>11/7/15</a:t>
+              <a:t>11/11/15</a:t>
             </a:fld>
             <a:endParaRPr lang="en-US"/>
           </a:p>
@@ -1889,7 +1891,7 @@
           <a:p>
             <a:fld id="{83C2B043-E5D7-564F-B47B-C0FE35424682}" type="datetimeFigureOut">
               <a:rPr lang="en-US" smtClean="0"/>
-              <a:t>11/7/15</a:t>
+              <a:t>11/11/15</a:t>
             </a:fld>
             <a:endParaRPr lang="en-US"/>
           </a:p>
@@ -1984,7 +1986,7 @@
           <a:p>
             <a:fld id="{83C2B043-E5D7-564F-B47B-C0FE35424682}" type="datetimeFigureOut">
               <a:rPr lang="en-US" smtClean="0"/>
-              <a:t>11/7/15</a:t>
+              <a:t>11/11/15</a:t>
             </a:fld>
             <a:endParaRPr lang="en-US"/>
           </a:p>
@@ -2261,7 +2263,7 @@
           <a:p>
             <a:fld id="{83C2B043-E5D7-564F-B47B-C0FE35424682}" type="datetimeFigureOut">
               <a:rPr lang="en-US" smtClean="0"/>
-              <a:t>11/7/15</a:t>
+              <a:t>11/11/15</a:t>
             </a:fld>
             <a:endParaRPr lang="en-US"/>
           </a:p>
@@ -2514,7 +2516,7 @@
           <a:p>
             <a:fld id="{83C2B043-E5D7-564F-B47B-C0FE35424682}" type="datetimeFigureOut">
               <a:rPr lang="en-US" smtClean="0"/>
-              <a:t>11/7/15</a:t>
+              <a:t>11/11/15</a:t>
             </a:fld>
             <a:endParaRPr lang="en-US"/>
           </a:p>
@@ -2727,7 +2729,7 @@
           <a:p>
             <a:fld id="{83C2B043-E5D7-564F-B47B-C0FE35424682}" type="datetimeFigureOut">
               <a:rPr lang="en-US" smtClean="0"/>
-              <a:t>11/7/15</a:t>
+              <a:t>11/11/15</a:t>
             </a:fld>
             <a:endParaRPr lang="en-US"/>
           </a:p>
@@ -5386,6 +5388,566 @@
 </p:sld>
 </file>
 
+<file path=ppt/slides/slide10.xml><?xml version="1.0" encoding="utf-8"?>
+<p:sld xmlns:a="http://schemas.openxmlformats.org/drawingml/2006/main" xmlns:r="http://schemas.openxmlformats.org/officeDocument/2006/relationships" xmlns:p="http://schemas.openxmlformats.org/presentationml/2006/main">
+  <p:cSld>
+    <p:spTree>
+      <p:nvGrpSpPr>
+        <p:cNvPr id="1" name=""/>
+        <p:cNvGrpSpPr/>
+        <p:nvPr/>
+      </p:nvGrpSpPr>
+      <p:grpSpPr>
+        <a:xfrm>
+          <a:off x="0" y="0"/>
+          <a:ext cx="0" cy="0"/>
+          <a:chOff x="0" y="0"/>
+          <a:chExt cx="0" cy="0"/>
+        </a:xfrm>
+      </p:grpSpPr>
+      <p:sp>
+        <p:nvSpPr>
+          <p:cNvPr id="2" name="Title 1"/>
+          <p:cNvSpPr>
+            <a:spLocks noGrp="1"/>
+          </p:cNvSpPr>
+          <p:nvPr>
+            <p:ph type="title"/>
+          </p:nvPr>
+        </p:nvSpPr>
+        <p:spPr>
+          <a:xfrm>
+            <a:off x="457200" y="-191848"/>
+            <a:ext cx="8229600" cy="1143000"/>
+          </a:xfrm>
+        </p:spPr>
+        <p:txBody>
+          <a:bodyPr/>
+          <a:lstStyle/>
+          <a:p>
+            <a:r>
+              <a:rPr lang="en-US" dirty="0" smtClean="0"/>
+              <a:t>Game Timeline</a:t>
+            </a:r>
+            <a:endParaRPr lang="en-US" dirty="0"/>
+          </a:p>
+        </p:txBody>
+      </p:sp>
+      <p:cxnSp>
+        <p:nvCxnSpPr>
+          <p:cNvPr id="5" name="Straight Connector 4"/>
+          <p:cNvCxnSpPr/>
+          <p:nvPr/>
+        </p:nvCxnSpPr>
+        <p:spPr>
+          <a:xfrm>
+            <a:off x="764565" y="951152"/>
+            <a:ext cx="0" cy="5126131"/>
+          </a:xfrm>
+          <a:prstGeom prst="line">
+            <a:avLst/>
+          </a:prstGeom>
+        </p:spPr>
+        <p:style>
+          <a:lnRef idx="2">
+            <a:schemeClr val="accent1"/>
+          </a:lnRef>
+          <a:fillRef idx="0">
+            <a:schemeClr val="accent1"/>
+          </a:fillRef>
+          <a:effectRef idx="1">
+            <a:schemeClr val="accent1"/>
+          </a:effectRef>
+          <a:fontRef idx="minor">
+            <a:schemeClr val="tx1"/>
+          </a:fontRef>
+        </p:style>
+      </p:cxnSp>
+      <p:cxnSp>
+        <p:nvCxnSpPr>
+          <p:cNvPr id="6" name="Straight Connector 5"/>
+          <p:cNvCxnSpPr/>
+          <p:nvPr/>
+        </p:nvCxnSpPr>
+        <p:spPr>
+          <a:xfrm>
+            <a:off x="4571325" y="2798919"/>
+            <a:ext cx="0" cy="3278364"/>
+          </a:xfrm>
+          <a:prstGeom prst="line">
+            <a:avLst/>
+          </a:prstGeom>
+        </p:spPr>
+        <p:style>
+          <a:lnRef idx="2">
+            <a:schemeClr val="accent1"/>
+          </a:lnRef>
+          <a:fillRef idx="0">
+            <a:schemeClr val="accent1"/>
+          </a:fillRef>
+          <a:effectRef idx="1">
+            <a:schemeClr val="accent1"/>
+          </a:effectRef>
+          <a:fontRef idx="minor">
+            <a:schemeClr val="tx1"/>
+          </a:fontRef>
+        </p:style>
+      </p:cxnSp>
+      <p:sp>
+        <p:nvSpPr>
+          <p:cNvPr id="3" name="TextBox 2"/>
+          <p:cNvSpPr txBox="1"/>
+          <p:nvPr/>
+        </p:nvSpPr>
+        <p:spPr>
+          <a:xfrm>
+            <a:off x="1010781" y="945440"/>
+            <a:ext cx="1373624" cy="553998"/>
+          </a:xfrm>
+          <a:prstGeom prst="rect">
+            <a:avLst/>
+          </a:prstGeom>
+          <a:noFill/>
+        </p:spPr>
+        <p:txBody>
+          <a:bodyPr wrap="square" rtlCol="0">
+            <a:spAutoFit/>
+          </a:bodyPr>
+          <a:lstStyle/>
+          <a:p>
+            <a:r>
+              <a:rPr lang="en-US" sz="1000" dirty="0" err="1" smtClean="0"/>
+              <a:t>P.e.</a:t>
+            </a:r>
+            <a:r>
+              <a:rPr lang="en-US" sz="1000" dirty="0" smtClean="0"/>
+              <a:t> murders victim in an online blackmail scheme gone wrong</a:t>
+            </a:r>
+            <a:endParaRPr lang="en-US" sz="1000" dirty="0"/>
+          </a:p>
+        </p:txBody>
+      </p:sp>
+      <p:sp>
+        <p:nvSpPr>
+          <p:cNvPr id="7" name="TextBox 6"/>
+          <p:cNvSpPr txBox="1"/>
+          <p:nvPr/>
+        </p:nvSpPr>
+        <p:spPr>
+          <a:xfrm>
+            <a:off x="67028" y="6187395"/>
+            <a:ext cx="1887506" cy="369332"/>
+          </a:xfrm>
+          <a:prstGeom prst="rect">
+            <a:avLst/>
+          </a:prstGeom>
+          <a:noFill/>
+        </p:spPr>
+        <p:txBody>
+          <a:bodyPr wrap="none" rtlCol="0">
+            <a:spAutoFit/>
+          </a:bodyPr>
+          <a:lstStyle/>
+          <a:p>
+            <a:r>
+              <a:rPr lang="en-US" dirty="0" smtClean="0"/>
+              <a:t>Historical timeline</a:t>
+            </a:r>
+            <a:endParaRPr lang="en-US" dirty="0"/>
+          </a:p>
+        </p:txBody>
+      </p:sp>
+      <p:sp>
+        <p:nvSpPr>
+          <p:cNvPr id="8" name="TextBox 7"/>
+          <p:cNvSpPr txBox="1"/>
+          <p:nvPr/>
+        </p:nvSpPr>
+        <p:spPr>
+          <a:xfrm>
+            <a:off x="3550691" y="6187395"/>
+            <a:ext cx="2192389" cy="369332"/>
+          </a:xfrm>
+          <a:prstGeom prst="rect">
+            <a:avLst/>
+          </a:prstGeom>
+          <a:noFill/>
+        </p:spPr>
+        <p:txBody>
+          <a:bodyPr wrap="none" rtlCol="0">
+            <a:spAutoFit/>
+          </a:bodyPr>
+          <a:lstStyle/>
+          <a:p>
+            <a:r>
+              <a:rPr lang="en-US" dirty="0" smtClean="0"/>
+              <a:t>Game reveal timeline</a:t>
+            </a:r>
+            <a:endParaRPr lang="en-US" dirty="0"/>
+          </a:p>
+        </p:txBody>
+      </p:sp>
+      <p:sp>
+        <p:nvSpPr>
+          <p:cNvPr id="9" name="TextBox 8"/>
+          <p:cNvSpPr txBox="1"/>
+          <p:nvPr/>
+        </p:nvSpPr>
+        <p:spPr>
+          <a:xfrm>
+            <a:off x="1010781" y="1789154"/>
+            <a:ext cx="1373624" cy="1169551"/>
+          </a:xfrm>
+          <a:prstGeom prst="rect">
+            <a:avLst/>
+          </a:prstGeom>
+          <a:noFill/>
+        </p:spPr>
+        <p:txBody>
+          <a:bodyPr wrap="square" rtlCol="0">
+            <a:spAutoFit/>
+          </a:bodyPr>
+          <a:lstStyle/>
+          <a:p>
+            <a:r>
+              <a:rPr lang="en-US" sz="1000" dirty="0" err="1" smtClean="0"/>
+              <a:t>P.e.</a:t>
+            </a:r>
+            <a:r>
+              <a:rPr lang="en-US" sz="1000" dirty="0" smtClean="0"/>
+              <a:t> leaves the U.S. and joins an online criminal syndicate, eventually starting his own organization and becoming THE online crime kingpin</a:t>
+            </a:r>
+            <a:endParaRPr lang="en-US" sz="1000" dirty="0"/>
+          </a:p>
+        </p:txBody>
+      </p:sp>
+      <p:sp>
+        <p:nvSpPr>
+          <p:cNvPr id="14" name="TextBox 13"/>
+          <p:cNvSpPr txBox="1"/>
+          <p:nvPr/>
+        </p:nvSpPr>
+        <p:spPr>
+          <a:xfrm>
+            <a:off x="3967790" y="2361603"/>
+            <a:ext cx="1207069" cy="369332"/>
+          </a:xfrm>
+          <a:prstGeom prst="rect">
+            <a:avLst/>
+          </a:prstGeom>
+          <a:noFill/>
+        </p:spPr>
+        <p:txBody>
+          <a:bodyPr wrap="none" rtlCol="0">
+            <a:spAutoFit/>
+          </a:bodyPr>
+          <a:lstStyle/>
+          <a:p>
+            <a:r>
+              <a:rPr lang="en-US" dirty="0" smtClean="0"/>
+              <a:t>Start game</a:t>
+            </a:r>
+            <a:endParaRPr lang="en-US" dirty="0"/>
+          </a:p>
+        </p:txBody>
+      </p:sp>
+      <p:sp>
+        <p:nvSpPr>
+          <p:cNvPr id="16" name="TextBox 15"/>
+          <p:cNvSpPr txBox="1"/>
+          <p:nvPr/>
+        </p:nvSpPr>
+        <p:spPr>
+          <a:xfrm>
+            <a:off x="1010781" y="3418762"/>
+            <a:ext cx="1373624" cy="400110"/>
+          </a:xfrm>
+          <a:prstGeom prst="rect">
+            <a:avLst/>
+          </a:prstGeom>
+          <a:noFill/>
+        </p:spPr>
+        <p:txBody>
+          <a:bodyPr wrap="square" rtlCol="0">
+            <a:spAutoFit/>
+          </a:bodyPr>
+          <a:lstStyle/>
+          <a:p>
+            <a:r>
+              <a:rPr lang="en-US" sz="1000" dirty="0" smtClean="0"/>
+              <a:t>E.Q. group posts a puzzle</a:t>
+            </a:r>
+            <a:endParaRPr lang="en-US" sz="1000" dirty="0"/>
+          </a:p>
+        </p:txBody>
+      </p:sp>
+      <p:cxnSp>
+        <p:nvCxnSpPr>
+          <p:cNvPr id="18" name="Straight Arrow Connector 17"/>
+          <p:cNvCxnSpPr>
+            <a:stCxn id="16" idx="3"/>
+          </p:cNvCxnSpPr>
+          <p:nvPr/>
+        </p:nvCxnSpPr>
+        <p:spPr>
+          <a:xfrm flipV="1">
+            <a:off x="2384405" y="2958705"/>
+            <a:ext cx="2086355" cy="660112"/>
+          </a:xfrm>
+          <a:prstGeom prst="straightConnector1">
+            <a:avLst/>
+          </a:prstGeom>
+          <a:ln>
+            <a:tailEnd type="arrow"/>
+          </a:ln>
+        </p:spPr>
+        <p:style>
+          <a:lnRef idx="2">
+            <a:schemeClr val="accent1"/>
+          </a:lnRef>
+          <a:fillRef idx="0">
+            <a:schemeClr val="accent1"/>
+          </a:fillRef>
+          <a:effectRef idx="1">
+            <a:schemeClr val="accent1"/>
+          </a:effectRef>
+          <a:fontRef idx="minor">
+            <a:schemeClr val="tx1"/>
+          </a:fontRef>
+        </p:style>
+      </p:cxnSp>
+      <p:sp>
+        <p:nvSpPr>
+          <p:cNvPr id="19" name="TextBox 18"/>
+          <p:cNvSpPr txBox="1"/>
+          <p:nvPr/>
+        </p:nvSpPr>
+        <p:spPr>
+          <a:xfrm>
+            <a:off x="4626263" y="2722207"/>
+            <a:ext cx="2594994" cy="369332"/>
+          </a:xfrm>
+          <a:prstGeom prst="rect">
+            <a:avLst/>
+          </a:prstGeom>
+          <a:noFill/>
+        </p:spPr>
+        <p:txBody>
+          <a:bodyPr wrap="none" rtlCol="0">
+            <a:spAutoFit/>
+          </a:bodyPr>
+          <a:lstStyle/>
+          <a:p>
+            <a:r>
+              <a:rPr lang="en-US" dirty="0" smtClean="0"/>
+              <a:t>Game starts with a puzzle</a:t>
+            </a:r>
+            <a:endParaRPr lang="en-US" dirty="0"/>
+          </a:p>
+        </p:txBody>
+      </p:sp>
+      <p:sp>
+        <p:nvSpPr>
+          <p:cNvPr id="20" name="TextBox 19"/>
+          <p:cNvSpPr txBox="1"/>
+          <p:nvPr/>
+        </p:nvSpPr>
+        <p:spPr>
+          <a:xfrm>
+            <a:off x="4695386" y="3880427"/>
+            <a:ext cx="4093263" cy="369332"/>
+          </a:xfrm>
+          <a:prstGeom prst="rect">
+            <a:avLst/>
+          </a:prstGeom>
+          <a:noFill/>
+        </p:spPr>
+        <p:txBody>
+          <a:bodyPr wrap="none" rtlCol="0">
+            <a:spAutoFit/>
+          </a:bodyPr>
+          <a:lstStyle/>
+          <a:p>
+            <a:r>
+              <a:rPr lang="en-US" dirty="0" smtClean="0"/>
+              <a:t>Player can read an article about P.E.’s rise</a:t>
+            </a:r>
+            <a:endParaRPr lang="en-US" dirty="0"/>
+          </a:p>
+        </p:txBody>
+      </p:sp>
+      <p:cxnSp>
+        <p:nvCxnSpPr>
+          <p:cNvPr id="21" name="Straight Arrow Connector 20"/>
+          <p:cNvCxnSpPr/>
+          <p:nvPr/>
+        </p:nvCxnSpPr>
+        <p:spPr>
+          <a:xfrm>
+            <a:off x="2135084" y="2034047"/>
+            <a:ext cx="2335676" cy="1938713"/>
+          </a:xfrm>
+          <a:prstGeom prst="straightConnector1">
+            <a:avLst/>
+          </a:prstGeom>
+          <a:ln>
+            <a:tailEnd type="arrow"/>
+          </a:ln>
+        </p:spPr>
+        <p:style>
+          <a:lnRef idx="2">
+            <a:schemeClr val="accent1"/>
+          </a:lnRef>
+          <a:fillRef idx="0">
+            <a:schemeClr val="accent1"/>
+          </a:fillRef>
+          <a:effectRef idx="1">
+            <a:schemeClr val="accent1"/>
+          </a:effectRef>
+          <a:fontRef idx="minor">
+            <a:schemeClr val="tx1"/>
+          </a:fontRef>
+        </p:style>
+      </p:cxnSp>
+      <p:cxnSp>
+        <p:nvCxnSpPr>
+          <p:cNvPr id="23" name="Straight Arrow Connector 22"/>
+          <p:cNvCxnSpPr/>
+          <p:nvPr/>
+        </p:nvCxnSpPr>
+        <p:spPr>
+          <a:xfrm>
+            <a:off x="2190022" y="1318311"/>
+            <a:ext cx="2280738" cy="3631629"/>
+          </a:xfrm>
+          <a:prstGeom prst="straightConnector1">
+            <a:avLst/>
+          </a:prstGeom>
+          <a:ln>
+            <a:tailEnd type="arrow"/>
+          </a:ln>
+        </p:spPr>
+        <p:style>
+          <a:lnRef idx="2">
+            <a:schemeClr val="accent1"/>
+          </a:lnRef>
+          <a:fillRef idx="0">
+            <a:schemeClr val="accent1"/>
+          </a:fillRef>
+          <a:effectRef idx="1">
+            <a:schemeClr val="accent1"/>
+          </a:effectRef>
+          <a:fontRef idx="minor">
+            <a:schemeClr val="tx1"/>
+          </a:fontRef>
+        </p:style>
+      </p:cxnSp>
+      <p:sp>
+        <p:nvSpPr>
+          <p:cNvPr id="25" name="TextBox 24"/>
+          <p:cNvSpPr txBox="1"/>
+          <p:nvPr/>
+        </p:nvSpPr>
+        <p:spPr>
+          <a:xfrm>
+            <a:off x="4643551" y="4765274"/>
+            <a:ext cx="4500450" cy="646331"/>
+          </a:xfrm>
+          <a:prstGeom prst="rect">
+            <a:avLst/>
+          </a:prstGeom>
+          <a:noFill/>
+        </p:spPr>
+        <p:txBody>
+          <a:bodyPr wrap="square" rtlCol="0">
+            <a:spAutoFit/>
+          </a:bodyPr>
+          <a:lstStyle/>
+          <a:p>
+            <a:r>
+              <a:rPr lang="en-US" dirty="0" smtClean="0"/>
+              <a:t>Player learns that P.E. murdered someone long ago</a:t>
+            </a:r>
+            <a:endParaRPr lang="en-US" dirty="0"/>
+          </a:p>
+        </p:txBody>
+      </p:sp>
+      <p:sp>
+        <p:nvSpPr>
+          <p:cNvPr id="28" name="TextBox 27"/>
+          <p:cNvSpPr txBox="1"/>
+          <p:nvPr/>
+        </p:nvSpPr>
+        <p:spPr>
+          <a:xfrm>
+            <a:off x="1010781" y="4395942"/>
+            <a:ext cx="1373624" cy="553998"/>
+          </a:xfrm>
+          <a:prstGeom prst="rect">
+            <a:avLst/>
+          </a:prstGeom>
+          <a:noFill/>
+        </p:spPr>
+        <p:txBody>
+          <a:bodyPr wrap="square" rtlCol="0">
+            <a:spAutoFit/>
+          </a:bodyPr>
+          <a:lstStyle/>
+          <a:p>
+            <a:r>
+              <a:rPr lang="en-US" sz="1000" dirty="0" smtClean="0"/>
+              <a:t>Contact made with E.Q. and worm is provided</a:t>
+            </a:r>
+            <a:endParaRPr lang="en-US" sz="1000" dirty="0"/>
+          </a:p>
+        </p:txBody>
+      </p:sp>
+      <p:cxnSp>
+        <p:nvCxnSpPr>
+          <p:cNvPr id="29" name="Straight Arrow Connector 28"/>
+          <p:cNvCxnSpPr/>
+          <p:nvPr/>
+        </p:nvCxnSpPr>
+        <p:spPr>
+          <a:xfrm>
+            <a:off x="2008789" y="4765274"/>
+            <a:ext cx="2461971" cy="962144"/>
+          </a:xfrm>
+          <a:prstGeom prst="straightConnector1">
+            <a:avLst/>
+          </a:prstGeom>
+          <a:ln>
+            <a:tailEnd type="arrow"/>
+          </a:ln>
+        </p:spPr>
+        <p:style>
+          <a:lnRef idx="2">
+            <a:schemeClr val="accent1"/>
+          </a:lnRef>
+          <a:fillRef idx="0">
+            <a:schemeClr val="accent1"/>
+          </a:fillRef>
+          <a:effectRef idx="1">
+            <a:schemeClr val="accent1"/>
+          </a:effectRef>
+          <a:fontRef idx="minor">
+            <a:schemeClr val="tx1"/>
+          </a:fontRef>
+        </p:style>
+      </p:cxnSp>
+    </p:spTree>
+    <p:extLst>
+      <p:ext uri="{BB962C8B-B14F-4D97-AF65-F5344CB8AC3E}">
+        <p14:creationId xmlns:p14="http://schemas.microsoft.com/office/powerpoint/2010/main" val="2909407887"/>
+      </p:ext>
+    </p:extLst>
+  </p:cSld>
+  <p:clrMapOvr>
+    <a:masterClrMapping/>
+  </p:clrMapOvr>
+</p:sld>
+</file>
+
 <file path=ppt/slides/slide2.xml><?xml version="1.0" encoding="utf-8"?>
 <p:sld xmlns:a="http://schemas.openxmlformats.org/drawingml/2006/main" xmlns:r="http://schemas.openxmlformats.org/officeDocument/2006/relationships" xmlns:p="http://schemas.openxmlformats.org/presentationml/2006/main">
   <p:cSld>
@@ -5555,17 +6117,29 @@
           <a:lstStyle/>
           <a:p>
             <a:r>
-              <a:rPr lang="en-US" sz="1000" dirty="0" smtClean="0"/>
+              <a:rPr lang="en-US" sz="1000" dirty="0" smtClean="0">
+                <a:solidFill>
+                  <a:schemeClr val="accent6"/>
+                </a:solidFill>
+              </a:rPr>
               <a:t>Spyware/</a:t>
             </a:r>
           </a:p>
           <a:p>
             <a:r>
-              <a:rPr lang="en-US" sz="1000" dirty="0" err="1" smtClean="0"/>
+              <a:rPr lang="en-US" sz="1000" dirty="0" err="1" smtClean="0">
+                <a:solidFill>
+                  <a:schemeClr val="accent6"/>
+                </a:solidFill>
+              </a:rPr>
               <a:t>Zyng</a:t>
             </a:r>
             <a:r>
-              <a:rPr lang="en-US" sz="1000" dirty="0" smtClean="0"/>
+              <a:rPr lang="en-US" sz="1000" dirty="0" smtClean="0">
+                <a:solidFill>
+                  <a:schemeClr val="accent6"/>
+                </a:solidFill>
+              </a:rPr>
               <a:t>!</a:t>
             </a:r>
           </a:p>
@@ -5580,7 +6154,7 @@
         <p:spPr>
           <a:xfrm>
             <a:off x="5285330" y="5141740"/>
-            <a:ext cx="781033" cy="246221"/>
+            <a:ext cx="909774" cy="246221"/>
           </a:xfrm>
           <a:prstGeom prst="rect">
             <a:avLst/>
@@ -5594,10 +6168,18 @@
           <a:lstStyle/>
           <a:p>
             <a:r>
-              <a:rPr lang="en-US" sz="1000" dirty="0" smtClean="0"/>
-              <a:t>Faction site</a:t>
-            </a:r>
-            <a:endParaRPr lang="en-US" sz="1000" dirty="0"/>
+              <a:rPr lang="en-US" sz="1000" dirty="0" err="1" smtClean="0">
+                <a:solidFill>
+                  <a:schemeClr val="accent6"/>
+                </a:solidFill>
+              </a:rPr>
+              <a:t>freedompress</a:t>
+            </a:r>
+            <a:endParaRPr lang="en-US" sz="1000" dirty="0">
+              <a:solidFill>
+                <a:schemeClr val="accent6"/>
+              </a:solidFill>
+            </a:endParaRPr>
           </a:p>
         </p:txBody>
       </p:sp>
@@ -5658,14 +6240,26 @@
           <a:lstStyle/>
           <a:p>
             <a:r>
-              <a:rPr lang="en-US" sz="1000" dirty="0"/>
+              <a:rPr lang="en-US" sz="1000" dirty="0">
+                <a:solidFill>
+                  <a:srgbClr val="9BBB59"/>
+                </a:solidFill>
+              </a:rPr>
               <a:t>t</a:t>
             </a:r>
             <a:r>
-              <a:rPr lang="en-US" sz="1000" dirty="0" smtClean="0"/>
+              <a:rPr lang="en-US" sz="1000" dirty="0" smtClean="0">
+                <a:solidFill>
+                  <a:srgbClr val="9BBB59"/>
+                </a:solidFill>
+              </a:rPr>
               <a:t>rade secrets</a:t>
             </a:r>
-            <a:endParaRPr lang="en-US" sz="1000" dirty="0"/>
+            <a:endParaRPr lang="en-US" sz="1000" dirty="0">
+              <a:solidFill>
+                <a:srgbClr val="9BBB59"/>
+              </a:solidFill>
+            </a:endParaRPr>
           </a:p>
         </p:txBody>
       </p:sp>
@@ -5722,10 +6316,18 @@
           <a:lstStyle/>
           <a:p>
             <a:r>
-              <a:rPr lang="en-US" sz="1000" dirty="0" smtClean="0"/>
+              <a:rPr lang="en-US" sz="1000" dirty="0" smtClean="0">
+                <a:solidFill>
+                  <a:srgbClr val="9BBB59"/>
+                </a:solidFill>
+              </a:rPr>
               <a:t>pills</a:t>
             </a:r>
-            <a:endParaRPr lang="en-US" sz="1000" dirty="0"/>
+            <a:endParaRPr lang="en-US" sz="1000" dirty="0">
+              <a:solidFill>
+                <a:srgbClr val="9BBB59"/>
+              </a:solidFill>
+            </a:endParaRPr>
           </a:p>
         </p:txBody>
       </p:sp>
@@ -6099,7 +6701,7 @@
         <p:spPr>
           <a:xfrm>
             <a:off x="5275713" y="4361964"/>
-            <a:ext cx="728059" cy="246221"/>
+            <a:ext cx="725993" cy="246221"/>
           </a:xfrm>
           <a:prstGeom prst="rect">
             <a:avLst/>
@@ -6113,8 +6715,8 @@
           <a:lstStyle/>
           <a:p>
             <a:r>
-              <a:rPr lang="en-US" sz="1000" dirty="0" err="1" smtClean="0"/>
-              <a:t>hacktivists</a:t>
+              <a:rPr lang="en-US" sz="1000" dirty="0" smtClean="0"/>
+              <a:t>journalists</a:t>
             </a:r>
             <a:endParaRPr lang="en-US" sz="1000" dirty="0"/>
           </a:p>
@@ -6279,10 +6881,18 @@
           <a:lstStyle/>
           <a:p>
             <a:r>
-              <a:rPr lang="en-US" sz="1000" dirty="0" smtClean="0"/>
+              <a:rPr lang="en-US" sz="1000" dirty="0" smtClean="0">
+                <a:solidFill>
+                  <a:srgbClr val="9BBB59"/>
+                </a:solidFill>
+              </a:rPr>
               <a:t>emails</a:t>
             </a:r>
-            <a:endParaRPr lang="en-US" sz="1000" dirty="0"/>
+            <a:endParaRPr lang="en-US" sz="1000" dirty="0">
+              <a:solidFill>
+                <a:srgbClr val="9BBB59"/>
+              </a:solidFill>
+            </a:endParaRPr>
           </a:p>
         </p:txBody>
       </p:sp>
@@ -6309,10 +6919,18 @@
           <a:lstStyle/>
           <a:p>
             <a:r>
-              <a:rPr lang="en-US" sz="1000" dirty="0" smtClean="0"/>
+              <a:rPr lang="en-US" sz="1000" dirty="0" smtClean="0">
+                <a:solidFill>
+                  <a:srgbClr val="9BBB59"/>
+                </a:solidFill>
+              </a:rPr>
               <a:t>passwords</a:t>
             </a:r>
-            <a:endParaRPr lang="en-US" sz="1000" dirty="0"/>
+            <a:endParaRPr lang="en-US" sz="1000" dirty="0">
+              <a:solidFill>
+                <a:srgbClr val="9BBB59"/>
+              </a:solidFill>
+            </a:endParaRPr>
           </a:p>
         </p:txBody>
       </p:sp>
@@ -6356,14 +6974,14 @@
       </p:cxnSp>
       <p:sp>
         <p:nvSpPr>
-          <p:cNvPr id="114" name="TextBox 113"/>
+          <p:cNvPr id="117" name="TextBox 116"/>
           <p:cNvSpPr txBox="1"/>
           <p:nvPr/>
         </p:nvSpPr>
         <p:spPr>
           <a:xfrm>
-            <a:off x="5044659" y="3818604"/>
-            <a:ext cx="412781" cy="246221"/>
+            <a:off x="4644247" y="5367348"/>
+            <a:ext cx="618917" cy="246221"/>
           </a:xfrm>
           <a:prstGeom prst="rect">
             <a:avLst/>
@@ -6377,25 +6995,75 @@
           <a:lstStyle/>
           <a:p>
             <a:r>
-              <a:rPr lang="en-US" sz="1000" dirty="0" smtClean="0"/>
-              <a:t>bots</a:t>
+              <a:rPr lang="en-US" sz="1000" dirty="0" err="1"/>
+              <a:t>b</a:t>
+            </a:r>
+            <a:r>
+              <a:rPr lang="en-US" sz="1000" dirty="0" err="1" smtClean="0"/>
+              <a:t>tc+pills</a:t>
             </a:r>
             <a:endParaRPr lang="en-US" sz="1000" dirty="0"/>
+          </a:p>
+        </p:txBody>
+      </p:sp>
+      <p:sp>
+        <p:nvSpPr>
+          <p:cNvPr id="118" name="TextBox 117"/>
+          <p:cNvSpPr txBox="1"/>
+          <p:nvPr/>
+        </p:nvSpPr>
+        <p:spPr>
+          <a:xfrm>
+            <a:off x="5562656" y="3720705"/>
+            <a:ext cx="746969" cy="400110"/>
+          </a:xfrm>
+          <a:prstGeom prst="rect">
+            <a:avLst/>
+          </a:prstGeom>
+          <a:noFill/>
+        </p:spPr>
+        <p:txBody>
+          <a:bodyPr wrap="none" rtlCol="0">
+            <a:spAutoFit/>
+          </a:bodyPr>
+          <a:lstStyle/>
+          <a:p>
+            <a:r>
+              <a:rPr lang="en-US" sz="1000" dirty="0" smtClean="0">
+                <a:solidFill>
+                  <a:srgbClr val="9BBB59"/>
+                </a:solidFill>
+              </a:rPr>
+              <a:t>Diplomatic </a:t>
+            </a:r>
+          </a:p>
+          <a:p>
+            <a:r>
+              <a:rPr lang="en-US" sz="1000" dirty="0" err="1" smtClean="0">
+                <a:solidFill>
+                  <a:srgbClr val="9BBB59"/>
+                </a:solidFill>
+              </a:rPr>
+              <a:t>intel</a:t>
+            </a:r>
+            <a:endParaRPr lang="en-US" sz="1000" dirty="0">
+              <a:solidFill>
+                <a:srgbClr val="9BBB59"/>
+              </a:solidFill>
+            </a:endParaRPr>
           </a:p>
         </p:txBody>
       </p:sp>
       <p:cxnSp>
         <p:nvCxnSpPr>
-          <p:cNvPr id="115" name="Straight Arrow Connector 114"/>
-          <p:cNvCxnSpPr>
-            <a:endCxn id="114" idx="2"/>
-          </p:cNvCxnSpPr>
+          <p:cNvPr id="119" name="Straight Arrow Connector 118"/>
+          <p:cNvCxnSpPr/>
           <p:nvPr/>
         </p:nvCxnSpPr>
         <p:spPr>
-          <a:xfrm flipH="1" flipV="1">
-            <a:off x="5251050" y="4064825"/>
-            <a:ext cx="50075" cy="403053"/>
+          <a:xfrm flipV="1">
+            <a:off x="5787449" y="4171361"/>
+            <a:ext cx="0" cy="242369"/>
           </a:xfrm>
           <a:prstGeom prst="straightConnector1">
             <a:avLst/>
@@ -6424,14 +7092,14 @@
       </p:cxnSp>
       <p:sp>
         <p:nvSpPr>
-          <p:cNvPr id="117" name="TextBox 116"/>
+          <p:cNvPr id="123" name="TextBox 122"/>
           <p:cNvSpPr txBox="1"/>
           <p:nvPr/>
         </p:nvSpPr>
         <p:spPr>
           <a:xfrm>
-            <a:off x="4644247" y="5367348"/>
-            <a:ext cx="618917" cy="246221"/>
+            <a:off x="6904352" y="5039616"/>
+            <a:ext cx="891052" cy="246221"/>
           </a:xfrm>
           <a:prstGeom prst="rect">
             <a:avLst/>
@@ -6445,12 +7113,8 @@
           <a:lstStyle/>
           <a:p>
             <a:r>
-              <a:rPr lang="en-US" sz="1000" dirty="0" err="1"/>
-              <a:t>b</a:t>
-            </a:r>
-            <a:r>
-              <a:rPr lang="en-US" sz="1000" dirty="0" err="1" smtClean="0"/>
-              <a:t>tc+pills</a:t>
+              <a:rPr lang="en-US" sz="1000" dirty="0" smtClean="0"/>
+              <a:t>operation137</a:t>
             </a:r>
             <a:endParaRPr lang="en-US" sz="1000" dirty="0"/>
           </a:p>
@@ -6458,14 +7122,14 @@
       </p:sp>
       <p:sp>
         <p:nvSpPr>
-          <p:cNvPr id="118" name="TextBox 117"/>
+          <p:cNvPr id="139" name="TextBox 138"/>
           <p:cNvSpPr txBox="1"/>
           <p:nvPr/>
         </p:nvSpPr>
         <p:spPr>
           <a:xfrm>
-            <a:off x="5562656" y="3720705"/>
-            <a:ext cx="746969" cy="400110"/>
+            <a:off x="3692000" y="5080037"/>
+            <a:ext cx="813043" cy="246221"/>
           </a:xfrm>
           <a:prstGeom prst="rect">
             <a:avLst/>
@@ -6479,37 +7143,37 @@
           <a:lstStyle/>
           <a:p>
             <a:r>
-              <a:rPr lang="en-US" sz="1000" dirty="0" smtClean="0"/>
-              <a:t>Diplomatic </a:t>
-            </a:r>
-          </a:p>
-          <a:p>
-            <a:r>
-              <a:rPr lang="en-US" sz="1000" dirty="0" err="1" smtClean="0"/>
-              <a:t>intel</a:t>
-            </a:r>
-            <a:endParaRPr lang="en-US" sz="1000" dirty="0"/>
+              <a:rPr lang="en-US" sz="1000" dirty="0" smtClean="0">
+                <a:solidFill>
+                  <a:schemeClr val="accent6"/>
+                </a:solidFill>
+              </a:rPr>
+              <a:t>E-pharmacy</a:t>
+            </a:r>
+            <a:endParaRPr lang="en-US" sz="1000" dirty="0">
+              <a:solidFill>
+                <a:schemeClr val="accent6"/>
+              </a:solidFill>
+            </a:endParaRPr>
           </a:p>
         </p:txBody>
       </p:sp>
       <p:cxnSp>
         <p:nvCxnSpPr>
-          <p:cNvPr id="119" name="Straight Arrow Connector 118"/>
+          <p:cNvPr id="14" name="Straight Arrow Connector 13"/>
           <p:cNvCxnSpPr/>
           <p:nvPr/>
         </p:nvCxnSpPr>
         <p:spPr>
           <a:xfrm flipV="1">
-            <a:off x="5787449" y="4171361"/>
-            <a:ext cx="0" cy="242369"/>
+            <a:off x="4907731" y="3388403"/>
+            <a:ext cx="0" cy="1541916"/>
           </a:xfrm>
           <a:prstGeom prst="straightConnector1">
             <a:avLst/>
           </a:prstGeom>
           <a:ln>
-            <a:solidFill>
-              <a:schemeClr val="accent3"/>
-            </a:solidFill>
+            <a:headEnd type="arrow"/>
             <a:tailEnd type="arrow"/>
           </a:ln>
         </p:spPr>
@@ -6530,14 +7194,14 @@
       </p:cxnSp>
       <p:sp>
         <p:nvSpPr>
-          <p:cNvPr id="123" name="TextBox 122"/>
+          <p:cNvPr id="62" name="TextBox 61"/>
           <p:cNvSpPr txBox="1"/>
           <p:nvPr/>
         </p:nvSpPr>
         <p:spPr>
           <a:xfrm>
-            <a:off x="6929723" y="5120772"/>
-            <a:ext cx="598316" cy="246221"/>
+            <a:off x="3614642" y="5385258"/>
+            <a:ext cx="1146468" cy="400110"/>
           </a:xfrm>
           <a:prstGeom prst="rect">
             <a:avLst/>
@@ -6551,38 +7215,18 @@
           <a:lstStyle/>
           <a:p>
             <a:r>
+              <a:rPr lang="en-US" sz="1000" dirty="0" err="1" smtClean="0"/>
+              <a:t>Usd+identity</a:t>
+            </a:r>
+            <a:r>
               <a:rPr lang="en-US" sz="1000" dirty="0" smtClean="0"/>
-              <a:t>echelon</a:t>
-            </a:r>
-            <a:endParaRPr lang="en-US" sz="1000" dirty="0"/>
-          </a:p>
-        </p:txBody>
-      </p:sp>
-      <p:sp>
-        <p:nvSpPr>
-          <p:cNvPr id="139" name="TextBox 138"/>
-          <p:cNvSpPr txBox="1"/>
-          <p:nvPr/>
-        </p:nvSpPr>
-        <p:spPr>
-          <a:xfrm>
-            <a:off x="3692000" y="5080037"/>
-            <a:ext cx="813043" cy="246221"/>
-          </a:xfrm>
-          <a:prstGeom prst="rect">
-            <a:avLst/>
-          </a:prstGeom>
-          <a:noFill/>
-        </p:spPr>
-        <p:txBody>
-          <a:bodyPr wrap="none" rtlCol="0">
-            <a:spAutoFit/>
-          </a:bodyPr>
-          <a:lstStyle/>
+              <a:t> info+</a:t>
+            </a:r>
+          </a:p>
           <a:p>
             <a:r>
               <a:rPr lang="en-US" sz="1000" dirty="0" smtClean="0"/>
-              <a:t>E-pharmacy</a:t>
+              <a:t>passwords</a:t>
             </a:r>
             <a:endParaRPr lang="en-US" sz="1000" dirty="0"/>
           </a:p>
@@ -6590,20 +7234,19 @@
       </p:sp>
       <p:cxnSp>
         <p:nvCxnSpPr>
-          <p:cNvPr id="14" name="Straight Arrow Connector 13"/>
+          <p:cNvPr id="63" name="Straight Arrow Connector 62"/>
           <p:cNvCxnSpPr/>
           <p:nvPr/>
         </p:nvCxnSpPr>
         <p:spPr>
-          <a:xfrm flipV="1">
-            <a:off x="4907731" y="3388403"/>
-            <a:ext cx="0" cy="1541916"/>
+          <a:xfrm flipH="1" flipV="1">
+            <a:off x="4066226" y="4746413"/>
+            <a:ext cx="2" cy="304617"/>
           </a:xfrm>
           <a:prstGeom prst="straightConnector1">
             <a:avLst/>
           </a:prstGeom>
           <a:ln>
-            <a:headEnd type="arrow"/>
             <a:tailEnd type="arrow"/>
           </a:ln>
         </p:spPr>
@@ -6624,14 +7267,14 @@
       </p:cxnSp>
       <p:sp>
         <p:nvSpPr>
-          <p:cNvPr id="62" name="TextBox 61"/>
+          <p:cNvPr id="66" name="TextBox 65"/>
           <p:cNvSpPr txBox="1"/>
           <p:nvPr/>
         </p:nvSpPr>
         <p:spPr>
           <a:xfrm>
-            <a:off x="3614642" y="5385258"/>
-            <a:ext cx="1146468" cy="400110"/>
+            <a:off x="3011322" y="4453517"/>
+            <a:ext cx="532568" cy="246221"/>
           </a:xfrm>
           <a:prstGeom prst="rect">
             <a:avLst/>
@@ -6645,18 +7288,8 @@
           <a:lstStyle/>
           <a:p>
             <a:r>
-              <a:rPr lang="en-US" sz="1000" dirty="0" err="1" smtClean="0"/>
-              <a:t>Usd+identity</a:t>
-            </a:r>
-            <a:r>
               <a:rPr lang="en-US" sz="1000" dirty="0" smtClean="0"/>
-              <a:t> info+</a:t>
-            </a:r>
-          </a:p>
-          <a:p>
-            <a:r>
-              <a:rPr lang="en-US" sz="1000" dirty="0" smtClean="0"/>
-              <a:t>passwords</a:t>
+              <a:t>coders</a:t>
             </a:r>
             <a:endParaRPr lang="en-US" sz="1000" dirty="0"/>
           </a:p>
@@ -6664,14 +7297,16 @@
       </p:sp>
       <p:cxnSp>
         <p:nvCxnSpPr>
-          <p:cNvPr id="63" name="Straight Arrow Connector 62"/>
-          <p:cNvCxnSpPr/>
+          <p:cNvPr id="68" name="Straight Arrow Connector 67"/>
+          <p:cNvCxnSpPr>
+            <a:stCxn id="9" idx="0"/>
+          </p:cNvCxnSpPr>
           <p:nvPr/>
         </p:nvCxnSpPr>
         <p:spPr>
           <a:xfrm flipH="1" flipV="1">
-            <a:off x="4066226" y="4746413"/>
-            <a:ext cx="2" cy="304617"/>
+            <a:off x="3302232" y="4709366"/>
+            <a:ext cx="17434" cy="309349"/>
           </a:xfrm>
           <a:prstGeom prst="straightConnector1">
             <a:avLst/>
@@ -6697,14 +7332,14 @@
       </p:cxnSp>
       <p:sp>
         <p:nvSpPr>
-          <p:cNvPr id="66" name="TextBox 65"/>
+          <p:cNvPr id="80" name="TextBox 79"/>
           <p:cNvSpPr txBox="1"/>
           <p:nvPr/>
         </p:nvSpPr>
         <p:spPr>
           <a:xfrm>
-            <a:off x="3011322" y="4453517"/>
-            <a:ext cx="532568" cy="246221"/>
+            <a:off x="3817287" y="4449955"/>
+            <a:ext cx="497878" cy="246221"/>
           </a:xfrm>
           <a:prstGeom prst="rect">
             <a:avLst/>
@@ -6719,24 +7354,412 @@
           <a:p>
             <a:r>
               <a:rPr lang="en-US" sz="1000" dirty="0" smtClean="0"/>
-              <a:t>coders</a:t>
+              <a:t>mules</a:t>
             </a:r>
             <a:endParaRPr lang="en-US" sz="1000" dirty="0"/>
+          </a:p>
+        </p:txBody>
+      </p:sp>
+      <p:sp>
+        <p:nvSpPr>
+          <p:cNvPr id="65" name="TextBox 64"/>
+          <p:cNvSpPr txBox="1"/>
+          <p:nvPr/>
+        </p:nvSpPr>
+        <p:spPr>
+          <a:xfrm>
+            <a:off x="3780760" y="1244585"/>
+            <a:ext cx="1109586" cy="246221"/>
+          </a:xfrm>
+          <a:prstGeom prst="rect">
+            <a:avLst/>
+          </a:prstGeom>
+          <a:noFill/>
+        </p:spPr>
+        <p:txBody>
+          <a:bodyPr wrap="none" rtlCol="0">
+            <a:spAutoFit/>
+          </a:bodyPr>
+          <a:lstStyle/>
+          <a:p>
+            <a:r>
+              <a:rPr lang="en-US" sz="1000" dirty="0" smtClean="0">
+                <a:solidFill>
+                  <a:schemeClr val="accent5"/>
+                </a:solidFill>
+              </a:rPr>
+              <a:t>John the Ripper(</a:t>
+            </a:r>
+            <a:r>
+              <a:rPr lang="en-US" sz="1000" dirty="0" err="1" smtClean="0">
+                <a:solidFill>
+                  <a:schemeClr val="accent5"/>
+                </a:solidFill>
+              </a:rPr>
+              <a:t>i</a:t>
+            </a:r>
+            <a:r>
+              <a:rPr lang="en-US" sz="1000" dirty="0" smtClean="0">
+                <a:solidFill>
+                  <a:schemeClr val="accent5"/>
+                </a:solidFill>
+              </a:rPr>
+              <a:t>)</a:t>
+            </a:r>
+            <a:endParaRPr lang="en-US" sz="1000" dirty="0">
+              <a:solidFill>
+                <a:schemeClr val="accent5"/>
+              </a:solidFill>
+            </a:endParaRPr>
+          </a:p>
+        </p:txBody>
+      </p:sp>
+      <p:sp>
+        <p:nvSpPr>
+          <p:cNvPr id="69" name="TextBox 68"/>
+          <p:cNvSpPr txBox="1"/>
+          <p:nvPr/>
+        </p:nvSpPr>
+        <p:spPr>
+          <a:xfrm>
+            <a:off x="4139464" y="1802398"/>
+            <a:ext cx="945967" cy="246221"/>
+          </a:xfrm>
+          <a:prstGeom prst="rect">
+            <a:avLst/>
+          </a:prstGeom>
+          <a:noFill/>
+        </p:spPr>
+        <p:txBody>
+          <a:bodyPr wrap="none" rtlCol="0">
+            <a:spAutoFit/>
+          </a:bodyPr>
+          <a:lstStyle/>
+          <a:p>
+            <a:r>
+              <a:rPr lang="en-US" sz="1000" dirty="0" smtClean="0">
+                <a:solidFill>
+                  <a:srgbClr val="3366FF"/>
+                </a:solidFill>
+              </a:rPr>
+              <a:t>Dictionaries(1)</a:t>
+            </a:r>
+            <a:endParaRPr lang="en-US" sz="1000" dirty="0">
+              <a:solidFill>
+                <a:srgbClr val="3366FF"/>
+              </a:solidFill>
+            </a:endParaRPr>
+          </a:p>
+        </p:txBody>
+      </p:sp>
+      <p:sp>
+        <p:nvSpPr>
+          <p:cNvPr id="76" name="TextBox 75"/>
+          <p:cNvSpPr txBox="1"/>
+          <p:nvPr/>
+        </p:nvSpPr>
+        <p:spPr>
+          <a:xfrm>
+            <a:off x="6374874" y="1679287"/>
+            <a:ext cx="981409" cy="400110"/>
+          </a:xfrm>
+          <a:prstGeom prst="rect">
+            <a:avLst/>
+          </a:prstGeom>
+          <a:noFill/>
+        </p:spPr>
+        <p:txBody>
+          <a:bodyPr wrap="none" rtlCol="0">
+            <a:spAutoFit/>
+          </a:bodyPr>
+          <a:lstStyle/>
+          <a:p>
+            <a:r>
+              <a:rPr lang="en-US" sz="1000" dirty="0" smtClean="0">
+                <a:solidFill>
+                  <a:srgbClr val="3366FF"/>
+                </a:solidFill>
+              </a:rPr>
+              <a:t>Trojan (d)</a:t>
+            </a:r>
+          </a:p>
+          <a:p>
+            <a:r>
+              <a:rPr lang="en-US" sz="1000" dirty="0" smtClean="0">
+                <a:solidFill>
+                  <a:srgbClr val="3366FF"/>
+                </a:solidFill>
+              </a:rPr>
+              <a:t>(+</a:t>
+            </a:r>
+            <a:r>
+              <a:rPr lang="en-US" sz="1000" dirty="0" err="1" smtClean="0">
+                <a:solidFill>
+                  <a:srgbClr val="3366FF"/>
+                </a:solidFill>
+              </a:rPr>
+              <a:t>exploits+usd</a:t>
+            </a:r>
+            <a:r>
+              <a:rPr lang="en-US" sz="1000" dirty="0" smtClean="0">
+                <a:solidFill>
+                  <a:srgbClr val="3366FF"/>
+                </a:solidFill>
+              </a:rPr>
+              <a:t>)</a:t>
+            </a:r>
+            <a:endParaRPr lang="en-US" sz="1000" dirty="0">
+              <a:solidFill>
+                <a:srgbClr val="3366FF"/>
+              </a:solidFill>
+            </a:endParaRPr>
+          </a:p>
+        </p:txBody>
+      </p:sp>
+      <p:sp>
+        <p:nvSpPr>
+          <p:cNvPr id="77" name="TextBox 76"/>
+          <p:cNvSpPr txBox="1"/>
+          <p:nvPr/>
+        </p:nvSpPr>
+        <p:spPr>
+          <a:xfrm>
+            <a:off x="6369380" y="1230295"/>
+            <a:ext cx="981409" cy="400110"/>
+          </a:xfrm>
+          <a:prstGeom prst="rect">
+            <a:avLst/>
+          </a:prstGeom>
+          <a:noFill/>
+        </p:spPr>
+        <p:txBody>
+          <a:bodyPr wrap="none" rtlCol="0">
+            <a:spAutoFit/>
+          </a:bodyPr>
+          <a:lstStyle/>
+          <a:p>
+            <a:r>
+              <a:rPr lang="en-US" sz="1000" dirty="0" smtClean="0">
+                <a:solidFill>
+                  <a:srgbClr val="3366FF"/>
+                </a:solidFill>
+              </a:rPr>
+              <a:t>Virus (1)</a:t>
+            </a:r>
+          </a:p>
+          <a:p>
+            <a:r>
+              <a:rPr lang="en-US" sz="1000" dirty="0" smtClean="0">
+                <a:solidFill>
+                  <a:srgbClr val="3366FF"/>
+                </a:solidFill>
+              </a:rPr>
+              <a:t>(+</a:t>
+            </a:r>
+            <a:r>
+              <a:rPr lang="en-US" sz="1000" dirty="0" err="1" smtClean="0">
+                <a:solidFill>
+                  <a:srgbClr val="3366FF"/>
+                </a:solidFill>
+              </a:rPr>
+              <a:t>exploits+usd</a:t>
+            </a:r>
+            <a:r>
+              <a:rPr lang="en-US" sz="1000" dirty="0" smtClean="0">
+                <a:solidFill>
+                  <a:srgbClr val="3366FF"/>
+                </a:solidFill>
+              </a:rPr>
+              <a:t>)</a:t>
+            </a:r>
+            <a:endParaRPr lang="en-US" sz="1000" dirty="0">
+              <a:solidFill>
+                <a:srgbClr val="3366FF"/>
+              </a:solidFill>
+            </a:endParaRPr>
+          </a:p>
+        </p:txBody>
+      </p:sp>
+      <p:sp>
+        <p:nvSpPr>
+          <p:cNvPr id="6" name="TextBox 5"/>
+          <p:cNvSpPr txBox="1"/>
+          <p:nvPr/>
+        </p:nvSpPr>
+        <p:spPr>
+          <a:xfrm>
+            <a:off x="0" y="1398128"/>
+            <a:ext cx="1043901" cy="246221"/>
+          </a:xfrm>
+          <a:prstGeom prst="rect">
+            <a:avLst/>
+          </a:prstGeom>
+          <a:noFill/>
+        </p:spPr>
+        <p:txBody>
+          <a:bodyPr wrap="none" rtlCol="0">
+            <a:spAutoFit/>
+          </a:bodyPr>
+          <a:lstStyle/>
+          <a:p>
+            <a:r>
+              <a:rPr lang="en-US" sz="1000" dirty="0" smtClean="0"/>
+              <a:t>HACKING TOOLS</a:t>
+            </a:r>
+            <a:endParaRPr lang="en-US" sz="1000" dirty="0"/>
+          </a:p>
+        </p:txBody>
+      </p:sp>
+      <p:sp>
+        <p:nvSpPr>
+          <p:cNvPr id="12" name="TextBox 11"/>
+          <p:cNvSpPr txBox="1"/>
+          <p:nvPr/>
+        </p:nvSpPr>
+        <p:spPr>
+          <a:xfrm>
+            <a:off x="1567699" y="1398128"/>
+            <a:ext cx="796124" cy="246221"/>
+          </a:xfrm>
+          <a:prstGeom prst="rect">
+            <a:avLst/>
+          </a:prstGeom>
+          <a:noFill/>
+        </p:spPr>
+        <p:txBody>
+          <a:bodyPr wrap="none" rtlCol="0">
+            <a:spAutoFit/>
+          </a:bodyPr>
+          <a:lstStyle/>
+          <a:p>
+            <a:r>
+              <a:rPr lang="en-US" sz="1000" dirty="0" err="1" smtClean="0">
+                <a:solidFill>
+                  <a:schemeClr val="accent5"/>
+                </a:solidFill>
+              </a:rPr>
+              <a:t>hackerware</a:t>
+            </a:r>
+            <a:endParaRPr lang="en-US" sz="1000" dirty="0">
+              <a:solidFill>
+                <a:schemeClr val="accent5"/>
+              </a:solidFill>
+            </a:endParaRPr>
+          </a:p>
+        </p:txBody>
+      </p:sp>
+      <p:sp>
+        <p:nvSpPr>
+          <p:cNvPr id="13" name="TextBox 12"/>
+          <p:cNvSpPr txBox="1"/>
+          <p:nvPr/>
+        </p:nvSpPr>
+        <p:spPr>
+          <a:xfrm>
+            <a:off x="4251369" y="952962"/>
+            <a:ext cx="1143086" cy="246221"/>
+          </a:xfrm>
+          <a:prstGeom prst="rect">
+            <a:avLst/>
+          </a:prstGeom>
+          <a:noFill/>
+        </p:spPr>
+        <p:txBody>
+          <a:bodyPr wrap="none" rtlCol="0">
+            <a:spAutoFit/>
+          </a:bodyPr>
+          <a:lstStyle/>
+          <a:p>
+            <a:r>
+              <a:rPr lang="en-US" sz="1000" u="sng" dirty="0" smtClean="0"/>
+              <a:t>Password cracking</a:t>
+            </a:r>
+            <a:endParaRPr lang="en-US" sz="1000" u="sng" dirty="0"/>
+          </a:p>
+        </p:txBody>
+      </p:sp>
+      <p:sp>
+        <p:nvSpPr>
+          <p:cNvPr id="78" name="TextBox 77"/>
+          <p:cNvSpPr txBox="1"/>
+          <p:nvPr/>
+        </p:nvSpPr>
+        <p:spPr>
+          <a:xfrm>
+            <a:off x="5447073" y="1244239"/>
+            <a:ext cx="788923" cy="400110"/>
+          </a:xfrm>
+          <a:prstGeom prst="rect">
+            <a:avLst/>
+          </a:prstGeom>
+          <a:noFill/>
+        </p:spPr>
+        <p:txBody>
+          <a:bodyPr wrap="none" rtlCol="0">
+            <a:spAutoFit/>
+          </a:bodyPr>
+          <a:lstStyle/>
+          <a:p>
+            <a:r>
+              <a:rPr lang="en-US" sz="1000" dirty="0" smtClean="0">
+                <a:solidFill>
+                  <a:srgbClr val="3366FF"/>
+                </a:solidFill>
+              </a:rPr>
+              <a:t>Quark II (d)</a:t>
+            </a:r>
+          </a:p>
+          <a:p>
+            <a:r>
+              <a:rPr lang="en-US" sz="1000" dirty="0" smtClean="0">
+                <a:solidFill>
+                  <a:srgbClr val="3366FF"/>
+                </a:solidFill>
+              </a:rPr>
+              <a:t>(+t.s.</a:t>
+            </a:r>
+            <a:r>
+              <a:rPr lang="en-US" sz="1000" dirty="0" smtClean="0">
+                <a:solidFill>
+                  <a:srgbClr val="3366FF"/>
+                </a:solidFill>
+              </a:rPr>
+              <a:t>+</a:t>
+            </a:r>
+            <a:r>
+              <a:rPr lang="en-US" sz="1000" dirty="0" err="1" smtClean="0">
+                <a:solidFill>
+                  <a:srgbClr val="3366FF"/>
+                </a:solidFill>
+              </a:rPr>
+              <a:t>ch</a:t>
+            </a:r>
+            <a:r>
+              <a:rPr lang="en-US" sz="1000" dirty="0" smtClean="0">
+                <a:solidFill>
+                  <a:srgbClr val="3366FF"/>
+                </a:solidFill>
+              </a:rPr>
+              <a:t>)</a:t>
+            </a:r>
+            <a:endParaRPr lang="en-US" sz="1000" dirty="0">
+              <a:solidFill>
+                <a:srgbClr val="3366FF"/>
+              </a:solidFill>
+            </a:endParaRPr>
           </a:p>
         </p:txBody>
       </p:sp>
       <p:cxnSp>
         <p:nvCxnSpPr>
-          <p:cNvPr id="68" name="Straight Arrow Connector 67"/>
-          <p:cNvCxnSpPr>
-            <a:stCxn id="9" idx="0"/>
-          </p:cNvCxnSpPr>
+          <p:cNvPr id="17" name="Straight Arrow Connector 16"/>
+          <p:cNvCxnSpPr/>
           <p:nvPr/>
         </p:nvCxnSpPr>
         <p:spPr>
-          <a:xfrm flipH="1" flipV="1">
-            <a:off x="3302232" y="4709366"/>
-            <a:ext cx="17434" cy="309349"/>
+          <a:xfrm flipV="1">
+            <a:off x="4594909" y="1542598"/>
+            <a:ext cx="0" cy="267581"/>
           </a:xfrm>
           <a:prstGeom prst="straightConnector1">
             <a:avLst/>
@@ -6762,14 +7785,14 @@
       </p:cxnSp>
       <p:sp>
         <p:nvSpPr>
-          <p:cNvPr id="80" name="TextBox 79"/>
+          <p:cNvPr id="92" name="TextBox 91"/>
           <p:cNvSpPr txBox="1"/>
           <p:nvPr/>
         </p:nvSpPr>
         <p:spPr>
           <a:xfrm>
-            <a:off x="3817287" y="4449955"/>
-            <a:ext cx="497878" cy="246221"/>
+            <a:off x="8126395" y="1296377"/>
+            <a:ext cx="662874" cy="246221"/>
           </a:xfrm>
           <a:prstGeom prst="rect">
             <a:avLst/>
@@ -6783,23 +7806,31 @@
           <a:lstStyle/>
           <a:p>
             <a:r>
-              <a:rPr lang="en-US" sz="1000" dirty="0" smtClean="0"/>
-              <a:t>mules</a:t>
-            </a:r>
-            <a:endParaRPr lang="en-US" sz="1000" dirty="0"/>
-          </a:p>
-        </p:txBody>
-      </p:sp>
-      <p:sp>
-        <p:nvSpPr>
-          <p:cNvPr id="65" name="TextBox 64"/>
+              <a:rPr lang="en-US" sz="1000" dirty="0" smtClean="0">
+                <a:solidFill>
+                  <a:srgbClr val="3366FF"/>
+                </a:solidFill>
+              </a:rPr>
+              <a:t>worm (1)</a:t>
+            </a:r>
+            <a:endParaRPr lang="en-US" sz="1000" dirty="0">
+              <a:solidFill>
+                <a:srgbClr val="3366FF"/>
+              </a:solidFill>
+            </a:endParaRPr>
+          </a:p>
+        </p:txBody>
+      </p:sp>
+      <p:sp>
+        <p:nvSpPr>
+          <p:cNvPr id="96" name="TextBox 95"/>
           <p:cNvSpPr txBox="1"/>
           <p:nvPr/>
         </p:nvSpPr>
         <p:spPr>
           <a:xfrm>
-            <a:off x="3780760" y="1244585"/>
-            <a:ext cx="1109586" cy="246221"/>
+            <a:off x="6388242" y="836882"/>
+            <a:ext cx="851415" cy="246221"/>
           </a:xfrm>
           <a:prstGeom prst="rect">
             <a:avLst/>
@@ -6813,31 +7844,23 @@
           <a:lstStyle/>
           <a:p>
             <a:r>
-              <a:rPr lang="en-US" sz="1000" dirty="0" smtClean="0"/>
-              <a:t>John the Ripper(</a:t>
-            </a:r>
-            <a:r>
-              <a:rPr lang="en-US" sz="1000" dirty="0" err="1" smtClean="0"/>
-              <a:t>i</a:t>
-            </a:r>
-            <a:r>
-              <a:rPr lang="en-US" sz="1000" dirty="0" smtClean="0"/>
-              <a:t>)</a:t>
-            </a:r>
-            <a:endParaRPr lang="en-US" sz="1000" dirty="0"/>
-          </a:p>
-        </p:txBody>
-      </p:sp>
-      <p:sp>
-        <p:nvSpPr>
-          <p:cNvPr id="67" name="TextBox 66"/>
+              <a:rPr lang="en-US" sz="1000" u="sng" dirty="0" smtClean="0"/>
+              <a:t>Other access</a:t>
+            </a:r>
+            <a:endParaRPr lang="en-US" sz="1000" u="sng" dirty="0"/>
+          </a:p>
+        </p:txBody>
+      </p:sp>
+      <p:sp>
+        <p:nvSpPr>
+          <p:cNvPr id="19" name="TextBox 18"/>
           <p:cNvSpPr txBox="1"/>
           <p:nvPr/>
         </p:nvSpPr>
         <p:spPr>
           <a:xfrm>
-            <a:off x="5520003" y="1597604"/>
-            <a:ext cx="919730" cy="400110"/>
+            <a:off x="3084050" y="940004"/>
+            <a:ext cx="442461" cy="246221"/>
           </a:xfrm>
           <a:prstGeom prst="rect">
             <a:avLst/>
@@ -6851,37 +7874,23 @@
           <a:lstStyle/>
           <a:p>
             <a:r>
-              <a:rPr lang="en-US" sz="1000" dirty="0" smtClean="0"/>
-              <a:t>Deep Crack(d)</a:t>
-            </a:r>
-          </a:p>
-          <a:p>
-            <a:r>
-              <a:rPr lang="en-US" sz="1000" dirty="0" smtClean="0"/>
-              <a:t>(+t.s.+</a:t>
-            </a:r>
-            <a:r>
-              <a:rPr lang="en-US" sz="1000" dirty="0" err="1" smtClean="0"/>
-              <a:t>hw</a:t>
-            </a:r>
-            <a:r>
-              <a:rPr lang="en-US" sz="1000" dirty="0" smtClean="0"/>
-              <a:t>)</a:t>
-            </a:r>
-            <a:endParaRPr lang="en-US" sz="1000" dirty="0"/>
-          </a:p>
-        </p:txBody>
-      </p:sp>
-      <p:sp>
-        <p:nvSpPr>
-          <p:cNvPr id="69" name="TextBox 68"/>
+              <a:rPr lang="en-US" sz="1000" u="sng" dirty="0" smtClean="0"/>
+              <a:t>tools</a:t>
+            </a:r>
+            <a:endParaRPr lang="en-US" sz="1000" u="sng" dirty="0"/>
+          </a:p>
+        </p:txBody>
+      </p:sp>
+      <p:sp>
+        <p:nvSpPr>
+          <p:cNvPr id="97" name="TextBox 96"/>
           <p:cNvSpPr txBox="1"/>
           <p:nvPr/>
         </p:nvSpPr>
         <p:spPr>
           <a:xfrm>
-            <a:off x="4139464" y="1802398"/>
-            <a:ext cx="945967" cy="246221"/>
+            <a:off x="7366567" y="1332312"/>
+            <a:ext cx="710025" cy="246221"/>
           </a:xfrm>
           <a:prstGeom prst="rect">
             <a:avLst/>
@@ -6895,415 +7904,18 @@
           <a:lstStyle/>
           <a:p>
             <a:r>
-              <a:rPr lang="en-US" sz="1000" dirty="0" smtClean="0"/>
-              <a:t>Dictionaries(1)</a:t>
-            </a:r>
-            <a:endParaRPr lang="en-US" sz="1000" dirty="0"/>
-          </a:p>
-        </p:txBody>
-      </p:sp>
-      <p:sp>
-        <p:nvSpPr>
-          <p:cNvPr id="76" name="TextBox 75"/>
-          <p:cNvSpPr txBox="1"/>
-          <p:nvPr/>
-        </p:nvSpPr>
-        <p:spPr>
-          <a:xfrm>
-            <a:off x="6374874" y="1679287"/>
-            <a:ext cx="981409" cy="400110"/>
-          </a:xfrm>
-          <a:prstGeom prst="rect">
-            <a:avLst/>
-          </a:prstGeom>
-          <a:noFill/>
-        </p:spPr>
-        <p:txBody>
-          <a:bodyPr wrap="none" rtlCol="0">
-            <a:spAutoFit/>
-          </a:bodyPr>
-          <a:lstStyle/>
-          <a:p>
-            <a:r>
-              <a:rPr lang="en-US" sz="1000" dirty="0" smtClean="0"/>
-              <a:t>Trojan (d)</a:t>
-            </a:r>
-          </a:p>
-          <a:p>
-            <a:r>
-              <a:rPr lang="en-US" sz="1000" dirty="0" smtClean="0"/>
-              <a:t>(+</a:t>
-            </a:r>
-            <a:r>
-              <a:rPr lang="en-US" sz="1000" dirty="0" err="1" smtClean="0"/>
-              <a:t>exploits+usd</a:t>
-            </a:r>
-            <a:r>
-              <a:rPr lang="en-US" sz="1000" dirty="0" smtClean="0"/>
-              <a:t>)</a:t>
-            </a:r>
-            <a:endParaRPr lang="en-US" sz="1000" dirty="0"/>
-          </a:p>
-        </p:txBody>
-      </p:sp>
-      <p:sp>
-        <p:nvSpPr>
-          <p:cNvPr id="77" name="TextBox 76"/>
-          <p:cNvSpPr txBox="1"/>
-          <p:nvPr/>
-        </p:nvSpPr>
-        <p:spPr>
-          <a:xfrm>
-            <a:off x="6369380" y="1230295"/>
-            <a:ext cx="981409" cy="400110"/>
-          </a:xfrm>
-          <a:prstGeom prst="rect">
-            <a:avLst/>
-          </a:prstGeom>
-          <a:noFill/>
-        </p:spPr>
-        <p:txBody>
-          <a:bodyPr wrap="none" rtlCol="0">
-            <a:spAutoFit/>
-          </a:bodyPr>
-          <a:lstStyle/>
-          <a:p>
-            <a:r>
-              <a:rPr lang="en-US" sz="1000" dirty="0" smtClean="0"/>
-              <a:t>Virus (1)</a:t>
-            </a:r>
-          </a:p>
-          <a:p>
-            <a:r>
-              <a:rPr lang="en-US" sz="1000" dirty="0" smtClean="0"/>
-              <a:t>(+</a:t>
-            </a:r>
-            <a:r>
-              <a:rPr lang="en-US" sz="1000" dirty="0" err="1" smtClean="0"/>
-              <a:t>exploits+usd</a:t>
-            </a:r>
-            <a:r>
-              <a:rPr lang="en-US" sz="1000" dirty="0" smtClean="0"/>
-              <a:t>)</a:t>
-            </a:r>
-            <a:endParaRPr lang="en-US" sz="1000" dirty="0"/>
-          </a:p>
-        </p:txBody>
-      </p:sp>
-      <p:sp>
-        <p:nvSpPr>
-          <p:cNvPr id="6" name="TextBox 5"/>
-          <p:cNvSpPr txBox="1"/>
-          <p:nvPr/>
-        </p:nvSpPr>
-        <p:spPr>
-          <a:xfrm>
-            <a:off x="0" y="1398128"/>
-            <a:ext cx="1043901" cy="246221"/>
-          </a:xfrm>
-          <a:prstGeom prst="rect">
-            <a:avLst/>
-          </a:prstGeom>
-          <a:noFill/>
-        </p:spPr>
-        <p:txBody>
-          <a:bodyPr wrap="none" rtlCol="0">
-            <a:spAutoFit/>
-          </a:bodyPr>
-          <a:lstStyle/>
-          <a:p>
-            <a:r>
-              <a:rPr lang="en-US" sz="1000" dirty="0" smtClean="0"/>
-              <a:t>HACKING TOOLS</a:t>
-            </a:r>
-            <a:endParaRPr lang="en-US" sz="1000" dirty="0"/>
-          </a:p>
-        </p:txBody>
-      </p:sp>
-      <p:sp>
-        <p:nvSpPr>
-          <p:cNvPr id="12" name="TextBox 11"/>
-          <p:cNvSpPr txBox="1"/>
-          <p:nvPr/>
-        </p:nvSpPr>
-        <p:spPr>
-          <a:xfrm>
-            <a:off x="1567699" y="1398128"/>
-            <a:ext cx="796124" cy="246221"/>
-          </a:xfrm>
-          <a:prstGeom prst="rect">
-            <a:avLst/>
-          </a:prstGeom>
-          <a:noFill/>
-        </p:spPr>
-        <p:txBody>
-          <a:bodyPr wrap="none" rtlCol="0">
-            <a:spAutoFit/>
-          </a:bodyPr>
-          <a:lstStyle/>
-          <a:p>
-            <a:r>
-              <a:rPr lang="en-US" sz="1000" dirty="0" err="1" smtClean="0"/>
-              <a:t>hackerware</a:t>
-            </a:r>
-            <a:endParaRPr lang="en-US" sz="1000" dirty="0"/>
-          </a:p>
-        </p:txBody>
-      </p:sp>
-      <p:sp>
-        <p:nvSpPr>
-          <p:cNvPr id="13" name="TextBox 12"/>
-          <p:cNvSpPr txBox="1"/>
-          <p:nvPr/>
-        </p:nvSpPr>
-        <p:spPr>
-          <a:xfrm>
-            <a:off x="4251369" y="952962"/>
-            <a:ext cx="1143086" cy="246221"/>
-          </a:xfrm>
-          <a:prstGeom prst="rect">
-            <a:avLst/>
-          </a:prstGeom>
-          <a:noFill/>
-        </p:spPr>
-        <p:txBody>
-          <a:bodyPr wrap="none" rtlCol="0">
-            <a:spAutoFit/>
-          </a:bodyPr>
-          <a:lstStyle/>
-          <a:p>
-            <a:r>
-              <a:rPr lang="en-US" sz="1000" u="sng" dirty="0" smtClean="0"/>
-              <a:t>Password cracking</a:t>
-            </a:r>
-            <a:endParaRPr lang="en-US" sz="1000" u="sng" dirty="0"/>
-          </a:p>
-        </p:txBody>
-      </p:sp>
-      <p:sp>
-        <p:nvSpPr>
-          <p:cNvPr id="78" name="TextBox 77"/>
-          <p:cNvSpPr txBox="1"/>
-          <p:nvPr/>
-        </p:nvSpPr>
-        <p:spPr>
-          <a:xfrm>
-            <a:off x="5521625" y="1178423"/>
-            <a:ext cx="788923" cy="400110"/>
-          </a:xfrm>
-          <a:prstGeom prst="rect">
-            <a:avLst/>
-          </a:prstGeom>
-          <a:noFill/>
-        </p:spPr>
-        <p:txBody>
-          <a:bodyPr wrap="none" rtlCol="0">
-            <a:spAutoFit/>
-          </a:bodyPr>
-          <a:lstStyle/>
-          <a:p>
-            <a:r>
-              <a:rPr lang="en-US" sz="1000" dirty="0" smtClean="0"/>
-              <a:t>Quark II (d)</a:t>
-            </a:r>
-          </a:p>
-          <a:p>
-            <a:r>
-              <a:rPr lang="en-US" sz="1000" dirty="0" smtClean="0"/>
-              <a:t>(+t.s.+</a:t>
-            </a:r>
-            <a:r>
-              <a:rPr lang="en-US" sz="1000" dirty="0" err="1" smtClean="0"/>
-              <a:t>hw</a:t>
-            </a:r>
-            <a:r>
-              <a:rPr lang="en-US" sz="1000" dirty="0" smtClean="0"/>
-              <a:t>)</a:t>
-            </a:r>
-            <a:endParaRPr lang="en-US" sz="1000" dirty="0"/>
-          </a:p>
-        </p:txBody>
-      </p:sp>
-      <p:cxnSp>
-        <p:nvCxnSpPr>
-          <p:cNvPr id="17" name="Straight Arrow Connector 16"/>
-          <p:cNvCxnSpPr/>
-          <p:nvPr/>
-        </p:nvCxnSpPr>
-        <p:spPr>
-          <a:xfrm flipV="1">
-            <a:off x="4594909" y="1542598"/>
-            <a:ext cx="0" cy="267581"/>
-          </a:xfrm>
-          <a:prstGeom prst="straightConnector1">
-            <a:avLst/>
-          </a:prstGeom>
-          <a:ln>
-            <a:tailEnd type="arrow"/>
-          </a:ln>
-        </p:spPr>
-        <p:style>
-          <a:lnRef idx="2">
-            <a:schemeClr val="accent1"/>
-          </a:lnRef>
-          <a:fillRef idx="0">
-            <a:schemeClr val="accent1"/>
-          </a:fillRef>
-          <a:effectRef idx="1">
-            <a:schemeClr val="accent1"/>
-          </a:effectRef>
-          <a:fontRef idx="minor">
-            <a:schemeClr val="tx1"/>
-          </a:fontRef>
-        </p:style>
-      </p:cxnSp>
-      <p:sp>
-        <p:nvSpPr>
-          <p:cNvPr id="92" name="TextBox 91"/>
-          <p:cNvSpPr txBox="1"/>
-          <p:nvPr/>
-        </p:nvSpPr>
-        <p:spPr>
-          <a:xfrm>
-            <a:off x="8126395" y="1296377"/>
-            <a:ext cx="662874" cy="246221"/>
-          </a:xfrm>
-          <a:prstGeom prst="rect">
-            <a:avLst/>
-          </a:prstGeom>
-          <a:noFill/>
-        </p:spPr>
-        <p:txBody>
-          <a:bodyPr wrap="none" rtlCol="0">
-            <a:spAutoFit/>
-          </a:bodyPr>
-          <a:lstStyle/>
-          <a:p>
-            <a:r>
-              <a:rPr lang="en-US" sz="1000" dirty="0" smtClean="0"/>
-              <a:t>worm (1)</a:t>
-            </a:r>
-            <a:endParaRPr lang="en-US" sz="1000" dirty="0"/>
-          </a:p>
-        </p:txBody>
-      </p:sp>
-      <p:sp>
-        <p:nvSpPr>
-          <p:cNvPr id="96" name="TextBox 95"/>
-          <p:cNvSpPr txBox="1"/>
-          <p:nvPr/>
-        </p:nvSpPr>
-        <p:spPr>
-          <a:xfrm>
-            <a:off x="6388242" y="836882"/>
-            <a:ext cx="851415" cy="246221"/>
-          </a:xfrm>
-          <a:prstGeom prst="rect">
-            <a:avLst/>
-          </a:prstGeom>
-          <a:noFill/>
-        </p:spPr>
-        <p:txBody>
-          <a:bodyPr wrap="none" rtlCol="0">
-            <a:spAutoFit/>
-          </a:bodyPr>
-          <a:lstStyle/>
-          <a:p>
-            <a:r>
-              <a:rPr lang="en-US" sz="1000" u="sng" dirty="0" smtClean="0"/>
-              <a:t>Other access</a:t>
-            </a:r>
-            <a:endParaRPr lang="en-US" sz="1000" u="sng" dirty="0"/>
-          </a:p>
-        </p:txBody>
-      </p:sp>
-      <p:sp>
-        <p:nvSpPr>
-          <p:cNvPr id="19" name="TextBox 18"/>
-          <p:cNvSpPr txBox="1"/>
-          <p:nvPr/>
-        </p:nvSpPr>
-        <p:spPr>
-          <a:xfrm>
-            <a:off x="3084050" y="940004"/>
-            <a:ext cx="442461" cy="246221"/>
-          </a:xfrm>
-          <a:prstGeom prst="rect">
-            <a:avLst/>
-          </a:prstGeom>
-          <a:noFill/>
-        </p:spPr>
-        <p:txBody>
-          <a:bodyPr wrap="none" rtlCol="0">
-            <a:spAutoFit/>
-          </a:bodyPr>
-          <a:lstStyle/>
-          <a:p>
-            <a:r>
-              <a:rPr lang="en-US" sz="1000" u="sng" dirty="0" smtClean="0"/>
-              <a:t>tools</a:t>
-            </a:r>
-            <a:endParaRPr lang="en-US" sz="1000" u="sng" dirty="0"/>
-          </a:p>
-        </p:txBody>
-      </p:sp>
-      <p:sp>
-        <p:nvSpPr>
-          <p:cNvPr id="20" name="TextBox 19"/>
-          <p:cNvSpPr txBox="1"/>
-          <p:nvPr/>
-        </p:nvSpPr>
-        <p:spPr>
-          <a:xfrm>
-            <a:off x="3084050" y="1254264"/>
-            <a:ext cx="518091" cy="246221"/>
-          </a:xfrm>
-          <a:prstGeom prst="rect">
-            <a:avLst/>
-          </a:prstGeom>
-          <a:noFill/>
-        </p:spPr>
-        <p:txBody>
-          <a:bodyPr wrap="none" rtlCol="0">
-            <a:spAutoFit/>
-          </a:bodyPr>
-          <a:lstStyle/>
-          <a:p>
-            <a:r>
-              <a:rPr lang="en-US" sz="1000" dirty="0" smtClean="0"/>
-              <a:t>sniffer</a:t>
-            </a:r>
-            <a:endParaRPr lang="en-US" sz="1000" dirty="0"/>
-          </a:p>
-        </p:txBody>
-      </p:sp>
-      <p:sp>
-        <p:nvSpPr>
-          <p:cNvPr id="97" name="TextBox 96"/>
-          <p:cNvSpPr txBox="1"/>
-          <p:nvPr/>
-        </p:nvSpPr>
-        <p:spPr>
-          <a:xfrm>
-            <a:off x="7294191" y="1751493"/>
-            <a:ext cx="710025" cy="246221"/>
-          </a:xfrm>
-          <a:prstGeom prst="rect">
-            <a:avLst/>
-          </a:prstGeom>
-          <a:noFill/>
-        </p:spPr>
-        <p:txBody>
-          <a:bodyPr wrap="none" rtlCol="0">
-            <a:spAutoFit/>
-          </a:bodyPr>
-          <a:lstStyle/>
-          <a:p>
-            <a:r>
-              <a:rPr lang="en-US" sz="1000" dirty="0" smtClean="0"/>
+              <a:rPr lang="en-US" sz="1000" dirty="0" smtClean="0">
+                <a:solidFill>
+                  <a:srgbClr val="3366FF"/>
+                </a:solidFill>
+              </a:rPr>
               <a:t>rootkit (1)</a:t>
             </a:r>
-            <a:endParaRPr lang="en-US" sz="1000" dirty="0"/>
+            <a:endParaRPr lang="en-US" sz="1000" dirty="0">
+              <a:solidFill>
+                <a:srgbClr val="3366FF"/>
+              </a:solidFill>
+            </a:endParaRPr>
           </a:p>
         </p:txBody>
       </p:sp>
@@ -7449,80 +8061,18 @@
           </a:fontRef>
         </p:style>
       </p:cxnSp>
-      <p:sp>
-        <p:nvSpPr>
-          <p:cNvPr id="102" name="TextBox 101"/>
-          <p:cNvSpPr txBox="1"/>
-          <p:nvPr/>
-        </p:nvSpPr>
-        <p:spPr>
-          <a:xfrm>
-            <a:off x="4596535" y="2307569"/>
-            <a:ext cx="687170" cy="246221"/>
-          </a:xfrm>
-          <a:prstGeom prst="rect">
-            <a:avLst/>
-          </a:prstGeom>
-          <a:noFill/>
-        </p:spPr>
-        <p:txBody>
-          <a:bodyPr wrap="none" rtlCol="0">
-            <a:spAutoFit/>
-          </a:bodyPr>
-          <a:lstStyle/>
-          <a:p>
-            <a:r>
-              <a:rPr lang="en-US" sz="1000" dirty="0" smtClean="0"/>
-              <a:t>hardware</a:t>
-            </a:r>
-            <a:endParaRPr lang="en-US" sz="1000" dirty="0"/>
-          </a:p>
-        </p:txBody>
-      </p:sp>
       <p:cxnSp>
         <p:nvCxnSpPr>
           <p:cNvPr id="103" name="Straight Arrow Connector 102"/>
-          <p:cNvCxnSpPr/>
+          <p:cNvCxnSpPr>
+            <a:endCxn id="122" idx="1"/>
+          </p:cNvCxnSpPr>
           <p:nvPr/>
         </p:nvCxnSpPr>
         <p:spPr>
           <a:xfrm>
-            <a:off x="4858945" y="2553790"/>
-            <a:ext cx="1" cy="282507"/>
-          </a:xfrm>
-          <a:prstGeom prst="straightConnector1">
-            <a:avLst/>
-          </a:prstGeom>
-          <a:ln>
-            <a:headEnd type="arrow"/>
-            <a:tailEnd type="arrow"/>
-          </a:ln>
-        </p:spPr>
-        <p:style>
-          <a:lnRef idx="2">
-            <a:schemeClr val="accent1"/>
-          </a:lnRef>
-          <a:fillRef idx="0">
-            <a:schemeClr val="accent1"/>
-          </a:fillRef>
-          <a:effectRef idx="1">
-            <a:schemeClr val="accent1"/>
-          </a:effectRef>
-          <a:fontRef idx="minor">
-            <a:schemeClr val="tx1"/>
-          </a:fontRef>
-        </p:style>
-      </p:cxnSp>
-      <p:cxnSp>
-        <p:nvCxnSpPr>
-          <p:cNvPr id="107" name="Straight Arrow Connector 106"/>
-          <p:cNvCxnSpPr/>
-          <p:nvPr/>
-        </p:nvCxnSpPr>
-        <p:spPr>
-          <a:xfrm>
-            <a:off x="3550216" y="1485350"/>
-            <a:ext cx="764949" cy="1350947"/>
+            <a:off x="5371620" y="3200661"/>
+            <a:ext cx="2191225" cy="456640"/>
           </a:xfrm>
           <a:prstGeom prst="straightConnector1">
             <a:avLst/>
@@ -7763,7 +8313,7 @@
         </p:nvSpPr>
         <p:spPr>
           <a:xfrm>
-            <a:off x="7496963" y="1296377"/>
+            <a:off x="7418941" y="1756269"/>
             <a:ext cx="560307" cy="246221"/>
           </a:xfrm>
           <a:prstGeom prst="rect">
@@ -7778,10 +8328,18 @@
           <a:lstStyle/>
           <a:p>
             <a:r>
-              <a:rPr lang="en-US" sz="1000" dirty="0" smtClean="0"/>
+              <a:rPr lang="en-US" sz="1000" dirty="0" smtClean="0">
+                <a:solidFill>
+                  <a:srgbClr val="3366FF"/>
+                </a:solidFill>
+              </a:rPr>
               <a:t>Bots(d)</a:t>
             </a:r>
-            <a:endParaRPr lang="en-US" sz="1000" dirty="0"/>
+            <a:endParaRPr lang="en-US" sz="1000" dirty="0">
+              <a:solidFill>
+                <a:srgbClr val="3366FF"/>
+              </a:solidFill>
+            </a:endParaRPr>
           </a:p>
         </p:txBody>
       </p:sp>
@@ -7808,10 +8366,18 @@
           <a:lstStyle/>
           <a:p>
             <a:r>
-              <a:rPr lang="en-US" sz="1000" dirty="0" err="1" smtClean="0"/>
+              <a:rPr lang="en-US" sz="1000" dirty="0" err="1" smtClean="0">
+                <a:solidFill>
+                  <a:schemeClr val="accent6"/>
+                </a:solidFill>
+              </a:rPr>
               <a:t>orangebox</a:t>
             </a:r>
-            <a:endParaRPr lang="en-US" sz="1000" dirty="0"/>
+            <a:endParaRPr lang="en-US" sz="1000" dirty="0">
+              <a:solidFill>
+                <a:schemeClr val="accent6"/>
+              </a:solidFill>
+            </a:endParaRPr>
           </a:p>
         </p:txBody>
       </p:sp>
@@ -7854,7 +8420,7 @@
         <p:spPr>
           <a:xfrm>
             <a:off x="7562845" y="3534190"/>
-            <a:ext cx="687170" cy="246221"/>
+            <a:ext cx="453232" cy="246221"/>
           </a:xfrm>
           <a:prstGeom prst="rect">
             <a:avLst/>
@@ -7868,10 +8434,18 @@
           <a:lstStyle/>
           <a:p>
             <a:r>
-              <a:rPr lang="en-US" sz="1000" dirty="0" smtClean="0"/>
-              <a:t>hardware</a:t>
-            </a:r>
-            <a:endParaRPr lang="en-US" sz="1000" dirty="0"/>
+              <a:rPr lang="en-US" sz="1000" dirty="0" smtClean="0">
+                <a:solidFill>
+                  <a:srgbClr val="9BBB59"/>
+                </a:solidFill>
+              </a:rPr>
+              <a:t>chips</a:t>
+            </a:r>
+            <a:endParaRPr lang="en-US" sz="1000" dirty="0">
+              <a:solidFill>
+                <a:srgbClr val="9BBB59"/>
+              </a:solidFill>
+            </a:endParaRPr>
           </a:p>
         </p:txBody>
       </p:sp>
@@ -7949,8 +8523,8 @@
         </p:nvCxnSpPr>
         <p:spPr>
           <a:xfrm flipH="1" flipV="1">
-            <a:off x="7906430" y="3780411"/>
-            <a:ext cx="17509" cy="467819"/>
+            <a:off x="7789461" y="3780411"/>
+            <a:ext cx="134484" cy="467820"/>
           </a:xfrm>
           <a:prstGeom prst="straightConnector1">
             <a:avLst/>
@@ -8038,10 +8612,18 @@
           <a:lstStyle/>
           <a:p>
             <a:r>
-              <a:rPr lang="en-US" sz="1000" dirty="0" smtClean="0"/>
+              <a:rPr lang="en-US" sz="1000" dirty="0" smtClean="0">
+                <a:solidFill>
+                  <a:srgbClr val="9BBB59"/>
+                </a:solidFill>
+              </a:rPr>
               <a:t>exploits</a:t>
             </a:r>
-            <a:endParaRPr lang="en-US" sz="1000" dirty="0"/>
+            <a:endParaRPr lang="en-US" sz="1000" dirty="0">
+              <a:solidFill>
+                <a:srgbClr val="9BBB59"/>
+              </a:solidFill>
+            </a:endParaRPr>
           </a:p>
         </p:txBody>
       </p:sp>
@@ -8068,10 +8650,18 @@
           <a:lstStyle/>
           <a:p>
             <a:r>
-              <a:rPr lang="en-US" sz="1000" dirty="0" err="1" smtClean="0"/>
+              <a:rPr lang="en-US" sz="1000" dirty="0" err="1" smtClean="0">
+                <a:solidFill>
+                  <a:schemeClr val="accent6"/>
+                </a:solidFill>
+              </a:rPr>
               <a:t>safeware</a:t>
             </a:r>
-            <a:endParaRPr lang="en-US" sz="1000" dirty="0"/>
+            <a:endParaRPr lang="en-US" sz="1000" dirty="0">
+              <a:solidFill>
+                <a:schemeClr val="accent6"/>
+              </a:solidFill>
+            </a:endParaRPr>
           </a:p>
         </p:txBody>
       </p:sp>
@@ -8281,7 +8871,7 @@
         <p:spPr>
           <a:xfrm>
             <a:off x="8382044" y="5162727"/>
-            <a:ext cx="796562" cy="246221"/>
+            <a:ext cx="755297" cy="246221"/>
           </a:xfrm>
           <a:prstGeom prst="rect">
             <a:avLst/>
@@ -8296,7 +8886,7 @@
           <a:p>
             <a:r>
               <a:rPr lang="en-US" sz="1000" dirty="0" smtClean="0"/>
-              <a:t>Gov’t organ</a:t>
+              <a:t>E.Q. Group</a:t>
             </a:r>
             <a:endParaRPr lang="en-US" sz="1000" dirty="0"/>
           </a:p>
@@ -8311,7 +8901,7 @@
         <p:spPr>
           <a:xfrm>
             <a:off x="8370380" y="5408948"/>
-            <a:ext cx="787395" cy="246221"/>
+            <a:ext cx="610839" cy="553998"/>
           </a:xfrm>
           <a:prstGeom prst="rect">
             <a:avLst/>
@@ -8325,16 +8915,25 @@
           <a:lstStyle/>
           <a:p>
             <a:r>
-              <a:rPr lang="en-US" sz="1000" dirty="0" err="1" smtClean="0"/>
-              <a:t>Ts+dip</a:t>
-            </a:r>
-            <a:r>
               <a:rPr lang="en-US" sz="1000" dirty="0" smtClean="0"/>
-              <a:t> </a:t>
+              <a:t>dip </a:t>
             </a:r>
             <a:r>
               <a:rPr lang="en-US" sz="1000" dirty="0" err="1" smtClean="0"/>
               <a:t>intel</a:t>
+            </a:r>
+            <a:endParaRPr lang="en-US" sz="1000" dirty="0" smtClean="0"/>
+          </a:p>
+          <a:p>
+            <a:r>
+              <a:rPr lang="en-US" sz="1000" dirty="0" smtClean="0"/>
+              <a:t>OR</a:t>
+            </a:r>
+          </a:p>
+          <a:p>
+            <a:r>
+              <a:rPr lang="en-US" sz="1000" dirty="0" smtClean="0"/>
+              <a:t>Puzzle</a:t>
             </a:r>
             <a:endParaRPr lang="en-US" sz="1000" dirty="0"/>
           </a:p>
@@ -8397,10 +8996,18 @@
           <a:lstStyle/>
           <a:p>
             <a:r>
-              <a:rPr lang="en-US" sz="1000" dirty="0" smtClean="0"/>
+              <a:rPr lang="en-US" sz="1000" dirty="0" smtClean="0">
+                <a:solidFill>
+                  <a:schemeClr val="accent6"/>
+                </a:solidFill>
+              </a:rPr>
               <a:t>Commodities group</a:t>
             </a:r>
-            <a:endParaRPr lang="en-US" sz="1000" dirty="0"/>
+            <a:endParaRPr lang="en-US" sz="1000" dirty="0">
+              <a:solidFill>
+                <a:schemeClr val="accent6"/>
+              </a:solidFill>
+            </a:endParaRPr>
           </a:p>
         </p:txBody>
       </p:sp>
@@ -8556,10 +9163,18 @@
           <a:lstStyle/>
           <a:p>
             <a:r>
-              <a:rPr lang="en-US" sz="1000" dirty="0" smtClean="0"/>
+              <a:rPr lang="en-US" sz="1000" dirty="0" smtClean="0">
+                <a:solidFill>
+                  <a:srgbClr val="9BBB59"/>
+                </a:solidFill>
+              </a:rPr>
               <a:t>silicon</a:t>
             </a:r>
-            <a:endParaRPr lang="en-US" sz="1000" dirty="0"/>
+            <a:endParaRPr lang="en-US" sz="1000" dirty="0">
+              <a:solidFill>
+                <a:srgbClr val="9BBB59"/>
+              </a:solidFill>
+            </a:endParaRPr>
           </a:p>
         </p:txBody>
       </p:sp>
@@ -8571,8 +9186,8 @@
         </p:nvSpPr>
         <p:spPr>
           <a:xfrm>
-            <a:off x="2641871" y="4051624"/>
-            <a:ext cx="636450" cy="246221"/>
+            <a:off x="2499322" y="4064582"/>
+            <a:ext cx="424052" cy="246221"/>
           </a:xfrm>
           <a:prstGeom prst="rect">
             <a:avLst/>
@@ -8586,10 +9201,18 @@
           <a:lstStyle/>
           <a:p>
             <a:r>
-              <a:rPr lang="en-US" sz="1000" dirty="0" smtClean="0"/>
-              <a:t>passport</a:t>
-            </a:r>
-            <a:endParaRPr lang="en-US" sz="1000" dirty="0"/>
+              <a:rPr lang="en-US" sz="1000" dirty="0" smtClean="0">
+                <a:solidFill>
+                  <a:schemeClr val="accent3"/>
+                </a:solidFill>
+              </a:rPr>
+              <a:t>docs</a:t>
+            </a:r>
+            <a:endParaRPr lang="en-US" sz="1000" dirty="0">
+              <a:solidFill>
+                <a:schemeClr val="accent3"/>
+              </a:solidFill>
+            </a:endParaRPr>
           </a:p>
         </p:txBody>
       </p:sp>
@@ -8616,10 +9239,18 @@
           <a:lstStyle/>
           <a:p>
             <a:r>
-              <a:rPr lang="en-US" sz="1000" dirty="0" smtClean="0"/>
+              <a:rPr lang="en-US" sz="1000" dirty="0" smtClean="0">
+                <a:solidFill>
+                  <a:schemeClr val="accent6"/>
+                </a:solidFill>
+              </a:rPr>
               <a:t>E-Z-Passport</a:t>
             </a:r>
-            <a:endParaRPr lang="en-US" sz="1000" dirty="0"/>
+            <a:endParaRPr lang="en-US" sz="1000" dirty="0">
+              <a:solidFill>
+                <a:schemeClr val="accent6"/>
+              </a:solidFill>
+            </a:endParaRPr>
           </a:p>
         </p:txBody>
       </p:sp>
@@ -8762,6 +9393,357 @@
           </a:fontRef>
         </p:style>
       </p:cxnSp>
+      <p:cxnSp>
+        <p:nvCxnSpPr>
+          <p:cNvPr id="129" name="Straight Arrow Connector 128"/>
+          <p:cNvCxnSpPr/>
+          <p:nvPr/>
+        </p:nvCxnSpPr>
+        <p:spPr>
+          <a:xfrm flipH="1">
+            <a:off x="4175640" y="3388403"/>
+            <a:ext cx="373444" cy="528625"/>
+          </a:xfrm>
+          <a:prstGeom prst="straightConnector1">
+            <a:avLst/>
+          </a:prstGeom>
+          <a:ln>
+            <a:headEnd type="arrow"/>
+            <a:tailEnd type="arrow"/>
+          </a:ln>
+        </p:spPr>
+        <p:style>
+          <a:lnRef idx="2">
+            <a:schemeClr val="accent1"/>
+          </a:lnRef>
+          <a:fillRef idx="0">
+            <a:schemeClr val="accent1"/>
+          </a:fillRef>
+          <a:effectRef idx="1">
+            <a:schemeClr val="accent1"/>
+          </a:effectRef>
+          <a:fontRef idx="minor">
+            <a:schemeClr val="tx1"/>
+          </a:fontRef>
+        </p:style>
+      </p:cxnSp>
+      <p:sp>
+        <p:nvSpPr>
+          <p:cNvPr id="136" name="TextBox 135"/>
+          <p:cNvSpPr txBox="1"/>
+          <p:nvPr/>
+        </p:nvSpPr>
+        <p:spPr>
+          <a:xfrm>
+            <a:off x="5563722" y="2871341"/>
+            <a:ext cx="589675" cy="400110"/>
+          </a:xfrm>
+          <a:prstGeom prst="rect">
+            <a:avLst/>
+          </a:prstGeom>
+          <a:noFill/>
+        </p:spPr>
+        <p:txBody>
+          <a:bodyPr wrap="none" rtlCol="0">
+            <a:spAutoFit/>
+          </a:bodyPr>
+          <a:lstStyle/>
+          <a:p>
+            <a:r>
+              <a:rPr lang="en-US" sz="1000" dirty="0" smtClean="0"/>
+              <a:t>Epsilon</a:t>
+            </a:r>
+          </a:p>
+          <a:p>
+            <a:r>
+              <a:rPr lang="en-US" sz="1000" dirty="0" smtClean="0"/>
+              <a:t>address</a:t>
+            </a:r>
+            <a:endParaRPr lang="en-US" sz="1000" dirty="0"/>
+          </a:p>
+        </p:txBody>
+      </p:sp>
+      <p:cxnSp>
+        <p:nvCxnSpPr>
+          <p:cNvPr id="141" name="Straight Arrow Connector 140"/>
+          <p:cNvCxnSpPr>
+            <a:stCxn id="136" idx="1"/>
+            <a:endCxn id="28" idx="3"/>
+          </p:cNvCxnSpPr>
+          <p:nvPr/>
+        </p:nvCxnSpPr>
+        <p:spPr>
+          <a:xfrm flipH="1">
+            <a:off x="5219666" y="3071396"/>
+            <a:ext cx="344056" cy="23364"/>
+          </a:xfrm>
+          <a:prstGeom prst="straightConnector1">
+            <a:avLst/>
+          </a:prstGeom>
+          <a:ln>
+            <a:headEnd type="arrow"/>
+            <a:tailEnd type="arrow"/>
+          </a:ln>
+        </p:spPr>
+        <p:style>
+          <a:lnRef idx="2">
+            <a:schemeClr val="accent1"/>
+          </a:lnRef>
+          <a:fillRef idx="0">
+            <a:schemeClr val="accent1"/>
+          </a:fillRef>
+          <a:effectRef idx="1">
+            <a:schemeClr val="accent1"/>
+          </a:effectRef>
+          <a:fontRef idx="minor">
+            <a:schemeClr val="tx1"/>
+          </a:fontRef>
+        </p:style>
+      </p:cxnSp>
+      <p:cxnSp>
+        <p:nvCxnSpPr>
+          <p:cNvPr id="149" name="Straight Arrow Connector 148"/>
+          <p:cNvCxnSpPr/>
+          <p:nvPr/>
+        </p:nvCxnSpPr>
+        <p:spPr>
+          <a:xfrm flipV="1">
+            <a:off x="2837319" y="3231669"/>
+            <a:ext cx="1597420" cy="832913"/>
+          </a:xfrm>
+          <a:prstGeom prst="straightConnector1">
+            <a:avLst/>
+          </a:prstGeom>
+          <a:ln>
+            <a:headEnd type="arrow"/>
+            <a:tailEnd type="arrow"/>
+          </a:ln>
+        </p:spPr>
+        <p:style>
+          <a:lnRef idx="2">
+            <a:schemeClr val="accent1"/>
+          </a:lnRef>
+          <a:fillRef idx="0">
+            <a:schemeClr val="accent1"/>
+          </a:fillRef>
+          <a:effectRef idx="1">
+            <a:schemeClr val="accent1"/>
+          </a:effectRef>
+          <a:fontRef idx="minor">
+            <a:schemeClr val="tx1"/>
+          </a:fontRef>
+        </p:style>
+      </p:cxnSp>
+      <p:sp>
+        <p:nvSpPr>
+          <p:cNvPr id="150" name="TextBox 149"/>
+          <p:cNvSpPr txBox="1"/>
+          <p:nvPr/>
+        </p:nvSpPr>
+        <p:spPr>
+          <a:xfrm>
+            <a:off x="2937583" y="1610341"/>
+            <a:ext cx="549537" cy="246221"/>
+          </a:xfrm>
+          <a:prstGeom prst="rect">
+            <a:avLst/>
+          </a:prstGeom>
+          <a:noFill/>
+        </p:spPr>
+        <p:txBody>
+          <a:bodyPr wrap="none" rtlCol="0">
+            <a:spAutoFit/>
+          </a:bodyPr>
+          <a:lstStyle/>
+          <a:p>
+            <a:r>
+              <a:rPr lang="en-US" sz="1000" dirty="0" err="1" smtClean="0">
+                <a:solidFill>
+                  <a:schemeClr val="accent5"/>
+                </a:solidFill>
+              </a:rPr>
+              <a:t>dospro</a:t>
+            </a:r>
+            <a:endParaRPr lang="en-US" sz="1000" dirty="0">
+              <a:solidFill>
+                <a:schemeClr val="accent5"/>
+              </a:solidFill>
+            </a:endParaRPr>
+          </a:p>
+        </p:txBody>
+      </p:sp>
+      <p:cxnSp>
+        <p:nvCxnSpPr>
+          <p:cNvPr id="151" name="Straight Arrow Connector 150"/>
+          <p:cNvCxnSpPr/>
+          <p:nvPr/>
+        </p:nvCxnSpPr>
+        <p:spPr>
+          <a:xfrm>
+            <a:off x="3407241" y="1863365"/>
+            <a:ext cx="844128" cy="884716"/>
+          </a:xfrm>
+          <a:prstGeom prst="straightConnector1">
+            <a:avLst/>
+          </a:prstGeom>
+          <a:ln>
+            <a:headEnd type="arrow"/>
+            <a:tailEnd type="arrow"/>
+          </a:ln>
+        </p:spPr>
+        <p:style>
+          <a:lnRef idx="2">
+            <a:schemeClr val="accent1"/>
+          </a:lnRef>
+          <a:fillRef idx="0">
+            <a:schemeClr val="accent1"/>
+          </a:fillRef>
+          <a:effectRef idx="1">
+            <a:schemeClr val="accent1"/>
+          </a:effectRef>
+          <a:fontRef idx="minor">
+            <a:schemeClr val="tx1"/>
+          </a:fontRef>
+        </p:style>
+      </p:cxnSp>
+      <p:cxnSp>
+        <p:nvCxnSpPr>
+          <p:cNvPr id="152" name="Straight Arrow Connector 151"/>
+          <p:cNvCxnSpPr/>
+          <p:nvPr/>
+        </p:nvCxnSpPr>
+        <p:spPr>
+          <a:xfrm flipV="1">
+            <a:off x="3111397" y="4006104"/>
+            <a:ext cx="550670" cy="357398"/>
+          </a:xfrm>
+          <a:prstGeom prst="straightConnector1">
+            <a:avLst/>
+          </a:prstGeom>
+          <a:ln>
+            <a:solidFill>
+              <a:schemeClr val="accent3"/>
+            </a:solidFill>
+            <a:tailEnd type="arrow"/>
+          </a:ln>
+        </p:spPr>
+        <p:style>
+          <a:lnRef idx="2">
+            <a:schemeClr val="accent1"/>
+          </a:lnRef>
+          <a:fillRef idx="0">
+            <a:schemeClr val="accent1"/>
+          </a:fillRef>
+          <a:effectRef idx="1">
+            <a:schemeClr val="accent1"/>
+          </a:effectRef>
+          <a:fontRef idx="minor">
+            <a:schemeClr val="tx1"/>
+          </a:fontRef>
+        </p:style>
+      </p:cxnSp>
+      <p:sp>
+        <p:nvSpPr>
+          <p:cNvPr id="153" name="TextBox 152"/>
+          <p:cNvSpPr txBox="1"/>
+          <p:nvPr/>
+        </p:nvSpPr>
+        <p:spPr>
+          <a:xfrm>
+            <a:off x="3435450" y="3715437"/>
+            <a:ext cx="333382" cy="246221"/>
+          </a:xfrm>
+          <a:prstGeom prst="rect">
+            <a:avLst/>
+          </a:prstGeom>
+          <a:noFill/>
+        </p:spPr>
+        <p:txBody>
+          <a:bodyPr wrap="none" rtlCol="0">
+            <a:spAutoFit/>
+          </a:bodyPr>
+          <a:lstStyle/>
+          <a:p>
+            <a:r>
+              <a:rPr lang="en-US" sz="1000" dirty="0" smtClean="0">
+                <a:solidFill>
+                  <a:srgbClr val="9BBB59"/>
+                </a:solidFill>
+              </a:rPr>
+              <a:t>IPs</a:t>
+            </a:r>
+            <a:endParaRPr lang="en-US" sz="1000" dirty="0">
+              <a:solidFill>
+                <a:srgbClr val="9BBB59"/>
+              </a:solidFill>
+            </a:endParaRPr>
+          </a:p>
+        </p:txBody>
+      </p:sp>
+      <p:cxnSp>
+        <p:nvCxnSpPr>
+          <p:cNvPr id="154" name="Straight Arrow Connector 153"/>
+          <p:cNvCxnSpPr/>
+          <p:nvPr/>
+        </p:nvCxnSpPr>
+        <p:spPr>
+          <a:xfrm flipH="1">
+            <a:off x="7369144" y="2079397"/>
+            <a:ext cx="280060" cy="843504"/>
+          </a:xfrm>
+          <a:prstGeom prst="straightConnector1">
+            <a:avLst/>
+          </a:prstGeom>
+          <a:ln>
+            <a:headEnd type="arrow"/>
+            <a:tailEnd type="arrow"/>
+          </a:ln>
+        </p:spPr>
+        <p:style>
+          <a:lnRef idx="2">
+            <a:schemeClr val="accent1"/>
+          </a:lnRef>
+          <a:fillRef idx="0">
+            <a:schemeClr val="accent1"/>
+          </a:fillRef>
+          <a:effectRef idx="1">
+            <a:schemeClr val="accent1"/>
+          </a:effectRef>
+          <a:fontRef idx="minor">
+            <a:schemeClr val="tx1"/>
+          </a:fontRef>
+        </p:style>
+      </p:cxnSp>
+      <p:sp>
+        <p:nvSpPr>
+          <p:cNvPr id="155" name="TextBox 154"/>
+          <p:cNvSpPr txBox="1"/>
+          <p:nvPr/>
+        </p:nvSpPr>
+        <p:spPr>
+          <a:xfrm>
+            <a:off x="7513453" y="2330291"/>
+            <a:ext cx="397252" cy="246221"/>
+          </a:xfrm>
+          <a:prstGeom prst="rect">
+            <a:avLst/>
+          </a:prstGeom>
+          <a:noFill/>
+        </p:spPr>
+        <p:txBody>
+          <a:bodyPr wrap="none" rtlCol="0">
+            <a:spAutoFit/>
+          </a:bodyPr>
+          <a:lstStyle/>
+          <a:p>
+            <a:r>
+              <a:rPr lang="en-US" sz="1000" dirty="0" smtClean="0"/>
+              <a:t>+IPs</a:t>
+            </a:r>
+            <a:endParaRPr lang="en-US" sz="1000" dirty="0"/>
+          </a:p>
+        </p:txBody>
+      </p:sp>
     </p:spTree>
     <p:extLst>
       <p:ext uri="{BB962C8B-B14F-4D97-AF65-F5344CB8AC3E}">
@@ -12422,6 +13404,710 @@
           <a:p>
             <a:r>
               <a:rPr lang="en-US" dirty="0" smtClean="0"/>
+              <a:t>Hacking Progression</a:t>
+            </a:r>
+            <a:endParaRPr lang="en-US" dirty="0"/>
+          </a:p>
+        </p:txBody>
+      </p:sp>
+      <p:cxnSp>
+        <p:nvCxnSpPr>
+          <p:cNvPr id="5" name="Straight Arrow Connector 4"/>
+          <p:cNvCxnSpPr/>
+          <p:nvPr/>
+        </p:nvCxnSpPr>
+        <p:spPr>
+          <a:xfrm>
+            <a:off x="311009" y="4548244"/>
+            <a:ext cx="8375791" cy="25916"/>
+          </a:xfrm>
+          <a:prstGeom prst="straightConnector1">
+            <a:avLst/>
+          </a:prstGeom>
+          <a:ln>
+            <a:tailEnd type="arrow"/>
+          </a:ln>
+        </p:spPr>
+        <p:style>
+          <a:lnRef idx="2">
+            <a:schemeClr val="accent1"/>
+          </a:lnRef>
+          <a:fillRef idx="0">
+            <a:schemeClr val="accent1"/>
+          </a:fillRef>
+          <a:effectRef idx="1">
+            <a:schemeClr val="accent1"/>
+          </a:effectRef>
+          <a:fontRef idx="minor">
+            <a:schemeClr val="tx1"/>
+          </a:fontRef>
+        </p:style>
+      </p:cxnSp>
+      <p:sp>
+        <p:nvSpPr>
+          <p:cNvPr id="6" name="TextBox 5"/>
+          <p:cNvSpPr txBox="1"/>
+          <p:nvPr/>
+        </p:nvSpPr>
+        <p:spPr>
+          <a:xfrm>
+            <a:off x="457200" y="3394986"/>
+            <a:ext cx="1241446" cy="646331"/>
+          </a:xfrm>
+          <a:prstGeom prst="rect">
+            <a:avLst/>
+          </a:prstGeom>
+          <a:noFill/>
+        </p:spPr>
+        <p:txBody>
+          <a:bodyPr wrap="none" rtlCol="0">
+            <a:spAutoFit/>
+          </a:bodyPr>
+          <a:lstStyle/>
+          <a:p>
+            <a:r>
+              <a:rPr lang="en-US" dirty="0" smtClean="0"/>
+              <a:t>Guessing</a:t>
+            </a:r>
+          </a:p>
+          <a:p>
+            <a:r>
+              <a:rPr lang="en-US" dirty="0" smtClean="0"/>
+              <a:t>Brute force</a:t>
+            </a:r>
+            <a:endParaRPr lang="en-US" dirty="0"/>
+          </a:p>
+        </p:txBody>
+      </p:sp>
+      <p:cxnSp>
+        <p:nvCxnSpPr>
+          <p:cNvPr id="8" name="Straight Connector 7"/>
+          <p:cNvCxnSpPr>
+            <a:stCxn id="6" idx="2"/>
+          </p:cNvCxnSpPr>
+          <p:nvPr/>
+        </p:nvCxnSpPr>
+        <p:spPr>
+          <a:xfrm flipH="1">
+            <a:off x="1075574" y="4041317"/>
+            <a:ext cx="2349" cy="506927"/>
+          </a:xfrm>
+          <a:prstGeom prst="line">
+            <a:avLst/>
+          </a:prstGeom>
+        </p:spPr>
+        <p:style>
+          <a:lnRef idx="2">
+            <a:schemeClr val="accent1"/>
+          </a:lnRef>
+          <a:fillRef idx="0">
+            <a:schemeClr val="accent1"/>
+          </a:fillRef>
+          <a:effectRef idx="1">
+            <a:schemeClr val="accent1"/>
+          </a:effectRef>
+          <a:fontRef idx="minor">
+            <a:schemeClr val="tx1"/>
+          </a:fontRef>
+        </p:style>
+      </p:cxnSp>
+      <p:sp>
+        <p:nvSpPr>
+          <p:cNvPr id="9" name="TextBox 8"/>
+          <p:cNvSpPr txBox="1"/>
+          <p:nvPr/>
+        </p:nvSpPr>
+        <p:spPr>
+          <a:xfrm>
+            <a:off x="1619201" y="3394986"/>
+            <a:ext cx="1969898" cy="646331"/>
+          </a:xfrm>
+          <a:prstGeom prst="rect">
+            <a:avLst/>
+          </a:prstGeom>
+          <a:noFill/>
+        </p:spPr>
+        <p:txBody>
+          <a:bodyPr wrap="none" rtlCol="0">
+            <a:spAutoFit/>
+          </a:bodyPr>
+          <a:lstStyle/>
+          <a:p>
+            <a:pPr algn="ctr"/>
+            <a:r>
+              <a:rPr lang="en-US" dirty="0" smtClean="0"/>
+              <a:t>Using Password</a:t>
+            </a:r>
+          </a:p>
+          <a:p>
+            <a:r>
+              <a:rPr lang="en-US" dirty="0" smtClean="0"/>
+              <a:t>Crackers – get bots</a:t>
+            </a:r>
+          </a:p>
+        </p:txBody>
+      </p:sp>
+      <p:cxnSp>
+        <p:nvCxnSpPr>
+          <p:cNvPr id="10" name="Straight Connector 9"/>
+          <p:cNvCxnSpPr>
+            <a:stCxn id="9" idx="2"/>
+          </p:cNvCxnSpPr>
+          <p:nvPr/>
+        </p:nvCxnSpPr>
+        <p:spPr>
+          <a:xfrm>
+            <a:off x="2604150" y="4041317"/>
+            <a:ext cx="0" cy="532843"/>
+          </a:xfrm>
+          <a:prstGeom prst="line">
+            <a:avLst/>
+          </a:prstGeom>
+        </p:spPr>
+        <p:style>
+          <a:lnRef idx="2">
+            <a:schemeClr val="accent1"/>
+          </a:lnRef>
+          <a:fillRef idx="0">
+            <a:schemeClr val="accent1"/>
+          </a:fillRef>
+          <a:effectRef idx="1">
+            <a:schemeClr val="accent1"/>
+          </a:effectRef>
+          <a:fontRef idx="minor">
+            <a:schemeClr val="tx1"/>
+          </a:fontRef>
+        </p:style>
+      </p:cxnSp>
+      <p:sp>
+        <p:nvSpPr>
+          <p:cNvPr id="12" name="TextBox 11"/>
+          <p:cNvSpPr txBox="1"/>
+          <p:nvPr/>
+        </p:nvSpPr>
+        <p:spPr>
+          <a:xfrm>
+            <a:off x="3463629" y="3369070"/>
+            <a:ext cx="1762960" cy="646331"/>
+          </a:xfrm>
+          <a:prstGeom prst="rect">
+            <a:avLst/>
+          </a:prstGeom>
+          <a:noFill/>
+        </p:spPr>
+        <p:txBody>
+          <a:bodyPr wrap="none" rtlCol="0">
+            <a:spAutoFit/>
+          </a:bodyPr>
+          <a:lstStyle/>
+          <a:p>
+            <a:pPr algn="ctr"/>
+            <a:r>
+              <a:rPr lang="en-US" dirty="0" smtClean="0"/>
+              <a:t>Released Viruses</a:t>
+            </a:r>
+          </a:p>
+          <a:p>
+            <a:pPr algn="ctr"/>
+            <a:r>
+              <a:rPr lang="en-US" dirty="0" smtClean="0"/>
+              <a:t>Acquire Bots</a:t>
+            </a:r>
+          </a:p>
+        </p:txBody>
+      </p:sp>
+      <p:cxnSp>
+        <p:nvCxnSpPr>
+          <p:cNvPr id="13" name="Straight Connector 12"/>
+          <p:cNvCxnSpPr>
+            <a:stCxn id="12" idx="2"/>
+          </p:cNvCxnSpPr>
+          <p:nvPr/>
+        </p:nvCxnSpPr>
+        <p:spPr>
+          <a:xfrm>
+            <a:off x="4345109" y="4015401"/>
+            <a:ext cx="0" cy="532843"/>
+          </a:xfrm>
+          <a:prstGeom prst="line">
+            <a:avLst/>
+          </a:prstGeom>
+        </p:spPr>
+        <p:style>
+          <a:lnRef idx="2">
+            <a:schemeClr val="accent1"/>
+          </a:lnRef>
+          <a:fillRef idx="0">
+            <a:schemeClr val="accent1"/>
+          </a:fillRef>
+          <a:effectRef idx="1">
+            <a:schemeClr val="accent1"/>
+          </a:effectRef>
+          <a:fontRef idx="minor">
+            <a:schemeClr val="tx1"/>
+          </a:fontRef>
+        </p:style>
+      </p:cxnSp>
+      <p:sp>
+        <p:nvSpPr>
+          <p:cNvPr id="14" name="TextBox 13"/>
+          <p:cNvSpPr txBox="1"/>
+          <p:nvPr/>
+        </p:nvSpPr>
+        <p:spPr>
+          <a:xfrm>
+            <a:off x="5226589" y="3369070"/>
+            <a:ext cx="1441420" cy="646331"/>
+          </a:xfrm>
+          <a:prstGeom prst="rect">
+            <a:avLst/>
+          </a:prstGeom>
+          <a:noFill/>
+        </p:spPr>
+        <p:txBody>
+          <a:bodyPr wrap="none" rtlCol="0">
+            <a:spAutoFit/>
+          </a:bodyPr>
+          <a:lstStyle/>
+          <a:p>
+            <a:pPr algn="ctr"/>
+            <a:r>
+              <a:rPr lang="en-US" dirty="0" smtClean="0"/>
+              <a:t>DDOS attacks</a:t>
+            </a:r>
+          </a:p>
+          <a:p>
+            <a:pPr algn="ctr"/>
+            <a:r>
+              <a:rPr lang="en-US" dirty="0" smtClean="0"/>
+              <a:t>w/bots</a:t>
+            </a:r>
+          </a:p>
+        </p:txBody>
+      </p:sp>
+      <p:cxnSp>
+        <p:nvCxnSpPr>
+          <p:cNvPr id="15" name="Straight Connector 14"/>
+          <p:cNvCxnSpPr>
+            <a:stCxn id="14" idx="2"/>
+          </p:cNvCxnSpPr>
+          <p:nvPr/>
+        </p:nvCxnSpPr>
+        <p:spPr>
+          <a:xfrm>
+            <a:off x="5947299" y="4015401"/>
+            <a:ext cx="0" cy="532843"/>
+          </a:xfrm>
+          <a:prstGeom prst="line">
+            <a:avLst/>
+          </a:prstGeom>
+        </p:spPr>
+        <p:style>
+          <a:lnRef idx="2">
+            <a:schemeClr val="accent1"/>
+          </a:lnRef>
+          <a:fillRef idx="0">
+            <a:schemeClr val="accent1"/>
+          </a:fillRef>
+          <a:effectRef idx="1">
+            <a:schemeClr val="accent1"/>
+          </a:effectRef>
+          <a:fontRef idx="minor">
+            <a:schemeClr val="tx1"/>
+          </a:fontRef>
+        </p:style>
+      </p:cxnSp>
+      <p:sp>
+        <p:nvSpPr>
+          <p:cNvPr id="16" name="TextBox 15"/>
+          <p:cNvSpPr txBox="1"/>
+          <p:nvPr/>
+        </p:nvSpPr>
+        <p:spPr>
+          <a:xfrm>
+            <a:off x="6840909" y="3356113"/>
+            <a:ext cx="1418628" cy="923330"/>
+          </a:xfrm>
+          <a:prstGeom prst="rect">
+            <a:avLst/>
+          </a:prstGeom>
+          <a:noFill/>
+        </p:spPr>
+        <p:txBody>
+          <a:bodyPr wrap="none" rtlCol="0">
+            <a:spAutoFit/>
+          </a:bodyPr>
+          <a:lstStyle/>
+          <a:p>
+            <a:pPr algn="ctr"/>
+            <a:r>
+              <a:rPr lang="en-US" dirty="0" smtClean="0"/>
+              <a:t>Quark II</a:t>
+            </a:r>
+          </a:p>
+          <a:p>
+            <a:pPr algn="ctr"/>
+            <a:r>
+              <a:rPr lang="en-US" dirty="0" smtClean="0"/>
+              <a:t>To crack high </a:t>
+            </a:r>
+          </a:p>
+          <a:p>
+            <a:pPr algn="ctr"/>
+            <a:r>
+              <a:rPr lang="en-US" dirty="0" smtClean="0"/>
+              <a:t>profile sites</a:t>
+            </a:r>
+          </a:p>
+        </p:txBody>
+      </p:sp>
+      <p:cxnSp>
+        <p:nvCxnSpPr>
+          <p:cNvPr id="17" name="Straight Connector 16"/>
+          <p:cNvCxnSpPr>
+            <a:stCxn id="16" idx="2"/>
+          </p:cNvCxnSpPr>
+          <p:nvPr/>
+        </p:nvCxnSpPr>
+        <p:spPr>
+          <a:xfrm>
+            <a:off x="7550223" y="4279443"/>
+            <a:ext cx="0" cy="255845"/>
+          </a:xfrm>
+          <a:prstGeom prst="line">
+            <a:avLst/>
+          </a:prstGeom>
+        </p:spPr>
+        <p:style>
+          <a:lnRef idx="2">
+            <a:schemeClr val="accent1"/>
+          </a:lnRef>
+          <a:fillRef idx="0">
+            <a:schemeClr val="accent1"/>
+          </a:fillRef>
+          <a:effectRef idx="1">
+            <a:schemeClr val="accent1"/>
+          </a:effectRef>
+          <a:fontRef idx="minor">
+            <a:schemeClr val="tx1"/>
+          </a:fontRef>
+        </p:style>
+      </p:cxnSp>
+      <p:cxnSp>
+        <p:nvCxnSpPr>
+          <p:cNvPr id="18" name="Straight Connector 17"/>
+          <p:cNvCxnSpPr/>
+          <p:nvPr/>
+        </p:nvCxnSpPr>
+        <p:spPr>
+          <a:xfrm>
+            <a:off x="8441270" y="3369070"/>
+            <a:ext cx="0" cy="1205090"/>
+          </a:xfrm>
+          <a:prstGeom prst="line">
+            <a:avLst/>
+          </a:prstGeom>
+        </p:spPr>
+        <p:style>
+          <a:lnRef idx="2">
+            <a:schemeClr val="accent1"/>
+          </a:lnRef>
+          <a:fillRef idx="0">
+            <a:schemeClr val="accent1"/>
+          </a:fillRef>
+          <a:effectRef idx="1">
+            <a:schemeClr val="accent1"/>
+          </a:effectRef>
+          <a:fontRef idx="minor">
+            <a:schemeClr val="tx1"/>
+          </a:fontRef>
+        </p:style>
+      </p:cxnSp>
+      <p:sp>
+        <p:nvSpPr>
+          <p:cNvPr id="20" name="TextBox 19"/>
+          <p:cNvSpPr txBox="1"/>
+          <p:nvPr/>
+        </p:nvSpPr>
+        <p:spPr>
+          <a:xfrm>
+            <a:off x="7695166" y="2722739"/>
+            <a:ext cx="1448834" cy="646331"/>
+          </a:xfrm>
+          <a:prstGeom prst="rect">
+            <a:avLst/>
+          </a:prstGeom>
+          <a:noFill/>
+        </p:spPr>
+        <p:txBody>
+          <a:bodyPr wrap="none" rtlCol="0">
+            <a:spAutoFit/>
+          </a:bodyPr>
+          <a:lstStyle/>
+          <a:p>
+            <a:pPr algn="ctr"/>
+            <a:r>
+              <a:rPr lang="en-US" dirty="0" smtClean="0"/>
+              <a:t>worms attack</a:t>
+            </a:r>
+          </a:p>
+          <a:p>
+            <a:pPr algn="ctr"/>
+            <a:r>
+              <a:rPr lang="en-US" dirty="0" smtClean="0"/>
+              <a:t>datacenters</a:t>
+            </a:r>
+          </a:p>
+        </p:txBody>
+      </p:sp>
+      <p:cxnSp>
+        <p:nvCxnSpPr>
+          <p:cNvPr id="21" name="Straight Connector 20"/>
+          <p:cNvCxnSpPr/>
+          <p:nvPr/>
+        </p:nvCxnSpPr>
+        <p:spPr>
+          <a:xfrm>
+            <a:off x="5568391" y="4548244"/>
+            <a:ext cx="0" cy="532843"/>
+          </a:xfrm>
+          <a:prstGeom prst="line">
+            <a:avLst/>
+          </a:prstGeom>
+        </p:spPr>
+        <p:style>
+          <a:lnRef idx="2">
+            <a:schemeClr val="accent1"/>
+          </a:lnRef>
+          <a:fillRef idx="0">
+            <a:schemeClr val="accent1"/>
+          </a:fillRef>
+          <a:effectRef idx="1">
+            <a:schemeClr val="accent1"/>
+          </a:effectRef>
+          <a:fontRef idx="minor">
+            <a:schemeClr val="tx1"/>
+          </a:fontRef>
+        </p:style>
+      </p:cxnSp>
+      <p:sp>
+        <p:nvSpPr>
+          <p:cNvPr id="22" name="TextBox 21"/>
+          <p:cNvSpPr txBox="1"/>
+          <p:nvPr/>
+        </p:nvSpPr>
+        <p:spPr>
+          <a:xfrm>
+            <a:off x="4714498" y="5134486"/>
+            <a:ext cx="1326004" cy="646331"/>
+          </a:xfrm>
+          <a:prstGeom prst="rect">
+            <a:avLst/>
+          </a:prstGeom>
+          <a:noFill/>
+        </p:spPr>
+        <p:txBody>
+          <a:bodyPr wrap="none" rtlCol="0">
+            <a:spAutoFit/>
+          </a:bodyPr>
+          <a:lstStyle/>
+          <a:p>
+            <a:pPr algn="ctr"/>
+            <a:r>
+              <a:rPr lang="en-US" dirty="0" smtClean="0"/>
+              <a:t>Use bots for </a:t>
+            </a:r>
+          </a:p>
+          <a:p>
+            <a:pPr algn="ctr"/>
+            <a:r>
+              <a:rPr lang="en-US" dirty="0" smtClean="0"/>
+              <a:t>Mining </a:t>
+            </a:r>
+            <a:r>
+              <a:rPr lang="en-US" dirty="0" err="1" smtClean="0"/>
+              <a:t>btc</a:t>
+            </a:r>
+            <a:endParaRPr lang="en-US" dirty="0" smtClean="0"/>
+          </a:p>
+        </p:txBody>
+      </p:sp>
+      <p:cxnSp>
+        <p:nvCxnSpPr>
+          <p:cNvPr id="23" name="Straight Connector 22"/>
+          <p:cNvCxnSpPr/>
+          <p:nvPr/>
+        </p:nvCxnSpPr>
+        <p:spPr>
+          <a:xfrm>
+            <a:off x="6674002" y="4574160"/>
+            <a:ext cx="0" cy="532843"/>
+          </a:xfrm>
+          <a:prstGeom prst="line">
+            <a:avLst/>
+          </a:prstGeom>
+        </p:spPr>
+        <p:style>
+          <a:lnRef idx="2">
+            <a:schemeClr val="accent1"/>
+          </a:lnRef>
+          <a:fillRef idx="0">
+            <a:schemeClr val="accent1"/>
+          </a:fillRef>
+          <a:effectRef idx="1">
+            <a:schemeClr val="accent1"/>
+          </a:effectRef>
+          <a:fontRef idx="minor">
+            <a:schemeClr val="tx1"/>
+          </a:fontRef>
+        </p:style>
+      </p:cxnSp>
+      <p:sp>
+        <p:nvSpPr>
+          <p:cNvPr id="24" name="TextBox 23"/>
+          <p:cNvSpPr txBox="1"/>
+          <p:nvPr/>
+        </p:nvSpPr>
+        <p:spPr>
+          <a:xfrm>
+            <a:off x="6146465" y="5160440"/>
+            <a:ext cx="1326004" cy="646331"/>
+          </a:xfrm>
+          <a:prstGeom prst="rect">
+            <a:avLst/>
+          </a:prstGeom>
+          <a:noFill/>
+        </p:spPr>
+        <p:txBody>
+          <a:bodyPr wrap="none" rtlCol="0">
+            <a:spAutoFit/>
+          </a:bodyPr>
+          <a:lstStyle/>
+          <a:p>
+            <a:pPr algn="ctr"/>
+            <a:r>
+              <a:rPr lang="en-US" dirty="0" smtClean="0"/>
+              <a:t>Use bots for </a:t>
+            </a:r>
+          </a:p>
+          <a:p>
+            <a:pPr algn="ctr"/>
+            <a:r>
+              <a:rPr lang="en-US" dirty="0" smtClean="0"/>
+              <a:t>defense</a:t>
+            </a:r>
+          </a:p>
+        </p:txBody>
+      </p:sp>
+      <p:sp>
+        <p:nvSpPr>
+          <p:cNvPr id="25" name="TextBox 24"/>
+          <p:cNvSpPr txBox="1"/>
+          <p:nvPr/>
+        </p:nvSpPr>
+        <p:spPr>
+          <a:xfrm>
+            <a:off x="4047826" y="2774572"/>
+            <a:ext cx="2072014" cy="369332"/>
+          </a:xfrm>
+          <a:prstGeom prst="rect">
+            <a:avLst/>
+          </a:prstGeom>
+          <a:noFill/>
+        </p:spPr>
+        <p:txBody>
+          <a:bodyPr wrap="none" rtlCol="0">
+            <a:spAutoFit/>
+          </a:bodyPr>
+          <a:lstStyle/>
+          <a:p>
+            <a:pPr algn="ctr"/>
+            <a:r>
+              <a:rPr lang="en-US" dirty="0" smtClean="0"/>
+              <a:t>Use bots to get Bots</a:t>
+            </a:r>
+          </a:p>
+        </p:txBody>
+      </p:sp>
+      <p:cxnSp>
+        <p:nvCxnSpPr>
+          <p:cNvPr id="26" name="Straight Connector 25"/>
+          <p:cNvCxnSpPr>
+            <a:stCxn id="25" idx="2"/>
+          </p:cNvCxnSpPr>
+          <p:nvPr/>
+        </p:nvCxnSpPr>
+        <p:spPr>
+          <a:xfrm>
+            <a:off x="5083833" y="3143904"/>
+            <a:ext cx="0" cy="1391384"/>
+          </a:xfrm>
+          <a:prstGeom prst="line">
+            <a:avLst/>
+          </a:prstGeom>
+        </p:spPr>
+        <p:style>
+          <a:lnRef idx="2">
+            <a:schemeClr val="accent1"/>
+          </a:lnRef>
+          <a:fillRef idx="0">
+            <a:schemeClr val="accent1"/>
+          </a:fillRef>
+          <a:effectRef idx="1">
+            <a:schemeClr val="accent1"/>
+          </a:effectRef>
+          <a:fontRef idx="minor">
+            <a:schemeClr val="tx1"/>
+          </a:fontRef>
+        </p:style>
+      </p:cxnSp>
+    </p:spTree>
+    <p:extLst>
+      <p:ext uri="{BB962C8B-B14F-4D97-AF65-F5344CB8AC3E}">
+        <p14:creationId xmlns:p14="http://schemas.microsoft.com/office/powerpoint/2010/main" val="1633030385"/>
+      </p:ext>
+    </p:extLst>
+  </p:cSld>
+  <p:clrMapOvr>
+    <a:masterClrMapping/>
+  </p:clrMapOvr>
+</p:sld>
+</file>
+
+<file path=ppt/slides/slide8.xml><?xml version="1.0" encoding="utf-8"?>
+<p:sld xmlns:a="http://schemas.openxmlformats.org/drawingml/2006/main" xmlns:r="http://schemas.openxmlformats.org/officeDocument/2006/relationships" xmlns:p="http://schemas.openxmlformats.org/presentationml/2006/main">
+  <p:cSld>
+    <p:spTree>
+      <p:nvGrpSpPr>
+        <p:cNvPr id="1" name=""/>
+        <p:cNvGrpSpPr/>
+        <p:nvPr/>
+      </p:nvGrpSpPr>
+      <p:grpSpPr>
+        <a:xfrm>
+          <a:off x="0" y="0"/>
+          <a:ext cx="0" cy="0"/>
+          <a:chOff x="0" y="0"/>
+          <a:chExt cx="0" cy="0"/>
+        </a:xfrm>
+      </p:grpSpPr>
+      <p:sp>
+        <p:nvSpPr>
+          <p:cNvPr id="2" name="Title 1"/>
+          <p:cNvSpPr>
+            <a:spLocks noGrp="1"/>
+          </p:cNvSpPr>
+          <p:nvPr>
+            <p:ph type="title"/>
+          </p:nvPr>
+        </p:nvSpPr>
+        <p:spPr/>
+        <p:txBody>
+          <a:bodyPr/>
+          <a:lstStyle/>
+          <a:p>
+            <a:r>
+              <a:rPr lang="en-US" dirty="0" smtClean="0"/>
               <a:t>Game Flow</a:t>
             </a:r>
             <a:endParaRPr lang="en-US" dirty="0"/>
@@ -12620,7 +14306,7 @@
 </p:sld>
 </file>
 
-<file path=ppt/slides/slide8.xml><?xml version="1.0" encoding="utf-8"?>
+<file path=ppt/slides/slide9.xml><?xml version="1.0" encoding="utf-8"?>
 <p:sld xmlns:a="http://schemas.openxmlformats.org/drawingml/2006/main" xmlns:r="http://schemas.openxmlformats.org/officeDocument/2006/relationships" xmlns:p="http://schemas.openxmlformats.org/presentationml/2006/main">
   <p:cSld>
     <p:spTree>

--- a/puzzle9_resourceGuide.pptx
+++ b/puzzle9_resourceGuide.pptx
@@ -297,7 +297,7 @@
           <a:p>
             <a:fld id="{83C2B043-E5D7-564F-B47B-C0FE35424682}" type="datetimeFigureOut">
               <a:rPr lang="en-US" smtClean="0"/>
-              <a:t>11/11/15</a:t>
+              <a:t>11/26/15</a:t>
             </a:fld>
             <a:endParaRPr lang="en-US"/>
           </a:p>
@@ -467,7 +467,7 @@
           <a:p>
             <a:fld id="{83C2B043-E5D7-564F-B47B-C0FE35424682}" type="datetimeFigureOut">
               <a:rPr lang="en-US" smtClean="0"/>
-              <a:t>11/11/15</a:t>
+              <a:t>11/26/15</a:t>
             </a:fld>
             <a:endParaRPr lang="en-US"/>
           </a:p>
@@ -647,7 +647,7 @@
           <a:p>
             <a:fld id="{83C2B043-E5D7-564F-B47B-C0FE35424682}" type="datetimeFigureOut">
               <a:rPr lang="en-US" smtClean="0"/>
-              <a:t>11/11/15</a:t>
+              <a:t>11/26/15</a:t>
             </a:fld>
             <a:endParaRPr lang="en-US"/>
           </a:p>
@@ -817,7 +817,7 @@
           <a:p>
             <a:fld id="{83C2B043-E5D7-564F-B47B-C0FE35424682}" type="datetimeFigureOut">
               <a:rPr lang="en-US" smtClean="0"/>
-              <a:t>11/11/15</a:t>
+              <a:t>11/26/15</a:t>
             </a:fld>
             <a:endParaRPr lang="en-US"/>
           </a:p>
@@ -1063,7 +1063,7 @@
           <a:p>
             <a:fld id="{83C2B043-E5D7-564F-B47B-C0FE35424682}" type="datetimeFigureOut">
               <a:rPr lang="en-US" smtClean="0"/>
-              <a:t>11/11/15</a:t>
+              <a:t>11/26/15</a:t>
             </a:fld>
             <a:endParaRPr lang="en-US"/>
           </a:p>
@@ -1351,7 +1351,7 @@
           <a:p>
             <a:fld id="{83C2B043-E5D7-564F-B47B-C0FE35424682}" type="datetimeFigureOut">
               <a:rPr lang="en-US" smtClean="0"/>
-              <a:t>11/11/15</a:t>
+              <a:t>11/26/15</a:t>
             </a:fld>
             <a:endParaRPr lang="en-US"/>
           </a:p>
@@ -1773,7 +1773,7 @@
           <a:p>
             <a:fld id="{83C2B043-E5D7-564F-B47B-C0FE35424682}" type="datetimeFigureOut">
               <a:rPr lang="en-US" smtClean="0"/>
-              <a:t>11/11/15</a:t>
+              <a:t>11/26/15</a:t>
             </a:fld>
             <a:endParaRPr lang="en-US"/>
           </a:p>
@@ -1891,7 +1891,7 @@
           <a:p>
             <a:fld id="{83C2B043-E5D7-564F-B47B-C0FE35424682}" type="datetimeFigureOut">
               <a:rPr lang="en-US" smtClean="0"/>
-              <a:t>11/11/15</a:t>
+              <a:t>11/26/15</a:t>
             </a:fld>
             <a:endParaRPr lang="en-US"/>
           </a:p>
@@ -1986,7 +1986,7 @@
           <a:p>
             <a:fld id="{83C2B043-E5D7-564F-B47B-C0FE35424682}" type="datetimeFigureOut">
               <a:rPr lang="en-US" smtClean="0"/>
-              <a:t>11/11/15</a:t>
+              <a:t>11/26/15</a:t>
             </a:fld>
             <a:endParaRPr lang="en-US"/>
           </a:p>
@@ -2263,7 +2263,7 @@
           <a:p>
             <a:fld id="{83C2B043-E5D7-564F-B47B-C0FE35424682}" type="datetimeFigureOut">
               <a:rPr lang="en-US" smtClean="0"/>
-              <a:t>11/11/15</a:t>
+              <a:t>11/26/15</a:t>
             </a:fld>
             <a:endParaRPr lang="en-US"/>
           </a:p>
@@ -2516,7 +2516,7 @@
           <a:p>
             <a:fld id="{83C2B043-E5D7-564F-B47B-C0FE35424682}" type="datetimeFigureOut">
               <a:rPr lang="en-US" smtClean="0"/>
-              <a:t>11/11/15</a:t>
+              <a:t>11/26/15</a:t>
             </a:fld>
             <a:endParaRPr lang="en-US"/>
           </a:p>
@@ -2729,7 +2729,7 @@
           <a:p>
             <a:fld id="{83C2B043-E5D7-564F-B47B-C0FE35424682}" type="datetimeFigureOut">
               <a:rPr lang="en-US" smtClean="0"/>
-              <a:t>11/11/15</a:t>
+              <a:t>11/26/15</a:t>
             </a:fld>
             <a:endParaRPr lang="en-US"/>
           </a:p>
@@ -7716,15 +7716,7 @@
                   <a:srgbClr val="3366FF"/>
                 </a:solidFill>
               </a:rPr>
-              <a:t>(+t.s.</a:t>
-            </a:r>
-            <a:r>
-              <a:rPr lang="en-US" sz="1000" dirty="0" smtClean="0">
-                <a:solidFill>
-                  <a:srgbClr val="3366FF"/>
-                </a:solidFill>
-              </a:rPr>
-              <a:t>+</a:t>
+              <a:t>(+t.s.+</a:t>
             </a:r>
             <a:r>
               <a:rPr lang="en-US" sz="1000" dirty="0" err="1" smtClean="0">
@@ -14381,8 +14373,8 @@
           <a:p>
             <a:pPr algn="ctr"/>
             <a:r>
-              <a:rPr lang="en-US" dirty="0" err="1" smtClean="0"/>
-              <a:t>btc</a:t>
+              <a:rPr lang="en-US" dirty="0" smtClean="0"/>
+              <a:t>ads</a:t>
             </a:r>
             <a:endParaRPr lang="en-US" dirty="0"/>
           </a:p>
@@ -14465,8 +14457,8 @@
           <a:p>
             <a:pPr algn="ctr"/>
             <a:r>
-              <a:rPr lang="en-US" dirty="0" smtClean="0"/>
-              <a:t>pills</a:t>
+              <a:rPr lang="en-US" dirty="0"/>
+              <a:t>cards</a:t>
             </a:r>
             <a:endParaRPr lang="en-US" dirty="0"/>
           </a:p>
@@ -14633,8 +14625,8 @@
           <a:p>
             <a:pPr algn="ctr"/>
             <a:r>
-              <a:rPr lang="en-US" dirty="0" err="1" smtClean="0"/>
-              <a:t>usd</a:t>
+              <a:rPr lang="en-US" dirty="0" smtClean="0"/>
+              <a:t>workers</a:t>
             </a:r>
             <a:endParaRPr lang="en-US" dirty="0"/>
           </a:p>
@@ -14923,8 +14915,8 @@
           <a:p>
             <a:pPr algn="ctr"/>
             <a:r>
-              <a:rPr lang="en-US" dirty="0" smtClean="0"/>
-              <a:t>Trade sec</a:t>
+              <a:rPr lang="en-US" dirty="0" err="1"/>
+              <a:t>ssns</a:t>
             </a:r>
             <a:endParaRPr lang="en-US" dirty="0"/>
           </a:p>
@@ -14964,6 +14956,10 @@
           <a:lstStyle/>
           <a:p>
             <a:pPr algn="ctr"/>
+            <a:r>
+              <a:rPr lang="en-US" dirty="0"/>
+              <a:t>pills</a:t>
+            </a:r>
             <a:endParaRPr lang="en-US" dirty="0"/>
           </a:p>
         </p:txBody>
@@ -15041,12 +15037,8 @@
           <a:p>
             <a:pPr algn="ctr"/>
             <a:r>
-              <a:rPr lang="en-US" dirty="0" smtClean="0"/>
-              <a:t>Deep </a:t>
-            </a:r>
-            <a:r>
-              <a:rPr lang="en-US" dirty="0" err="1" smtClean="0"/>
-              <a:t>Ckd</a:t>
+              <a:rPr lang="en-US" dirty="0"/>
+              <a:t>Quark II</a:t>
             </a:r>
             <a:endParaRPr lang="en-US" dirty="0"/>
           </a:p>
@@ -15130,7 +15122,7 @@
             <a:pPr algn="ctr"/>
             <a:r>
               <a:rPr lang="en-US" dirty="0" smtClean="0"/>
-              <a:t>workers</a:t>
+              <a:t/>
             </a:r>
             <a:endParaRPr lang="en-US" dirty="0"/>
           </a:p>
@@ -15217,8 +15209,8 @@
           <a:p>
             <a:pPr algn="ctr"/>
             <a:r>
-              <a:rPr lang="en-US" dirty="0" smtClean="0"/>
-              <a:t>exploits</a:t>
+              <a:rPr lang="en-US" dirty="0"/>
+              <a:t>silicon</a:t>
             </a:r>
             <a:endParaRPr lang="en-US" dirty="0"/>
           </a:p>
@@ -15296,10 +15288,6 @@
           <a:lstStyle/>
           <a:p>
             <a:pPr algn="ctr"/>
-            <a:r>
-              <a:rPr lang="en-US" dirty="0" smtClean="0"/>
-              <a:t>Quark II</a:t>
-            </a:r>
             <a:endParaRPr lang="en-US" dirty="0"/>
           </a:p>
         </p:txBody>
@@ -15380,10 +15368,6 @@
           <a:lstStyle/>
           <a:p>
             <a:pPr algn="ctr"/>
-            <a:r>
-              <a:rPr lang="en-US" dirty="0" smtClean="0"/>
-              <a:t>ads</a:t>
-            </a:r>
             <a:endParaRPr lang="en-US" dirty="0"/>
           </a:p>
         </p:txBody>
@@ -15422,7 +15406,11 @@
           <a:lstStyle/>
           <a:p>
             <a:pPr algn="ctr"/>
-            <a:endParaRPr lang="en-US"/>
+            <a:r>
+              <a:rPr lang="en-US" dirty="0"/>
+              <a:t>Trade sec</a:t>
+            </a:r>
+            <a:endParaRPr lang="en-US" dirty="0"/>
           </a:p>
         </p:txBody>
       </p:sp>
@@ -15461,8 +15449,8 @@
           <a:p>
             <a:pPr algn="ctr"/>
             <a:r>
-              <a:rPr lang="en-US" dirty="0" smtClean="0"/>
-              <a:t>hardware</a:t>
+              <a:rPr lang="en-US" dirty="0"/>
+              <a:t>chips</a:t>
             </a:r>
             <a:endParaRPr lang="en-US" dirty="0"/>
           </a:p>
@@ -15654,7 +15642,11 @@
           <a:lstStyle/>
           <a:p>
             <a:pPr algn="ctr"/>
-            <a:endParaRPr lang="en-US"/>
+            <a:r>
+              <a:rPr lang="en-US" dirty="0"/>
+              <a:t>exploits</a:t>
+            </a:r>
+            <a:endParaRPr lang="en-US" dirty="0"/>
           </a:p>
         </p:txBody>
       </p:sp>
@@ -15692,10 +15684,6 @@
           <a:lstStyle/>
           <a:p>
             <a:pPr algn="ctr"/>
-            <a:r>
-              <a:rPr lang="en-US" dirty="0" smtClean="0"/>
-              <a:t>silicon</a:t>
-            </a:r>
             <a:endParaRPr lang="en-US" dirty="0"/>
           </a:p>
         </p:txBody>
@@ -15886,7 +15874,7 @@
           <a:lstStyle/>
           <a:p>
             <a:pPr algn="ctr"/>
-            <a:endParaRPr lang="en-US"/>
+            <a:endParaRPr lang="en-US" dirty="0"/>
           </a:p>
         </p:txBody>
       </p:sp>
@@ -16273,6 +16261,232 @@
               <a:t>1                   2                       3                       4                        5                       6  </a:t>
             </a:r>
             <a:endParaRPr lang="en-US" dirty="0"/>
+          </a:p>
+        </p:txBody>
+      </p:sp>
+      <p:sp>
+        <p:nvSpPr>
+          <p:cNvPr id="5" name="TextBox 4"/>
+          <p:cNvSpPr txBox="1"/>
+          <p:nvPr/>
+        </p:nvSpPr>
+        <p:spPr>
+          <a:xfrm>
+            <a:off x="457200" y="1714218"/>
+            <a:ext cx="590990" cy="369332"/>
+          </a:xfrm>
+          <a:prstGeom prst="rect">
+            <a:avLst/>
+          </a:prstGeom>
+          <a:noFill/>
+        </p:spPr>
+        <p:txBody>
+          <a:bodyPr wrap="none" rtlCol="0">
+            <a:spAutoFit/>
+          </a:bodyPr>
+          <a:lstStyle/>
+          <a:p>
+            <a:r>
+              <a:rPr lang="en-US" dirty="0" smtClean="0"/>
+              <a:t>Occ.</a:t>
+            </a:r>
+            <a:endParaRPr lang="en-US" dirty="0"/>
+          </a:p>
+        </p:txBody>
+      </p:sp>
+      <p:sp>
+        <p:nvSpPr>
+          <p:cNvPr id="54" name="TextBox 53"/>
+          <p:cNvSpPr txBox="1"/>
+          <p:nvPr/>
+        </p:nvSpPr>
+        <p:spPr>
+          <a:xfrm>
+            <a:off x="1751398" y="1714218"/>
+            <a:ext cx="551090" cy="369332"/>
+          </a:xfrm>
+          <a:prstGeom prst="rect">
+            <a:avLst/>
+          </a:prstGeom>
+          <a:noFill/>
+        </p:spPr>
+        <p:txBody>
+          <a:bodyPr wrap="none" rtlCol="0">
+            <a:spAutoFit/>
+          </a:bodyPr>
+          <a:lstStyle/>
+          <a:p>
+            <a:r>
+              <a:rPr lang="en-US" dirty="0" smtClean="0"/>
+              <a:t>info</a:t>
+            </a:r>
+            <a:endParaRPr lang="en-US" dirty="0"/>
+          </a:p>
+        </p:txBody>
+      </p:sp>
+      <p:sp>
+        <p:nvSpPr>
+          <p:cNvPr id="55" name="TextBox 54"/>
+          <p:cNvSpPr txBox="1"/>
+          <p:nvPr/>
+        </p:nvSpPr>
+        <p:spPr>
+          <a:xfrm>
+            <a:off x="3084083" y="1725413"/>
+            <a:ext cx="621985" cy="369332"/>
+          </a:xfrm>
+          <a:prstGeom prst="rect">
+            <a:avLst/>
+          </a:prstGeom>
+          <a:noFill/>
+        </p:spPr>
+        <p:txBody>
+          <a:bodyPr wrap="none" rtlCol="0">
+            <a:spAutoFit/>
+          </a:bodyPr>
+          <a:lstStyle/>
+          <a:p>
+            <a:r>
+              <a:rPr lang="en-US" dirty="0" err="1" smtClean="0"/>
+              <a:t>phys</a:t>
+            </a:r>
+            <a:endParaRPr lang="en-US" dirty="0"/>
+          </a:p>
+        </p:txBody>
+      </p:sp>
+      <p:sp>
+        <p:nvSpPr>
+          <p:cNvPr id="6" name="TextBox 5"/>
+          <p:cNvSpPr txBox="1"/>
+          <p:nvPr/>
+        </p:nvSpPr>
+        <p:spPr>
+          <a:xfrm>
+            <a:off x="1502611" y="6444575"/>
+            <a:ext cx="1096499" cy="369332"/>
+          </a:xfrm>
+          <a:prstGeom prst="rect">
+            <a:avLst/>
+          </a:prstGeom>
+          <a:noFill/>
+        </p:spPr>
+        <p:txBody>
+          <a:bodyPr wrap="none" rtlCol="0">
+            <a:spAutoFit/>
+          </a:bodyPr>
+          <a:lstStyle/>
+          <a:p>
+            <a:r>
+              <a:rPr lang="en-US" dirty="0" smtClean="0"/>
+              <a:t>resources</a:t>
+            </a:r>
+            <a:endParaRPr lang="en-US" dirty="0"/>
+          </a:p>
+        </p:txBody>
+      </p:sp>
+      <p:sp>
+        <p:nvSpPr>
+          <p:cNvPr id="7" name="Left Brace 6"/>
+          <p:cNvSpPr/>
+          <p:nvPr/>
+        </p:nvSpPr>
+        <p:spPr>
+          <a:xfrm rot="16200000">
+            <a:off x="1837204" y="5041639"/>
+            <a:ext cx="484430" cy="2321441"/>
+          </a:xfrm>
+          <a:prstGeom prst="leftBrace">
+            <a:avLst/>
+          </a:prstGeom>
+        </p:spPr>
+        <p:style>
+          <a:lnRef idx="2">
+            <a:schemeClr val="accent1"/>
+          </a:lnRef>
+          <a:fillRef idx="0">
+            <a:schemeClr val="accent1"/>
+          </a:fillRef>
+          <a:effectRef idx="1">
+            <a:schemeClr val="accent1"/>
+          </a:effectRef>
+          <a:fontRef idx="minor">
+            <a:schemeClr val="tx1"/>
+          </a:fontRef>
+        </p:style>
+        <p:txBody>
+          <a:bodyPr rtlCol="0" anchor="ctr"/>
+          <a:lstStyle/>
+          <a:p>
+            <a:pPr algn="ctr"/>
+            <a:endParaRPr lang="en-US"/>
+          </a:p>
+        </p:txBody>
+      </p:sp>
+      <p:sp>
+        <p:nvSpPr>
+          <p:cNvPr id="58" name="TextBox 57"/>
+          <p:cNvSpPr txBox="1"/>
+          <p:nvPr/>
+        </p:nvSpPr>
+        <p:spPr>
+          <a:xfrm>
+            <a:off x="5657718" y="6444574"/>
+            <a:ext cx="648698" cy="369332"/>
+          </a:xfrm>
+          <a:prstGeom prst="rect">
+            <a:avLst/>
+          </a:prstGeom>
+          <a:noFill/>
+        </p:spPr>
+        <p:txBody>
+          <a:bodyPr wrap="none" rtlCol="0">
+            <a:spAutoFit/>
+          </a:bodyPr>
+          <a:lstStyle/>
+          <a:p>
+            <a:r>
+              <a:rPr lang="en-US" dirty="0" smtClean="0"/>
+              <a:t>tools</a:t>
+            </a:r>
+            <a:endParaRPr lang="en-US" dirty="0"/>
+          </a:p>
+        </p:txBody>
+      </p:sp>
+      <p:sp>
+        <p:nvSpPr>
+          <p:cNvPr id="65" name="Left Brace 64"/>
+          <p:cNvSpPr/>
+          <p:nvPr/>
+        </p:nvSpPr>
+        <p:spPr>
+          <a:xfrm rot="16200000">
+            <a:off x="5761385" y="5041638"/>
+            <a:ext cx="484430" cy="2321441"/>
+          </a:xfrm>
+          <a:prstGeom prst="leftBrace">
+            <a:avLst/>
+          </a:prstGeom>
+        </p:spPr>
+        <p:style>
+          <a:lnRef idx="2">
+            <a:schemeClr val="accent1"/>
+          </a:lnRef>
+          <a:fillRef idx="0">
+            <a:schemeClr val="accent1"/>
+          </a:fillRef>
+          <a:effectRef idx="1">
+            <a:schemeClr val="accent1"/>
+          </a:effectRef>
+          <a:fontRef idx="minor">
+            <a:schemeClr val="tx1"/>
+          </a:fontRef>
+        </p:style>
+        <p:txBody>
+          <a:bodyPr rtlCol="0" anchor="ctr"/>
+          <a:lstStyle/>
+          <a:p>
+            <a:pPr algn="ctr"/>
+            <a:endParaRPr lang="en-US"/>
           </a:p>
         </p:txBody>
       </p:sp>
